--- a/rtl/cpu_v4/doc/Qupls2026.pptx
+++ b/rtl/cpu_v4/doc/Qupls2026.pptx
@@ -120,7 +120,7 @@
 <file path=ppt/revisionInfo.xml><?xml version="1.0" encoding="utf-8"?>
 <p1510:revInfo xmlns:a="http://schemas.openxmlformats.org/drawingml/2006/main" xmlns:r="http://schemas.openxmlformats.org/officeDocument/2006/relationships" xmlns:p1510="http://schemas.microsoft.com/office/powerpoint/2015/10/main">
   <p1510:revLst>
-    <p1510:client id="{98D71E6C-3DAB-47EA-86FD-1D8E1661B80E}" v="33" dt="2025-11-09T01:55:59.760"/>
+    <p1510:client id="{9F23FD1A-625A-4B31-93FB-D8E8B8CAA265}" v="18" dt="2025-11-14T01:25:32.256"/>
   </p1510:revLst>
 </p1510:revInfo>
 </file>
@@ -130,12 +130,12 @@
   <pc:docChgLst>
     <pc:chgData name="Robert Finch" userId="360118edfabb5ba6" providerId="LiveId" clId="{940D50E2-FEDC-434C-83CF-A13052851249}"/>
     <pc:docChg chg="custSel modSld">
-      <pc:chgData name="Robert Finch" userId="360118edfabb5ba6" providerId="LiveId" clId="{940D50E2-FEDC-434C-83CF-A13052851249}" dt="2025-11-11T00:18:49.463" v="496" actId="20577"/>
+      <pc:chgData name="Robert Finch" userId="360118edfabb5ba6" providerId="LiveId" clId="{940D50E2-FEDC-434C-83CF-A13052851249}" dt="2025-11-14T01:28:59.458" v="1413" actId="478"/>
       <pc:docMkLst>
         <pc:docMk/>
       </pc:docMkLst>
-      <pc:sldChg chg="addSp modSp mod">
-        <pc:chgData name="Robert Finch" userId="360118edfabb5ba6" providerId="LiveId" clId="{940D50E2-FEDC-434C-83CF-A13052851249}" dt="2025-11-09T01:43:30.327" v="441" actId="20577"/>
+      <pc:sldChg chg="addSp delSp modSp mod">
+        <pc:chgData name="Robert Finch" userId="360118edfabb5ba6" providerId="LiveId" clId="{940D50E2-FEDC-434C-83CF-A13052851249}" dt="2025-11-14T01:28:59.458" v="1413" actId="478"/>
         <pc:sldMkLst>
           <pc:docMk/>
           <pc:sldMk cId="3493996368" sldId="256"/>
@@ -149,7 +149,7 @@
           </ac:spMkLst>
         </pc:spChg>
         <pc:spChg chg="add mod ord">
-          <ac:chgData name="Robert Finch" userId="360118edfabb5ba6" providerId="LiveId" clId="{940D50E2-FEDC-434C-83CF-A13052851249}" dt="2025-11-08T01:43:00.440" v="137" actId="167"/>
+          <ac:chgData name="Robert Finch" userId="360118edfabb5ba6" providerId="LiveId" clId="{940D50E2-FEDC-434C-83CF-A13052851249}" dt="2025-11-13T20:38:22.068" v="619" actId="1076"/>
           <ac:spMkLst>
             <pc:docMk/>
             <pc:sldMk cId="3493996368" sldId="256"/>
@@ -157,7 +157,135 @@
           </ac:spMkLst>
         </pc:spChg>
         <pc:spChg chg="mod">
-          <ac:chgData name="Robert Finch" userId="360118edfabb5ba6" providerId="LiveId" clId="{940D50E2-FEDC-434C-83CF-A13052851249}" dt="2025-11-08T01:40:01.858" v="136" actId="1076"/>
+          <ac:chgData name="Robert Finch" userId="360118edfabb5ba6" providerId="LiveId" clId="{940D50E2-FEDC-434C-83CF-A13052851249}" dt="2025-11-13T20:32:43.092" v="562" actId="14100"/>
+          <ac:spMkLst>
+            <pc:docMk/>
+            <pc:sldMk cId="3493996368" sldId="256"/>
+            <ac:spMk id="4" creationId="{F20B9CAB-33A3-DF06-299D-C7D0E79C34DD}"/>
+          </ac:spMkLst>
+        </pc:spChg>
+        <pc:spChg chg="mod">
+          <ac:chgData name="Robert Finch" userId="360118edfabb5ba6" providerId="LiveId" clId="{940D50E2-FEDC-434C-83CF-A13052851249}" dt="2025-11-13T20:33:22.161" v="570" actId="1076"/>
+          <ac:spMkLst>
+            <pc:docMk/>
+            <pc:sldMk cId="3493996368" sldId="256"/>
+            <ac:spMk id="5" creationId="{C865363E-0D61-E897-910A-F370A5032ED8}"/>
+          </ac:spMkLst>
+        </pc:spChg>
+        <pc:spChg chg="mod">
+          <ac:chgData name="Robert Finch" userId="360118edfabb5ba6" providerId="LiveId" clId="{940D50E2-FEDC-434C-83CF-A13052851249}" dt="2025-11-13T20:34:27.723" v="579" actId="1076"/>
+          <ac:spMkLst>
+            <pc:docMk/>
+            <pc:sldMk cId="3493996368" sldId="256"/>
+            <ac:spMk id="6" creationId="{DAD6549B-CBC1-E564-88F0-22B7DD569F76}"/>
+          </ac:spMkLst>
+        </pc:spChg>
+        <pc:spChg chg="mod">
+          <ac:chgData name="Robert Finch" userId="360118edfabb5ba6" providerId="LiveId" clId="{940D50E2-FEDC-434C-83CF-A13052851249}" dt="2025-11-13T20:35:05.049" v="587" actId="1076"/>
+          <ac:spMkLst>
+            <pc:docMk/>
+            <pc:sldMk cId="3493996368" sldId="256"/>
+            <ac:spMk id="7" creationId="{FD8F65F8-FB16-5708-1549-E0B42AB137A9}"/>
+          </ac:spMkLst>
+        </pc:spChg>
+        <pc:spChg chg="mod">
+          <ac:chgData name="Robert Finch" userId="360118edfabb5ba6" providerId="LiveId" clId="{940D50E2-FEDC-434C-83CF-A13052851249}" dt="2025-11-13T20:36:26.187" v="601" actId="1076"/>
+          <ac:spMkLst>
+            <pc:docMk/>
+            <pc:sldMk cId="3493996368" sldId="256"/>
+            <ac:spMk id="8" creationId="{A0B19B70-FD33-3B9B-AEC7-C546F3CD38AC}"/>
+          </ac:spMkLst>
+        </pc:spChg>
+        <pc:spChg chg="mod">
+          <ac:chgData name="Robert Finch" userId="360118edfabb5ba6" providerId="LiveId" clId="{940D50E2-FEDC-434C-83CF-A13052851249}" dt="2025-11-13T20:38:22.068" v="619" actId="1076"/>
+          <ac:spMkLst>
+            <pc:docMk/>
+            <pc:sldMk cId="3493996368" sldId="256"/>
+            <ac:spMk id="9" creationId="{43B13E1A-8BA1-FD2E-298B-39A9773492D9}"/>
+          </ac:spMkLst>
+        </pc:spChg>
+        <pc:spChg chg="mod">
+          <ac:chgData name="Robert Finch" userId="360118edfabb5ba6" providerId="LiveId" clId="{940D50E2-FEDC-434C-83CF-A13052851249}" dt="2025-11-13T20:32:52.144" v="564" actId="14100"/>
+          <ac:spMkLst>
+            <pc:docMk/>
+            <pc:sldMk cId="3493996368" sldId="256"/>
+            <ac:spMk id="10" creationId="{C2CE30D4-A510-082C-C771-FC867429D4A3}"/>
+          </ac:spMkLst>
+        </pc:spChg>
+        <pc:spChg chg="mod">
+          <ac:chgData name="Robert Finch" userId="360118edfabb5ba6" providerId="LiveId" clId="{940D50E2-FEDC-434C-83CF-A13052851249}" dt="2025-11-13T20:32:56.310" v="565" actId="14100"/>
+          <ac:spMkLst>
+            <pc:docMk/>
+            <pc:sldMk cId="3493996368" sldId="256"/>
+            <ac:spMk id="11" creationId="{5EC13761-4A16-527F-25C4-63929CC12475}"/>
+          </ac:spMkLst>
+        </pc:spChg>
+        <pc:spChg chg="mod">
+          <ac:chgData name="Robert Finch" userId="360118edfabb5ba6" providerId="LiveId" clId="{940D50E2-FEDC-434C-83CF-A13052851249}" dt="2025-11-13T20:33:00.187" v="566" actId="14100"/>
+          <ac:spMkLst>
+            <pc:docMk/>
+            <pc:sldMk cId="3493996368" sldId="256"/>
+            <ac:spMk id="12" creationId="{5B401EC6-5825-9E44-80EC-6B43B4C0A313}"/>
+          </ac:spMkLst>
+        </pc:spChg>
+        <pc:spChg chg="mod">
+          <ac:chgData name="Robert Finch" userId="360118edfabb5ba6" providerId="LiveId" clId="{940D50E2-FEDC-434C-83CF-A13052851249}" dt="2025-11-13T20:35:13.357" v="589" actId="14100"/>
+          <ac:spMkLst>
+            <pc:docMk/>
+            <pc:sldMk cId="3493996368" sldId="256"/>
+            <ac:spMk id="13" creationId="{91946394-63E9-5D59-33ED-942F6365F6CE}"/>
+          </ac:spMkLst>
+        </pc:spChg>
+        <pc:spChg chg="mod">
+          <ac:chgData name="Robert Finch" userId="360118edfabb5ba6" providerId="LiveId" clId="{940D50E2-FEDC-434C-83CF-A13052851249}" dt="2025-11-13T20:36:51.383" v="605" actId="1076"/>
+          <ac:spMkLst>
+            <pc:docMk/>
+            <pc:sldMk cId="3493996368" sldId="256"/>
+            <ac:spMk id="14" creationId="{304F8560-A650-9E36-82DA-6D5649A6C0D1}"/>
+          </ac:spMkLst>
+        </pc:spChg>
+        <pc:spChg chg="mod">
+          <ac:chgData name="Robert Finch" userId="360118edfabb5ba6" providerId="LiveId" clId="{940D50E2-FEDC-434C-83CF-A13052851249}" dt="2025-11-13T20:39:06.208" v="627" actId="1076"/>
+          <ac:spMkLst>
+            <pc:docMk/>
+            <pc:sldMk cId="3493996368" sldId="256"/>
+            <ac:spMk id="15" creationId="{8A60914A-135B-535E-A4E6-CB047D1389AE}"/>
+          </ac:spMkLst>
+        </pc:spChg>
+        <pc:spChg chg="mod">
+          <ac:chgData name="Robert Finch" userId="360118edfabb5ba6" providerId="LiveId" clId="{940D50E2-FEDC-434C-83CF-A13052851249}" dt="2025-11-13T20:39:40.534" v="633" actId="1076"/>
+          <ac:spMkLst>
+            <pc:docMk/>
+            <pc:sldMk cId="3493996368" sldId="256"/>
+            <ac:spMk id="16" creationId="{FF436A42-A1EB-0562-B784-8E229D49CA6A}"/>
+          </ac:spMkLst>
+        </pc:spChg>
+        <pc:spChg chg="mod">
+          <ac:chgData name="Robert Finch" userId="360118edfabb5ba6" providerId="LiveId" clId="{940D50E2-FEDC-434C-83CF-A13052851249}" dt="2025-11-13T20:40:14.982" v="638" actId="1076"/>
+          <ac:spMkLst>
+            <pc:docMk/>
+            <pc:sldMk cId="3493996368" sldId="256"/>
+            <ac:spMk id="17" creationId="{B774D86D-B698-D078-FAC0-735B59942F5E}"/>
+          </ac:spMkLst>
+        </pc:spChg>
+        <pc:spChg chg="mod">
+          <ac:chgData name="Robert Finch" userId="360118edfabb5ba6" providerId="LiveId" clId="{940D50E2-FEDC-434C-83CF-A13052851249}" dt="2025-11-13T20:40:40.705" v="643" actId="1076"/>
+          <ac:spMkLst>
+            <pc:docMk/>
+            <pc:sldMk cId="3493996368" sldId="256"/>
+            <ac:spMk id="18" creationId="{7B8498E8-92C8-F13C-33EB-F8E9FB749EAD}"/>
+          </ac:spMkLst>
+        </pc:spChg>
+        <pc:spChg chg="mod">
+          <ac:chgData name="Robert Finch" userId="360118edfabb5ba6" providerId="LiveId" clId="{940D50E2-FEDC-434C-83CF-A13052851249}" dt="2025-11-13T20:41:27.583" v="652" actId="1076"/>
+          <ac:spMkLst>
+            <pc:docMk/>
+            <pc:sldMk cId="3493996368" sldId="256"/>
+            <ac:spMk id="19" creationId="{C4E7F9D1-8DF1-12C2-7700-CE06C68FF045}"/>
+          </ac:spMkLst>
+        </pc:spChg>
+        <pc:spChg chg="mod">
+          <ac:chgData name="Robert Finch" userId="360118edfabb5ba6" providerId="LiveId" clId="{940D50E2-FEDC-434C-83CF-A13052851249}" dt="2025-11-14T01:28:01.870" v="1403" actId="14100"/>
           <ac:spMkLst>
             <pc:docMk/>
             <pc:sldMk cId="3493996368" sldId="256"/>
@@ -165,15 +293,95 @@
           </ac:spMkLst>
         </pc:spChg>
         <pc:spChg chg="add mod ord">
-          <ac:chgData name="Robert Finch" userId="360118edfabb5ba6" providerId="LiveId" clId="{940D50E2-FEDC-434C-83CF-A13052851249}" dt="2025-11-08T01:43:03.758" v="138" actId="167"/>
+          <ac:chgData name="Robert Finch" userId="360118edfabb5ba6" providerId="LiveId" clId="{940D50E2-FEDC-434C-83CF-A13052851249}" dt="2025-11-13T20:38:37.596" v="622" actId="14100"/>
           <ac:spMkLst>
             <pc:docMk/>
             <pc:sldMk cId="3493996368" sldId="256"/>
             <ac:spMk id="21" creationId="{68E9CFA1-3825-4851-2C50-2193AC6FE028}"/>
           </ac:spMkLst>
         </pc:spChg>
+        <pc:spChg chg="add del mod">
+          <ac:chgData name="Robert Finch" userId="360118edfabb5ba6" providerId="LiveId" clId="{940D50E2-FEDC-434C-83CF-A13052851249}" dt="2025-11-13T19:37:46.361" v="546" actId="478"/>
+          <ac:spMkLst>
+            <pc:docMk/>
+            <pc:sldMk cId="3493996368" sldId="256"/>
+            <ac:spMk id="22" creationId="{DEB9AF29-085E-F15A-1605-E15C310A7FF5}"/>
+          </ac:spMkLst>
+        </pc:spChg>
+        <pc:spChg chg="add del mod">
+          <ac:chgData name="Robert Finch" userId="360118edfabb5ba6" providerId="LiveId" clId="{940D50E2-FEDC-434C-83CF-A13052851249}" dt="2025-11-13T19:38:04.959" v="551" actId="478"/>
+          <ac:spMkLst>
+            <pc:docMk/>
+            <pc:sldMk cId="3493996368" sldId="256"/>
+            <ac:spMk id="23" creationId="{CDA6B063-E6AB-F989-D97D-8B6414B10A0D}"/>
+          </ac:spMkLst>
+        </pc:spChg>
+        <pc:spChg chg="add mod">
+          <ac:chgData name="Robert Finch" userId="360118edfabb5ba6" providerId="LiveId" clId="{940D50E2-FEDC-434C-83CF-A13052851249}" dt="2025-11-13T21:01:54.888" v="988" actId="14100"/>
+          <ac:spMkLst>
+            <pc:docMk/>
+            <pc:sldMk cId="3493996368" sldId="256"/>
+            <ac:spMk id="24" creationId="{E481DB56-C5C9-7AC4-0EE9-D297C341DF43}"/>
+          </ac:spMkLst>
+        </pc:spChg>
+        <pc:spChg chg="add mod">
+          <ac:chgData name="Robert Finch" userId="360118edfabb5ba6" providerId="LiveId" clId="{940D50E2-FEDC-434C-83CF-A13052851249}" dt="2025-11-13T20:43:33.981" v="685" actId="207"/>
+          <ac:spMkLst>
+            <pc:docMk/>
+            <pc:sldMk cId="3493996368" sldId="256"/>
+            <ac:spMk id="25" creationId="{DB92EDD2-6E78-2318-1091-5B24DD3F35EA}"/>
+          </ac:spMkLst>
+        </pc:spChg>
+        <pc:spChg chg="add del mod">
+          <ac:chgData name="Robert Finch" userId="360118edfabb5ba6" providerId="LiveId" clId="{940D50E2-FEDC-434C-83CF-A13052851249}" dt="2025-11-14T01:28:59.458" v="1413" actId="478"/>
+          <ac:spMkLst>
+            <pc:docMk/>
+            <pc:sldMk cId="3493996368" sldId="256"/>
+            <ac:spMk id="26" creationId="{16554F76-E6D8-DCEF-D6D4-2956E00C9F32}"/>
+          </ac:spMkLst>
+        </pc:spChg>
+        <pc:spChg chg="add mod">
+          <ac:chgData name="Robert Finch" userId="360118edfabb5ba6" providerId="LiveId" clId="{940D50E2-FEDC-434C-83CF-A13052851249}" dt="2025-11-13T21:01:51.880" v="987" actId="14100"/>
+          <ac:spMkLst>
+            <pc:docMk/>
+            <pc:sldMk cId="3493996368" sldId="256"/>
+            <ac:spMk id="27" creationId="{C9B770E9-9E36-BC7B-CD3A-649836BF1379}"/>
+          </ac:spMkLst>
+        </pc:spChg>
+        <pc:spChg chg="add mod">
+          <ac:chgData name="Robert Finch" userId="360118edfabb5ba6" providerId="LiveId" clId="{940D50E2-FEDC-434C-83CF-A13052851249}" dt="2025-11-13T21:04:28.807" v="1019" actId="1076"/>
+          <ac:spMkLst>
+            <pc:docMk/>
+            <pc:sldMk cId="3493996368" sldId="256"/>
+            <ac:spMk id="29" creationId="{4CDDCB0D-07E3-F8C0-A2F8-13C02CA1A8B4}"/>
+          </ac:spMkLst>
+        </pc:spChg>
+        <pc:spChg chg="add mod">
+          <ac:chgData name="Robert Finch" userId="360118edfabb5ba6" providerId="LiveId" clId="{940D50E2-FEDC-434C-83CF-A13052851249}" dt="2025-11-13T21:04:25.089" v="1018" actId="14100"/>
+          <ac:spMkLst>
+            <pc:docMk/>
+            <pc:sldMk cId="3493996368" sldId="256"/>
+            <ac:spMk id="30" creationId="{44EB0E90-3C35-259C-59F8-3056456FD5B3}"/>
+          </ac:spMkLst>
+        </pc:spChg>
+        <pc:spChg chg="add mod">
+          <ac:chgData name="Robert Finch" userId="360118edfabb5ba6" providerId="LiveId" clId="{940D50E2-FEDC-434C-83CF-A13052851249}" dt="2025-11-13T21:06:58.839" v="1108" actId="20577"/>
+          <ac:spMkLst>
+            <pc:docMk/>
+            <pc:sldMk cId="3493996368" sldId="256"/>
+            <ac:spMk id="31" creationId="{0D5F0C49-D56C-37EF-6204-191B87F32ACB}"/>
+          </ac:spMkLst>
+        </pc:spChg>
+        <pc:spChg chg="add mod">
+          <ac:chgData name="Robert Finch" userId="360118edfabb5ba6" providerId="LiveId" clId="{940D50E2-FEDC-434C-83CF-A13052851249}" dt="2025-11-13T21:00:02.296" v="967" actId="20577"/>
+          <ac:spMkLst>
+            <pc:docMk/>
+            <pc:sldMk cId="3493996368" sldId="256"/>
+            <ac:spMk id="32" creationId="{C968DA46-1AA2-CE2E-542C-0AB89CE5CBE1}"/>
+          </ac:spMkLst>
+        </pc:spChg>
         <pc:spChg chg="mod">
-          <ac:chgData name="Robert Finch" userId="360118edfabb5ba6" providerId="LiveId" clId="{940D50E2-FEDC-434C-83CF-A13052851249}" dt="2025-11-09T01:42:49.673" v="439" actId="20577"/>
+          <ac:chgData name="Robert Finch" userId="360118edfabb5ba6" providerId="LiveId" clId="{940D50E2-FEDC-434C-83CF-A13052851249}" dt="2025-11-14T01:24:52.360" v="1389" actId="14100"/>
           <ac:spMkLst>
             <pc:docMk/>
             <pc:sldMk cId="3493996368" sldId="256"/>
@@ -181,7 +389,103 @@
           </ac:spMkLst>
         </pc:spChg>
         <pc:spChg chg="mod">
-          <ac:chgData name="Robert Finch" userId="360118edfabb5ba6" providerId="LiveId" clId="{940D50E2-FEDC-434C-83CF-A13052851249}" dt="2025-11-09T01:42:45.506" v="437" actId="20577"/>
+          <ac:chgData name="Robert Finch" userId="360118edfabb5ba6" providerId="LiveId" clId="{940D50E2-FEDC-434C-83CF-A13052851249}" dt="2025-11-13T20:52:48.499" v="829" actId="207"/>
+          <ac:spMkLst>
+            <pc:docMk/>
+            <pc:sldMk cId="3493996368" sldId="256"/>
+            <ac:spMk id="34" creationId="{F4E2F53D-544F-63C5-E91A-887CB965E6BD}"/>
+          </ac:spMkLst>
+        </pc:spChg>
+        <pc:spChg chg="mod">
+          <ac:chgData name="Robert Finch" userId="360118edfabb5ba6" providerId="LiveId" clId="{940D50E2-FEDC-434C-83CF-A13052851249}" dt="2025-11-13T20:33:36.700" v="572" actId="1076"/>
+          <ac:spMkLst>
+            <pc:docMk/>
+            <pc:sldMk cId="3493996368" sldId="256"/>
+            <ac:spMk id="35" creationId="{25707A37-2146-452E-0E55-34D2DD7327B7}"/>
+          </ac:spMkLst>
+        </pc:spChg>
+        <pc:spChg chg="mod">
+          <ac:chgData name="Robert Finch" userId="360118edfabb5ba6" providerId="LiveId" clId="{940D50E2-FEDC-434C-83CF-A13052851249}" dt="2025-11-13T20:34:37.253" v="582" actId="1076"/>
+          <ac:spMkLst>
+            <pc:docMk/>
+            <pc:sldMk cId="3493996368" sldId="256"/>
+            <ac:spMk id="36" creationId="{11E77748-3C95-E25C-76EF-D8273C5CE235}"/>
+          </ac:spMkLst>
+        </pc:spChg>
+        <pc:spChg chg="mod">
+          <ac:chgData name="Robert Finch" userId="360118edfabb5ba6" providerId="LiveId" clId="{940D50E2-FEDC-434C-83CF-A13052851249}" dt="2025-11-13T20:35:23.935" v="591" actId="1076"/>
+          <ac:spMkLst>
+            <pc:docMk/>
+            <pc:sldMk cId="3493996368" sldId="256"/>
+            <ac:spMk id="37" creationId="{BFEBD308-3329-3694-F8D8-055311DD8850}"/>
+          </ac:spMkLst>
+        </pc:spChg>
+        <pc:spChg chg="mod">
+          <ac:chgData name="Robert Finch" userId="360118edfabb5ba6" providerId="LiveId" clId="{940D50E2-FEDC-434C-83CF-A13052851249}" dt="2025-11-13T20:38:27.857" v="620" actId="1076"/>
+          <ac:spMkLst>
+            <pc:docMk/>
+            <pc:sldMk cId="3493996368" sldId="256"/>
+            <ac:spMk id="38" creationId="{5B781C08-EC3C-DA74-AC8B-933D83D07036}"/>
+          </ac:spMkLst>
+        </pc:spChg>
+        <pc:spChg chg="mod">
+          <ac:chgData name="Robert Finch" userId="360118edfabb5ba6" providerId="LiveId" clId="{940D50E2-FEDC-434C-83CF-A13052851249}" dt="2025-11-13T20:39:13.379" v="629" actId="1076"/>
+          <ac:spMkLst>
+            <pc:docMk/>
+            <pc:sldMk cId="3493996368" sldId="256"/>
+            <ac:spMk id="39" creationId="{8AF02345-C9B1-B6BF-B7E9-41DDA4A6902F}"/>
+          </ac:spMkLst>
+        </pc:spChg>
+        <pc:spChg chg="mod">
+          <ac:chgData name="Robert Finch" userId="360118edfabb5ba6" providerId="LiveId" clId="{940D50E2-FEDC-434C-83CF-A13052851249}" dt="2025-11-13T20:36:15.928" v="599" actId="1076"/>
+          <ac:spMkLst>
+            <pc:docMk/>
+            <pc:sldMk cId="3493996368" sldId="256"/>
+            <ac:spMk id="40" creationId="{484CA597-998E-8D52-2E20-17E9EDFD37DF}"/>
+          </ac:spMkLst>
+        </pc:spChg>
+        <pc:spChg chg="mod">
+          <ac:chgData name="Robert Finch" userId="360118edfabb5ba6" providerId="LiveId" clId="{940D50E2-FEDC-434C-83CF-A13052851249}" dt="2025-11-13T20:52:59.283" v="830" actId="207"/>
+          <ac:spMkLst>
+            <pc:docMk/>
+            <pc:sldMk cId="3493996368" sldId="256"/>
+            <ac:spMk id="41" creationId="{62D03AFF-D0B3-BE37-A62E-0E325F813B5E}"/>
+          </ac:spMkLst>
+        </pc:spChg>
+        <pc:spChg chg="mod">
+          <ac:chgData name="Robert Finch" userId="360118edfabb5ba6" providerId="LiveId" clId="{940D50E2-FEDC-434C-83CF-A13052851249}" dt="2025-11-13T20:52:59.283" v="830" actId="207"/>
+          <ac:spMkLst>
+            <pc:docMk/>
+            <pc:sldMk cId="3493996368" sldId="256"/>
+            <ac:spMk id="42" creationId="{C9FFACE2-7D7C-FD95-7CF1-4CB0CBE5103F}"/>
+          </ac:spMkLst>
+        </pc:spChg>
+        <pc:spChg chg="mod">
+          <ac:chgData name="Robert Finch" userId="360118edfabb5ba6" providerId="LiveId" clId="{940D50E2-FEDC-434C-83CF-A13052851249}" dt="2025-11-13T20:52:59.283" v="830" actId="207"/>
+          <ac:spMkLst>
+            <pc:docMk/>
+            <pc:sldMk cId="3493996368" sldId="256"/>
+            <ac:spMk id="43" creationId="{19DD16B5-D0C6-56C6-6D1D-356BDF1FC148}"/>
+          </ac:spMkLst>
+        </pc:spChg>
+        <pc:spChg chg="mod">
+          <ac:chgData name="Robert Finch" userId="360118edfabb5ba6" providerId="LiveId" clId="{940D50E2-FEDC-434C-83CF-A13052851249}" dt="2025-11-13T20:52:59.283" v="830" actId="207"/>
+          <ac:spMkLst>
+            <pc:docMk/>
+            <pc:sldMk cId="3493996368" sldId="256"/>
+            <ac:spMk id="44" creationId="{167BD157-E240-85AE-52D0-4AFE67280838}"/>
+          </ac:spMkLst>
+        </pc:spChg>
+        <pc:spChg chg="mod">
+          <ac:chgData name="Robert Finch" userId="360118edfabb5ba6" providerId="LiveId" clId="{940D50E2-FEDC-434C-83CF-A13052851249}" dt="2025-11-13T20:41:35.447" v="653" actId="1076"/>
+          <ac:spMkLst>
+            <pc:docMk/>
+            <pc:sldMk cId="3493996368" sldId="256"/>
+            <ac:spMk id="45" creationId="{172682AA-5277-427E-737F-654ABD6B1C6C}"/>
+          </ac:spMkLst>
+        </pc:spChg>
+        <pc:spChg chg="mod">
+          <ac:chgData name="Robert Finch" userId="360118edfabb5ba6" providerId="LiveId" clId="{940D50E2-FEDC-434C-83CF-A13052851249}" dt="2025-11-13T20:50:29.187" v="730" actId="14100"/>
           <ac:spMkLst>
             <pc:docMk/>
             <pc:sldMk cId="3493996368" sldId="256"/>
@@ -189,7 +493,167 @@
           </ac:spMkLst>
         </pc:spChg>
         <pc:spChg chg="mod">
-          <ac:chgData name="Robert Finch" userId="360118edfabb5ba6" providerId="LiveId" clId="{940D50E2-FEDC-434C-83CF-A13052851249}" dt="2025-11-08T01:38:48.685" v="134" actId="14100"/>
+          <ac:chgData name="Robert Finch" userId="360118edfabb5ba6" providerId="LiveId" clId="{940D50E2-FEDC-434C-83CF-A13052851249}" dt="2025-11-13T21:03:32.145" v="989" actId="1076"/>
+          <ac:spMkLst>
+            <pc:docMk/>
+            <pc:sldMk cId="3493996368" sldId="256"/>
+            <ac:spMk id="47" creationId="{20481544-3335-7F85-90A9-B756AF2C6056}"/>
+          </ac:spMkLst>
+        </pc:spChg>
+        <pc:spChg chg="del mod">
+          <ac:chgData name="Robert Finch" userId="360118edfabb5ba6" providerId="LiveId" clId="{940D50E2-FEDC-434C-83CF-A13052851249}" dt="2025-11-14T01:23:38.490" v="1378" actId="478"/>
+          <ac:spMkLst>
+            <pc:docMk/>
+            <pc:sldMk cId="3493996368" sldId="256"/>
+            <ac:spMk id="48" creationId="{B13DF42F-A06D-DCDF-7F17-0E6266147524}"/>
+          </ac:spMkLst>
+        </pc:spChg>
+        <pc:spChg chg="del mod">
+          <ac:chgData name="Robert Finch" userId="360118edfabb5ba6" providerId="LiveId" clId="{940D50E2-FEDC-434C-83CF-A13052851249}" dt="2025-11-14T01:23:32.908" v="1377" actId="478"/>
+          <ac:spMkLst>
+            <pc:docMk/>
+            <pc:sldMk cId="3493996368" sldId="256"/>
+            <ac:spMk id="49" creationId="{B800D8EE-6D86-FC07-EA21-3B2BE4A7E948}"/>
+          </ac:spMkLst>
+        </pc:spChg>
+        <pc:spChg chg="del mod">
+          <ac:chgData name="Robert Finch" userId="360118edfabb5ba6" providerId="LiveId" clId="{940D50E2-FEDC-434C-83CF-A13052851249}" dt="2025-11-14T01:23:26.284" v="1376" actId="478"/>
+          <ac:spMkLst>
+            <pc:docMk/>
+            <pc:sldMk cId="3493996368" sldId="256"/>
+            <ac:spMk id="50" creationId="{743D540C-1B32-3351-CC8C-F7BFA22A1DE1}"/>
+          </ac:spMkLst>
+        </pc:spChg>
+        <pc:spChg chg="del mod">
+          <ac:chgData name="Robert Finch" userId="360118edfabb5ba6" providerId="LiveId" clId="{940D50E2-FEDC-434C-83CF-A13052851249}" dt="2025-11-14T01:23:20.530" v="1375" actId="478"/>
+          <ac:spMkLst>
+            <pc:docMk/>
+            <pc:sldMk cId="3493996368" sldId="256"/>
+            <ac:spMk id="51" creationId="{32FE1D91-ECA3-A6D3-32FE-F1EC7BAE8F3E}"/>
+          </ac:spMkLst>
+        </pc:spChg>
+        <pc:spChg chg="del mod">
+          <ac:chgData name="Robert Finch" userId="360118edfabb5ba6" providerId="LiveId" clId="{940D50E2-FEDC-434C-83CF-A13052851249}" dt="2025-11-14T01:23:13.762" v="1374" actId="478"/>
+          <ac:spMkLst>
+            <pc:docMk/>
+            <pc:sldMk cId="3493996368" sldId="256"/>
+            <ac:spMk id="52" creationId="{9160541E-7B15-45F9-FAEA-FF9A5FABD7D2}"/>
+          </ac:spMkLst>
+        </pc:spChg>
+        <pc:spChg chg="del mod">
+          <ac:chgData name="Robert Finch" userId="360118edfabb5ba6" providerId="LiveId" clId="{940D50E2-FEDC-434C-83CF-A13052851249}" dt="2025-11-14T01:28:08.369" v="1404" actId="478"/>
+          <ac:spMkLst>
+            <pc:docMk/>
+            <pc:sldMk cId="3493996368" sldId="256"/>
+            <ac:spMk id="53" creationId="{61685939-693A-D425-2639-3E3970A99F7B}"/>
+          </ac:spMkLst>
+        </pc:spChg>
+        <pc:spChg chg="del mod">
+          <ac:chgData name="Robert Finch" userId="360118edfabb5ba6" providerId="LiveId" clId="{940D50E2-FEDC-434C-83CF-A13052851249}" dt="2025-11-14T01:28:13.810" v="1405" actId="478"/>
+          <ac:spMkLst>
+            <pc:docMk/>
+            <pc:sldMk cId="3493996368" sldId="256"/>
+            <ac:spMk id="54" creationId="{E038DB82-1AA8-799F-103E-E0E1287C9763}"/>
+          </ac:spMkLst>
+        </pc:spChg>
+        <pc:spChg chg="del mod">
+          <ac:chgData name="Robert Finch" userId="360118edfabb5ba6" providerId="LiveId" clId="{940D50E2-FEDC-434C-83CF-A13052851249}" dt="2025-11-14T01:28:22.234" v="1406" actId="478"/>
+          <ac:spMkLst>
+            <pc:docMk/>
+            <pc:sldMk cId="3493996368" sldId="256"/>
+            <ac:spMk id="55" creationId="{E7A122CF-076B-B8B1-F8F8-4D44D7DF7062}"/>
+          </ac:spMkLst>
+        </pc:spChg>
+        <pc:spChg chg="del mod">
+          <ac:chgData name="Robert Finch" userId="360118edfabb5ba6" providerId="LiveId" clId="{940D50E2-FEDC-434C-83CF-A13052851249}" dt="2025-11-14T01:28:26.937" v="1407" actId="478"/>
+          <ac:spMkLst>
+            <pc:docMk/>
+            <pc:sldMk cId="3493996368" sldId="256"/>
+            <ac:spMk id="56" creationId="{2D15EF25-89B5-2260-ACC1-EAF1835AA25C}"/>
+          </ac:spMkLst>
+        </pc:spChg>
+        <pc:spChg chg="del mod">
+          <ac:chgData name="Robert Finch" userId="360118edfabb5ba6" providerId="LiveId" clId="{940D50E2-FEDC-434C-83CF-A13052851249}" dt="2025-11-14T01:28:32.991" v="1408" actId="478"/>
+          <ac:spMkLst>
+            <pc:docMk/>
+            <pc:sldMk cId="3493996368" sldId="256"/>
+            <ac:spMk id="57" creationId="{FD69B9FF-EB44-C279-CBA7-C583125B1D04}"/>
+          </ac:spMkLst>
+        </pc:spChg>
+        <pc:spChg chg="del mod">
+          <ac:chgData name="Robert Finch" userId="360118edfabb5ba6" providerId="LiveId" clId="{940D50E2-FEDC-434C-83CF-A13052851249}" dt="2025-11-14T01:28:39.625" v="1409" actId="478"/>
+          <ac:spMkLst>
+            <pc:docMk/>
+            <pc:sldMk cId="3493996368" sldId="256"/>
+            <ac:spMk id="58" creationId="{A7372E57-601E-85C8-6FA9-1A8C6C2D7977}"/>
+          </ac:spMkLst>
+        </pc:spChg>
+        <pc:spChg chg="del mod">
+          <ac:chgData name="Robert Finch" userId="360118edfabb5ba6" providerId="LiveId" clId="{940D50E2-FEDC-434C-83CF-A13052851249}" dt="2025-11-14T01:28:43.673" v="1410" actId="478"/>
+          <ac:spMkLst>
+            <pc:docMk/>
+            <pc:sldMk cId="3493996368" sldId="256"/>
+            <ac:spMk id="59" creationId="{E5E91CDA-12B9-49E3-151D-6F2D75009B7D}"/>
+          </ac:spMkLst>
+        </pc:spChg>
+        <pc:spChg chg="del">
+          <ac:chgData name="Robert Finch" userId="360118edfabb5ba6" providerId="LiveId" clId="{940D50E2-FEDC-434C-83CF-A13052851249}" dt="2025-11-13T20:52:37.336" v="828" actId="478"/>
+          <ac:spMkLst>
+            <pc:docMk/>
+            <pc:sldMk cId="3493996368" sldId="256"/>
+            <ac:spMk id="60" creationId="{FF18EFD7-00EC-569A-1C7C-99735328C1E0}"/>
+          </ac:spMkLst>
+        </pc:spChg>
+        <pc:spChg chg="mod">
+          <ac:chgData name="Robert Finch" userId="360118edfabb5ba6" providerId="LiveId" clId="{940D50E2-FEDC-434C-83CF-A13052851249}" dt="2025-11-13T20:33:03.364" v="567" actId="1076"/>
+          <ac:spMkLst>
+            <pc:docMk/>
+            <pc:sldMk cId="3493996368" sldId="256"/>
+            <ac:spMk id="61" creationId="{E77A8B29-734E-EC7F-F576-39843C2E7F94}"/>
+          </ac:spMkLst>
+        </pc:spChg>
+        <pc:spChg chg="mod">
+          <ac:chgData name="Robert Finch" userId="360118edfabb5ba6" providerId="LiveId" clId="{940D50E2-FEDC-434C-83CF-A13052851249}" dt="2025-11-13T20:33:50.795" v="574" actId="1076"/>
+          <ac:spMkLst>
+            <pc:docMk/>
+            <pc:sldMk cId="3493996368" sldId="256"/>
+            <ac:spMk id="62" creationId="{F11ED450-E4A5-82D3-797A-3FBDBD5B5A63}"/>
+          </ac:spMkLst>
+        </pc:spChg>
+        <pc:spChg chg="mod">
+          <ac:chgData name="Robert Finch" userId="360118edfabb5ba6" providerId="LiveId" clId="{940D50E2-FEDC-434C-83CF-A13052851249}" dt="2025-11-13T20:34:42.171" v="583" actId="1076"/>
+          <ac:spMkLst>
+            <pc:docMk/>
+            <pc:sldMk cId="3493996368" sldId="256"/>
+            <ac:spMk id="63" creationId="{80B4887C-AC92-6545-FF32-3106C78F0D5C}"/>
+          </ac:spMkLst>
+        </pc:spChg>
+        <pc:spChg chg="mod">
+          <ac:chgData name="Robert Finch" userId="360118edfabb5ba6" providerId="LiveId" clId="{940D50E2-FEDC-434C-83CF-A13052851249}" dt="2025-11-13T20:35:18.876" v="590" actId="1076"/>
+          <ac:spMkLst>
+            <pc:docMk/>
+            <pc:sldMk cId="3493996368" sldId="256"/>
+            <ac:spMk id="64" creationId="{8CC4E98C-122B-753D-15C6-7409B9E8BB46}"/>
+          </ac:spMkLst>
+        </pc:spChg>
+        <pc:spChg chg="mod">
+          <ac:chgData name="Robert Finch" userId="360118edfabb5ba6" providerId="LiveId" clId="{940D50E2-FEDC-434C-83CF-A13052851249}" dt="2025-11-13T20:36:31.823" v="602" actId="1076"/>
+          <ac:spMkLst>
+            <pc:docMk/>
+            <pc:sldMk cId="3493996368" sldId="256"/>
+            <ac:spMk id="65" creationId="{951ABB06-5D96-AAE7-9FD3-EA359A5E8223}"/>
+          </ac:spMkLst>
+        </pc:spChg>
+        <pc:spChg chg="mod">
+          <ac:chgData name="Robert Finch" userId="360118edfabb5ba6" providerId="LiveId" clId="{940D50E2-FEDC-434C-83CF-A13052851249}" dt="2025-11-13T20:37:09.654" v="607" actId="1076"/>
+          <ac:spMkLst>
+            <pc:docMk/>
+            <pc:sldMk cId="3493996368" sldId="256"/>
+            <ac:spMk id="66" creationId="{AB5F88CB-D03F-AE66-BD51-FBB1A8CD5B49}"/>
+          </ac:spMkLst>
+        </pc:spChg>
+        <pc:spChg chg="mod">
+          <ac:chgData name="Robert Finch" userId="360118edfabb5ba6" providerId="LiveId" clId="{940D50E2-FEDC-434C-83CF-A13052851249}" dt="2025-11-13T20:38:43.290" v="623" actId="1076"/>
           <ac:spMkLst>
             <pc:docMk/>
             <pc:sldMk cId="3493996368" sldId="256"/>
@@ -197,7 +661,39 @@
           </ac:spMkLst>
         </pc:spChg>
         <pc:spChg chg="mod">
-          <ac:chgData name="Robert Finch" userId="360118edfabb5ba6" providerId="LiveId" clId="{940D50E2-FEDC-434C-83CF-A13052851249}" dt="2025-11-09T01:43:30.327" v="441" actId="20577"/>
+          <ac:chgData name="Robert Finch" userId="360118edfabb5ba6" providerId="LiveId" clId="{940D50E2-FEDC-434C-83CF-A13052851249}" dt="2025-11-13T20:39:10.141" v="628" actId="1076"/>
+          <ac:spMkLst>
+            <pc:docMk/>
+            <pc:sldMk cId="3493996368" sldId="256"/>
+            <ac:spMk id="68" creationId="{15F2B693-EEDB-034A-111E-FB5F74852603}"/>
+          </ac:spMkLst>
+        </pc:spChg>
+        <pc:spChg chg="mod">
+          <ac:chgData name="Robert Finch" userId="360118edfabb5ba6" providerId="LiveId" clId="{940D50E2-FEDC-434C-83CF-A13052851249}" dt="2025-11-13T20:41:45.363" v="655" actId="1076"/>
+          <ac:spMkLst>
+            <pc:docMk/>
+            <pc:sldMk cId="3493996368" sldId="256"/>
+            <ac:spMk id="69" creationId="{4D58C537-31EA-8880-0C4B-CF20D2ED8B32}"/>
+          </ac:spMkLst>
+        </pc:spChg>
+        <pc:spChg chg="mod">
+          <ac:chgData name="Robert Finch" userId="360118edfabb5ba6" providerId="LiveId" clId="{940D50E2-FEDC-434C-83CF-A13052851249}" dt="2025-11-13T20:41:15.258" v="649" actId="1076"/>
+          <ac:spMkLst>
+            <pc:docMk/>
+            <pc:sldMk cId="3493996368" sldId="256"/>
+            <ac:spMk id="70" creationId="{9BB8CC11-8D92-539C-E5E8-DAA6D4EFCA99}"/>
+          </ac:spMkLst>
+        </pc:spChg>
+        <pc:spChg chg="mod">
+          <ac:chgData name="Robert Finch" userId="360118edfabb5ba6" providerId="LiveId" clId="{940D50E2-FEDC-434C-83CF-A13052851249}" dt="2025-11-14T01:27:09.985" v="1402" actId="20577"/>
+          <ac:spMkLst>
+            <pc:docMk/>
+            <pc:sldMk cId="3493996368" sldId="256"/>
+            <ac:spMk id="71" creationId="{1C6F6109-CE91-55C0-CDE9-1FA0A55E1768}"/>
+          </ac:spMkLst>
+        </pc:spChg>
+        <pc:spChg chg="mod">
+          <ac:chgData name="Robert Finch" userId="360118edfabb5ba6" providerId="LiveId" clId="{940D50E2-FEDC-434C-83CF-A13052851249}" dt="2025-11-14T01:25:29.335" v="1396" actId="14100"/>
           <ac:spMkLst>
             <pc:docMk/>
             <pc:sldMk cId="3493996368" sldId="256"/>
@@ -212,17 +708,225 @@
             <ac:spMk id="74" creationId="{4B9836E3-4F30-B303-77D3-E7C70ED48919}"/>
           </ac:spMkLst>
         </pc:spChg>
+        <pc:spChg chg="add mod">
+          <ac:chgData name="Robert Finch" userId="360118edfabb5ba6" providerId="LiveId" clId="{940D50E2-FEDC-434C-83CF-A13052851249}" dt="2025-11-13T21:00:15.679" v="969" actId="1076"/>
+          <ac:spMkLst>
+            <pc:docMk/>
+            <pc:sldMk cId="3493996368" sldId="256"/>
+            <ac:spMk id="78" creationId="{5AA53529-B298-EF3D-BEB2-1D4443ECAF4C}"/>
+          </ac:spMkLst>
+        </pc:spChg>
         <pc:spChg chg="mod">
-          <ac:chgData name="Robert Finch" userId="360118edfabb5ba6" providerId="LiveId" clId="{940D50E2-FEDC-434C-83CF-A13052851249}" dt="2025-11-08T01:38:53.077" v="135" actId="1076"/>
+          <ac:chgData name="Robert Finch" userId="360118edfabb5ba6" providerId="LiveId" clId="{940D50E2-FEDC-434C-83CF-A13052851249}" dt="2025-11-13T20:51:51.022" v="827" actId="20577"/>
+          <ac:spMkLst>
+            <pc:docMk/>
+            <pc:sldMk cId="3493996368" sldId="256"/>
+            <ac:spMk id="79" creationId="{C2658078-6571-A2AC-B706-BC5A4D49B71C}"/>
+          </ac:spMkLst>
+        </pc:spChg>
+        <pc:spChg chg="mod">
+          <ac:chgData name="Robert Finch" userId="360118edfabb5ba6" providerId="LiveId" clId="{940D50E2-FEDC-434C-83CF-A13052851249}" dt="2025-11-13T20:52:59.283" v="830" actId="207"/>
+          <ac:spMkLst>
+            <pc:docMk/>
+            <pc:sldMk cId="3493996368" sldId="256"/>
+            <ac:spMk id="80" creationId="{23031C47-9C51-2E3C-8044-86E760B0C279}"/>
+          </ac:spMkLst>
+        </pc:spChg>
+        <pc:spChg chg="mod">
+          <ac:chgData name="Robert Finch" userId="360118edfabb5ba6" providerId="LiveId" clId="{940D50E2-FEDC-434C-83CF-A13052851249}" dt="2025-11-13T20:41:54.510" v="656" actId="1076"/>
+          <ac:spMkLst>
+            <pc:docMk/>
+            <pc:sldMk cId="3493996368" sldId="256"/>
+            <ac:spMk id="81" creationId="{3FEF0634-1D91-3B54-C02B-6679ACB17214}"/>
+          </ac:spMkLst>
+        </pc:spChg>
+        <pc:spChg chg="mod">
+          <ac:chgData name="Robert Finch" userId="360118edfabb5ba6" providerId="LiveId" clId="{940D50E2-FEDC-434C-83CF-A13052851249}" dt="2025-11-13T20:42:12.527" v="659" actId="1076"/>
+          <ac:spMkLst>
+            <pc:docMk/>
+            <pc:sldMk cId="3493996368" sldId="256"/>
+            <ac:spMk id="82" creationId="{358B07E1-F8AC-5A1E-64F8-01F9710B3DA6}"/>
+          </ac:spMkLst>
+        </pc:spChg>
+        <pc:spChg chg="del mod">
+          <ac:chgData name="Robert Finch" userId="360118edfabb5ba6" providerId="LiveId" clId="{940D50E2-FEDC-434C-83CF-A13052851249}" dt="2025-11-14T01:28:50.274" v="1411" actId="478"/>
+          <ac:spMkLst>
+            <pc:docMk/>
+            <pc:sldMk cId="3493996368" sldId="256"/>
+            <ac:spMk id="83" creationId="{4C7ADDBA-B4B9-FCE6-6B87-090131B12A24}"/>
+          </ac:spMkLst>
+        </pc:spChg>
+        <pc:spChg chg="mod">
+          <ac:chgData name="Robert Finch" userId="360118edfabb5ba6" providerId="LiveId" clId="{940D50E2-FEDC-434C-83CF-A13052851249}" dt="2025-11-13T20:33:44.711" v="573" actId="1076"/>
+          <ac:spMkLst>
+            <pc:docMk/>
+            <pc:sldMk cId="3493996368" sldId="256"/>
+            <ac:spMk id="84" creationId="{B35101C1-E541-D542-199F-C5DB73595420}"/>
+          </ac:spMkLst>
+        </pc:spChg>
+        <pc:spChg chg="mod">
+          <ac:chgData name="Robert Finch" userId="360118edfabb5ba6" providerId="LiveId" clId="{940D50E2-FEDC-434C-83CF-A13052851249}" dt="2025-11-13T20:33:57.184" v="575" actId="1076"/>
+          <ac:spMkLst>
+            <pc:docMk/>
+            <pc:sldMk cId="3493996368" sldId="256"/>
+            <ac:spMk id="85" creationId="{33E520EF-4343-E99C-087F-0232C7BC6D24}"/>
+          </ac:spMkLst>
+        </pc:spChg>
+        <pc:spChg chg="mod">
+          <ac:chgData name="Robert Finch" userId="360118edfabb5ba6" providerId="LiveId" clId="{940D50E2-FEDC-434C-83CF-A13052851249}" dt="2025-11-13T20:34:46.866" v="584" actId="1076"/>
+          <ac:spMkLst>
+            <pc:docMk/>
+            <pc:sldMk cId="3493996368" sldId="256"/>
+            <ac:spMk id="86" creationId="{78FB1DF9-D495-C990-6566-49EAD69A86AB}"/>
+          </ac:spMkLst>
+        </pc:spChg>
+        <pc:spChg chg="mod ord">
+          <ac:chgData name="Robert Finch" userId="360118edfabb5ba6" providerId="LiveId" clId="{940D50E2-FEDC-434C-83CF-A13052851249}" dt="2025-11-13T20:35:36.793" v="593" actId="1076"/>
+          <ac:spMkLst>
+            <pc:docMk/>
+            <pc:sldMk cId="3493996368" sldId="256"/>
+            <ac:spMk id="87" creationId="{AF88EC9D-8895-9EB8-CB82-C39049FDD38D}"/>
+          </ac:spMkLst>
+        </pc:spChg>
+        <pc:spChg chg="mod">
+          <ac:chgData name="Robert Finch" userId="360118edfabb5ba6" providerId="LiveId" clId="{940D50E2-FEDC-434C-83CF-A13052851249}" dt="2025-11-13T20:36:10.530" v="598" actId="1076"/>
+          <ac:spMkLst>
+            <pc:docMk/>
+            <pc:sldMk cId="3493996368" sldId="256"/>
+            <ac:spMk id="88" creationId="{49D1C316-B5D7-51AD-7A45-655722475189}"/>
+          </ac:spMkLst>
+        </pc:spChg>
+        <pc:spChg chg="mod">
+          <ac:chgData name="Robert Finch" userId="360118edfabb5ba6" providerId="LiveId" clId="{940D50E2-FEDC-434C-83CF-A13052851249}" dt="2025-11-13T20:37:23.888" v="609" actId="1076"/>
+          <ac:spMkLst>
+            <pc:docMk/>
+            <pc:sldMk cId="3493996368" sldId="256"/>
+            <ac:spMk id="89" creationId="{357226EE-43AD-3F0F-0A0E-8ECA87874481}"/>
+          </ac:spMkLst>
+        </pc:spChg>
+        <pc:spChg chg="mod">
+          <ac:chgData name="Robert Finch" userId="360118edfabb5ba6" providerId="LiveId" clId="{940D50E2-FEDC-434C-83CF-A13052851249}" dt="2025-11-13T20:38:53.619" v="624" actId="1076"/>
           <ac:spMkLst>
             <pc:docMk/>
             <pc:sldMk cId="3493996368" sldId="256"/>
             <ac:spMk id="90" creationId="{3E8870B3-430D-D283-D86C-4C514A5BF941}"/>
           </ac:spMkLst>
         </pc:spChg>
+        <pc:spChg chg="mod">
+          <ac:chgData name="Robert Finch" userId="360118edfabb5ba6" providerId="LiveId" clId="{940D50E2-FEDC-434C-83CF-A13052851249}" dt="2025-11-13T21:08:10.398" v="1136" actId="1076"/>
+          <ac:spMkLst>
+            <pc:docMk/>
+            <pc:sldMk cId="3493996368" sldId="256"/>
+            <ac:spMk id="91" creationId="{CD0E5963-C409-D8AD-920C-2D8AB5A17E9C}"/>
+          </ac:spMkLst>
+        </pc:spChg>
+        <pc:spChg chg="mod">
+          <ac:chgData name="Robert Finch" userId="360118edfabb5ba6" providerId="LiveId" clId="{940D50E2-FEDC-434C-83CF-A13052851249}" dt="2025-11-13T20:42:17.907" v="660" actId="1076"/>
+          <ac:spMkLst>
+            <pc:docMk/>
+            <pc:sldMk cId="3493996368" sldId="256"/>
+            <ac:spMk id="92" creationId="{5181DFDA-4CD0-5C12-2298-C7B2CE37957D}"/>
+          </ac:spMkLst>
+        </pc:spChg>
+        <pc:spChg chg="add mod">
+          <ac:chgData name="Robert Finch" userId="360118edfabb5ba6" providerId="LiveId" clId="{940D50E2-FEDC-434C-83CF-A13052851249}" dt="2025-11-13T21:00:49.463" v="976" actId="14100"/>
+          <ac:spMkLst>
+            <pc:docMk/>
+            <pc:sldMk cId="3493996368" sldId="256"/>
+            <ac:spMk id="94" creationId="{2B9C3FDD-E935-4F8F-A3B4-D03E1AE89E70}"/>
+          </ac:spMkLst>
+        </pc:spChg>
+        <pc:spChg chg="add mod">
+          <ac:chgData name="Robert Finch" userId="360118edfabb5ba6" providerId="LiveId" clId="{940D50E2-FEDC-434C-83CF-A13052851249}" dt="2025-11-13T21:04:12.319" v="1015" actId="14100"/>
+          <ac:spMkLst>
+            <pc:docMk/>
+            <pc:sldMk cId="3493996368" sldId="256"/>
+            <ac:spMk id="95" creationId="{818A4B9F-614C-0A8D-0E5A-11F2715FEFA7}"/>
+          </ac:spMkLst>
+        </pc:spChg>
+        <pc:spChg chg="add del mod">
+          <ac:chgData name="Robert Finch" userId="360118edfabb5ba6" providerId="LiveId" clId="{940D50E2-FEDC-434C-83CF-A13052851249}" dt="2025-11-13T21:07:35.209" v="1111" actId="478"/>
+          <ac:spMkLst>
+            <pc:docMk/>
+            <pc:sldMk cId="3493996368" sldId="256"/>
+            <ac:spMk id="96" creationId="{A53EA328-4B27-D130-1467-E136838BF0AA}"/>
+          </ac:spMkLst>
+        </pc:spChg>
+        <pc:spChg chg="add mod">
+          <ac:chgData name="Robert Finch" userId="360118edfabb5ba6" providerId="LiveId" clId="{940D50E2-FEDC-434C-83CF-A13052851249}" dt="2025-11-13T21:08:14.379" v="1137" actId="1076"/>
+          <ac:spMkLst>
+            <pc:docMk/>
+            <pc:sldMk cId="3493996368" sldId="256"/>
+            <ac:spMk id="97" creationId="{5A1A0868-613A-7356-225A-7748D7DD9C03}"/>
+          </ac:spMkLst>
+        </pc:spChg>
+        <pc:spChg chg="add mod">
+          <ac:chgData name="Robert Finch" userId="360118edfabb5ba6" providerId="LiveId" clId="{940D50E2-FEDC-434C-83CF-A13052851249}" dt="2025-11-14T01:26:20.335" v="1400" actId="14100"/>
+          <ac:spMkLst>
+            <pc:docMk/>
+            <pc:sldMk cId="3493996368" sldId="256"/>
+            <ac:spMk id="106" creationId="{70368FDF-06CC-5DB3-E45A-CFB9D5FE4C3F}"/>
+          </ac:spMkLst>
+        </pc:spChg>
+        <pc:spChg chg="add mod">
+          <ac:chgData name="Robert Finch" userId="360118edfabb5ba6" providerId="LiveId" clId="{940D50E2-FEDC-434C-83CF-A13052851249}" dt="2025-11-14T01:25:08.834" v="1392" actId="20577"/>
+          <ac:spMkLst>
+            <pc:docMk/>
+            <pc:sldMk cId="3493996368" sldId="256"/>
+            <ac:spMk id="107" creationId="{0B3BB0DD-364C-9C0A-D374-2C3A40385486}"/>
+          </ac:spMkLst>
+        </pc:spChg>
+        <pc:spChg chg="add mod">
+          <ac:chgData name="Robert Finch" userId="360118edfabb5ba6" providerId="LiveId" clId="{940D50E2-FEDC-434C-83CF-A13052851249}" dt="2025-11-14T01:26:26.428" v="1401" actId="14100"/>
+          <ac:spMkLst>
+            <pc:docMk/>
+            <pc:sldMk cId="3493996368" sldId="256"/>
+            <ac:spMk id="109" creationId="{6FBE0B35-0304-3DC6-3097-3C12B2CB2125}"/>
+          </ac:spMkLst>
+        </pc:spChg>
+        <pc:cxnChg chg="mod">
+          <ac:chgData name="Robert Finch" userId="360118edfabb5ba6" providerId="LiveId" clId="{940D50E2-FEDC-434C-83CF-A13052851249}" dt="2025-11-14T01:25:25.432" v="1395" actId="14100"/>
+          <ac:cxnSpMkLst>
+            <pc:docMk/>
+            <pc:sldMk cId="3493996368" sldId="256"/>
+            <ac:cxnSpMk id="76" creationId="{3CEC3892-632B-818B-78C4-59F223B66684}"/>
+          </ac:cxnSpMkLst>
+        </pc:cxnChg>
+        <pc:cxnChg chg="add">
+          <ac:chgData name="Robert Finch" userId="360118edfabb5ba6" providerId="LiveId" clId="{940D50E2-FEDC-434C-83CF-A13052851249}" dt="2025-11-13T21:08:18.893" v="1138" actId="11529"/>
+          <ac:cxnSpMkLst>
+            <pc:docMk/>
+            <pc:sldMk cId="3493996368" sldId="256"/>
+            <ac:cxnSpMk id="99" creationId="{41F93285-5143-E06F-5514-FC1C3854AE4E}"/>
+          </ac:cxnSpMkLst>
+        </pc:cxnChg>
+        <pc:cxnChg chg="add">
+          <ac:chgData name="Robert Finch" userId="360118edfabb5ba6" providerId="LiveId" clId="{940D50E2-FEDC-434C-83CF-A13052851249}" dt="2025-11-13T21:08:26.606" v="1139" actId="11529"/>
+          <ac:cxnSpMkLst>
+            <pc:docMk/>
+            <pc:sldMk cId="3493996368" sldId="256"/>
+            <ac:cxnSpMk id="101" creationId="{B342B8BB-585D-7B3C-4B3B-56191BF22736}"/>
+          </ac:cxnSpMkLst>
+        </pc:cxnChg>
+        <pc:cxnChg chg="add">
+          <ac:chgData name="Robert Finch" userId="360118edfabb5ba6" providerId="LiveId" clId="{940D50E2-FEDC-434C-83CF-A13052851249}" dt="2025-11-13T21:08:37.354" v="1140" actId="11529"/>
+          <ac:cxnSpMkLst>
+            <pc:docMk/>
+            <pc:sldMk cId="3493996368" sldId="256"/>
+            <ac:cxnSpMk id="103" creationId="{8C788CD4-DE31-AEDD-1B6C-A0EE6B0EEA7A}"/>
+          </ac:cxnSpMkLst>
+        </pc:cxnChg>
+        <pc:cxnChg chg="add">
+          <ac:chgData name="Robert Finch" userId="360118edfabb5ba6" providerId="LiveId" clId="{940D50E2-FEDC-434C-83CF-A13052851249}" dt="2025-11-13T21:08:44.086" v="1141" actId="11529"/>
+          <ac:cxnSpMkLst>
+            <pc:docMk/>
+            <pc:sldMk cId="3493996368" sldId="256"/>
+            <ac:cxnSpMk id="105" creationId="{A961A69D-8F94-0A24-1763-92B5BC676AF9}"/>
+          </ac:cxnSpMkLst>
+        </pc:cxnChg>
       </pc:sldChg>
       <pc:sldChg chg="addSp delSp modSp mod">
-        <pc:chgData name="Robert Finch" userId="360118edfabb5ba6" providerId="LiveId" clId="{940D50E2-FEDC-434C-83CF-A13052851249}" dt="2025-11-11T00:18:49.463" v="496" actId="20577"/>
+        <pc:chgData name="Robert Finch" userId="360118edfabb5ba6" providerId="LiveId" clId="{940D50E2-FEDC-434C-83CF-A13052851249}" dt="2025-11-13T21:14:07.027" v="1352" actId="20577"/>
         <pc:sldMkLst>
           <pc:docMk/>
           <pc:sldMk cId="2594290601" sldId="257"/>
@@ -260,7 +964,7 @@
           </ac:spMkLst>
         </pc:spChg>
         <pc:spChg chg="mod">
-          <ac:chgData name="Robert Finch" userId="360118edfabb5ba6" providerId="LiveId" clId="{940D50E2-FEDC-434C-83CF-A13052851249}" dt="2025-11-09T01:35:00.714" v="329" actId="20577"/>
+          <ac:chgData name="Robert Finch" userId="360118edfabb5ba6" providerId="LiveId" clId="{940D50E2-FEDC-434C-83CF-A13052851249}" dt="2025-11-13T19:23:57.653" v="501" actId="20577"/>
           <ac:spMkLst>
             <pc:docMk/>
             <pc:sldMk cId="2594290601" sldId="257"/>
@@ -268,7 +972,7 @@
           </ac:spMkLst>
         </pc:spChg>
         <pc:spChg chg="mod">
-          <ac:chgData name="Robert Finch" userId="360118edfabb5ba6" providerId="LiveId" clId="{940D50E2-FEDC-434C-83CF-A13052851249}" dt="2025-11-09T01:34:52.265" v="327" actId="20577"/>
+          <ac:chgData name="Robert Finch" userId="360118edfabb5ba6" providerId="LiveId" clId="{940D50E2-FEDC-434C-83CF-A13052851249}" dt="2025-11-13T19:23:53.549" v="499" actId="20577"/>
           <ac:spMkLst>
             <pc:docMk/>
             <pc:sldMk cId="2594290601" sldId="257"/>
@@ -291,30 +995,6 @@
             <ac:spMk id="9" creationId="{78A1C8BD-019C-4B6E-8163-4823757689DC}"/>
           </ac:spMkLst>
         </pc:spChg>
-        <pc:spChg chg="add del mod">
-          <ac:chgData name="Robert Finch" userId="360118edfabb5ba6" providerId="LiveId" clId="{940D50E2-FEDC-434C-83CF-A13052851249}" dt="2025-11-11T00:18:14.532" v="480" actId="478"/>
-          <ac:spMkLst>
-            <pc:docMk/>
-            <pc:sldMk cId="2594290601" sldId="257"/>
-            <ac:spMk id="10" creationId="{1F050BB8-A8B0-47DA-0E4A-93241DDB41A3}"/>
-          </ac:spMkLst>
-        </pc:spChg>
-        <pc:spChg chg="add del mod">
-          <ac:chgData name="Robert Finch" userId="360118edfabb5ba6" providerId="LiveId" clId="{940D50E2-FEDC-434C-83CF-A13052851249}" dt="2025-11-11T00:18:15.662" v="481" actId="478"/>
-          <ac:spMkLst>
-            <pc:docMk/>
-            <pc:sldMk cId="2594290601" sldId="257"/>
-            <ac:spMk id="11" creationId="{20C3770E-ABEF-F503-A83E-CBC0A0303ECF}"/>
-          </ac:spMkLst>
-        </pc:spChg>
-        <pc:spChg chg="add del mod">
-          <ac:chgData name="Robert Finch" userId="360118edfabb5ba6" providerId="LiveId" clId="{940D50E2-FEDC-434C-83CF-A13052851249}" dt="2025-11-11T00:18:16.791" v="482" actId="478"/>
-          <ac:spMkLst>
-            <pc:docMk/>
-            <pc:sldMk cId="2594290601" sldId="257"/>
-            <ac:spMk id="12" creationId="{63B77903-73CA-688E-465F-8526A3547042}"/>
-          </ac:spMkLst>
-        </pc:spChg>
         <pc:spChg chg="add mod">
           <ac:chgData name="Robert Finch" userId="360118edfabb5ba6" providerId="LiveId" clId="{940D50E2-FEDC-434C-83CF-A13052851249}" dt="2025-11-09T01:33:56.155" v="308" actId="1076"/>
           <ac:spMkLst>
@@ -332,7 +1012,7 @@
           </ac:spMkLst>
         </pc:spChg>
         <pc:spChg chg="mod">
-          <ac:chgData name="Robert Finch" userId="360118edfabb5ba6" providerId="LiveId" clId="{940D50E2-FEDC-434C-83CF-A13052851249}" dt="2025-11-09T01:35:37.451" v="334" actId="1076"/>
+          <ac:chgData name="Robert Finch" userId="360118edfabb5ba6" providerId="LiveId" clId="{940D50E2-FEDC-434C-83CF-A13052851249}" dt="2025-11-13T19:24:10.863" v="502" actId="1076"/>
           <ac:spMkLst>
             <pc:docMk/>
             <pc:sldMk cId="2594290601" sldId="257"/>
@@ -436,7 +1116,7 @@
           </ac:spMkLst>
         </pc:spChg>
         <pc:spChg chg="mod">
-          <ac:chgData name="Robert Finch" userId="360118edfabb5ba6" providerId="LiveId" clId="{940D50E2-FEDC-434C-83CF-A13052851249}" dt="2025-11-11T00:18:49.463" v="496" actId="20577"/>
+          <ac:chgData name="Robert Finch" userId="360118edfabb5ba6" providerId="LiveId" clId="{940D50E2-FEDC-434C-83CF-A13052851249}" dt="2025-11-13T21:14:07.027" v="1352" actId="20577"/>
           <ac:spMkLst>
             <pc:docMk/>
             <pc:sldMk cId="2594290601" sldId="257"/>
@@ -453,7 +1133,7 @@
         </pc:cxnChg>
       </pc:sldChg>
       <pc:sldChg chg="addSp delSp modSp mod">
-        <pc:chgData name="Robert Finch" userId="360118edfabb5ba6" providerId="LiveId" clId="{940D50E2-FEDC-434C-83CF-A13052851249}" dt="2025-11-11T00:16:50.922" v="479" actId="1076"/>
+        <pc:chgData name="Robert Finch" userId="360118edfabb5ba6" providerId="LiveId" clId="{940D50E2-FEDC-434C-83CF-A13052851249}" dt="2025-11-13T21:11:18.540" v="1246" actId="1076"/>
         <pc:sldMkLst>
           <pc:docMk/>
           <pc:sldMk cId="2650679018" sldId="258"/>
@@ -499,7 +1179,7 @@
           </ac:spMkLst>
         </pc:spChg>
         <pc:spChg chg="mod">
-          <ac:chgData name="Robert Finch" userId="360118edfabb5ba6" providerId="LiveId" clId="{940D50E2-FEDC-434C-83CF-A13052851249}" dt="2025-11-08T04:58:41.065" v="141" actId="20577"/>
+          <ac:chgData name="Robert Finch" userId="360118edfabb5ba6" providerId="LiveId" clId="{940D50E2-FEDC-434C-83CF-A13052851249}" dt="2025-11-13T21:10:58.588" v="1236" actId="20577"/>
           <ac:spMkLst>
             <pc:docMk/>
             <pc:sldMk cId="2650679018" sldId="258"/>
@@ -642,16 +1322,8 @@
             <ac:spMk id="38" creationId="{15067C78-238E-0C37-463C-051DD16AD52D}"/>
           </ac:spMkLst>
         </pc:spChg>
-        <pc:spChg chg="add del mod">
-          <ac:chgData name="Robert Finch" userId="360118edfabb5ba6" providerId="LiveId" clId="{940D50E2-FEDC-434C-83CF-A13052851249}" dt="2025-11-11T00:16:29.303" v="475" actId="478"/>
-          <ac:spMkLst>
-            <pc:docMk/>
-            <pc:sldMk cId="2650679018" sldId="258"/>
-            <ac:spMk id="39" creationId="{3B73F1F2-519F-1600-2671-AC5D96A076C3}"/>
-          </ac:spMkLst>
-        </pc:spChg>
         <pc:spChg chg="mod">
-          <ac:chgData name="Robert Finch" userId="360118edfabb5ba6" providerId="LiveId" clId="{940D50E2-FEDC-434C-83CF-A13052851249}" dt="2025-11-09T01:16:37.890" v="169" actId="6549"/>
+          <ac:chgData name="Robert Finch" userId="360118edfabb5ba6" providerId="LiveId" clId="{940D50E2-FEDC-434C-83CF-A13052851249}" dt="2025-11-13T21:11:18.540" v="1246" actId="1076"/>
           <ac:spMkLst>
             <pc:docMk/>
             <pc:sldMk cId="2650679018" sldId="258"/>
@@ -666,14 +1338,6 @@
             <ac:spMk id="43" creationId="{B5A87727-E716-AAA1-E489-9C1DA738B6D5}"/>
           </ac:spMkLst>
         </pc:spChg>
-        <pc:spChg chg="add del mod">
-          <ac:chgData name="Robert Finch" userId="360118edfabb5ba6" providerId="LiveId" clId="{940D50E2-FEDC-434C-83CF-A13052851249}" dt="2025-11-11T00:16:27.623" v="474" actId="478"/>
-          <ac:spMkLst>
-            <pc:docMk/>
-            <pc:sldMk cId="2650679018" sldId="258"/>
-            <ac:spMk id="44" creationId="{0E31EA34-495E-3A46-E3AD-2D861E77FD88}"/>
-          </ac:spMkLst>
-        </pc:spChg>
         <pc:spChg chg="add mod">
           <ac:chgData name="Robert Finch" userId="360118edfabb5ba6" providerId="LiveId" clId="{940D50E2-FEDC-434C-83CF-A13052851249}" dt="2025-11-09T01:37:27.322" v="354" actId="20577"/>
           <ac:spMkLst>
@@ -682,14 +1346,6 @@
             <ac:spMk id="45" creationId="{E345E55C-95CE-16C5-C38E-EFE57BA529CA}"/>
           </ac:spMkLst>
         </pc:spChg>
-        <pc:spChg chg="add del mod">
-          <ac:chgData name="Robert Finch" userId="360118edfabb5ba6" providerId="LiveId" clId="{940D50E2-FEDC-434C-83CF-A13052851249}" dt="2025-11-11T00:16:25.360" v="473" actId="478"/>
-          <ac:spMkLst>
-            <pc:docMk/>
-            <pc:sldMk cId="2650679018" sldId="258"/>
-            <ac:spMk id="46" creationId="{C254A83D-7105-CA95-F73E-4C82E0034354}"/>
-          </ac:spMkLst>
-        </pc:spChg>
         <pc:spChg chg="add mod">
           <ac:chgData name="Robert Finch" userId="360118edfabb5ba6" providerId="LiveId" clId="{940D50E2-FEDC-434C-83CF-A13052851249}" dt="2025-11-09T01:38:23.985" v="373" actId="20577"/>
           <ac:spMkLst>
@@ -698,14 +1354,6 @@
             <ac:spMk id="47" creationId="{FDB2C585-DCB8-330F-C09D-48F6756F9307}"/>
           </ac:spMkLst>
         </pc:spChg>
-        <pc:spChg chg="add del mod">
-          <ac:chgData name="Robert Finch" userId="360118edfabb5ba6" providerId="LiveId" clId="{940D50E2-FEDC-434C-83CF-A13052851249}" dt="2025-11-11T00:16:22.286" v="472" actId="478"/>
-          <ac:spMkLst>
-            <pc:docMk/>
-            <pc:sldMk cId="2650679018" sldId="258"/>
-            <ac:spMk id="48" creationId="{2A5B03B0-2283-C3F3-4789-982C177452DF}"/>
-          </ac:spMkLst>
-        </pc:spChg>
         <pc:spChg chg="add mod">
           <ac:chgData name="Robert Finch" userId="360118edfabb5ba6" providerId="LiveId" clId="{940D50E2-FEDC-434C-83CF-A13052851249}" dt="2025-11-09T01:38:57.918" v="393" actId="1076"/>
           <ac:spMkLst>
@@ -714,14 +1362,6 @@
             <ac:spMk id="49" creationId="{8F72AF73-055A-C2DB-ADE5-065C16F244C9}"/>
           </ac:spMkLst>
         </pc:spChg>
-        <pc:spChg chg="add del mod">
-          <ac:chgData name="Robert Finch" userId="360118edfabb5ba6" providerId="LiveId" clId="{940D50E2-FEDC-434C-83CF-A13052851249}" dt="2025-11-11T00:16:03.768" v="467" actId="478"/>
-          <ac:spMkLst>
-            <pc:docMk/>
-            <pc:sldMk cId="2650679018" sldId="258"/>
-            <ac:spMk id="50" creationId="{E95802C6-5EB2-1AE9-7E8B-A373AFC3AF2A}"/>
-          </ac:spMkLst>
-        </pc:spChg>
         <pc:spChg chg="add mod">
           <ac:chgData name="Robert Finch" userId="360118edfabb5ba6" providerId="LiveId" clId="{940D50E2-FEDC-434C-83CF-A13052851249}" dt="2025-11-09T01:39:15.086" v="398" actId="1076"/>
           <ac:spMkLst>
@@ -730,17 +1370,9 @@
             <ac:spMk id="51" creationId="{58A3E361-97B1-71DC-C6DA-4EC9480C96CE}"/>
           </ac:spMkLst>
         </pc:spChg>
-        <pc:spChg chg="add del mod">
-          <ac:chgData name="Robert Finch" userId="360118edfabb5ba6" providerId="LiveId" clId="{940D50E2-FEDC-434C-83CF-A13052851249}" dt="2025-11-11T00:16:10.673" v="469" actId="478"/>
-          <ac:spMkLst>
-            <pc:docMk/>
-            <pc:sldMk cId="2650679018" sldId="258"/>
-            <ac:spMk id="52" creationId="{A7C1B19B-EFF1-E4AC-1101-092FA74F576B}"/>
-          </ac:spMkLst>
-        </pc:spChg>
       </pc:sldChg>
       <pc:sldChg chg="addSp delSp modSp mod">
-        <pc:chgData name="Robert Finch" userId="360118edfabb5ba6" providerId="LiveId" clId="{940D50E2-FEDC-434C-83CF-A13052851249}" dt="2025-11-09T01:42:28.306" v="435" actId="1076"/>
+        <pc:chgData name="Robert Finch" userId="360118edfabb5ba6" providerId="LiveId" clId="{940D50E2-FEDC-434C-83CF-A13052851249}" dt="2025-11-13T21:16:06.984" v="1373" actId="6549"/>
         <pc:sldMkLst>
           <pc:docMk/>
           <pc:sldMk cId="2694914445" sldId="259"/>
@@ -762,7 +1394,7 @@
           </ac:spMkLst>
         </pc:spChg>
         <pc:spChg chg="mod">
-          <ac:chgData name="Robert Finch" userId="360118edfabb5ba6" providerId="LiveId" clId="{940D50E2-FEDC-434C-83CF-A13052851249}" dt="2025-11-09T01:40:44.258" v="410" actId="20577"/>
+          <ac:chgData name="Robert Finch" userId="360118edfabb5ba6" providerId="LiveId" clId="{940D50E2-FEDC-434C-83CF-A13052851249}" dt="2025-11-13T19:24:29.041" v="507" actId="20577"/>
           <ac:spMkLst>
             <pc:docMk/>
             <pc:sldMk cId="2694914445" sldId="259"/>
@@ -770,7 +1402,7 @@
           </ac:spMkLst>
         </pc:spChg>
         <pc:spChg chg="mod">
-          <ac:chgData name="Robert Finch" userId="360118edfabb5ba6" providerId="LiveId" clId="{940D50E2-FEDC-434C-83CF-A13052851249}" dt="2025-11-09T01:40:38.570" v="408" actId="20577"/>
+          <ac:chgData name="Robert Finch" userId="360118edfabb5ba6" providerId="LiveId" clId="{940D50E2-FEDC-434C-83CF-A13052851249}" dt="2025-11-13T19:24:24.080" v="505" actId="20577"/>
           <ac:spMkLst>
             <pc:docMk/>
             <pc:sldMk cId="2694914445" sldId="259"/>
@@ -778,7 +1410,7 @@
           </ac:spMkLst>
         </pc:spChg>
         <pc:spChg chg="mod">
-          <ac:chgData name="Robert Finch" userId="360118edfabb5ba6" providerId="LiveId" clId="{940D50E2-FEDC-434C-83CF-A13052851249}" dt="2025-11-09T01:40:55.366" v="411" actId="1076"/>
+          <ac:chgData name="Robert Finch" userId="360118edfabb5ba6" providerId="LiveId" clId="{940D50E2-FEDC-434C-83CF-A13052851249}" dt="2025-11-13T19:24:37.362" v="508" actId="1076"/>
           <ac:spMkLst>
             <pc:docMk/>
             <pc:sldMk cId="2694914445" sldId="259"/>
@@ -786,7 +1418,31 @@
           </ac:spMkLst>
         </pc:spChg>
         <pc:spChg chg="mod">
-          <ac:chgData name="Robert Finch" userId="360118edfabb5ba6" providerId="LiveId" clId="{940D50E2-FEDC-434C-83CF-A13052851249}" dt="2025-11-09T01:41:41.591" v="424" actId="20577"/>
+          <ac:chgData name="Robert Finch" userId="360118edfabb5ba6" providerId="LiveId" clId="{940D50E2-FEDC-434C-83CF-A13052851249}" dt="2025-11-13T21:14:40.510" v="1355" actId="20577"/>
+          <ac:spMkLst>
+            <pc:docMk/>
+            <pc:sldMk cId="2694914445" sldId="259"/>
+            <ac:spMk id="19" creationId="{6764D332-B889-AF93-14C7-5BC631FE0D2D}"/>
+          </ac:spMkLst>
+        </pc:spChg>
+        <pc:spChg chg="mod">
+          <ac:chgData name="Robert Finch" userId="360118edfabb5ba6" providerId="LiveId" clId="{940D50E2-FEDC-434C-83CF-A13052851249}" dt="2025-11-13T21:14:36.965" v="1354" actId="20577"/>
+          <ac:spMkLst>
+            <pc:docMk/>
+            <pc:sldMk cId="2694914445" sldId="259"/>
+            <ac:spMk id="20" creationId="{BCB05E56-0A5C-3EB0-890A-604E7BC1B2F4}"/>
+          </ac:spMkLst>
+        </pc:spChg>
+        <pc:spChg chg="mod">
+          <ac:chgData name="Robert Finch" userId="360118edfabb5ba6" providerId="LiveId" clId="{940D50E2-FEDC-434C-83CF-A13052851249}" dt="2025-11-13T21:14:33.373" v="1353" actId="20577"/>
+          <ac:spMkLst>
+            <pc:docMk/>
+            <pc:sldMk cId="2694914445" sldId="259"/>
+            <ac:spMk id="21" creationId="{7DC7C2C0-1EEB-76FA-DAB3-351C6C3A3840}"/>
+          </ac:spMkLst>
+        </pc:spChg>
+        <pc:spChg chg="mod">
+          <ac:chgData name="Robert Finch" userId="360118edfabb5ba6" providerId="LiveId" clId="{940D50E2-FEDC-434C-83CF-A13052851249}" dt="2025-11-13T21:14:50.518" v="1368" actId="20577"/>
           <ac:spMkLst>
             <pc:docMk/>
             <pc:sldMk cId="2694914445" sldId="259"/>
@@ -802,6 +1458,14 @@
           </ac:spMkLst>
         </pc:spChg>
         <pc:spChg chg="mod">
+          <ac:chgData name="Robert Finch" userId="360118edfabb5ba6" providerId="LiveId" clId="{940D50E2-FEDC-434C-83CF-A13052851249}" dt="2025-11-13T21:16:06.984" v="1373" actId="6549"/>
+          <ac:spMkLst>
+            <pc:docMk/>
+            <pc:sldMk cId="2694914445" sldId="259"/>
+            <ac:spMk id="25" creationId="{2BA53338-E8D4-C04A-D5CE-71EE6678BA98}"/>
+          </ac:spMkLst>
+        </pc:spChg>
+        <pc:spChg chg="mod">
           <ac:chgData name="Robert Finch" userId="360118edfabb5ba6" providerId="LiveId" clId="{940D50E2-FEDC-434C-83CF-A13052851249}" dt="2025-11-09T01:41:50.955" v="428" actId="20577"/>
           <ac:spMkLst>
             <pc:docMk/>
@@ -826,7 +1490,7 @@
           </ac:spMkLst>
         </pc:spChg>
         <pc:spChg chg="add mod">
-          <ac:chgData name="Robert Finch" userId="360118edfabb5ba6" providerId="LiveId" clId="{940D50E2-FEDC-434C-83CF-A13052851249}" dt="2025-11-09T01:41:28.846" v="418" actId="1076"/>
+          <ac:chgData name="Robert Finch" userId="360118edfabb5ba6" providerId="LiveId" clId="{940D50E2-FEDC-434C-83CF-A13052851249}" dt="2025-11-13T21:14:43.293" v="1356" actId="20577"/>
           <ac:spMkLst>
             <pc:docMk/>
             <pc:sldMk cId="2694914445" sldId="259"/>
@@ -938,7 +1602,7 @@
         </pc:spChg>
       </pc:sldChg>
       <pc:sldChg chg="modSp mod">
-        <pc:chgData name="Robert Finch" userId="360118edfabb5ba6" providerId="LiveId" clId="{940D50E2-FEDC-434C-83CF-A13052851249}" dt="2025-11-08T01:34:40.229" v="91" actId="20577"/>
+        <pc:chgData name="Robert Finch" userId="360118edfabb5ba6" providerId="LiveId" clId="{940D50E2-FEDC-434C-83CF-A13052851249}" dt="2025-11-13T21:12:10.322" v="1248" actId="6549"/>
         <pc:sldMkLst>
           <pc:docMk/>
           <pc:sldMk cId="3556507299" sldId="261"/>
@@ -952,7 +1616,7 @@
           </ac:spMkLst>
         </pc:spChg>
         <pc:spChg chg="mod">
-          <ac:chgData name="Robert Finch" userId="360118edfabb5ba6" providerId="LiveId" clId="{940D50E2-FEDC-434C-83CF-A13052851249}" dt="2025-11-08T01:34:35.348" v="88" actId="20577"/>
+          <ac:chgData name="Robert Finch" userId="360118edfabb5ba6" providerId="LiveId" clId="{940D50E2-FEDC-434C-83CF-A13052851249}" dt="2025-11-13T21:10:00.871" v="1145" actId="20577"/>
           <ac:spMkLst>
             <pc:docMk/>
             <pc:sldMk cId="3556507299" sldId="261"/>
@@ -960,11 +1624,19 @@
           </ac:spMkLst>
         </pc:spChg>
         <pc:spChg chg="mod">
-          <ac:chgData name="Robert Finch" userId="360118edfabb5ba6" providerId="LiveId" clId="{940D50E2-FEDC-434C-83CF-A13052851249}" dt="2025-11-08T01:34:40.229" v="91" actId="20577"/>
+          <ac:chgData name="Robert Finch" userId="360118edfabb5ba6" providerId="LiveId" clId="{940D50E2-FEDC-434C-83CF-A13052851249}" dt="2025-11-13T21:10:07.022" v="1149" actId="20577"/>
           <ac:spMkLst>
             <pc:docMk/>
             <pc:sldMk cId="3556507299" sldId="261"/>
             <ac:spMk id="7" creationId="{BD40131C-599A-B7F8-B65E-6D317ECE80A6}"/>
+          </ac:spMkLst>
+        </pc:spChg>
+        <pc:spChg chg="mod">
+          <ac:chgData name="Robert Finch" userId="360118edfabb5ba6" providerId="LiveId" clId="{940D50E2-FEDC-434C-83CF-A13052851249}" dt="2025-11-13T21:12:10.322" v="1248" actId="6549"/>
+          <ac:spMkLst>
+            <pc:docMk/>
+            <pc:sldMk cId="3556507299" sldId="261"/>
+            <ac:spMk id="13" creationId="{649180C8-07F1-767C-4F1A-AF0A912BE46F}"/>
           </ac:spMkLst>
         </pc:spChg>
       </pc:sldChg>
@@ -1122,7 +1794,7 @@
           <a:p>
             <a:fld id="{40721942-3650-429E-A73C-F40215CD5967}" type="datetimeFigureOut">
               <a:rPr lang="en-CA" smtClean="0"/>
-              <a:t>2025-11-10</a:t>
+              <a:t>2025-11-13</a:t>
             </a:fld>
             <a:endParaRPr lang="en-CA"/>
           </a:p>
@@ -1322,7 +1994,7 @@
           <a:p>
             <a:fld id="{40721942-3650-429E-A73C-F40215CD5967}" type="datetimeFigureOut">
               <a:rPr lang="en-CA" smtClean="0"/>
-              <a:t>2025-11-10</a:t>
+              <a:t>2025-11-13</a:t>
             </a:fld>
             <a:endParaRPr lang="en-CA"/>
           </a:p>
@@ -1532,7 +2204,7 @@
           <a:p>
             <a:fld id="{40721942-3650-429E-A73C-F40215CD5967}" type="datetimeFigureOut">
               <a:rPr lang="en-CA" smtClean="0"/>
-              <a:t>2025-11-10</a:t>
+              <a:t>2025-11-13</a:t>
             </a:fld>
             <a:endParaRPr lang="en-CA"/>
           </a:p>
@@ -1732,7 +2404,7 @@
           <a:p>
             <a:fld id="{40721942-3650-429E-A73C-F40215CD5967}" type="datetimeFigureOut">
               <a:rPr lang="en-CA" smtClean="0"/>
-              <a:t>2025-11-10</a:t>
+              <a:t>2025-11-13</a:t>
             </a:fld>
             <a:endParaRPr lang="en-CA"/>
           </a:p>
@@ -2008,7 +2680,7 @@
           <a:p>
             <a:fld id="{40721942-3650-429E-A73C-F40215CD5967}" type="datetimeFigureOut">
               <a:rPr lang="en-CA" smtClean="0"/>
-              <a:t>2025-11-10</a:t>
+              <a:t>2025-11-13</a:t>
             </a:fld>
             <a:endParaRPr lang="en-CA"/>
           </a:p>
@@ -2276,7 +2948,7 @@
           <a:p>
             <a:fld id="{40721942-3650-429E-A73C-F40215CD5967}" type="datetimeFigureOut">
               <a:rPr lang="en-CA" smtClean="0"/>
-              <a:t>2025-11-10</a:t>
+              <a:t>2025-11-13</a:t>
             </a:fld>
             <a:endParaRPr lang="en-CA"/>
           </a:p>
@@ -2691,7 +3363,7 @@
           <a:p>
             <a:fld id="{40721942-3650-429E-A73C-F40215CD5967}" type="datetimeFigureOut">
               <a:rPr lang="en-CA" smtClean="0"/>
-              <a:t>2025-11-10</a:t>
+              <a:t>2025-11-13</a:t>
             </a:fld>
             <a:endParaRPr lang="en-CA"/>
           </a:p>
@@ -2833,7 +3505,7 @@
           <a:p>
             <a:fld id="{40721942-3650-429E-A73C-F40215CD5967}" type="datetimeFigureOut">
               <a:rPr lang="en-CA" smtClean="0"/>
-              <a:t>2025-11-10</a:t>
+              <a:t>2025-11-13</a:t>
             </a:fld>
             <a:endParaRPr lang="en-CA"/>
           </a:p>
@@ -2946,7 +3618,7 @@
           <a:p>
             <a:fld id="{40721942-3650-429E-A73C-F40215CD5967}" type="datetimeFigureOut">
               <a:rPr lang="en-CA" smtClean="0"/>
-              <a:t>2025-11-10</a:t>
+              <a:t>2025-11-13</a:t>
             </a:fld>
             <a:endParaRPr lang="en-CA"/>
           </a:p>
@@ -3259,7 +3931,7 @@
           <a:p>
             <a:fld id="{40721942-3650-429E-A73C-F40215CD5967}" type="datetimeFigureOut">
               <a:rPr lang="en-CA" smtClean="0"/>
-              <a:t>2025-11-10</a:t>
+              <a:t>2025-11-13</a:t>
             </a:fld>
             <a:endParaRPr lang="en-CA"/>
           </a:p>
@@ -3548,7 +4220,7 @@
           <a:p>
             <a:fld id="{40721942-3650-429E-A73C-F40215CD5967}" type="datetimeFigureOut">
               <a:rPr lang="en-CA" smtClean="0"/>
-              <a:t>2025-11-10</a:t>
+              <a:t>2025-11-13</a:t>
             </a:fld>
             <a:endParaRPr lang="en-CA"/>
           </a:p>
@@ -3791,7 +4463,7 @@
           <a:p>
             <a:fld id="{40721942-3650-429E-A73C-F40215CD5967}" type="datetimeFigureOut">
               <a:rPr lang="en-CA" smtClean="0"/>
-              <a:t>2025-11-10</a:t>
+              <a:t>2025-11-13</a:t>
             </a:fld>
             <a:endParaRPr lang="en-CA"/>
           </a:p>
@@ -4380,7 +5052,7 @@
             <a:pPr algn="ctr"/>
             <a:r>
               <a:rPr lang="en-US" dirty="0"/>
-              <a:t>512b</a:t>
+              <a:t>1024b</a:t>
             </a:r>
             <a:endParaRPr lang="en-CA" dirty="0"/>
           </a:p>
@@ -4430,7 +5102,7 @@
             <a:pPr algn="ctr"/>
             <a:r>
               <a:rPr lang="en-US" dirty="0"/>
-              <a:t>512b</a:t>
+              <a:t>1024b</a:t>
             </a:r>
             <a:endParaRPr lang="en-CA" dirty="0"/>
           </a:p>
@@ -4612,7 +5284,7 @@
         <p:spPr>
           <a:xfrm>
             <a:off x="6210136" y="1721609"/>
-            <a:ext cx="5560523" cy="1477328"/>
+            <a:ext cx="5560523" cy="2308324"/>
           </a:xfrm>
           <a:prstGeom prst="rect">
             <a:avLst/>
@@ -4649,6 +5321,23 @@
             <a:r>
               <a:rPr lang="en-US" dirty="0"/>
               <a:t>If there is a cache miss, NOPs are inserted into the pipeline.</a:t>
+            </a:r>
+          </a:p>
+          <a:p>
+            <a:pPr marL="285750" indent="-285750">
+              <a:buFont typeface="Arial" panose="020B0604020202020204" pitchFamily="34" charset="0"/>
+              <a:buChar char="•"/>
+            </a:pPr>
+            <a:endParaRPr lang="en-US" dirty="0"/>
+          </a:p>
+          <a:p>
+            <a:pPr marL="285750" indent="-285750">
+              <a:buFont typeface="Arial" panose="020B0604020202020204" pitchFamily="34" charset="0"/>
+              <a:buChar char="•"/>
+            </a:pPr>
+            <a:r>
+              <a:rPr lang="en-US" dirty="0"/>
+              <a:t>Two 512-bit cache lines are fetched to allow instructions to span a cache line.</a:t>
             </a:r>
             <a:endParaRPr lang="en-CA" dirty="0"/>
           </a:p>
@@ -4944,7 +5633,7 @@
             <a:pPr algn="ctr"/>
             <a:r>
               <a:rPr lang="en-US" sz="1100" dirty="0"/>
-              <a:t>Cache line in 512</a:t>
+              <a:t>Cache line in 1024</a:t>
             </a:r>
             <a:endParaRPr lang="en-CA" sz="1100" dirty="0"/>
           </a:p>
@@ -6250,8 +6939,8 @@
         </p:nvSpPr>
         <p:spPr>
           <a:xfrm>
-            <a:off x="1660384" y="1764660"/>
-            <a:ext cx="3246786" cy="276999"/>
+            <a:off x="1412265" y="1755227"/>
+            <a:ext cx="3464923" cy="276999"/>
           </a:xfrm>
           <a:prstGeom prst="rect">
             <a:avLst/>
@@ -6266,7 +6955,7 @@
           <a:p>
             <a:r>
               <a:rPr lang="en-US" sz="1200" dirty="0"/>
-              <a:t>512b cache  line from instruction fetch stage</a:t>
+              <a:t>1024b cache  line pair from instruction fetch stage</a:t>
             </a:r>
             <a:endParaRPr lang="en-CA" sz="1200" dirty="0"/>
           </a:p>
@@ -6787,7 +7476,7 @@
             <a:pPr algn="ctr"/>
             <a:r>
               <a:rPr lang="en-US" sz="1000" dirty="0"/>
-              <a:t>µop 39</a:t>
+              <a:t>µop 31</a:t>
             </a:r>
             <a:endParaRPr lang="en-CA" sz="1000" dirty="0"/>
           </a:p>
@@ -6837,7 +7526,7 @@
             <a:pPr algn="ctr"/>
             <a:r>
               <a:rPr lang="en-US" sz="1000" dirty="0"/>
-              <a:t>µop 38</a:t>
+              <a:t>µop 30</a:t>
             </a:r>
             <a:endParaRPr lang="en-CA" sz="1000" dirty="0"/>
           </a:p>
@@ -6899,7 +7588,7 @@
         </p:nvSpPr>
         <p:spPr>
           <a:xfrm>
-            <a:off x="934343" y="3026326"/>
+            <a:off x="922477" y="3021262"/>
             <a:ext cx="5356905" cy="803965"/>
           </a:xfrm>
           <a:prstGeom prst="rect">
@@ -7949,7 +8638,7 @@
         <p:spPr>
           <a:xfrm>
             <a:off x="6248591" y="1614918"/>
-            <a:ext cx="5761994" cy="3693319"/>
+            <a:ext cx="5761994" cy="4524315"/>
           </a:xfrm>
           <a:prstGeom prst="rect">
             <a:avLst/>
@@ -8019,15 +8708,24 @@
             </a:pPr>
             <a:r>
               <a:rPr lang="en-US" dirty="0"/>
-              <a:t>Micro-ops are stored in the buffer; between four </a:t>
-            </a:r>
-            <a:r>
-              <a:rPr lang="en-US"/>
-              <a:t>and thirty-two </a:t>
-            </a:r>
+              <a:t>Micro-ops are stored in the buffer; between four and thirty-two micro-ops will fill the buffer.</a:t>
+            </a:r>
+          </a:p>
+          <a:p>
+            <a:pPr marL="285750" indent="-285750">
+              <a:buFont typeface="Arial" panose="020B0604020202020204" pitchFamily="34" charset="0"/>
+              <a:buChar char="•"/>
+            </a:pPr>
+            <a:endParaRPr lang="en-US" dirty="0"/>
+          </a:p>
+          <a:p>
+            <a:pPr marL="285750" indent="-285750">
+              <a:buFont typeface="Arial" panose="020B0604020202020204" pitchFamily="34" charset="0"/>
+              <a:buChar char="•"/>
+            </a:pPr>
             <a:r>
               <a:rPr lang="en-US" dirty="0"/>
-              <a:t>micro-ops will fill the buffer.</a:t>
+              <a:t>Micro-ops are packed as they are stored in the buffer so there are no “holes”.</a:t>
             </a:r>
             <a:endParaRPr lang="en-CA" dirty="0"/>
           </a:p>
@@ -8697,7 +9395,7 @@
             <a:pPr algn="ctr"/>
             <a:r>
               <a:rPr lang="en-US" sz="1000" dirty="0"/>
-              <a:t>µop 39</a:t>
+              <a:t>µop 31</a:t>
             </a:r>
             <a:endParaRPr lang="en-CA" sz="1000" dirty="0"/>
           </a:p>
@@ -8747,7 +9445,7 @@
             <a:pPr algn="ctr"/>
             <a:r>
               <a:rPr lang="en-US" sz="1000" dirty="0"/>
-              <a:t>µop 38</a:t>
+              <a:t>µop 30</a:t>
             </a:r>
             <a:endParaRPr lang="en-CA" sz="1000" dirty="0"/>
           </a:p>
@@ -8809,7 +9507,7 @@
         </p:nvSpPr>
         <p:spPr>
           <a:xfrm>
-            <a:off x="1256869" y="2117027"/>
+            <a:off x="1229206" y="2116326"/>
             <a:ext cx="4909933" cy="803965"/>
           </a:xfrm>
           <a:prstGeom prst="rect">
@@ -9216,7 +9914,7 @@
             <a:pPr algn="ctr"/>
             <a:r>
               <a:rPr lang="en-US" sz="1000" dirty="0"/>
-              <a:t>2</a:t>
+              <a:t>3</a:t>
             </a:r>
             <a:endParaRPr lang="en-CA" sz="1000" dirty="0"/>
           </a:p>
@@ -9266,7 +9964,7 @@
             <a:pPr algn="ctr"/>
             <a:r>
               <a:rPr lang="en-US" sz="1000" dirty="0"/>
-              <a:t>2</a:t>
+              <a:t>3</a:t>
             </a:r>
             <a:endParaRPr lang="en-CA" sz="1000" dirty="0"/>
           </a:p>
@@ -9316,7 +10014,7 @@
             <a:pPr algn="ctr"/>
             <a:r>
               <a:rPr lang="en-US" sz="1000" dirty="0"/>
-              <a:t>2</a:t>
+              <a:t>3</a:t>
             </a:r>
             <a:endParaRPr lang="en-CA" sz="1000" dirty="0"/>
           </a:p>
@@ -9337,7 +10035,7 @@
         <p:spPr>
           <a:xfrm>
             <a:off x="2509233" y="4183434"/>
-            <a:ext cx="3455946" cy="369332"/>
+            <a:ext cx="3630866" cy="369332"/>
           </a:xfrm>
           <a:prstGeom prst="rect">
             <a:avLst/>
@@ -9352,7 +10050,7 @@
           <a:p>
             <a:r>
               <a:rPr lang="en-US" dirty="0"/>
-              <a:t>Eight constants to Rename Stage</a:t>
+              <a:t>Twelve constants to Rename Stage</a:t>
             </a:r>
             <a:endParaRPr lang="en-CA" dirty="0"/>
           </a:p>
@@ -9487,7 +10185,7 @@
             </a:pPr>
             <a:r>
               <a:rPr lang="en-US" dirty="0"/>
-              <a:t>There may be two cache line constants per micro-op if the micro-op is a store instruction.</a:t>
+              <a:t>There may be three cache line constants per micro-op.</a:t>
             </a:r>
             <a:endParaRPr lang="en-CA" dirty="0"/>
           </a:p>
@@ -10378,7 +11076,7 @@
             <a:pPr algn="ctr"/>
             <a:r>
               <a:rPr lang="en-US" sz="1000" dirty="0"/>
-              <a:t>2</a:t>
+              <a:t>3</a:t>
             </a:r>
             <a:endParaRPr lang="en-CA" sz="1000" dirty="0"/>
           </a:p>
@@ -11570,7 +12268,107 @@
         </p:nvSpPr>
         <p:spPr>
           <a:xfrm>
-            <a:off x="5864159" y="3730706"/>
+            <a:off x="4413264" y="3751399"/>
+            <a:ext cx="598831" cy="216000"/>
+          </a:xfrm>
+          <a:prstGeom prst="rect">
+            <a:avLst/>
+          </a:prstGeom>
+        </p:spPr>
+        <p:style>
+          <a:lnRef idx="2">
+            <a:schemeClr val="accent1">
+              <a:shade val="15000"/>
+            </a:schemeClr>
+          </a:lnRef>
+          <a:fillRef idx="1">
+            <a:schemeClr val="accent1"/>
+          </a:fillRef>
+          <a:effectRef idx="0">
+            <a:schemeClr val="accent1"/>
+          </a:effectRef>
+          <a:fontRef idx="minor">
+            <a:schemeClr val="lt1"/>
+          </a:fontRef>
+        </p:style>
+        <p:txBody>
+          <a:bodyPr rtlCol="0" anchor="ctr"/>
+          <a:lstStyle/>
+          <a:p>
+            <a:pPr algn="ctr"/>
+            <a:r>
+              <a:rPr lang="en-US" sz="700" dirty="0"/>
+              <a:t>FSQRT</a:t>
+            </a:r>
+            <a:endParaRPr lang="en-CA" sz="700" dirty="0"/>
+          </a:p>
+        </p:txBody>
+      </p:sp>
+      <p:sp>
+        <p:nvSpPr>
+          <p:cNvPr id="3" name="Rectangle 2">
+            <a:extLst>
+              <a:ext uri="{FF2B5EF4-FFF2-40B4-BE49-F238E27FC236}">
+                <a16:creationId xmlns:a16="http://schemas.microsoft.com/office/drawing/2014/main" id="{A96E320B-18AF-E5BE-A9B7-C628FE8AAB67}"/>
+              </a:ext>
+            </a:extLst>
+          </p:cNvPr>
+          <p:cNvSpPr/>
+          <p:nvPr/>
+        </p:nvSpPr>
+        <p:spPr>
+          <a:xfrm>
+            <a:off x="4413264" y="3502640"/>
+            <a:ext cx="598831" cy="216000"/>
+          </a:xfrm>
+          <a:prstGeom prst="rect">
+            <a:avLst/>
+          </a:prstGeom>
+        </p:spPr>
+        <p:style>
+          <a:lnRef idx="2">
+            <a:schemeClr val="accent1">
+              <a:shade val="15000"/>
+            </a:schemeClr>
+          </a:lnRef>
+          <a:fillRef idx="1">
+            <a:schemeClr val="accent1"/>
+          </a:fillRef>
+          <a:effectRef idx="0">
+            <a:schemeClr val="accent1"/>
+          </a:effectRef>
+          <a:fontRef idx="minor">
+            <a:schemeClr val="lt1"/>
+          </a:fontRef>
+        </p:style>
+        <p:txBody>
+          <a:bodyPr rtlCol="0" anchor="ctr"/>
+          <a:lstStyle/>
+          <a:p>
+            <a:pPr algn="ctr"/>
+            <a:r>
+              <a:rPr lang="en-US" sz="700" dirty="0"/>
+              <a:t>FDIV</a:t>
+            </a:r>
+            <a:endParaRPr lang="en-CA" sz="700" dirty="0"/>
+          </a:p>
+        </p:txBody>
+      </p:sp>
+      <p:sp>
+        <p:nvSpPr>
+          <p:cNvPr id="81" name="Rectangle 80">
+            <a:extLst>
+              <a:ext uri="{FF2B5EF4-FFF2-40B4-BE49-F238E27FC236}">
+                <a16:creationId xmlns:a16="http://schemas.microsoft.com/office/drawing/2014/main" id="{3FEF0634-1D91-3B54-C02B-6679ACB17214}"/>
+              </a:ext>
+            </a:extLst>
+          </p:cNvPr>
+          <p:cNvSpPr/>
+          <p:nvPr/>
+        </p:nvSpPr>
+        <p:spPr>
+          <a:xfrm>
+            <a:off x="8540352" y="3236916"/>
             <a:ext cx="720000" cy="216000"/>
           </a:xfrm>
           <a:prstGeom prst="rect">
@@ -11599,110 +12397,10 @@
           <a:p>
             <a:pPr algn="ctr"/>
             <a:r>
-              <a:rPr lang="en-US" sz="1000" dirty="0"/>
-              <a:t>FSQRT</a:t>
-            </a:r>
-            <a:endParaRPr lang="en-CA" sz="1000" dirty="0"/>
-          </a:p>
-        </p:txBody>
-      </p:sp>
-      <p:sp>
-        <p:nvSpPr>
-          <p:cNvPr id="3" name="Rectangle 2">
-            <a:extLst>
-              <a:ext uri="{FF2B5EF4-FFF2-40B4-BE49-F238E27FC236}">
-                <a16:creationId xmlns:a16="http://schemas.microsoft.com/office/drawing/2014/main" id="{A96E320B-18AF-E5BE-A9B7-C628FE8AAB67}"/>
-              </a:ext>
-            </a:extLst>
-          </p:cNvPr>
-          <p:cNvSpPr/>
-          <p:nvPr/>
-        </p:nvSpPr>
-        <p:spPr>
-          <a:xfrm>
-            <a:off x="5864241" y="3481947"/>
-            <a:ext cx="720000" cy="216000"/>
-          </a:xfrm>
-          <a:prstGeom prst="rect">
-            <a:avLst/>
-          </a:prstGeom>
-        </p:spPr>
-        <p:style>
-          <a:lnRef idx="2">
-            <a:schemeClr val="accent1">
-              <a:shade val="15000"/>
-            </a:schemeClr>
-          </a:lnRef>
-          <a:fillRef idx="1">
-            <a:schemeClr val="accent1"/>
-          </a:fillRef>
-          <a:effectRef idx="0">
-            <a:schemeClr val="accent1"/>
-          </a:effectRef>
-          <a:fontRef idx="minor">
-            <a:schemeClr val="lt1"/>
-          </a:fontRef>
-        </p:style>
-        <p:txBody>
-          <a:bodyPr rtlCol="0" anchor="ctr"/>
-          <a:lstStyle/>
-          <a:p>
-            <a:pPr algn="ctr"/>
-            <a:r>
-              <a:rPr lang="en-US" sz="1000" dirty="0"/>
-              <a:t>FDIV</a:t>
-            </a:r>
-            <a:endParaRPr lang="en-CA" sz="1000" dirty="0"/>
-          </a:p>
-        </p:txBody>
-      </p:sp>
-      <p:sp>
-        <p:nvSpPr>
-          <p:cNvPr id="81" name="Rectangle 80">
-            <a:extLst>
-              <a:ext uri="{FF2B5EF4-FFF2-40B4-BE49-F238E27FC236}">
-                <a16:creationId xmlns:a16="http://schemas.microsoft.com/office/drawing/2014/main" id="{3FEF0634-1D91-3B54-C02B-6679ACB17214}"/>
-              </a:ext>
-            </a:extLst>
-          </p:cNvPr>
-          <p:cNvSpPr/>
-          <p:nvPr/>
-        </p:nvSpPr>
-        <p:spPr>
-          <a:xfrm>
-            <a:off x="10778470" y="3236713"/>
-            <a:ext cx="720000" cy="216000"/>
-          </a:xfrm>
-          <a:prstGeom prst="rect">
-            <a:avLst/>
-          </a:prstGeom>
-        </p:spPr>
-        <p:style>
-          <a:lnRef idx="2">
-            <a:schemeClr val="accent1">
-              <a:shade val="15000"/>
-            </a:schemeClr>
-          </a:lnRef>
-          <a:fillRef idx="1">
-            <a:schemeClr val="accent1"/>
-          </a:fillRef>
-          <a:effectRef idx="0">
-            <a:schemeClr val="accent1"/>
-          </a:effectRef>
-          <a:fontRef idx="minor">
-            <a:schemeClr val="lt1"/>
-          </a:fontRef>
-        </p:style>
-        <p:txBody>
-          <a:bodyPr rtlCol="0" anchor="ctr"/>
-          <a:lstStyle/>
-          <a:p>
-            <a:pPr algn="ctr"/>
-            <a:r>
-              <a:rPr lang="en-US" sz="1000" dirty="0"/>
+              <a:rPr lang="en-US" sz="700" dirty="0"/>
               <a:t>FPU</a:t>
             </a:r>
-            <a:endParaRPr lang="en-CA" sz="1000" dirty="0"/>
+            <a:endParaRPr lang="en-CA" sz="700" dirty="0"/>
           </a:p>
         </p:txBody>
       </p:sp>
@@ -11758,7 +12456,7 @@
         <p:spPr>
           <a:xfrm>
             <a:off x="740186" y="3238922"/>
-            <a:ext cx="720000" cy="216000"/>
+            <a:ext cx="500506" cy="216000"/>
           </a:xfrm>
           <a:prstGeom prst="rect">
             <a:avLst/>
@@ -11786,10 +12484,10 @@
           <a:p>
             <a:pPr algn="ctr"/>
             <a:r>
-              <a:rPr lang="en-US" sz="1000" dirty="0"/>
+              <a:rPr lang="en-US" sz="700" dirty="0"/>
               <a:t>SAU #0</a:t>
             </a:r>
-            <a:endParaRPr lang="en-CA" sz="1000" dirty="0"/>
+            <a:endParaRPr lang="en-CA" sz="700" dirty="0"/>
           </a:p>
         </p:txBody>
       </p:sp>
@@ -11807,8 +12505,8 @@
         </p:nvSpPr>
         <p:spPr>
           <a:xfrm>
-            <a:off x="1592760" y="3241131"/>
-            <a:ext cx="720000" cy="216000"/>
+            <a:off x="1331350" y="3236782"/>
+            <a:ext cx="514437" cy="216000"/>
           </a:xfrm>
           <a:prstGeom prst="rect">
             <a:avLst/>
@@ -11836,10 +12534,10 @@
           <a:p>
             <a:pPr algn="ctr"/>
             <a:r>
-              <a:rPr lang="en-US" sz="1000" dirty="0"/>
+              <a:rPr lang="en-US" sz="700" dirty="0"/>
               <a:t>SAU #1</a:t>
             </a:r>
-            <a:endParaRPr lang="en-CA" sz="1000" dirty="0"/>
+            <a:endParaRPr lang="en-CA" sz="700" dirty="0"/>
           </a:p>
         </p:txBody>
       </p:sp>
@@ -11857,8 +12555,8 @@
         </p:nvSpPr>
         <p:spPr>
           <a:xfrm>
-            <a:off x="2445334" y="3243339"/>
-            <a:ext cx="720000" cy="216000"/>
+            <a:off x="1957865" y="3238469"/>
+            <a:ext cx="524006" cy="216000"/>
           </a:xfrm>
           <a:prstGeom prst="rect">
             <a:avLst/>
@@ -11886,10 +12584,10 @@
           <a:p>
             <a:pPr algn="ctr"/>
             <a:r>
-              <a:rPr lang="en-US" sz="1000" dirty="0"/>
+              <a:rPr lang="en-US" sz="700" dirty="0"/>
               <a:t>IMUL</a:t>
             </a:r>
-            <a:endParaRPr lang="en-CA" sz="1000" dirty="0"/>
+            <a:endParaRPr lang="en-CA" sz="700" dirty="0"/>
           </a:p>
         </p:txBody>
       </p:sp>
@@ -11907,8 +12605,8 @@
         </p:nvSpPr>
         <p:spPr>
           <a:xfrm>
-            <a:off x="3297908" y="3238922"/>
-            <a:ext cx="720000" cy="216000"/>
+            <a:off x="2550439" y="3240508"/>
+            <a:ext cx="534491" cy="216000"/>
           </a:xfrm>
           <a:prstGeom prst="rect">
             <a:avLst/>
@@ -11936,7 +12634,7 @@
           <a:p>
             <a:pPr algn="ctr"/>
             <a:r>
-              <a:rPr lang="en-US" sz="1000" dirty="0"/>
+              <a:rPr lang="en-US" sz="700" dirty="0"/>
               <a:t>IDIV</a:t>
             </a:r>
           </a:p>
@@ -11956,8 +12654,8 @@
         </p:nvSpPr>
         <p:spPr>
           <a:xfrm>
-            <a:off x="4150482" y="3236713"/>
-            <a:ext cx="720000" cy="216000"/>
+            <a:off x="3159581" y="3252985"/>
+            <a:ext cx="565321" cy="216000"/>
           </a:xfrm>
           <a:prstGeom prst="rect">
             <a:avLst/>
@@ -11985,10 +12683,10 @@
           <a:p>
             <a:pPr algn="ctr"/>
             <a:r>
-              <a:rPr lang="en-US" sz="1000" dirty="0"/>
-              <a:t>FMA #0</a:t>
-            </a:r>
-            <a:endParaRPr lang="en-CA" sz="1000" dirty="0"/>
+              <a:rPr lang="en-US" sz="700" dirty="0"/>
+              <a:t>FDP #0</a:t>
+            </a:r>
+            <a:endParaRPr lang="en-CA" sz="700" dirty="0"/>
           </a:p>
         </p:txBody>
       </p:sp>
@@ -12006,8 +12704,8 @@
         </p:nvSpPr>
         <p:spPr>
           <a:xfrm>
-            <a:off x="5855630" y="3236713"/>
-            <a:ext cx="720000" cy="216000"/>
+            <a:off x="4423282" y="3252985"/>
+            <a:ext cx="588813" cy="216000"/>
           </a:xfrm>
           <a:prstGeom prst="rect">
             <a:avLst/>
@@ -12035,10 +12733,10 @@
           <a:p>
             <a:pPr algn="ctr"/>
             <a:r>
-              <a:rPr lang="en-US" sz="1000" dirty="0"/>
+              <a:rPr lang="en-US" sz="700" dirty="0"/>
               <a:t>TRIG</a:t>
             </a:r>
-            <a:endParaRPr lang="en-CA" sz="1000" dirty="0"/>
+            <a:endParaRPr lang="en-CA" sz="700" dirty="0"/>
           </a:p>
         </p:txBody>
       </p:sp>
@@ -12057,7 +12755,7 @@
         <p:spPr>
           <a:xfrm>
             <a:off x="740185" y="3517218"/>
-            <a:ext cx="720000" cy="216000"/>
+            <a:ext cx="500506" cy="216000"/>
           </a:xfrm>
           <a:prstGeom prst="rect">
             <a:avLst/>
@@ -12085,10 +12783,10 @@
           <a:p>
             <a:pPr algn="ctr"/>
             <a:r>
-              <a:rPr lang="en-US" sz="1000" dirty="0"/>
+              <a:rPr lang="en-US" sz="700" dirty="0"/>
               <a:t>CSRs</a:t>
             </a:r>
-            <a:endParaRPr lang="en-CA" sz="1000" dirty="0"/>
+            <a:endParaRPr lang="en-CA" sz="700" dirty="0"/>
           </a:p>
         </p:txBody>
       </p:sp>
@@ -12107,7 +12805,7 @@
         <p:spPr>
           <a:xfrm>
             <a:off x="740185" y="3795514"/>
-            <a:ext cx="720000" cy="216000"/>
+            <a:ext cx="515549" cy="216000"/>
           </a:xfrm>
           <a:prstGeom prst="rect">
             <a:avLst/>
@@ -12135,10 +12833,10 @@
           <a:p>
             <a:pPr algn="ctr"/>
             <a:r>
-              <a:rPr lang="en-US" sz="1000" dirty="0"/>
+              <a:rPr lang="en-US" sz="700" dirty="0"/>
               <a:t>Counts</a:t>
             </a:r>
-            <a:endParaRPr lang="en-CA" sz="1000" dirty="0"/>
+            <a:endParaRPr lang="en-CA" sz="700" dirty="0"/>
           </a:p>
         </p:txBody>
       </p:sp>
@@ -12157,7 +12855,7 @@
         <p:spPr>
           <a:xfrm>
             <a:off x="740184" y="4073810"/>
-            <a:ext cx="720000" cy="216000"/>
+            <a:ext cx="515549" cy="216000"/>
           </a:xfrm>
           <a:prstGeom prst="rect">
             <a:avLst/>
@@ -12185,10 +12883,10 @@
           <a:p>
             <a:pPr algn="ctr"/>
             <a:r>
-              <a:rPr lang="en-US" sz="1000" dirty="0"/>
+              <a:rPr lang="en-US" sz="700" dirty="0"/>
               <a:t>Shift</a:t>
             </a:r>
-            <a:endParaRPr lang="en-CA" sz="1000" dirty="0"/>
+            <a:endParaRPr lang="en-CA" sz="700" dirty="0"/>
           </a:p>
         </p:txBody>
       </p:sp>
@@ -12206,8 +12904,8 @@
         </p:nvSpPr>
         <p:spPr>
           <a:xfrm>
-            <a:off x="3297908" y="3517218"/>
-            <a:ext cx="720000" cy="216000"/>
+            <a:off x="2539407" y="3509042"/>
+            <a:ext cx="553799" cy="216000"/>
           </a:xfrm>
           <a:prstGeom prst="rect">
             <a:avLst/>
@@ -12235,7 +12933,7 @@
           <a:p>
             <a:pPr algn="ctr"/>
             <a:r>
-              <a:rPr lang="en-US" sz="1000" dirty="0"/>
+              <a:rPr lang="en-US" sz="700" dirty="0"/>
               <a:t>ISQRT</a:t>
             </a:r>
           </a:p>
@@ -12255,8 +12953,8 @@
         </p:nvSpPr>
         <p:spPr>
           <a:xfrm>
-            <a:off x="5003056" y="3238469"/>
-            <a:ext cx="720000" cy="216000"/>
+            <a:off x="3803813" y="3260319"/>
+            <a:ext cx="565321" cy="216000"/>
           </a:xfrm>
           <a:prstGeom prst="rect">
             <a:avLst/>
@@ -12284,10 +12982,10 @@
           <a:p>
             <a:pPr algn="ctr"/>
             <a:r>
-              <a:rPr lang="en-US" sz="1000" dirty="0"/>
-              <a:t>FMA #1</a:t>
-            </a:r>
-            <a:endParaRPr lang="en-CA" sz="1000" dirty="0"/>
+              <a:rPr lang="en-US" sz="700" dirty="0"/>
+              <a:t>FDP #1</a:t>
+            </a:r>
+            <a:endParaRPr lang="en-CA" sz="700" dirty="0"/>
           </a:p>
         </p:txBody>
       </p:sp>
@@ -12305,8 +13003,8 @@
         </p:nvSpPr>
         <p:spPr>
           <a:xfrm>
-            <a:off x="6708204" y="3236713"/>
-            <a:ext cx="720000" cy="216000"/>
+            <a:off x="5086778" y="3258021"/>
+            <a:ext cx="627090" cy="216000"/>
           </a:xfrm>
           <a:prstGeom prst="rect">
             <a:avLst/>
@@ -12334,10 +13032,10 @@
           <a:p>
             <a:pPr algn="ctr"/>
             <a:r>
-              <a:rPr lang="en-US" sz="1000" dirty="0"/>
+              <a:rPr lang="en-US" sz="700" dirty="0"/>
               <a:t>FCU</a:t>
             </a:r>
-            <a:endParaRPr lang="en-CA" sz="1000" dirty="0"/>
+            <a:endParaRPr lang="en-CA" sz="700" dirty="0"/>
           </a:p>
         </p:txBody>
       </p:sp>
@@ -12355,8 +13053,8 @@
         </p:nvSpPr>
         <p:spPr>
           <a:xfrm>
-            <a:off x="7517332" y="3236713"/>
-            <a:ext cx="720000" cy="216000"/>
+            <a:off x="5775135" y="3258021"/>
+            <a:ext cx="627090" cy="216000"/>
           </a:xfrm>
           <a:prstGeom prst="rect">
             <a:avLst/>
@@ -12384,10 +13082,10 @@
           <a:p>
             <a:pPr algn="ctr"/>
             <a:r>
-              <a:rPr lang="en-US" sz="1000" dirty="0"/>
+              <a:rPr lang="en-US" sz="700" dirty="0"/>
               <a:t>AGEN #0</a:t>
             </a:r>
-            <a:endParaRPr lang="en-CA" sz="1000" dirty="0"/>
+            <a:endParaRPr lang="en-CA" sz="700" dirty="0"/>
           </a:p>
         </p:txBody>
       </p:sp>
@@ -12405,8 +13103,8 @@
         </p:nvSpPr>
         <p:spPr>
           <a:xfrm>
-            <a:off x="8326460" y="3236713"/>
-            <a:ext cx="720000" cy="216000"/>
+            <a:off x="6455303" y="3252985"/>
+            <a:ext cx="622436" cy="216000"/>
           </a:xfrm>
           <a:prstGeom prst="rect">
             <a:avLst/>
@@ -12434,10 +13132,10 @@
           <a:p>
             <a:pPr algn="ctr"/>
             <a:r>
-              <a:rPr lang="en-US" sz="1000" dirty="0"/>
+              <a:rPr lang="en-US" sz="700" dirty="0"/>
               <a:t>AGEN #1</a:t>
             </a:r>
-            <a:endParaRPr lang="en-CA" sz="1000" dirty="0"/>
+            <a:endParaRPr lang="en-CA" sz="700" dirty="0"/>
           </a:p>
         </p:txBody>
       </p:sp>
@@ -12455,8 +13153,8 @@
         </p:nvSpPr>
         <p:spPr>
           <a:xfrm>
-            <a:off x="9135588" y="3236713"/>
-            <a:ext cx="720000" cy="216000"/>
+            <a:off x="7137299" y="3238469"/>
+            <a:ext cx="642428" cy="216000"/>
           </a:xfrm>
           <a:prstGeom prst="rect">
             <a:avLst/>
@@ -12484,10 +13182,10 @@
           <a:p>
             <a:pPr algn="ctr"/>
             <a:r>
-              <a:rPr lang="en-US" sz="1000" dirty="0"/>
+              <a:rPr lang="en-US" sz="700" dirty="0"/>
               <a:t>DRAM #0</a:t>
             </a:r>
-            <a:endParaRPr lang="en-CA" sz="1000" dirty="0"/>
+            <a:endParaRPr lang="en-CA" sz="700" dirty="0"/>
           </a:p>
         </p:txBody>
       </p:sp>
@@ -12505,8 +13203,8 @@
         </p:nvSpPr>
         <p:spPr>
           <a:xfrm>
-            <a:off x="9942478" y="3236713"/>
-            <a:ext cx="720000" cy="216000"/>
+            <a:off x="7838630" y="3236364"/>
+            <a:ext cx="638176" cy="216000"/>
           </a:xfrm>
           <a:prstGeom prst="rect">
             <a:avLst/>
@@ -12534,10 +13232,10 @@
           <a:p>
             <a:pPr algn="ctr"/>
             <a:r>
-              <a:rPr lang="en-US" sz="1000" dirty="0"/>
+              <a:rPr lang="en-US" sz="700" dirty="0"/>
               <a:t>DRAM #1</a:t>
             </a:r>
-            <a:endParaRPr lang="en-CA" sz="1000" dirty="0"/>
+            <a:endParaRPr lang="en-CA" sz="700" dirty="0"/>
           </a:p>
         </p:txBody>
       </p:sp>
@@ -12555,8 +13253,8 @@
         </p:nvSpPr>
         <p:spPr>
           <a:xfrm>
-            <a:off x="550290" y="2958159"/>
-            <a:ext cx="11035473" cy="1435652"/>
+            <a:off x="595518" y="3003125"/>
+            <a:ext cx="11110569" cy="2849063"/>
           </a:xfrm>
           <a:prstGeom prst="rect">
             <a:avLst/>
@@ -12588,7 +13286,7 @@
           <a:lstStyle/>
           <a:p>
             <a:pPr algn="ctr"/>
-            <a:endParaRPr lang="en-CA" dirty="0"/>
+            <a:endParaRPr lang="en-CA" sz="1200" dirty="0"/>
           </a:p>
         </p:txBody>
       </p:sp>
@@ -12606,8 +13304,8 @@
         </p:nvSpPr>
         <p:spPr>
           <a:xfrm>
-            <a:off x="581211" y="1970359"/>
-            <a:ext cx="11035473" cy="491881"/>
+            <a:off x="581211" y="2159567"/>
+            <a:ext cx="11124876" cy="302673"/>
           </a:xfrm>
           <a:prstGeom prst="rect">
             <a:avLst/>
@@ -12636,7 +13334,7 @@
             <a:pPr algn="ctr"/>
             <a:r>
               <a:rPr lang="en-US" sz="1100" dirty="0"/>
-              <a:t>12:36 rotating mux/</a:t>
+              <a:t>16:64 rotating mux/</a:t>
             </a:r>
             <a:r>
               <a:rPr lang="en-US" sz="1100" dirty="0" err="1"/>
@@ -12660,7 +13358,7 @@
         </p:nvSpPr>
         <p:spPr>
           <a:xfrm>
-            <a:off x="958539" y="2464774"/>
+            <a:off x="839645" y="2474713"/>
             <a:ext cx="340139" cy="768626"/>
           </a:xfrm>
           <a:prstGeom prst="upDownArrow">
@@ -12690,1194 +13388,13 @@
             <a:pPr algn="ctr"/>
             <a:r>
               <a:rPr lang="en-US" sz="1000" dirty="0">
-                <a:solidFill>
-                  <a:srgbClr val="FFFF00"/>
-                </a:solidFill>
-              </a:rPr>
-              <a:t>3</a:t>
-            </a:r>
-            <a:endParaRPr lang="en-CA" sz="1000" dirty="0">
-              <a:solidFill>
-                <a:srgbClr val="FFFF00"/>
-              </a:solidFill>
-            </a:endParaRPr>
-          </a:p>
-        </p:txBody>
-      </p:sp>
-      <p:sp>
-        <p:nvSpPr>
-          <p:cNvPr id="35" name="Arrow: Up-Down 34">
-            <a:extLst>
-              <a:ext uri="{FF2B5EF4-FFF2-40B4-BE49-F238E27FC236}">
-                <a16:creationId xmlns:a16="http://schemas.microsoft.com/office/drawing/2014/main" id="{25707A37-2146-452E-0E55-34D2DD7327B7}"/>
-              </a:ext>
-            </a:extLst>
-          </p:cNvPr>
-          <p:cNvSpPr/>
-          <p:nvPr/>
-        </p:nvSpPr>
-        <p:spPr>
-          <a:xfrm>
-            <a:off x="1788270" y="2472505"/>
-            <a:ext cx="340139" cy="768626"/>
-          </a:xfrm>
-          <a:prstGeom prst="upDownArrow">
-            <a:avLst/>
-          </a:prstGeom>
-        </p:spPr>
-        <p:style>
-          <a:lnRef idx="2">
-            <a:schemeClr val="accent1">
-              <a:shade val="15000"/>
-            </a:schemeClr>
-          </a:lnRef>
-          <a:fillRef idx="1">
-            <a:schemeClr val="accent1"/>
-          </a:fillRef>
-          <a:effectRef idx="0">
-            <a:schemeClr val="accent1"/>
-          </a:effectRef>
-          <a:fontRef idx="minor">
-            <a:schemeClr val="lt1"/>
-          </a:fontRef>
-        </p:style>
-        <p:txBody>
-          <a:bodyPr rtlCol="0" anchor="ctr"/>
-          <a:lstStyle/>
-          <a:p>
-            <a:pPr algn="ctr"/>
-            <a:r>
-              <a:rPr lang="en-US" sz="1000" dirty="0"/>
-              <a:t>3</a:t>
-            </a:r>
-            <a:endParaRPr lang="en-CA" sz="1000" dirty="0"/>
-          </a:p>
-        </p:txBody>
-      </p:sp>
-      <p:sp>
-        <p:nvSpPr>
-          <p:cNvPr id="36" name="Arrow: Up-Down 35">
-            <a:extLst>
-              <a:ext uri="{FF2B5EF4-FFF2-40B4-BE49-F238E27FC236}">
-                <a16:creationId xmlns:a16="http://schemas.microsoft.com/office/drawing/2014/main" id="{11E77748-3C95-E25C-76EF-D8273C5CE235}"/>
-              </a:ext>
-            </a:extLst>
-          </p:cNvPr>
-          <p:cNvSpPr/>
-          <p:nvPr/>
-        </p:nvSpPr>
-        <p:spPr>
-          <a:xfrm>
-            <a:off x="2631074" y="2454509"/>
-            <a:ext cx="340139" cy="768626"/>
-          </a:xfrm>
-          <a:prstGeom prst="upDownArrow">
-            <a:avLst/>
-          </a:prstGeom>
-        </p:spPr>
-        <p:style>
-          <a:lnRef idx="2">
-            <a:schemeClr val="accent1">
-              <a:shade val="15000"/>
-            </a:schemeClr>
-          </a:lnRef>
-          <a:fillRef idx="1">
-            <a:schemeClr val="accent1"/>
-          </a:fillRef>
-          <a:effectRef idx="0">
-            <a:schemeClr val="accent1"/>
-          </a:effectRef>
-          <a:fontRef idx="minor">
-            <a:schemeClr val="lt1"/>
-          </a:fontRef>
-        </p:style>
-        <p:txBody>
-          <a:bodyPr rtlCol="0" anchor="ctr"/>
-          <a:lstStyle/>
-          <a:p>
-            <a:pPr algn="ctr"/>
-            <a:r>
-              <a:rPr lang="en-US" sz="1000" dirty="0"/>
-              <a:t>3</a:t>
-            </a:r>
-            <a:endParaRPr lang="en-CA" sz="1000" dirty="0"/>
-          </a:p>
-        </p:txBody>
-      </p:sp>
-      <p:sp>
-        <p:nvSpPr>
-          <p:cNvPr id="37" name="Arrow: Up-Down 36">
-            <a:extLst>
-              <a:ext uri="{FF2B5EF4-FFF2-40B4-BE49-F238E27FC236}">
-                <a16:creationId xmlns:a16="http://schemas.microsoft.com/office/drawing/2014/main" id="{BFEBD308-3329-3694-F8D8-055311DD8850}"/>
-              </a:ext>
-            </a:extLst>
-          </p:cNvPr>
-          <p:cNvSpPr/>
-          <p:nvPr/>
-        </p:nvSpPr>
-        <p:spPr>
-          <a:xfrm>
-            <a:off x="3487425" y="2464774"/>
-            <a:ext cx="340139" cy="768626"/>
-          </a:xfrm>
-          <a:prstGeom prst="upDownArrow">
-            <a:avLst/>
-          </a:prstGeom>
-        </p:spPr>
-        <p:style>
-          <a:lnRef idx="2">
-            <a:schemeClr val="accent1">
-              <a:shade val="15000"/>
-            </a:schemeClr>
-          </a:lnRef>
-          <a:fillRef idx="1">
-            <a:schemeClr val="accent1"/>
-          </a:fillRef>
-          <a:effectRef idx="0">
-            <a:schemeClr val="accent1"/>
-          </a:effectRef>
-          <a:fontRef idx="minor">
-            <a:schemeClr val="lt1"/>
-          </a:fontRef>
-        </p:style>
-        <p:txBody>
-          <a:bodyPr rtlCol="0" anchor="ctr"/>
-          <a:lstStyle/>
-          <a:p>
-            <a:pPr algn="ctr"/>
-            <a:r>
-              <a:rPr lang="en-US" sz="1000" dirty="0"/>
-              <a:t>3</a:t>
-            </a:r>
-            <a:endParaRPr lang="en-CA" sz="1000" dirty="0"/>
-          </a:p>
-        </p:txBody>
-      </p:sp>
-      <p:sp>
-        <p:nvSpPr>
-          <p:cNvPr id="38" name="Arrow: Up-Down 37">
-            <a:extLst>
-              <a:ext uri="{FF2B5EF4-FFF2-40B4-BE49-F238E27FC236}">
-                <a16:creationId xmlns:a16="http://schemas.microsoft.com/office/drawing/2014/main" id="{5B781C08-EC3C-DA74-AC8B-933D83D07036}"/>
-              </a:ext>
-            </a:extLst>
-          </p:cNvPr>
-          <p:cNvSpPr/>
-          <p:nvPr/>
-        </p:nvSpPr>
-        <p:spPr>
-          <a:xfrm>
-            <a:off x="6033263" y="2462240"/>
-            <a:ext cx="340139" cy="768626"/>
-          </a:xfrm>
-          <a:prstGeom prst="upDownArrow">
-            <a:avLst/>
-          </a:prstGeom>
-        </p:spPr>
-        <p:style>
-          <a:lnRef idx="2">
-            <a:schemeClr val="accent1">
-              <a:shade val="15000"/>
-            </a:schemeClr>
-          </a:lnRef>
-          <a:fillRef idx="1">
-            <a:schemeClr val="accent1"/>
-          </a:fillRef>
-          <a:effectRef idx="0">
-            <a:schemeClr val="accent1"/>
-          </a:effectRef>
-          <a:fontRef idx="minor">
-            <a:schemeClr val="lt1"/>
-          </a:fontRef>
-        </p:style>
-        <p:txBody>
-          <a:bodyPr rtlCol="0" anchor="ctr"/>
-          <a:lstStyle/>
-          <a:p>
-            <a:pPr algn="ctr"/>
-            <a:r>
-              <a:rPr lang="en-US" sz="1000" dirty="0"/>
-              <a:t>3</a:t>
-            </a:r>
-            <a:endParaRPr lang="en-CA" sz="1000" dirty="0"/>
-          </a:p>
-        </p:txBody>
-      </p:sp>
-      <p:sp>
-        <p:nvSpPr>
-          <p:cNvPr id="39" name="Arrow: Up-Down 38">
-            <a:extLst>
-              <a:ext uri="{FF2B5EF4-FFF2-40B4-BE49-F238E27FC236}">
-                <a16:creationId xmlns:a16="http://schemas.microsoft.com/office/drawing/2014/main" id="{8AF02345-C9B1-B6BF-B7E9-41DDA4A6902F}"/>
-              </a:ext>
-            </a:extLst>
-          </p:cNvPr>
-          <p:cNvSpPr/>
-          <p:nvPr/>
-        </p:nvSpPr>
-        <p:spPr>
-          <a:xfrm>
-            <a:off x="6908725" y="2462240"/>
-            <a:ext cx="340139" cy="768626"/>
-          </a:xfrm>
-          <a:prstGeom prst="upDownArrow">
-            <a:avLst/>
-          </a:prstGeom>
-        </p:spPr>
-        <p:style>
-          <a:lnRef idx="2">
-            <a:schemeClr val="accent1">
-              <a:shade val="15000"/>
-            </a:schemeClr>
-          </a:lnRef>
-          <a:fillRef idx="1">
-            <a:schemeClr val="accent1"/>
-          </a:fillRef>
-          <a:effectRef idx="0">
-            <a:schemeClr val="accent1"/>
-          </a:effectRef>
-          <a:fontRef idx="minor">
-            <a:schemeClr val="lt1"/>
-          </a:fontRef>
-        </p:style>
-        <p:txBody>
-          <a:bodyPr rtlCol="0" anchor="ctr"/>
-          <a:lstStyle/>
-          <a:p>
-            <a:pPr algn="ctr"/>
-            <a:r>
-              <a:rPr lang="en-US" sz="1000" dirty="0">
-                <a:solidFill>
-                  <a:srgbClr val="FFFF00"/>
-                </a:solidFill>
-              </a:rPr>
-              <a:t>3</a:t>
-            </a:r>
-            <a:endParaRPr lang="en-CA" sz="1000" dirty="0">
-              <a:solidFill>
-                <a:srgbClr val="FFFF00"/>
-              </a:solidFill>
-            </a:endParaRPr>
-          </a:p>
-        </p:txBody>
-      </p:sp>
-      <p:sp>
-        <p:nvSpPr>
-          <p:cNvPr id="40" name="Arrow: Up-Down 39">
-            <a:extLst>
-              <a:ext uri="{FF2B5EF4-FFF2-40B4-BE49-F238E27FC236}">
-                <a16:creationId xmlns:a16="http://schemas.microsoft.com/office/drawing/2014/main" id="{484CA597-998E-8D52-2E20-17E9EDFD37DF}"/>
-              </a:ext>
-            </a:extLst>
-          </p:cNvPr>
-          <p:cNvSpPr/>
-          <p:nvPr/>
-        </p:nvSpPr>
-        <p:spPr>
-          <a:xfrm>
-            <a:off x="4322863" y="2462240"/>
-            <a:ext cx="340139" cy="768626"/>
-          </a:xfrm>
-          <a:prstGeom prst="upDownArrow">
-            <a:avLst/>
-          </a:prstGeom>
-        </p:spPr>
-        <p:style>
-          <a:lnRef idx="2">
-            <a:schemeClr val="accent1">
-              <a:shade val="15000"/>
-            </a:schemeClr>
-          </a:lnRef>
-          <a:fillRef idx="1">
-            <a:schemeClr val="accent1"/>
-          </a:fillRef>
-          <a:effectRef idx="0">
-            <a:schemeClr val="accent1"/>
-          </a:effectRef>
-          <a:fontRef idx="minor">
-            <a:schemeClr val="lt1"/>
-          </a:fontRef>
-        </p:style>
-        <p:txBody>
-          <a:bodyPr rtlCol="0" anchor="ctr"/>
-          <a:lstStyle/>
-          <a:p>
-            <a:pPr algn="ctr"/>
-            <a:r>
-              <a:rPr lang="en-US" sz="1000" dirty="0"/>
-              <a:t>4</a:t>
-            </a:r>
-            <a:endParaRPr lang="en-CA" sz="1000" dirty="0"/>
-          </a:p>
-        </p:txBody>
-      </p:sp>
-      <p:sp>
-        <p:nvSpPr>
-          <p:cNvPr id="41" name="Arrow: Up-Down 40">
-            <a:extLst>
-              <a:ext uri="{FF2B5EF4-FFF2-40B4-BE49-F238E27FC236}">
-                <a16:creationId xmlns:a16="http://schemas.microsoft.com/office/drawing/2014/main" id="{62D03AFF-D0B3-BE37-A62E-0E325F813B5E}"/>
-              </a:ext>
-            </a:extLst>
-          </p:cNvPr>
-          <p:cNvSpPr/>
-          <p:nvPr/>
-        </p:nvSpPr>
-        <p:spPr>
-          <a:xfrm>
-            <a:off x="5198216" y="2462240"/>
-            <a:ext cx="340139" cy="768626"/>
-          </a:xfrm>
-          <a:prstGeom prst="upDownArrow">
-            <a:avLst/>
-          </a:prstGeom>
-        </p:spPr>
-        <p:style>
-          <a:lnRef idx="2">
-            <a:schemeClr val="accent1">
-              <a:shade val="15000"/>
-            </a:schemeClr>
-          </a:lnRef>
-          <a:fillRef idx="1">
-            <a:schemeClr val="accent1"/>
-          </a:fillRef>
-          <a:effectRef idx="0">
-            <a:schemeClr val="accent1"/>
-          </a:effectRef>
-          <a:fontRef idx="minor">
-            <a:schemeClr val="lt1"/>
-          </a:fontRef>
-        </p:style>
-        <p:txBody>
-          <a:bodyPr rtlCol="0" anchor="ctr"/>
-          <a:lstStyle/>
-          <a:p>
-            <a:pPr algn="ctr"/>
-            <a:r>
-              <a:rPr lang="en-US" sz="1000" dirty="0"/>
-              <a:t>4</a:t>
-            </a:r>
-            <a:endParaRPr lang="en-CA" sz="1000" dirty="0"/>
-          </a:p>
-        </p:txBody>
-      </p:sp>
-      <p:sp>
-        <p:nvSpPr>
-          <p:cNvPr id="42" name="Arrow: Up-Down 41">
-            <a:extLst>
-              <a:ext uri="{FF2B5EF4-FFF2-40B4-BE49-F238E27FC236}">
-                <a16:creationId xmlns:a16="http://schemas.microsoft.com/office/drawing/2014/main" id="{C9FFACE2-7D7C-FD95-7CF1-4CB0CBE5103F}"/>
-              </a:ext>
-            </a:extLst>
-          </p:cNvPr>
-          <p:cNvSpPr/>
-          <p:nvPr/>
-        </p:nvSpPr>
-        <p:spPr>
-          <a:xfrm>
-            <a:off x="7688225" y="2462240"/>
-            <a:ext cx="340139" cy="768626"/>
-          </a:xfrm>
-          <a:prstGeom prst="upDownArrow">
-            <a:avLst/>
-          </a:prstGeom>
-        </p:spPr>
-        <p:style>
-          <a:lnRef idx="2">
-            <a:schemeClr val="accent1">
-              <a:shade val="15000"/>
-            </a:schemeClr>
-          </a:lnRef>
-          <a:fillRef idx="1">
-            <a:schemeClr val="accent1"/>
-          </a:fillRef>
-          <a:effectRef idx="0">
-            <a:schemeClr val="accent1"/>
-          </a:effectRef>
-          <a:fontRef idx="minor">
-            <a:schemeClr val="lt1"/>
-          </a:fontRef>
-        </p:style>
-        <p:txBody>
-          <a:bodyPr rtlCol="0" anchor="ctr"/>
-          <a:lstStyle/>
-          <a:p>
-            <a:pPr algn="ctr"/>
-            <a:r>
-              <a:rPr lang="en-US" sz="1000" dirty="0">
-                <a:solidFill>
-                  <a:srgbClr val="FFFF00"/>
-                </a:solidFill>
-              </a:rPr>
-              <a:t>2</a:t>
-            </a:r>
-            <a:endParaRPr lang="en-CA" sz="1000" dirty="0">
-              <a:solidFill>
-                <a:srgbClr val="FFFF00"/>
-              </a:solidFill>
-            </a:endParaRPr>
-          </a:p>
-        </p:txBody>
-      </p:sp>
-      <p:sp>
-        <p:nvSpPr>
-          <p:cNvPr id="43" name="Arrow: Up-Down 42">
-            <a:extLst>
-              <a:ext uri="{FF2B5EF4-FFF2-40B4-BE49-F238E27FC236}">
-                <a16:creationId xmlns:a16="http://schemas.microsoft.com/office/drawing/2014/main" id="{19DD16B5-D0C6-56C6-6D1D-356BDF1FC148}"/>
-              </a:ext>
-            </a:extLst>
-          </p:cNvPr>
-          <p:cNvSpPr/>
-          <p:nvPr/>
-        </p:nvSpPr>
-        <p:spPr>
-          <a:xfrm>
-            <a:off x="8512959" y="2469843"/>
-            <a:ext cx="340139" cy="768626"/>
-          </a:xfrm>
-          <a:prstGeom prst="upDownArrow">
-            <a:avLst/>
-          </a:prstGeom>
-        </p:spPr>
-        <p:style>
-          <a:lnRef idx="2">
-            <a:schemeClr val="accent1">
-              <a:shade val="15000"/>
-            </a:schemeClr>
-          </a:lnRef>
-          <a:fillRef idx="1">
-            <a:schemeClr val="accent1"/>
-          </a:fillRef>
-          <a:effectRef idx="0">
-            <a:schemeClr val="accent1"/>
-          </a:effectRef>
-          <a:fontRef idx="minor">
-            <a:schemeClr val="lt1"/>
-          </a:fontRef>
-        </p:style>
-        <p:txBody>
-          <a:bodyPr rtlCol="0" anchor="ctr"/>
-          <a:lstStyle/>
-          <a:p>
-            <a:pPr algn="ctr"/>
-            <a:r>
-              <a:rPr lang="en-US" sz="1000" dirty="0"/>
-              <a:t>2</a:t>
-            </a:r>
-            <a:endParaRPr lang="en-CA" sz="1000" dirty="0"/>
-          </a:p>
-        </p:txBody>
-      </p:sp>
-      <p:sp>
-        <p:nvSpPr>
-          <p:cNvPr id="44" name="Arrow: Up-Down 43">
-            <a:extLst>
-              <a:ext uri="{FF2B5EF4-FFF2-40B4-BE49-F238E27FC236}">
-                <a16:creationId xmlns:a16="http://schemas.microsoft.com/office/drawing/2014/main" id="{167BD157-E240-85AE-52D0-4AFE67280838}"/>
-              </a:ext>
-            </a:extLst>
-          </p:cNvPr>
-          <p:cNvSpPr/>
-          <p:nvPr/>
-        </p:nvSpPr>
-        <p:spPr>
-          <a:xfrm>
-            <a:off x="9320529" y="2469843"/>
-            <a:ext cx="340139" cy="768626"/>
-          </a:xfrm>
-          <a:prstGeom prst="upDownArrow">
-            <a:avLst/>
-          </a:prstGeom>
-        </p:spPr>
-        <p:style>
-          <a:lnRef idx="2">
-            <a:schemeClr val="accent1">
-              <a:shade val="15000"/>
-            </a:schemeClr>
-          </a:lnRef>
-          <a:fillRef idx="1">
-            <a:schemeClr val="accent1"/>
-          </a:fillRef>
-          <a:effectRef idx="0">
-            <a:schemeClr val="accent1"/>
-          </a:effectRef>
-          <a:fontRef idx="minor">
-            <a:schemeClr val="lt1"/>
-          </a:fontRef>
-        </p:style>
-        <p:txBody>
-          <a:bodyPr rtlCol="0" anchor="ctr"/>
-          <a:lstStyle/>
-          <a:p>
-            <a:pPr algn="ctr"/>
-            <a:r>
-              <a:rPr lang="en-US" sz="1000" dirty="0">
-                <a:solidFill>
-                  <a:srgbClr val="FFFF00"/>
-                </a:solidFill>
-              </a:rPr>
-              <a:t>1</a:t>
-            </a:r>
-            <a:endParaRPr lang="en-CA" sz="1000" dirty="0">
-              <a:solidFill>
-                <a:srgbClr val="FFFF00"/>
-              </a:solidFill>
-            </a:endParaRPr>
-          </a:p>
-        </p:txBody>
-      </p:sp>
-      <p:sp>
-        <p:nvSpPr>
-          <p:cNvPr id="45" name="Arrow: Up-Down 44">
-            <a:extLst>
-              <a:ext uri="{FF2B5EF4-FFF2-40B4-BE49-F238E27FC236}">
-                <a16:creationId xmlns:a16="http://schemas.microsoft.com/office/drawing/2014/main" id="{172682AA-5277-427E-737F-654ABD6B1C6C}"/>
-              </a:ext>
-            </a:extLst>
-          </p:cNvPr>
-          <p:cNvSpPr/>
-          <p:nvPr/>
-        </p:nvSpPr>
-        <p:spPr>
-          <a:xfrm>
-            <a:off x="10104017" y="2463019"/>
-            <a:ext cx="340139" cy="768626"/>
-          </a:xfrm>
-          <a:prstGeom prst="upDownArrow">
-            <a:avLst/>
-          </a:prstGeom>
-        </p:spPr>
-        <p:style>
-          <a:lnRef idx="2">
-            <a:schemeClr val="accent1">
-              <a:shade val="15000"/>
-            </a:schemeClr>
-          </a:lnRef>
-          <a:fillRef idx="1">
-            <a:schemeClr val="accent1"/>
-          </a:fillRef>
-          <a:effectRef idx="0">
-            <a:schemeClr val="accent1"/>
-          </a:effectRef>
-          <a:fontRef idx="minor">
-            <a:schemeClr val="lt1"/>
-          </a:fontRef>
-        </p:style>
-        <p:txBody>
-          <a:bodyPr rtlCol="0" anchor="ctr"/>
-          <a:lstStyle/>
-          <a:p>
-            <a:pPr algn="ctr"/>
-            <a:r>
-              <a:rPr lang="en-US" sz="1000" dirty="0"/>
-              <a:t>1</a:t>
-            </a:r>
-            <a:endParaRPr lang="en-CA" sz="1000" dirty="0"/>
-          </a:p>
-        </p:txBody>
-      </p:sp>
-      <p:sp>
-        <p:nvSpPr>
-          <p:cNvPr id="46" name="Arrow: Up-Down 45">
-            <a:extLst>
-              <a:ext uri="{FF2B5EF4-FFF2-40B4-BE49-F238E27FC236}">
-                <a16:creationId xmlns:a16="http://schemas.microsoft.com/office/drawing/2014/main" id="{25D4805F-00C2-A8C7-4B1F-08EC0AC68B4E}"/>
-              </a:ext>
-            </a:extLst>
-          </p:cNvPr>
-          <p:cNvSpPr/>
-          <p:nvPr/>
-        </p:nvSpPr>
-        <p:spPr>
-          <a:xfrm>
-            <a:off x="4970134" y="1079567"/>
-            <a:ext cx="774345" cy="883189"/>
-          </a:xfrm>
-          <a:prstGeom prst="upDownArrow">
-            <a:avLst/>
-          </a:prstGeom>
-        </p:spPr>
-        <p:style>
-          <a:lnRef idx="2">
-            <a:schemeClr val="accent1">
-              <a:shade val="15000"/>
-            </a:schemeClr>
-          </a:lnRef>
-          <a:fillRef idx="1">
-            <a:schemeClr val="accent1"/>
-          </a:fillRef>
-          <a:effectRef idx="0">
-            <a:schemeClr val="accent1"/>
-          </a:effectRef>
-          <a:fontRef idx="minor">
-            <a:schemeClr val="lt1"/>
-          </a:fontRef>
-        </p:style>
-        <p:txBody>
-          <a:bodyPr rtlCol="0" anchor="ctr"/>
-          <a:lstStyle/>
-          <a:p>
-            <a:pPr algn="ctr"/>
-            <a:r>
-              <a:rPr lang="en-US" sz="1000" dirty="0"/>
-              <a:t>12</a:t>
-            </a:r>
-            <a:endParaRPr lang="en-CA" sz="1000" dirty="0"/>
-          </a:p>
-        </p:txBody>
-      </p:sp>
-      <p:sp>
-        <p:nvSpPr>
-          <p:cNvPr id="47" name="TextBox 46">
-            <a:extLst>
-              <a:ext uri="{FF2B5EF4-FFF2-40B4-BE49-F238E27FC236}">
-                <a16:creationId xmlns:a16="http://schemas.microsoft.com/office/drawing/2014/main" id="{20481544-3335-7F85-90A9-B756AF2C6056}"/>
-              </a:ext>
-            </a:extLst>
-          </p:cNvPr>
-          <p:cNvSpPr txBox="1"/>
-          <p:nvPr/>
-        </p:nvSpPr>
-        <p:spPr>
-          <a:xfrm>
-            <a:off x="4190302" y="794840"/>
-            <a:ext cx="2355966" cy="369332"/>
-          </a:xfrm>
-          <a:prstGeom prst="rect">
-            <a:avLst/>
-          </a:prstGeom>
-          <a:noFill/>
-        </p:spPr>
-        <p:txBody>
-          <a:bodyPr wrap="none" rtlCol="0">
-            <a:spAutoFit/>
-          </a:bodyPr>
-          <a:lstStyle/>
-          <a:p>
-            <a:r>
-              <a:rPr lang="en-US" dirty="0"/>
-              <a:t>Read from register file</a:t>
-            </a:r>
-            <a:endParaRPr lang="en-CA" dirty="0"/>
-          </a:p>
-        </p:txBody>
-      </p:sp>
-      <p:sp>
-        <p:nvSpPr>
-          <p:cNvPr id="48" name="TextBox 47">
-            <a:extLst>
-              <a:ext uri="{FF2B5EF4-FFF2-40B4-BE49-F238E27FC236}">
-                <a16:creationId xmlns:a16="http://schemas.microsoft.com/office/drawing/2014/main" id="{B13DF42F-A06D-DCDF-7F17-0E6266147524}"/>
-              </a:ext>
-            </a:extLst>
-          </p:cNvPr>
-          <p:cNvSpPr txBox="1"/>
-          <p:nvPr/>
-        </p:nvSpPr>
-        <p:spPr>
-          <a:xfrm>
-            <a:off x="1161563" y="2672066"/>
-            <a:ext cx="471604" cy="246221"/>
-          </a:xfrm>
-          <a:prstGeom prst="rect">
-            <a:avLst/>
-          </a:prstGeom>
-          <a:noFill/>
-        </p:spPr>
-        <p:txBody>
-          <a:bodyPr wrap="none" rtlCol="0">
-            <a:spAutoFit/>
-          </a:bodyPr>
-          <a:lstStyle/>
-          <a:p>
-            <a:r>
-              <a:rPr lang="en-US" sz="1000" dirty="0" err="1"/>
-              <a:t>a,b,d</a:t>
-            </a:r>
-            <a:endParaRPr lang="en-CA" sz="1000" dirty="0"/>
-          </a:p>
-        </p:txBody>
-      </p:sp>
-      <p:sp>
-        <p:nvSpPr>
-          <p:cNvPr id="49" name="TextBox 48">
-            <a:extLst>
-              <a:ext uri="{FF2B5EF4-FFF2-40B4-BE49-F238E27FC236}">
-                <a16:creationId xmlns:a16="http://schemas.microsoft.com/office/drawing/2014/main" id="{B800D8EE-6D86-FC07-EA21-3B2BE4A7E948}"/>
-              </a:ext>
-            </a:extLst>
-          </p:cNvPr>
-          <p:cNvSpPr txBox="1"/>
-          <p:nvPr/>
-        </p:nvSpPr>
-        <p:spPr>
-          <a:xfrm>
-            <a:off x="2007382" y="2672065"/>
-            <a:ext cx="471604" cy="246221"/>
-          </a:xfrm>
-          <a:prstGeom prst="rect">
-            <a:avLst/>
-          </a:prstGeom>
-          <a:noFill/>
-        </p:spPr>
-        <p:txBody>
-          <a:bodyPr wrap="none" rtlCol="0">
-            <a:spAutoFit/>
-          </a:bodyPr>
-          <a:lstStyle/>
-          <a:p>
-            <a:r>
-              <a:rPr lang="en-US" sz="1000" dirty="0" err="1"/>
-              <a:t>a,b,d</a:t>
-            </a:r>
-            <a:endParaRPr lang="en-CA" sz="1000" dirty="0"/>
-          </a:p>
-        </p:txBody>
-      </p:sp>
-      <p:sp>
-        <p:nvSpPr>
-          <p:cNvPr id="50" name="TextBox 49">
-            <a:extLst>
-              <a:ext uri="{FF2B5EF4-FFF2-40B4-BE49-F238E27FC236}">
-                <a16:creationId xmlns:a16="http://schemas.microsoft.com/office/drawing/2014/main" id="{743D540C-1B32-3351-CC8C-F7BFA22A1DE1}"/>
-              </a:ext>
-            </a:extLst>
-          </p:cNvPr>
-          <p:cNvSpPr txBox="1"/>
-          <p:nvPr/>
-        </p:nvSpPr>
-        <p:spPr>
-          <a:xfrm>
-            <a:off x="2878008" y="2666120"/>
-            <a:ext cx="471604" cy="246221"/>
-          </a:xfrm>
-          <a:prstGeom prst="rect">
-            <a:avLst/>
-          </a:prstGeom>
-          <a:noFill/>
-        </p:spPr>
-        <p:txBody>
-          <a:bodyPr wrap="none" rtlCol="0">
-            <a:spAutoFit/>
-          </a:bodyPr>
-          <a:lstStyle/>
-          <a:p>
-            <a:r>
-              <a:rPr lang="en-US" sz="1000" dirty="0" err="1"/>
-              <a:t>a,b,d</a:t>
-            </a:r>
-            <a:endParaRPr lang="en-CA" sz="1000" dirty="0"/>
-          </a:p>
-        </p:txBody>
-      </p:sp>
-      <p:sp>
-        <p:nvSpPr>
-          <p:cNvPr id="51" name="TextBox 50">
-            <a:extLst>
-              <a:ext uri="{FF2B5EF4-FFF2-40B4-BE49-F238E27FC236}">
-                <a16:creationId xmlns:a16="http://schemas.microsoft.com/office/drawing/2014/main" id="{32FE1D91-ECA3-A6D3-32FE-F1EC7BAE8F3E}"/>
-              </a:ext>
-            </a:extLst>
-          </p:cNvPr>
-          <p:cNvSpPr txBox="1"/>
-          <p:nvPr/>
-        </p:nvSpPr>
-        <p:spPr>
-          <a:xfrm>
-            <a:off x="3755795" y="2666120"/>
-            <a:ext cx="471604" cy="246221"/>
-          </a:xfrm>
-          <a:prstGeom prst="rect">
-            <a:avLst/>
-          </a:prstGeom>
-          <a:noFill/>
-        </p:spPr>
-        <p:txBody>
-          <a:bodyPr wrap="none" rtlCol="0">
-            <a:spAutoFit/>
-          </a:bodyPr>
-          <a:lstStyle/>
-          <a:p>
-            <a:r>
-              <a:rPr lang="en-US" sz="1000" dirty="0" err="1"/>
-              <a:t>a,b,d</a:t>
-            </a:r>
-            <a:endParaRPr lang="en-CA" sz="1000" dirty="0"/>
-          </a:p>
-        </p:txBody>
-      </p:sp>
-      <p:sp>
-        <p:nvSpPr>
-          <p:cNvPr id="52" name="TextBox 51">
-            <a:extLst>
-              <a:ext uri="{FF2B5EF4-FFF2-40B4-BE49-F238E27FC236}">
-                <a16:creationId xmlns:a16="http://schemas.microsoft.com/office/drawing/2014/main" id="{9160541E-7B15-45F9-FAEA-FF9A5FABD7D2}"/>
-              </a:ext>
-            </a:extLst>
-          </p:cNvPr>
-          <p:cNvSpPr txBox="1"/>
-          <p:nvPr/>
-        </p:nvSpPr>
-        <p:spPr>
-          <a:xfrm>
-            <a:off x="4579075" y="2662254"/>
-            <a:ext cx="575799" cy="246221"/>
-          </a:xfrm>
-          <a:prstGeom prst="rect">
-            <a:avLst/>
-          </a:prstGeom>
-          <a:noFill/>
-        </p:spPr>
-        <p:txBody>
-          <a:bodyPr wrap="none" rtlCol="0">
-            <a:spAutoFit/>
-          </a:bodyPr>
-          <a:lstStyle/>
-          <a:p>
-            <a:r>
-              <a:rPr lang="en-US" sz="1000" dirty="0" err="1"/>
-              <a:t>a,b,c,d</a:t>
-            </a:r>
-            <a:endParaRPr lang="en-CA" sz="1000" dirty="0"/>
-          </a:p>
-        </p:txBody>
-      </p:sp>
-      <p:sp>
-        <p:nvSpPr>
-          <p:cNvPr id="53" name="TextBox 52">
-            <a:extLst>
-              <a:ext uri="{FF2B5EF4-FFF2-40B4-BE49-F238E27FC236}">
-                <a16:creationId xmlns:a16="http://schemas.microsoft.com/office/drawing/2014/main" id="{61685939-693A-D425-2639-3E3970A99F7B}"/>
-              </a:ext>
-            </a:extLst>
-          </p:cNvPr>
-          <p:cNvSpPr txBox="1"/>
-          <p:nvPr/>
-        </p:nvSpPr>
-        <p:spPr>
-          <a:xfrm>
-            <a:off x="5449529" y="2662253"/>
-            <a:ext cx="575799" cy="246221"/>
-          </a:xfrm>
-          <a:prstGeom prst="rect">
-            <a:avLst/>
-          </a:prstGeom>
-          <a:noFill/>
-        </p:spPr>
-        <p:txBody>
-          <a:bodyPr wrap="none" rtlCol="0">
-            <a:spAutoFit/>
-          </a:bodyPr>
-          <a:lstStyle/>
-          <a:p>
-            <a:r>
-              <a:rPr lang="en-US" sz="1000" dirty="0" err="1"/>
-              <a:t>a,b,c,d</a:t>
-            </a:r>
-            <a:endParaRPr lang="en-CA" sz="1000" dirty="0"/>
-          </a:p>
-        </p:txBody>
-      </p:sp>
-      <p:sp>
-        <p:nvSpPr>
-          <p:cNvPr id="54" name="TextBox 53">
-            <a:extLst>
-              <a:ext uri="{FF2B5EF4-FFF2-40B4-BE49-F238E27FC236}">
-                <a16:creationId xmlns:a16="http://schemas.microsoft.com/office/drawing/2014/main" id="{E038DB82-1AA8-799F-103E-E0E1287C9763}"/>
-              </a:ext>
-            </a:extLst>
-          </p:cNvPr>
-          <p:cNvSpPr txBox="1"/>
-          <p:nvPr/>
-        </p:nvSpPr>
-        <p:spPr>
-          <a:xfrm>
-            <a:off x="6258929" y="2659050"/>
-            <a:ext cx="471604" cy="246221"/>
-          </a:xfrm>
-          <a:prstGeom prst="rect">
-            <a:avLst/>
-          </a:prstGeom>
-          <a:noFill/>
-        </p:spPr>
-        <p:txBody>
-          <a:bodyPr wrap="none" rtlCol="0">
-            <a:spAutoFit/>
-          </a:bodyPr>
-          <a:lstStyle/>
-          <a:p>
-            <a:r>
-              <a:rPr lang="en-US" sz="1000" dirty="0" err="1"/>
-              <a:t>a,b,d</a:t>
-            </a:r>
-            <a:endParaRPr lang="en-CA" sz="1000" dirty="0"/>
-          </a:p>
-        </p:txBody>
-      </p:sp>
-      <p:sp>
-        <p:nvSpPr>
-          <p:cNvPr id="55" name="TextBox 54">
-            <a:extLst>
-              <a:ext uri="{FF2B5EF4-FFF2-40B4-BE49-F238E27FC236}">
-                <a16:creationId xmlns:a16="http://schemas.microsoft.com/office/drawing/2014/main" id="{E7A122CF-076B-B8B1-F8F8-4D44D7DF7062}"/>
-              </a:ext>
-            </a:extLst>
-          </p:cNvPr>
-          <p:cNvSpPr txBox="1"/>
-          <p:nvPr/>
-        </p:nvSpPr>
-        <p:spPr>
-          <a:xfrm>
-            <a:off x="7109743" y="2659050"/>
-            <a:ext cx="471604" cy="246221"/>
-          </a:xfrm>
-          <a:prstGeom prst="rect">
-            <a:avLst/>
-          </a:prstGeom>
-          <a:noFill/>
-        </p:spPr>
-        <p:txBody>
-          <a:bodyPr wrap="none" rtlCol="0">
-            <a:spAutoFit/>
-          </a:bodyPr>
-          <a:lstStyle/>
-          <a:p>
-            <a:r>
-              <a:rPr lang="en-US" sz="1000" dirty="0" err="1"/>
-              <a:t>a,b,d</a:t>
-            </a:r>
-            <a:endParaRPr lang="en-CA" sz="1000" dirty="0"/>
-          </a:p>
-        </p:txBody>
-      </p:sp>
-      <p:sp>
-        <p:nvSpPr>
-          <p:cNvPr id="56" name="TextBox 55">
-            <a:extLst>
-              <a:ext uri="{FF2B5EF4-FFF2-40B4-BE49-F238E27FC236}">
-                <a16:creationId xmlns:a16="http://schemas.microsoft.com/office/drawing/2014/main" id="{2D15EF25-89B5-2260-ACC1-EAF1835AA25C}"/>
-              </a:ext>
-            </a:extLst>
-          </p:cNvPr>
-          <p:cNvSpPr txBox="1"/>
-          <p:nvPr/>
-        </p:nvSpPr>
-        <p:spPr>
-          <a:xfrm>
-            <a:off x="7942212" y="2666120"/>
-            <a:ext cx="362600" cy="246221"/>
-          </a:xfrm>
-          <a:prstGeom prst="rect">
-            <a:avLst/>
-          </a:prstGeom>
-          <a:noFill/>
-        </p:spPr>
-        <p:txBody>
-          <a:bodyPr wrap="none" rtlCol="0">
-            <a:spAutoFit/>
-          </a:bodyPr>
-          <a:lstStyle/>
-          <a:p>
-            <a:r>
-              <a:rPr lang="en-US" sz="1000" dirty="0" err="1"/>
-              <a:t>a,b</a:t>
-            </a:r>
-            <a:endParaRPr lang="en-CA" sz="1000" dirty="0"/>
-          </a:p>
-        </p:txBody>
-      </p:sp>
-      <p:sp>
-        <p:nvSpPr>
-          <p:cNvPr id="57" name="TextBox 56">
-            <a:extLst>
-              <a:ext uri="{FF2B5EF4-FFF2-40B4-BE49-F238E27FC236}">
-                <a16:creationId xmlns:a16="http://schemas.microsoft.com/office/drawing/2014/main" id="{FD69B9FF-EB44-C279-CBA7-C583125B1D04}"/>
-              </a:ext>
-            </a:extLst>
-          </p:cNvPr>
-          <p:cNvSpPr txBox="1"/>
-          <p:nvPr/>
-        </p:nvSpPr>
-        <p:spPr>
-          <a:xfrm>
-            <a:off x="8731494" y="2666120"/>
-            <a:ext cx="362600" cy="246221"/>
-          </a:xfrm>
-          <a:prstGeom prst="rect">
-            <a:avLst/>
-          </a:prstGeom>
-          <a:noFill/>
-        </p:spPr>
-        <p:txBody>
-          <a:bodyPr wrap="none" rtlCol="0">
-            <a:spAutoFit/>
-          </a:bodyPr>
-          <a:lstStyle/>
-          <a:p>
-            <a:r>
-              <a:rPr lang="en-US" sz="1000" dirty="0" err="1"/>
-              <a:t>a,b</a:t>
-            </a:r>
-            <a:endParaRPr lang="en-CA" sz="1000" dirty="0"/>
-          </a:p>
-        </p:txBody>
-      </p:sp>
-      <p:sp>
-        <p:nvSpPr>
-          <p:cNvPr id="58" name="TextBox 57">
-            <a:extLst>
-              <a:ext uri="{FF2B5EF4-FFF2-40B4-BE49-F238E27FC236}">
-                <a16:creationId xmlns:a16="http://schemas.microsoft.com/office/drawing/2014/main" id="{A7372E57-601E-85C8-6FA9-1A8C6C2D7977}"/>
-              </a:ext>
-            </a:extLst>
-          </p:cNvPr>
-          <p:cNvSpPr txBox="1"/>
-          <p:nvPr/>
-        </p:nvSpPr>
-        <p:spPr>
-          <a:xfrm>
-            <a:off x="9542470" y="2659050"/>
-            <a:ext cx="251992" cy="246221"/>
-          </a:xfrm>
-          <a:prstGeom prst="rect">
-            <a:avLst/>
-          </a:prstGeom>
-          <a:noFill/>
-        </p:spPr>
-        <p:txBody>
-          <a:bodyPr wrap="none" rtlCol="0">
-            <a:spAutoFit/>
-          </a:bodyPr>
-          <a:lstStyle/>
-          <a:p>
-            <a:r>
-              <a:rPr lang="en-US" sz="1000" dirty="0"/>
-              <a:t>c</a:t>
-            </a:r>
-            <a:endParaRPr lang="en-CA" sz="1000" dirty="0"/>
-          </a:p>
-        </p:txBody>
-      </p:sp>
-      <p:sp>
-        <p:nvSpPr>
-          <p:cNvPr id="59" name="TextBox 58">
-            <a:extLst>
-              <a:ext uri="{FF2B5EF4-FFF2-40B4-BE49-F238E27FC236}">
-                <a16:creationId xmlns:a16="http://schemas.microsoft.com/office/drawing/2014/main" id="{E5E91CDA-12B9-49E3-151D-6F2D75009B7D}"/>
-              </a:ext>
-            </a:extLst>
-          </p:cNvPr>
-          <p:cNvSpPr txBox="1"/>
-          <p:nvPr/>
-        </p:nvSpPr>
-        <p:spPr>
-          <a:xfrm>
-            <a:off x="10345013" y="2666119"/>
-            <a:ext cx="251992" cy="246221"/>
-          </a:xfrm>
-          <a:prstGeom prst="rect">
-            <a:avLst/>
-          </a:prstGeom>
-          <a:noFill/>
-        </p:spPr>
-        <p:txBody>
-          <a:bodyPr wrap="none" rtlCol="0">
-            <a:spAutoFit/>
-          </a:bodyPr>
-          <a:lstStyle/>
-          <a:p>
-            <a:r>
-              <a:rPr lang="en-US" sz="1000" dirty="0"/>
-              <a:t>c</a:t>
-            </a:r>
-            <a:endParaRPr lang="en-CA" sz="1000" dirty="0"/>
-          </a:p>
-        </p:txBody>
-      </p:sp>
-      <p:sp>
-        <p:nvSpPr>
-          <p:cNvPr id="60" name="Rectangle 59">
-            <a:extLst>
-              <a:ext uri="{FF2B5EF4-FFF2-40B4-BE49-F238E27FC236}">
-                <a16:creationId xmlns:a16="http://schemas.microsoft.com/office/drawing/2014/main" id="{FF18EFD7-00EC-569A-1C7C-99735328C1E0}"/>
-              </a:ext>
-            </a:extLst>
-          </p:cNvPr>
-          <p:cNvSpPr/>
-          <p:nvPr/>
-        </p:nvSpPr>
-        <p:spPr>
-          <a:xfrm>
-            <a:off x="595518" y="1106917"/>
-            <a:ext cx="2217531" cy="369332"/>
-          </a:xfrm>
-          <a:prstGeom prst="rect">
-            <a:avLst/>
-          </a:prstGeom>
-        </p:spPr>
-        <p:style>
-          <a:lnRef idx="2">
-            <a:schemeClr val="accent1">
-              <a:shade val="15000"/>
-            </a:schemeClr>
-          </a:lnRef>
-          <a:fillRef idx="1">
-            <a:schemeClr val="accent1"/>
-          </a:fillRef>
-          <a:effectRef idx="0">
-            <a:schemeClr val="accent1"/>
-          </a:effectRef>
-          <a:fontRef idx="minor">
-            <a:schemeClr val="lt1"/>
-          </a:fontRef>
-        </p:style>
-        <p:txBody>
-          <a:bodyPr rtlCol="0" anchor="ctr"/>
-          <a:lstStyle/>
-          <a:p>
-            <a:pPr algn="ctr"/>
-            <a:r>
-              <a:rPr lang="en-US" sz="1100" dirty="0"/>
-              <a:t>Fixed Channels Hi-</a:t>
-            </a:r>
-            <a:r>
-              <a:rPr lang="en-US" sz="1100" dirty="0" err="1"/>
-              <a:t>lited</a:t>
-            </a:r>
-            <a:r>
-              <a:rPr lang="en-US" sz="1100" dirty="0"/>
-              <a:t> in </a:t>
-            </a:r>
-            <a:r>
-              <a:rPr lang="en-US" sz="1100" dirty="0">
-                <a:solidFill>
-                  <a:srgbClr val="FFFF00"/>
-                </a:solidFill>
-              </a:rPr>
-              <a:t>yellow</a:t>
-            </a:r>
-          </a:p>
-          <a:p>
-            <a:pPr algn="ctr"/>
-            <a:r>
-              <a:rPr lang="en-US" sz="1100" dirty="0">
-                <a:solidFill>
-                  <a:srgbClr val="FFFF00"/>
-                </a:solidFill>
-              </a:rPr>
-              <a:t>9 Fixed Channels, </a:t>
-            </a:r>
-            <a:r>
-              <a:rPr lang="en-US" sz="1100" dirty="0">
                 <a:solidFill>
                   <a:schemeClr val="bg1"/>
                 </a:solidFill>
               </a:rPr>
-              <a:t>26 rotating</a:t>
-            </a:r>
-            <a:endParaRPr lang="en-CA" sz="1100" dirty="0">
+              <a:t>3</a:t>
+            </a:r>
+            <a:endParaRPr lang="en-CA" sz="1000" dirty="0">
               <a:solidFill>
                 <a:schemeClr val="bg1"/>
               </a:solidFill>
@@ -13887,666 +13404,666 @@
       </p:sp>
       <p:sp>
         <p:nvSpPr>
-          <p:cNvPr id="61" name="Arrow: Down 60">
-            <a:extLst>
-              <a:ext uri="{FF2B5EF4-FFF2-40B4-BE49-F238E27FC236}">
-                <a16:creationId xmlns:a16="http://schemas.microsoft.com/office/drawing/2014/main" id="{E77A8B29-734E-EC7F-F576-39843C2E7F94}"/>
-              </a:ext>
-            </a:extLst>
-          </p:cNvPr>
-          <p:cNvSpPr/>
-          <p:nvPr/>
-        </p:nvSpPr>
-        <p:spPr>
-          <a:xfrm>
-            <a:off x="895890" y="4287197"/>
-            <a:ext cx="412386" cy="705602"/>
-          </a:xfrm>
-          <a:prstGeom prst="downArrow">
-            <a:avLst/>
-          </a:prstGeom>
-        </p:spPr>
-        <p:style>
-          <a:lnRef idx="2">
-            <a:schemeClr val="accent1">
-              <a:shade val="15000"/>
-            </a:schemeClr>
-          </a:lnRef>
-          <a:fillRef idx="1">
-            <a:schemeClr val="accent1"/>
-          </a:fillRef>
-          <a:effectRef idx="0">
-            <a:schemeClr val="accent1"/>
-          </a:effectRef>
-          <a:fontRef idx="minor">
-            <a:schemeClr val="lt1"/>
-          </a:fontRef>
-        </p:style>
-        <p:txBody>
-          <a:bodyPr rtlCol="0" anchor="ctr"/>
-          <a:lstStyle/>
-          <a:p>
-            <a:pPr algn="ctr"/>
-            <a:endParaRPr lang="en-CA"/>
-          </a:p>
-        </p:txBody>
-      </p:sp>
-      <p:sp>
-        <p:nvSpPr>
-          <p:cNvPr id="62" name="Arrow: Down 61">
-            <a:extLst>
-              <a:ext uri="{FF2B5EF4-FFF2-40B4-BE49-F238E27FC236}">
-                <a16:creationId xmlns:a16="http://schemas.microsoft.com/office/drawing/2014/main" id="{F11ED450-E4A5-82D3-797A-3FBDBD5B5A63}"/>
-              </a:ext>
-            </a:extLst>
-          </p:cNvPr>
-          <p:cNvSpPr/>
-          <p:nvPr/>
-        </p:nvSpPr>
-        <p:spPr>
-          <a:xfrm>
-            <a:off x="1746567" y="3459339"/>
-            <a:ext cx="412386" cy="1533460"/>
-          </a:xfrm>
-          <a:prstGeom prst="downArrow">
-            <a:avLst/>
-          </a:prstGeom>
-        </p:spPr>
-        <p:style>
-          <a:lnRef idx="2">
-            <a:schemeClr val="accent1">
-              <a:shade val="15000"/>
-            </a:schemeClr>
-          </a:lnRef>
-          <a:fillRef idx="1">
-            <a:schemeClr val="accent1"/>
-          </a:fillRef>
-          <a:effectRef idx="0">
-            <a:schemeClr val="accent1"/>
-          </a:effectRef>
-          <a:fontRef idx="minor">
-            <a:schemeClr val="lt1"/>
-          </a:fontRef>
-        </p:style>
-        <p:txBody>
-          <a:bodyPr rtlCol="0" anchor="ctr"/>
-          <a:lstStyle/>
-          <a:p>
-            <a:pPr algn="ctr"/>
-            <a:endParaRPr lang="en-CA"/>
-          </a:p>
-        </p:txBody>
-      </p:sp>
-      <p:sp>
-        <p:nvSpPr>
-          <p:cNvPr id="63" name="Arrow: Down 62">
-            <a:extLst>
-              <a:ext uri="{FF2B5EF4-FFF2-40B4-BE49-F238E27FC236}">
-                <a16:creationId xmlns:a16="http://schemas.microsoft.com/office/drawing/2014/main" id="{80B4887C-AC92-6545-FF32-3106C78F0D5C}"/>
-              </a:ext>
-            </a:extLst>
-          </p:cNvPr>
-          <p:cNvSpPr/>
-          <p:nvPr/>
-        </p:nvSpPr>
-        <p:spPr>
-          <a:xfrm>
-            <a:off x="2594950" y="3459339"/>
-            <a:ext cx="412386" cy="1533460"/>
-          </a:xfrm>
-          <a:prstGeom prst="downArrow">
-            <a:avLst/>
-          </a:prstGeom>
-        </p:spPr>
-        <p:style>
-          <a:lnRef idx="2">
-            <a:schemeClr val="accent1">
-              <a:shade val="15000"/>
-            </a:schemeClr>
-          </a:lnRef>
-          <a:fillRef idx="1">
-            <a:schemeClr val="accent1"/>
-          </a:fillRef>
-          <a:effectRef idx="0">
-            <a:schemeClr val="accent1"/>
-          </a:effectRef>
-          <a:fontRef idx="minor">
-            <a:schemeClr val="lt1"/>
-          </a:fontRef>
-        </p:style>
-        <p:txBody>
-          <a:bodyPr rtlCol="0" anchor="ctr"/>
-          <a:lstStyle/>
-          <a:p>
-            <a:pPr algn="ctr"/>
-            <a:endParaRPr lang="en-CA"/>
-          </a:p>
-        </p:txBody>
-      </p:sp>
-      <p:sp>
-        <p:nvSpPr>
-          <p:cNvPr id="64" name="Arrow: Down 63">
-            <a:extLst>
-              <a:ext uri="{FF2B5EF4-FFF2-40B4-BE49-F238E27FC236}">
-                <a16:creationId xmlns:a16="http://schemas.microsoft.com/office/drawing/2014/main" id="{8CC4E98C-122B-753D-15C6-7409B9E8BB46}"/>
-              </a:ext>
-            </a:extLst>
-          </p:cNvPr>
-          <p:cNvSpPr/>
-          <p:nvPr/>
-        </p:nvSpPr>
-        <p:spPr>
-          <a:xfrm>
-            <a:off x="3451301" y="3733217"/>
-            <a:ext cx="412386" cy="1266177"/>
-          </a:xfrm>
-          <a:prstGeom prst="downArrow">
-            <a:avLst/>
-          </a:prstGeom>
-        </p:spPr>
-        <p:style>
-          <a:lnRef idx="2">
-            <a:schemeClr val="accent1">
-              <a:shade val="15000"/>
-            </a:schemeClr>
-          </a:lnRef>
-          <a:fillRef idx="1">
-            <a:schemeClr val="accent1"/>
-          </a:fillRef>
-          <a:effectRef idx="0">
-            <a:schemeClr val="accent1"/>
-          </a:effectRef>
-          <a:fontRef idx="minor">
-            <a:schemeClr val="lt1"/>
-          </a:fontRef>
-        </p:style>
-        <p:txBody>
-          <a:bodyPr rtlCol="0" anchor="ctr"/>
-          <a:lstStyle/>
-          <a:p>
-            <a:pPr algn="ctr"/>
-            <a:endParaRPr lang="en-CA"/>
-          </a:p>
-        </p:txBody>
-      </p:sp>
-      <p:sp>
-        <p:nvSpPr>
-          <p:cNvPr id="65" name="Arrow: Down 64">
-            <a:extLst>
-              <a:ext uri="{FF2B5EF4-FFF2-40B4-BE49-F238E27FC236}">
-                <a16:creationId xmlns:a16="http://schemas.microsoft.com/office/drawing/2014/main" id="{951ABB06-5D96-AAE7-9FD3-EA359A5E8223}"/>
-              </a:ext>
-            </a:extLst>
-          </p:cNvPr>
-          <p:cNvSpPr/>
-          <p:nvPr/>
-        </p:nvSpPr>
-        <p:spPr>
-          <a:xfrm>
-            <a:off x="4299684" y="3467275"/>
-            <a:ext cx="412386" cy="1533460"/>
-          </a:xfrm>
-          <a:prstGeom prst="downArrow">
-            <a:avLst/>
-          </a:prstGeom>
-        </p:spPr>
-        <p:style>
-          <a:lnRef idx="2">
-            <a:schemeClr val="accent1">
-              <a:shade val="15000"/>
-            </a:schemeClr>
-          </a:lnRef>
-          <a:fillRef idx="1">
-            <a:schemeClr val="accent1"/>
-          </a:fillRef>
-          <a:effectRef idx="0">
-            <a:schemeClr val="accent1"/>
-          </a:effectRef>
-          <a:fontRef idx="minor">
-            <a:schemeClr val="lt1"/>
-          </a:fontRef>
-        </p:style>
-        <p:txBody>
-          <a:bodyPr rtlCol="0" anchor="ctr"/>
-          <a:lstStyle/>
-          <a:p>
-            <a:pPr algn="ctr"/>
-            <a:endParaRPr lang="en-CA"/>
-          </a:p>
-        </p:txBody>
-      </p:sp>
-      <p:sp>
-        <p:nvSpPr>
-          <p:cNvPr id="66" name="Arrow: Down 65">
-            <a:extLst>
-              <a:ext uri="{FF2B5EF4-FFF2-40B4-BE49-F238E27FC236}">
-                <a16:creationId xmlns:a16="http://schemas.microsoft.com/office/drawing/2014/main" id="{AB5F88CB-D03F-AE66-BD51-FBB1A8CD5B49}"/>
-              </a:ext>
-            </a:extLst>
-          </p:cNvPr>
-          <p:cNvSpPr/>
-          <p:nvPr/>
-        </p:nvSpPr>
-        <p:spPr>
-          <a:xfrm>
-            <a:off x="5162092" y="3475005"/>
-            <a:ext cx="412386" cy="1533460"/>
-          </a:xfrm>
-          <a:prstGeom prst="downArrow">
-            <a:avLst/>
-          </a:prstGeom>
-        </p:spPr>
-        <p:style>
-          <a:lnRef idx="2">
-            <a:schemeClr val="accent1">
-              <a:shade val="15000"/>
-            </a:schemeClr>
-          </a:lnRef>
-          <a:fillRef idx="1">
-            <a:schemeClr val="accent1"/>
-          </a:fillRef>
-          <a:effectRef idx="0">
-            <a:schemeClr val="accent1"/>
-          </a:effectRef>
-          <a:fontRef idx="minor">
-            <a:schemeClr val="lt1"/>
-          </a:fontRef>
-        </p:style>
-        <p:txBody>
-          <a:bodyPr rtlCol="0" anchor="ctr"/>
-          <a:lstStyle/>
-          <a:p>
-            <a:pPr algn="ctr"/>
-            <a:endParaRPr lang="en-CA"/>
-          </a:p>
-        </p:txBody>
-      </p:sp>
-      <p:sp>
-        <p:nvSpPr>
-          <p:cNvPr id="67" name="Arrow: Down 66">
-            <a:extLst>
-              <a:ext uri="{FF2B5EF4-FFF2-40B4-BE49-F238E27FC236}">
-                <a16:creationId xmlns:a16="http://schemas.microsoft.com/office/drawing/2014/main" id="{DAF83E3C-C7F5-1498-7118-082DC5426720}"/>
-              </a:ext>
-            </a:extLst>
-          </p:cNvPr>
-          <p:cNvSpPr/>
-          <p:nvPr/>
-        </p:nvSpPr>
-        <p:spPr>
-          <a:xfrm>
-            <a:off x="6023338" y="3953676"/>
-            <a:ext cx="412386" cy="1034692"/>
-          </a:xfrm>
-          <a:prstGeom prst="downArrow">
-            <a:avLst/>
-          </a:prstGeom>
-        </p:spPr>
-        <p:style>
-          <a:lnRef idx="2">
-            <a:schemeClr val="accent1">
-              <a:shade val="15000"/>
-            </a:schemeClr>
-          </a:lnRef>
-          <a:fillRef idx="1">
-            <a:schemeClr val="accent1"/>
-          </a:fillRef>
-          <a:effectRef idx="0">
-            <a:schemeClr val="accent1"/>
-          </a:effectRef>
-          <a:fontRef idx="minor">
-            <a:schemeClr val="lt1"/>
-          </a:fontRef>
-        </p:style>
-        <p:txBody>
-          <a:bodyPr rtlCol="0" anchor="ctr"/>
-          <a:lstStyle/>
-          <a:p>
-            <a:pPr algn="ctr"/>
-            <a:endParaRPr lang="en-CA"/>
-          </a:p>
-        </p:txBody>
-      </p:sp>
-      <p:sp>
-        <p:nvSpPr>
-          <p:cNvPr id="68" name="Arrow: Down 67">
-            <a:extLst>
-              <a:ext uri="{FF2B5EF4-FFF2-40B4-BE49-F238E27FC236}">
-                <a16:creationId xmlns:a16="http://schemas.microsoft.com/office/drawing/2014/main" id="{15F2B693-EEDB-034A-111E-FB5F74852603}"/>
-              </a:ext>
-            </a:extLst>
-          </p:cNvPr>
-          <p:cNvSpPr/>
-          <p:nvPr/>
-        </p:nvSpPr>
-        <p:spPr>
-          <a:xfrm>
-            <a:off x="6884554" y="3459339"/>
-            <a:ext cx="412386" cy="1533460"/>
-          </a:xfrm>
-          <a:prstGeom prst="downArrow">
-            <a:avLst/>
-          </a:prstGeom>
-        </p:spPr>
-        <p:style>
-          <a:lnRef idx="2">
-            <a:schemeClr val="accent1">
-              <a:shade val="15000"/>
-            </a:schemeClr>
-          </a:lnRef>
-          <a:fillRef idx="1">
-            <a:schemeClr val="accent1"/>
-          </a:fillRef>
-          <a:effectRef idx="0">
-            <a:schemeClr val="accent1"/>
-          </a:effectRef>
-          <a:fontRef idx="minor">
-            <a:schemeClr val="lt1"/>
-          </a:fontRef>
-        </p:style>
-        <p:txBody>
-          <a:bodyPr rtlCol="0" anchor="ctr"/>
-          <a:lstStyle/>
-          <a:p>
-            <a:pPr algn="ctr"/>
-            <a:endParaRPr lang="en-CA"/>
-          </a:p>
-        </p:txBody>
-      </p:sp>
-      <p:sp>
-        <p:nvSpPr>
-          <p:cNvPr id="69" name="Arrow: Down 68">
-            <a:extLst>
-              <a:ext uri="{FF2B5EF4-FFF2-40B4-BE49-F238E27FC236}">
-                <a16:creationId xmlns:a16="http://schemas.microsoft.com/office/drawing/2014/main" id="{4D58C537-31EA-8880-0C4B-CF20D2ED8B32}"/>
-              </a:ext>
-            </a:extLst>
-          </p:cNvPr>
-          <p:cNvSpPr/>
-          <p:nvPr/>
-        </p:nvSpPr>
-        <p:spPr>
-          <a:xfrm>
-            <a:off x="10067893" y="3456508"/>
-            <a:ext cx="412386" cy="1533460"/>
-          </a:xfrm>
-          <a:prstGeom prst="downArrow">
-            <a:avLst/>
-          </a:prstGeom>
-        </p:spPr>
-        <p:style>
-          <a:lnRef idx="2">
-            <a:schemeClr val="accent1">
-              <a:shade val="15000"/>
-            </a:schemeClr>
-          </a:lnRef>
-          <a:fillRef idx="1">
-            <a:schemeClr val="accent1"/>
-          </a:fillRef>
-          <a:effectRef idx="0">
-            <a:schemeClr val="accent1"/>
-          </a:effectRef>
-          <a:fontRef idx="minor">
-            <a:schemeClr val="lt1"/>
-          </a:fontRef>
-        </p:style>
-        <p:txBody>
-          <a:bodyPr rtlCol="0" anchor="ctr"/>
-          <a:lstStyle/>
-          <a:p>
-            <a:pPr algn="ctr"/>
-            <a:endParaRPr lang="en-CA"/>
-          </a:p>
-        </p:txBody>
-      </p:sp>
-      <p:sp>
-        <p:nvSpPr>
-          <p:cNvPr id="70" name="Arrow: Down 69">
-            <a:extLst>
-              <a:ext uri="{FF2B5EF4-FFF2-40B4-BE49-F238E27FC236}">
-                <a16:creationId xmlns:a16="http://schemas.microsoft.com/office/drawing/2014/main" id="{9BB8CC11-8D92-539C-E5E8-DAA6D4EFCA99}"/>
-              </a:ext>
-            </a:extLst>
-          </p:cNvPr>
-          <p:cNvSpPr/>
-          <p:nvPr/>
-        </p:nvSpPr>
-        <p:spPr>
-          <a:xfrm>
-            <a:off x="9303439" y="3452713"/>
-            <a:ext cx="412386" cy="1533460"/>
-          </a:xfrm>
-          <a:prstGeom prst="downArrow">
-            <a:avLst/>
-          </a:prstGeom>
-        </p:spPr>
-        <p:style>
-          <a:lnRef idx="2">
-            <a:schemeClr val="accent1">
-              <a:shade val="15000"/>
-            </a:schemeClr>
-          </a:lnRef>
-          <a:fillRef idx="1">
-            <a:schemeClr val="accent1"/>
-          </a:fillRef>
-          <a:effectRef idx="0">
-            <a:schemeClr val="accent1"/>
-          </a:effectRef>
-          <a:fontRef idx="minor">
-            <a:schemeClr val="lt1"/>
-          </a:fontRef>
-        </p:style>
-        <p:txBody>
-          <a:bodyPr rtlCol="0" anchor="ctr"/>
-          <a:lstStyle/>
-          <a:p>
-            <a:pPr algn="ctr"/>
-            <a:endParaRPr lang="en-CA"/>
-          </a:p>
-        </p:txBody>
-      </p:sp>
-      <p:sp>
-        <p:nvSpPr>
-          <p:cNvPr id="71" name="Rectangle 70">
-            <a:extLst>
-              <a:ext uri="{FF2B5EF4-FFF2-40B4-BE49-F238E27FC236}">
-                <a16:creationId xmlns:a16="http://schemas.microsoft.com/office/drawing/2014/main" id="{1C6F6109-CE91-55C0-CDE9-1FA0A55E1768}"/>
-              </a:ext>
-            </a:extLst>
-          </p:cNvPr>
-          <p:cNvSpPr/>
-          <p:nvPr/>
-        </p:nvSpPr>
-        <p:spPr>
-          <a:xfrm>
-            <a:off x="550290" y="4986832"/>
-            <a:ext cx="11080701" cy="339934"/>
-          </a:xfrm>
-          <a:prstGeom prst="rect">
-            <a:avLst/>
-          </a:prstGeom>
-        </p:spPr>
-        <p:style>
-          <a:lnRef idx="2">
-            <a:schemeClr val="accent1">
-              <a:shade val="15000"/>
-            </a:schemeClr>
-          </a:lnRef>
-          <a:fillRef idx="1">
-            <a:schemeClr val="accent1"/>
-          </a:fillRef>
-          <a:effectRef idx="0">
-            <a:schemeClr val="accent1"/>
-          </a:effectRef>
-          <a:fontRef idx="minor">
-            <a:schemeClr val="lt1"/>
-          </a:fontRef>
-        </p:style>
-        <p:txBody>
-          <a:bodyPr rtlCol="0" anchor="ctr"/>
-          <a:lstStyle/>
-          <a:p>
-            <a:pPr algn="ctr"/>
-            <a:r>
-              <a:rPr lang="en-US" sz="1100" dirty="0"/>
-              <a:t>11 Result Queues (32 entry)</a:t>
-            </a:r>
-            <a:endParaRPr lang="en-CA" sz="1100" dirty="0"/>
-          </a:p>
-        </p:txBody>
-      </p:sp>
-      <p:sp>
-        <p:nvSpPr>
-          <p:cNvPr id="72" name="Rectangle 71">
-            <a:extLst>
-              <a:ext uri="{FF2B5EF4-FFF2-40B4-BE49-F238E27FC236}">
-                <a16:creationId xmlns:a16="http://schemas.microsoft.com/office/drawing/2014/main" id="{089DFE8E-A4B4-4D09-D92F-B051C93C312D}"/>
-              </a:ext>
-            </a:extLst>
-          </p:cNvPr>
-          <p:cNvSpPr/>
-          <p:nvPr/>
-        </p:nvSpPr>
-        <p:spPr>
-          <a:xfrm>
-            <a:off x="550290" y="5643997"/>
-            <a:ext cx="10345531" cy="339934"/>
-          </a:xfrm>
-          <a:prstGeom prst="rect">
-            <a:avLst/>
-          </a:prstGeom>
-        </p:spPr>
-        <p:style>
-          <a:lnRef idx="2">
-            <a:schemeClr val="accent1">
-              <a:shade val="15000"/>
-            </a:schemeClr>
-          </a:lnRef>
-          <a:fillRef idx="1">
-            <a:schemeClr val="accent1"/>
-          </a:fillRef>
-          <a:effectRef idx="0">
-            <a:schemeClr val="accent1"/>
-          </a:effectRef>
-          <a:fontRef idx="minor">
-            <a:schemeClr val="lt1"/>
-          </a:fontRef>
-        </p:style>
-        <p:txBody>
-          <a:bodyPr rtlCol="0" anchor="ctr"/>
-          <a:lstStyle/>
-          <a:p>
-            <a:pPr algn="ctr"/>
-            <a:r>
-              <a:rPr lang="en-US" sz="1100" dirty="0"/>
-              <a:t>12:4 rotating multiplex</a:t>
-            </a:r>
-            <a:endParaRPr lang="en-CA" sz="1100" dirty="0"/>
-          </a:p>
-        </p:txBody>
-      </p:sp>
-      <p:sp>
-        <p:nvSpPr>
-          <p:cNvPr id="73" name="Arrow: Down 72">
-            <a:extLst>
-              <a:ext uri="{FF2B5EF4-FFF2-40B4-BE49-F238E27FC236}">
-                <a16:creationId xmlns:a16="http://schemas.microsoft.com/office/drawing/2014/main" id="{9591EC54-63D4-66BF-6A61-348EBA5DF458}"/>
-              </a:ext>
-            </a:extLst>
-          </p:cNvPr>
-          <p:cNvSpPr/>
-          <p:nvPr/>
-        </p:nvSpPr>
-        <p:spPr>
-          <a:xfrm>
-            <a:off x="3927249" y="5317966"/>
-            <a:ext cx="3418296" cy="318301"/>
-          </a:xfrm>
-          <a:prstGeom prst="downArrow">
-            <a:avLst/>
-          </a:prstGeom>
-        </p:spPr>
-        <p:style>
-          <a:lnRef idx="2">
-            <a:schemeClr val="accent1">
-              <a:shade val="15000"/>
-            </a:schemeClr>
-          </a:lnRef>
-          <a:fillRef idx="1">
-            <a:schemeClr val="accent1"/>
-          </a:fillRef>
-          <a:effectRef idx="0">
-            <a:schemeClr val="accent1"/>
-          </a:effectRef>
-          <a:fontRef idx="minor">
-            <a:schemeClr val="lt1"/>
-          </a:fontRef>
-        </p:style>
-        <p:txBody>
-          <a:bodyPr rtlCol="0" anchor="ctr"/>
-          <a:lstStyle/>
-          <a:p>
-            <a:pPr algn="ctr"/>
-            <a:endParaRPr lang="en-CA"/>
-          </a:p>
-        </p:txBody>
-      </p:sp>
-      <p:sp>
-        <p:nvSpPr>
-          <p:cNvPr id="74" name="Arrow: Down 73">
-            <a:extLst>
-              <a:ext uri="{FF2B5EF4-FFF2-40B4-BE49-F238E27FC236}">
-                <a16:creationId xmlns:a16="http://schemas.microsoft.com/office/drawing/2014/main" id="{4B9836E3-4F30-B303-77D3-E7C70ED48919}"/>
-              </a:ext>
-            </a:extLst>
-          </p:cNvPr>
-          <p:cNvSpPr/>
-          <p:nvPr/>
-        </p:nvSpPr>
-        <p:spPr>
-          <a:xfrm>
-            <a:off x="3953199" y="5991661"/>
-            <a:ext cx="3418296" cy="318301"/>
-          </a:xfrm>
-          <a:prstGeom prst="downArrow">
-            <a:avLst/>
-          </a:prstGeom>
-        </p:spPr>
-        <p:style>
-          <a:lnRef idx="2">
-            <a:schemeClr val="accent1">
-              <a:shade val="15000"/>
-            </a:schemeClr>
-          </a:lnRef>
-          <a:fillRef idx="1">
-            <a:schemeClr val="accent1"/>
-          </a:fillRef>
-          <a:effectRef idx="0">
-            <a:schemeClr val="accent1"/>
-          </a:effectRef>
-          <a:fontRef idx="minor">
-            <a:schemeClr val="lt1"/>
-          </a:fontRef>
-        </p:style>
-        <p:txBody>
-          <a:bodyPr rtlCol="0" anchor="ctr"/>
-          <a:lstStyle/>
-          <a:p>
-            <a:pPr algn="ctr"/>
-            <a:r>
-              <a:rPr lang="en-US" sz="1100" dirty="0"/>
-              <a:t>4 results</a:t>
-            </a:r>
-            <a:endParaRPr lang="en-CA" sz="1100" dirty="0"/>
-          </a:p>
-        </p:txBody>
-      </p:sp>
-      <p:sp>
-        <p:nvSpPr>
-          <p:cNvPr id="75" name="TextBox 74">
-            <a:extLst>
-              <a:ext uri="{FF2B5EF4-FFF2-40B4-BE49-F238E27FC236}">
-                <a16:creationId xmlns:a16="http://schemas.microsoft.com/office/drawing/2014/main" id="{842A2CC6-130A-0169-AA3C-3244405DA334}"/>
+          <p:cNvPr id="35" name="Arrow: Up-Down 34">
+            <a:extLst>
+              <a:ext uri="{FF2B5EF4-FFF2-40B4-BE49-F238E27FC236}">
+                <a16:creationId xmlns:a16="http://schemas.microsoft.com/office/drawing/2014/main" id="{25707A37-2146-452E-0E55-34D2DD7327B7}"/>
+              </a:ext>
+            </a:extLst>
+          </p:cNvPr>
+          <p:cNvSpPr/>
+          <p:nvPr/>
+        </p:nvSpPr>
+        <p:spPr>
+          <a:xfrm>
+            <a:off x="1405450" y="2454509"/>
+            <a:ext cx="340139" cy="768626"/>
+          </a:xfrm>
+          <a:prstGeom prst="upDownArrow">
+            <a:avLst/>
+          </a:prstGeom>
+        </p:spPr>
+        <p:style>
+          <a:lnRef idx="2">
+            <a:schemeClr val="accent1">
+              <a:shade val="15000"/>
+            </a:schemeClr>
+          </a:lnRef>
+          <a:fillRef idx="1">
+            <a:schemeClr val="accent1"/>
+          </a:fillRef>
+          <a:effectRef idx="0">
+            <a:schemeClr val="accent1"/>
+          </a:effectRef>
+          <a:fontRef idx="minor">
+            <a:schemeClr val="lt1"/>
+          </a:fontRef>
+        </p:style>
+        <p:txBody>
+          <a:bodyPr rtlCol="0" anchor="ctr"/>
+          <a:lstStyle/>
+          <a:p>
+            <a:pPr algn="ctr"/>
+            <a:r>
+              <a:rPr lang="en-US" sz="1000" dirty="0"/>
+              <a:t>3</a:t>
+            </a:r>
+            <a:endParaRPr lang="en-CA" sz="1000" dirty="0"/>
+          </a:p>
+        </p:txBody>
+      </p:sp>
+      <p:sp>
+        <p:nvSpPr>
+          <p:cNvPr id="36" name="Arrow: Up-Down 35">
+            <a:extLst>
+              <a:ext uri="{FF2B5EF4-FFF2-40B4-BE49-F238E27FC236}">
+                <a16:creationId xmlns:a16="http://schemas.microsoft.com/office/drawing/2014/main" id="{11E77748-3C95-E25C-76EF-D8273C5CE235}"/>
+              </a:ext>
+            </a:extLst>
+          </p:cNvPr>
+          <p:cNvSpPr/>
+          <p:nvPr/>
+        </p:nvSpPr>
+        <p:spPr>
+          <a:xfrm>
+            <a:off x="2034371" y="2448574"/>
+            <a:ext cx="340139" cy="768626"/>
+          </a:xfrm>
+          <a:prstGeom prst="upDownArrow">
+            <a:avLst/>
+          </a:prstGeom>
+        </p:spPr>
+        <p:style>
+          <a:lnRef idx="2">
+            <a:schemeClr val="accent1">
+              <a:shade val="15000"/>
+            </a:schemeClr>
+          </a:lnRef>
+          <a:fillRef idx="1">
+            <a:schemeClr val="accent1"/>
+          </a:fillRef>
+          <a:effectRef idx="0">
+            <a:schemeClr val="accent1"/>
+          </a:effectRef>
+          <a:fontRef idx="minor">
+            <a:schemeClr val="lt1"/>
+          </a:fontRef>
+        </p:style>
+        <p:txBody>
+          <a:bodyPr rtlCol="0" anchor="ctr"/>
+          <a:lstStyle/>
+          <a:p>
+            <a:pPr algn="ctr"/>
+            <a:r>
+              <a:rPr lang="en-US" sz="1000" dirty="0"/>
+              <a:t>3</a:t>
+            </a:r>
+            <a:endParaRPr lang="en-CA" sz="1000" dirty="0"/>
+          </a:p>
+        </p:txBody>
+      </p:sp>
+      <p:sp>
+        <p:nvSpPr>
+          <p:cNvPr id="37" name="Arrow: Up-Down 36">
+            <a:extLst>
+              <a:ext uri="{FF2B5EF4-FFF2-40B4-BE49-F238E27FC236}">
+                <a16:creationId xmlns:a16="http://schemas.microsoft.com/office/drawing/2014/main" id="{BFEBD308-3329-3694-F8D8-055311DD8850}"/>
+              </a:ext>
+            </a:extLst>
+          </p:cNvPr>
+          <p:cNvSpPr/>
+          <p:nvPr/>
+        </p:nvSpPr>
+        <p:spPr>
+          <a:xfrm>
+            <a:off x="2645124" y="2455407"/>
+            <a:ext cx="340139" cy="768626"/>
+          </a:xfrm>
+          <a:prstGeom prst="upDownArrow">
+            <a:avLst/>
+          </a:prstGeom>
+        </p:spPr>
+        <p:style>
+          <a:lnRef idx="2">
+            <a:schemeClr val="accent1">
+              <a:shade val="15000"/>
+            </a:schemeClr>
+          </a:lnRef>
+          <a:fillRef idx="1">
+            <a:schemeClr val="accent1"/>
+          </a:fillRef>
+          <a:effectRef idx="0">
+            <a:schemeClr val="accent1"/>
+          </a:effectRef>
+          <a:fontRef idx="minor">
+            <a:schemeClr val="lt1"/>
+          </a:fontRef>
+        </p:style>
+        <p:txBody>
+          <a:bodyPr rtlCol="0" anchor="ctr"/>
+          <a:lstStyle/>
+          <a:p>
+            <a:pPr algn="ctr"/>
+            <a:r>
+              <a:rPr lang="en-US" sz="1000" dirty="0"/>
+              <a:t>2</a:t>
+            </a:r>
+            <a:endParaRPr lang="en-CA" sz="1000" dirty="0"/>
+          </a:p>
+        </p:txBody>
+      </p:sp>
+      <p:sp>
+        <p:nvSpPr>
+          <p:cNvPr id="38" name="Arrow: Up-Down 37">
+            <a:extLst>
+              <a:ext uri="{FF2B5EF4-FFF2-40B4-BE49-F238E27FC236}">
+                <a16:creationId xmlns:a16="http://schemas.microsoft.com/office/drawing/2014/main" id="{5B781C08-EC3C-DA74-AC8B-933D83D07036}"/>
+              </a:ext>
+            </a:extLst>
+          </p:cNvPr>
+          <p:cNvSpPr/>
+          <p:nvPr/>
+        </p:nvSpPr>
+        <p:spPr>
+          <a:xfrm>
+            <a:off x="4530552" y="2458745"/>
+            <a:ext cx="340139" cy="768626"/>
+          </a:xfrm>
+          <a:prstGeom prst="upDownArrow">
+            <a:avLst/>
+          </a:prstGeom>
+        </p:spPr>
+        <p:style>
+          <a:lnRef idx="2">
+            <a:schemeClr val="accent1">
+              <a:shade val="15000"/>
+            </a:schemeClr>
+          </a:lnRef>
+          <a:fillRef idx="1">
+            <a:schemeClr val="accent1"/>
+          </a:fillRef>
+          <a:effectRef idx="0">
+            <a:schemeClr val="accent1"/>
+          </a:effectRef>
+          <a:fontRef idx="minor">
+            <a:schemeClr val="lt1"/>
+          </a:fontRef>
+        </p:style>
+        <p:txBody>
+          <a:bodyPr rtlCol="0" anchor="ctr"/>
+          <a:lstStyle/>
+          <a:p>
+            <a:pPr algn="ctr"/>
+            <a:r>
+              <a:rPr lang="en-US" sz="1000" dirty="0">
+                <a:solidFill>
+                  <a:schemeClr val="bg1"/>
+                </a:solidFill>
+              </a:rPr>
+              <a:t>3</a:t>
+            </a:r>
+            <a:endParaRPr lang="en-CA" sz="1000" dirty="0">
+              <a:solidFill>
+                <a:schemeClr val="bg1"/>
+              </a:solidFill>
+            </a:endParaRPr>
+          </a:p>
+        </p:txBody>
+      </p:sp>
+      <p:sp>
+        <p:nvSpPr>
+          <p:cNvPr id="39" name="Arrow: Up-Down 38">
+            <a:extLst>
+              <a:ext uri="{FF2B5EF4-FFF2-40B4-BE49-F238E27FC236}">
+                <a16:creationId xmlns:a16="http://schemas.microsoft.com/office/drawing/2014/main" id="{8AF02345-C9B1-B6BF-B7E9-41DDA4A6902F}"/>
+              </a:ext>
+            </a:extLst>
+          </p:cNvPr>
+          <p:cNvSpPr/>
+          <p:nvPr/>
+        </p:nvSpPr>
+        <p:spPr>
+          <a:xfrm>
+            <a:off x="5198936" y="2468703"/>
+            <a:ext cx="340139" cy="768626"/>
+          </a:xfrm>
+          <a:prstGeom prst="upDownArrow">
+            <a:avLst/>
+          </a:prstGeom>
+        </p:spPr>
+        <p:style>
+          <a:lnRef idx="2">
+            <a:schemeClr val="accent1">
+              <a:shade val="15000"/>
+            </a:schemeClr>
+          </a:lnRef>
+          <a:fillRef idx="1">
+            <a:schemeClr val="accent1"/>
+          </a:fillRef>
+          <a:effectRef idx="0">
+            <a:schemeClr val="accent1"/>
+          </a:effectRef>
+          <a:fontRef idx="minor">
+            <a:schemeClr val="lt1"/>
+          </a:fontRef>
+        </p:style>
+        <p:txBody>
+          <a:bodyPr rtlCol="0" anchor="ctr"/>
+          <a:lstStyle/>
+          <a:p>
+            <a:pPr algn="ctr"/>
+            <a:r>
+              <a:rPr lang="en-US" sz="1000" dirty="0">
+                <a:solidFill>
+                  <a:schemeClr val="bg1"/>
+                </a:solidFill>
+              </a:rPr>
+              <a:t>3</a:t>
+            </a:r>
+            <a:endParaRPr lang="en-CA" sz="1000" dirty="0">
+              <a:solidFill>
+                <a:schemeClr val="bg1"/>
+              </a:solidFill>
+            </a:endParaRPr>
+          </a:p>
+        </p:txBody>
+      </p:sp>
+      <p:sp>
+        <p:nvSpPr>
+          <p:cNvPr id="40" name="Arrow: Up-Down 39">
+            <a:extLst>
+              <a:ext uri="{FF2B5EF4-FFF2-40B4-BE49-F238E27FC236}">
+                <a16:creationId xmlns:a16="http://schemas.microsoft.com/office/drawing/2014/main" id="{484CA597-998E-8D52-2E20-17E9EDFD37DF}"/>
+              </a:ext>
+            </a:extLst>
+          </p:cNvPr>
+          <p:cNvSpPr/>
+          <p:nvPr/>
+        </p:nvSpPr>
+        <p:spPr>
+          <a:xfrm>
+            <a:off x="3266457" y="2466023"/>
+            <a:ext cx="340139" cy="768626"/>
+          </a:xfrm>
+          <a:prstGeom prst="upDownArrow">
+            <a:avLst/>
+          </a:prstGeom>
+        </p:spPr>
+        <p:style>
+          <a:lnRef idx="2">
+            <a:schemeClr val="accent1">
+              <a:shade val="15000"/>
+            </a:schemeClr>
+          </a:lnRef>
+          <a:fillRef idx="1">
+            <a:schemeClr val="accent1"/>
+          </a:fillRef>
+          <a:effectRef idx="0">
+            <a:schemeClr val="accent1"/>
+          </a:effectRef>
+          <a:fontRef idx="minor">
+            <a:schemeClr val="lt1"/>
+          </a:fontRef>
+        </p:style>
+        <p:txBody>
+          <a:bodyPr rtlCol="0" anchor="ctr"/>
+          <a:lstStyle/>
+          <a:p>
+            <a:pPr algn="ctr"/>
+            <a:r>
+              <a:rPr lang="en-US" sz="1000" dirty="0"/>
+              <a:t>4</a:t>
+            </a:r>
+            <a:endParaRPr lang="en-CA" sz="1000" dirty="0"/>
+          </a:p>
+        </p:txBody>
+      </p:sp>
+      <p:sp>
+        <p:nvSpPr>
+          <p:cNvPr id="41" name="Arrow: Up-Down 40">
+            <a:extLst>
+              <a:ext uri="{FF2B5EF4-FFF2-40B4-BE49-F238E27FC236}">
+                <a16:creationId xmlns:a16="http://schemas.microsoft.com/office/drawing/2014/main" id="{62D03AFF-D0B3-BE37-A62E-0E325F813B5E}"/>
+              </a:ext>
+            </a:extLst>
+          </p:cNvPr>
+          <p:cNvSpPr/>
+          <p:nvPr/>
+        </p:nvSpPr>
+        <p:spPr>
+          <a:xfrm>
+            <a:off x="3898504" y="2469843"/>
+            <a:ext cx="340139" cy="768626"/>
+          </a:xfrm>
+          <a:prstGeom prst="upDownArrow">
+            <a:avLst/>
+          </a:prstGeom>
+        </p:spPr>
+        <p:style>
+          <a:lnRef idx="2">
+            <a:schemeClr val="accent1">
+              <a:shade val="15000"/>
+            </a:schemeClr>
+          </a:lnRef>
+          <a:fillRef idx="1">
+            <a:schemeClr val="accent1"/>
+          </a:fillRef>
+          <a:effectRef idx="0">
+            <a:schemeClr val="accent1"/>
+          </a:effectRef>
+          <a:fontRef idx="minor">
+            <a:schemeClr val="lt1"/>
+          </a:fontRef>
+        </p:style>
+        <p:txBody>
+          <a:bodyPr rtlCol="0" anchor="ctr"/>
+          <a:lstStyle/>
+          <a:p>
+            <a:pPr algn="ctr"/>
+            <a:r>
+              <a:rPr lang="en-US" sz="1000" dirty="0">
+                <a:solidFill>
+                  <a:schemeClr val="bg1"/>
+                </a:solidFill>
+              </a:rPr>
+              <a:t>4</a:t>
+            </a:r>
+            <a:endParaRPr lang="en-CA" sz="1000" dirty="0">
+              <a:solidFill>
+                <a:schemeClr val="bg1"/>
+              </a:solidFill>
+            </a:endParaRPr>
+          </a:p>
+        </p:txBody>
+      </p:sp>
+      <p:sp>
+        <p:nvSpPr>
+          <p:cNvPr id="42" name="Arrow: Up-Down 41">
+            <a:extLst>
+              <a:ext uri="{FF2B5EF4-FFF2-40B4-BE49-F238E27FC236}">
+                <a16:creationId xmlns:a16="http://schemas.microsoft.com/office/drawing/2014/main" id="{C9FFACE2-7D7C-FD95-7CF1-4CB0CBE5103F}"/>
+              </a:ext>
+            </a:extLst>
+          </p:cNvPr>
+          <p:cNvSpPr/>
+          <p:nvPr/>
+        </p:nvSpPr>
+        <p:spPr>
+          <a:xfrm>
+            <a:off x="5883145" y="2468703"/>
+            <a:ext cx="340139" cy="768626"/>
+          </a:xfrm>
+          <a:prstGeom prst="upDownArrow">
+            <a:avLst/>
+          </a:prstGeom>
+        </p:spPr>
+        <p:style>
+          <a:lnRef idx="2">
+            <a:schemeClr val="accent1">
+              <a:shade val="15000"/>
+            </a:schemeClr>
+          </a:lnRef>
+          <a:fillRef idx="1">
+            <a:schemeClr val="accent1"/>
+          </a:fillRef>
+          <a:effectRef idx="0">
+            <a:schemeClr val="accent1"/>
+          </a:effectRef>
+          <a:fontRef idx="minor">
+            <a:schemeClr val="lt1"/>
+          </a:fontRef>
+        </p:style>
+        <p:txBody>
+          <a:bodyPr rtlCol="0" anchor="ctr"/>
+          <a:lstStyle/>
+          <a:p>
+            <a:pPr algn="ctr"/>
+            <a:r>
+              <a:rPr lang="en-US" sz="1000" dirty="0">
+                <a:solidFill>
+                  <a:schemeClr val="bg1"/>
+                </a:solidFill>
+              </a:rPr>
+              <a:t>2</a:t>
+            </a:r>
+            <a:endParaRPr lang="en-CA" sz="1000" dirty="0">
+              <a:solidFill>
+                <a:schemeClr val="bg1"/>
+              </a:solidFill>
+            </a:endParaRPr>
+          </a:p>
+        </p:txBody>
+      </p:sp>
+      <p:sp>
+        <p:nvSpPr>
+          <p:cNvPr id="43" name="Arrow: Up-Down 42">
+            <a:extLst>
+              <a:ext uri="{FF2B5EF4-FFF2-40B4-BE49-F238E27FC236}">
+                <a16:creationId xmlns:a16="http://schemas.microsoft.com/office/drawing/2014/main" id="{19DD16B5-D0C6-56C6-6D1D-356BDF1FC148}"/>
+              </a:ext>
+            </a:extLst>
+          </p:cNvPr>
+          <p:cNvSpPr/>
+          <p:nvPr/>
+        </p:nvSpPr>
+        <p:spPr>
+          <a:xfrm>
+            <a:off x="6547437" y="2466023"/>
+            <a:ext cx="340139" cy="768626"/>
+          </a:xfrm>
+          <a:prstGeom prst="upDownArrow">
+            <a:avLst/>
+          </a:prstGeom>
+        </p:spPr>
+        <p:style>
+          <a:lnRef idx="2">
+            <a:schemeClr val="accent1">
+              <a:shade val="15000"/>
+            </a:schemeClr>
+          </a:lnRef>
+          <a:fillRef idx="1">
+            <a:schemeClr val="accent1"/>
+          </a:fillRef>
+          <a:effectRef idx="0">
+            <a:schemeClr val="accent1"/>
+          </a:effectRef>
+          <a:fontRef idx="minor">
+            <a:schemeClr val="lt1"/>
+          </a:fontRef>
+        </p:style>
+        <p:txBody>
+          <a:bodyPr rtlCol="0" anchor="ctr"/>
+          <a:lstStyle/>
+          <a:p>
+            <a:pPr algn="ctr"/>
+            <a:r>
+              <a:rPr lang="en-US" sz="1000" dirty="0">
+                <a:solidFill>
+                  <a:schemeClr val="bg1"/>
+                </a:solidFill>
+              </a:rPr>
+              <a:t>2</a:t>
+            </a:r>
+            <a:endParaRPr lang="en-CA" sz="1000" dirty="0">
+              <a:solidFill>
+                <a:schemeClr val="bg1"/>
+              </a:solidFill>
+            </a:endParaRPr>
+          </a:p>
+        </p:txBody>
+      </p:sp>
+      <p:sp>
+        <p:nvSpPr>
+          <p:cNvPr id="44" name="Arrow: Up-Down 43">
+            <a:extLst>
+              <a:ext uri="{FF2B5EF4-FFF2-40B4-BE49-F238E27FC236}">
+                <a16:creationId xmlns:a16="http://schemas.microsoft.com/office/drawing/2014/main" id="{167BD157-E240-85AE-52D0-4AFE67280838}"/>
+              </a:ext>
+            </a:extLst>
+          </p:cNvPr>
+          <p:cNvSpPr/>
+          <p:nvPr/>
+        </p:nvSpPr>
+        <p:spPr>
+          <a:xfrm>
+            <a:off x="7272308" y="2473260"/>
+            <a:ext cx="340139" cy="768626"/>
+          </a:xfrm>
+          <a:prstGeom prst="upDownArrow">
+            <a:avLst/>
+          </a:prstGeom>
+        </p:spPr>
+        <p:style>
+          <a:lnRef idx="2">
+            <a:schemeClr val="accent1">
+              <a:shade val="15000"/>
+            </a:schemeClr>
+          </a:lnRef>
+          <a:fillRef idx="1">
+            <a:schemeClr val="accent1"/>
+          </a:fillRef>
+          <a:effectRef idx="0">
+            <a:schemeClr val="accent1"/>
+          </a:effectRef>
+          <a:fontRef idx="minor">
+            <a:schemeClr val="lt1"/>
+          </a:fontRef>
+        </p:style>
+        <p:txBody>
+          <a:bodyPr rtlCol="0" anchor="ctr"/>
+          <a:lstStyle/>
+          <a:p>
+            <a:pPr algn="ctr"/>
+            <a:r>
+              <a:rPr lang="en-US" sz="1000" dirty="0">
+                <a:solidFill>
+                  <a:schemeClr val="bg1"/>
+                </a:solidFill>
+              </a:rPr>
+              <a:t>1</a:t>
+            </a:r>
+            <a:endParaRPr lang="en-CA" sz="1000" dirty="0">
+              <a:solidFill>
+                <a:schemeClr val="bg1"/>
+              </a:solidFill>
+            </a:endParaRPr>
+          </a:p>
+        </p:txBody>
+      </p:sp>
+      <p:sp>
+        <p:nvSpPr>
+          <p:cNvPr id="45" name="Arrow: Up-Down 44">
+            <a:extLst>
+              <a:ext uri="{FF2B5EF4-FFF2-40B4-BE49-F238E27FC236}">
+                <a16:creationId xmlns:a16="http://schemas.microsoft.com/office/drawing/2014/main" id="{172682AA-5277-427E-737F-654ABD6B1C6C}"/>
+              </a:ext>
+            </a:extLst>
+          </p:cNvPr>
+          <p:cNvSpPr/>
+          <p:nvPr/>
+        </p:nvSpPr>
+        <p:spPr>
+          <a:xfrm>
+            <a:off x="7963978" y="2454509"/>
+            <a:ext cx="340139" cy="768626"/>
+          </a:xfrm>
+          <a:prstGeom prst="upDownArrow">
+            <a:avLst/>
+          </a:prstGeom>
+        </p:spPr>
+        <p:style>
+          <a:lnRef idx="2">
+            <a:schemeClr val="accent1">
+              <a:shade val="15000"/>
+            </a:schemeClr>
+          </a:lnRef>
+          <a:fillRef idx="1">
+            <a:schemeClr val="accent1"/>
+          </a:fillRef>
+          <a:effectRef idx="0">
+            <a:schemeClr val="accent1"/>
+          </a:effectRef>
+          <a:fontRef idx="minor">
+            <a:schemeClr val="lt1"/>
+          </a:fontRef>
+        </p:style>
+        <p:txBody>
+          <a:bodyPr rtlCol="0" anchor="ctr"/>
+          <a:lstStyle/>
+          <a:p>
+            <a:pPr algn="ctr"/>
+            <a:r>
+              <a:rPr lang="en-US" sz="1000" dirty="0">
+                <a:solidFill>
+                  <a:schemeClr val="bg1"/>
+                </a:solidFill>
+              </a:rPr>
+              <a:t>1</a:t>
+            </a:r>
+            <a:endParaRPr lang="en-CA" sz="1000" dirty="0">
+              <a:solidFill>
+                <a:schemeClr val="bg1"/>
+              </a:solidFill>
+            </a:endParaRPr>
+          </a:p>
+        </p:txBody>
+      </p:sp>
+      <p:sp>
+        <p:nvSpPr>
+          <p:cNvPr id="46" name="Arrow: Up-Down 45">
+            <a:extLst>
+              <a:ext uri="{FF2B5EF4-FFF2-40B4-BE49-F238E27FC236}">
+                <a16:creationId xmlns:a16="http://schemas.microsoft.com/office/drawing/2014/main" id="{25D4805F-00C2-A8C7-4B1F-08EC0AC68B4E}"/>
+              </a:ext>
+            </a:extLst>
+          </p:cNvPr>
+          <p:cNvSpPr/>
+          <p:nvPr/>
+        </p:nvSpPr>
+        <p:spPr>
+          <a:xfrm>
+            <a:off x="5219449" y="1779727"/>
+            <a:ext cx="297671" cy="369332"/>
+          </a:xfrm>
+          <a:prstGeom prst="upDownArrow">
+            <a:avLst/>
+          </a:prstGeom>
+        </p:spPr>
+        <p:style>
+          <a:lnRef idx="2">
+            <a:schemeClr val="accent1">
+              <a:shade val="15000"/>
+            </a:schemeClr>
+          </a:lnRef>
+          <a:fillRef idx="1">
+            <a:schemeClr val="accent1"/>
+          </a:fillRef>
+          <a:effectRef idx="0">
+            <a:schemeClr val="accent1"/>
+          </a:effectRef>
+          <a:fontRef idx="minor">
+            <a:schemeClr val="lt1"/>
+          </a:fontRef>
+        </p:style>
+        <p:txBody>
+          <a:bodyPr rtlCol="0" anchor="ctr"/>
+          <a:lstStyle/>
+          <a:p>
+            <a:pPr algn="ctr"/>
+            <a:r>
+              <a:rPr lang="en-US" sz="1000" dirty="0"/>
+              <a:t>16</a:t>
+            </a:r>
+            <a:endParaRPr lang="en-CA" sz="1000" dirty="0"/>
+          </a:p>
+        </p:txBody>
+      </p:sp>
+      <p:sp>
+        <p:nvSpPr>
+          <p:cNvPr id="47" name="TextBox 46">
+            <a:extLst>
+              <a:ext uri="{FF2B5EF4-FFF2-40B4-BE49-F238E27FC236}">
+                <a16:creationId xmlns:a16="http://schemas.microsoft.com/office/drawing/2014/main" id="{20481544-3335-7F85-90A9-B756AF2C6056}"/>
               </a:ext>
             </a:extLst>
           </p:cNvPr>
@@ -14555,8 +14072,8 @@
         </p:nvSpPr>
         <p:spPr>
           <a:xfrm>
-            <a:off x="4579075" y="6301162"/>
-            <a:ext cx="2106987" cy="369332"/>
+            <a:off x="5527427" y="1770056"/>
+            <a:ext cx="2355966" cy="369332"/>
           </a:xfrm>
           <a:prstGeom prst="rect">
             <a:avLst/>
@@ -14571,6 +14088,738 @@
           <a:p>
             <a:r>
               <a:rPr lang="en-US" dirty="0"/>
+              <a:t>Read from register file</a:t>
+            </a:r>
+            <a:endParaRPr lang="en-CA" dirty="0"/>
+          </a:p>
+        </p:txBody>
+      </p:sp>
+      <p:sp>
+        <p:nvSpPr>
+          <p:cNvPr id="61" name="Arrow: Down 60">
+            <a:extLst>
+              <a:ext uri="{FF2B5EF4-FFF2-40B4-BE49-F238E27FC236}">
+                <a16:creationId xmlns:a16="http://schemas.microsoft.com/office/drawing/2014/main" id="{E77A8B29-734E-EC7F-F576-39843C2E7F94}"/>
+              </a:ext>
+            </a:extLst>
+          </p:cNvPr>
+          <p:cNvSpPr/>
+          <p:nvPr/>
+        </p:nvSpPr>
+        <p:spPr>
+          <a:xfrm>
+            <a:off x="801128" y="4285191"/>
+            <a:ext cx="412386" cy="705602"/>
+          </a:xfrm>
+          <a:prstGeom prst="downArrow">
+            <a:avLst/>
+          </a:prstGeom>
+        </p:spPr>
+        <p:style>
+          <a:lnRef idx="2">
+            <a:schemeClr val="accent1">
+              <a:shade val="15000"/>
+            </a:schemeClr>
+          </a:lnRef>
+          <a:fillRef idx="1">
+            <a:schemeClr val="accent1"/>
+          </a:fillRef>
+          <a:effectRef idx="0">
+            <a:schemeClr val="accent1"/>
+          </a:effectRef>
+          <a:fontRef idx="minor">
+            <a:schemeClr val="lt1"/>
+          </a:fontRef>
+        </p:style>
+        <p:txBody>
+          <a:bodyPr rtlCol="0" anchor="ctr"/>
+          <a:lstStyle/>
+          <a:p>
+            <a:pPr algn="ctr"/>
+            <a:r>
+              <a:rPr lang="en-US" dirty="0"/>
+              <a:t>1</a:t>
+            </a:r>
+            <a:endParaRPr lang="en-CA" dirty="0"/>
+          </a:p>
+        </p:txBody>
+      </p:sp>
+      <p:sp>
+        <p:nvSpPr>
+          <p:cNvPr id="62" name="Arrow: Down 61">
+            <a:extLst>
+              <a:ext uri="{FF2B5EF4-FFF2-40B4-BE49-F238E27FC236}">
+                <a16:creationId xmlns:a16="http://schemas.microsoft.com/office/drawing/2014/main" id="{F11ED450-E4A5-82D3-797A-3FBDBD5B5A63}"/>
+              </a:ext>
+            </a:extLst>
+          </p:cNvPr>
+          <p:cNvSpPr/>
+          <p:nvPr/>
+        </p:nvSpPr>
+        <p:spPr>
+          <a:xfrm>
+            <a:off x="1363130" y="3464470"/>
+            <a:ext cx="412386" cy="1533460"/>
+          </a:xfrm>
+          <a:prstGeom prst="downArrow">
+            <a:avLst/>
+          </a:prstGeom>
+        </p:spPr>
+        <p:style>
+          <a:lnRef idx="2">
+            <a:schemeClr val="accent1">
+              <a:shade val="15000"/>
+            </a:schemeClr>
+          </a:lnRef>
+          <a:fillRef idx="1">
+            <a:schemeClr val="accent1"/>
+          </a:fillRef>
+          <a:effectRef idx="0">
+            <a:schemeClr val="accent1"/>
+          </a:effectRef>
+          <a:fontRef idx="minor">
+            <a:schemeClr val="lt1"/>
+          </a:fontRef>
+        </p:style>
+        <p:txBody>
+          <a:bodyPr rtlCol="0" anchor="ctr"/>
+          <a:lstStyle/>
+          <a:p>
+            <a:pPr algn="ctr"/>
+            <a:r>
+              <a:rPr lang="en-US" dirty="0"/>
+              <a:t>1</a:t>
+            </a:r>
+            <a:endParaRPr lang="en-CA" dirty="0"/>
+          </a:p>
+        </p:txBody>
+      </p:sp>
+      <p:sp>
+        <p:nvSpPr>
+          <p:cNvPr id="63" name="Arrow: Down 62">
+            <a:extLst>
+              <a:ext uri="{FF2B5EF4-FFF2-40B4-BE49-F238E27FC236}">
+                <a16:creationId xmlns:a16="http://schemas.microsoft.com/office/drawing/2014/main" id="{80B4887C-AC92-6545-FF32-3106C78F0D5C}"/>
+              </a:ext>
+            </a:extLst>
+          </p:cNvPr>
+          <p:cNvSpPr/>
+          <p:nvPr/>
+        </p:nvSpPr>
+        <p:spPr>
+          <a:xfrm>
+            <a:off x="2004180" y="3468005"/>
+            <a:ext cx="412386" cy="1533460"/>
+          </a:xfrm>
+          <a:prstGeom prst="downArrow">
+            <a:avLst/>
+          </a:prstGeom>
+        </p:spPr>
+        <p:style>
+          <a:lnRef idx="2">
+            <a:schemeClr val="accent1">
+              <a:shade val="15000"/>
+            </a:schemeClr>
+          </a:lnRef>
+          <a:fillRef idx="1">
+            <a:schemeClr val="accent1"/>
+          </a:fillRef>
+          <a:effectRef idx="0">
+            <a:schemeClr val="accent1"/>
+          </a:effectRef>
+          <a:fontRef idx="minor">
+            <a:schemeClr val="lt1"/>
+          </a:fontRef>
+        </p:style>
+        <p:txBody>
+          <a:bodyPr rtlCol="0" anchor="ctr"/>
+          <a:lstStyle/>
+          <a:p>
+            <a:pPr algn="ctr"/>
+            <a:r>
+              <a:rPr lang="en-US" dirty="0"/>
+              <a:t>1</a:t>
+            </a:r>
+            <a:endParaRPr lang="en-CA" dirty="0"/>
+          </a:p>
+        </p:txBody>
+      </p:sp>
+      <p:sp>
+        <p:nvSpPr>
+          <p:cNvPr id="64" name="Arrow: Down 63">
+            <a:extLst>
+              <a:ext uri="{FF2B5EF4-FFF2-40B4-BE49-F238E27FC236}">
+                <a16:creationId xmlns:a16="http://schemas.microsoft.com/office/drawing/2014/main" id="{8CC4E98C-122B-753D-15C6-7409B9E8BB46}"/>
+              </a:ext>
+            </a:extLst>
+          </p:cNvPr>
+          <p:cNvSpPr/>
+          <p:nvPr/>
+        </p:nvSpPr>
+        <p:spPr>
+          <a:xfrm>
+            <a:off x="2584031" y="3732881"/>
+            <a:ext cx="412386" cy="1266177"/>
+          </a:xfrm>
+          <a:prstGeom prst="downArrow">
+            <a:avLst/>
+          </a:prstGeom>
+        </p:spPr>
+        <p:style>
+          <a:lnRef idx="2">
+            <a:schemeClr val="accent1">
+              <a:shade val="15000"/>
+            </a:schemeClr>
+          </a:lnRef>
+          <a:fillRef idx="1">
+            <a:schemeClr val="accent1"/>
+          </a:fillRef>
+          <a:effectRef idx="0">
+            <a:schemeClr val="accent1"/>
+          </a:effectRef>
+          <a:fontRef idx="minor">
+            <a:schemeClr val="lt1"/>
+          </a:fontRef>
+        </p:style>
+        <p:txBody>
+          <a:bodyPr rtlCol="0" anchor="ctr"/>
+          <a:lstStyle/>
+          <a:p>
+            <a:pPr algn="ctr"/>
+            <a:r>
+              <a:rPr lang="en-US" dirty="0"/>
+              <a:t>2</a:t>
+            </a:r>
+            <a:endParaRPr lang="en-CA" dirty="0"/>
+          </a:p>
+        </p:txBody>
+      </p:sp>
+      <p:sp>
+        <p:nvSpPr>
+          <p:cNvPr id="65" name="Arrow: Down 64">
+            <a:extLst>
+              <a:ext uri="{FF2B5EF4-FFF2-40B4-BE49-F238E27FC236}">
+                <a16:creationId xmlns:a16="http://schemas.microsoft.com/office/drawing/2014/main" id="{951ABB06-5D96-AAE7-9FD3-EA359A5E8223}"/>
+              </a:ext>
+            </a:extLst>
+          </p:cNvPr>
+          <p:cNvSpPr/>
+          <p:nvPr/>
+        </p:nvSpPr>
+        <p:spPr>
+          <a:xfrm>
+            <a:off x="3218917" y="3454137"/>
+            <a:ext cx="412386" cy="1533460"/>
+          </a:xfrm>
+          <a:prstGeom prst="downArrow">
+            <a:avLst/>
+          </a:prstGeom>
+        </p:spPr>
+        <p:style>
+          <a:lnRef idx="2">
+            <a:schemeClr val="accent1">
+              <a:shade val="15000"/>
+            </a:schemeClr>
+          </a:lnRef>
+          <a:fillRef idx="1">
+            <a:schemeClr val="accent1"/>
+          </a:fillRef>
+          <a:effectRef idx="0">
+            <a:schemeClr val="accent1"/>
+          </a:effectRef>
+          <a:fontRef idx="minor">
+            <a:schemeClr val="lt1"/>
+          </a:fontRef>
+        </p:style>
+        <p:txBody>
+          <a:bodyPr rtlCol="0" anchor="ctr"/>
+          <a:lstStyle/>
+          <a:p>
+            <a:pPr algn="ctr"/>
+            <a:r>
+              <a:rPr lang="en-US" dirty="0"/>
+              <a:t>1</a:t>
+            </a:r>
+            <a:endParaRPr lang="en-CA" dirty="0"/>
+          </a:p>
+        </p:txBody>
+      </p:sp>
+      <p:sp>
+        <p:nvSpPr>
+          <p:cNvPr id="66" name="Arrow: Down 65">
+            <a:extLst>
+              <a:ext uri="{FF2B5EF4-FFF2-40B4-BE49-F238E27FC236}">
+                <a16:creationId xmlns:a16="http://schemas.microsoft.com/office/drawing/2014/main" id="{AB5F88CB-D03F-AE66-BD51-FBB1A8CD5B49}"/>
+              </a:ext>
+            </a:extLst>
+          </p:cNvPr>
+          <p:cNvSpPr/>
+          <p:nvPr/>
+        </p:nvSpPr>
+        <p:spPr>
+          <a:xfrm>
+            <a:off x="3860103" y="3466071"/>
+            <a:ext cx="412386" cy="1533460"/>
+          </a:xfrm>
+          <a:prstGeom prst="downArrow">
+            <a:avLst/>
+          </a:prstGeom>
+        </p:spPr>
+        <p:style>
+          <a:lnRef idx="2">
+            <a:schemeClr val="accent1">
+              <a:shade val="15000"/>
+            </a:schemeClr>
+          </a:lnRef>
+          <a:fillRef idx="1">
+            <a:schemeClr val="accent1"/>
+          </a:fillRef>
+          <a:effectRef idx="0">
+            <a:schemeClr val="accent1"/>
+          </a:effectRef>
+          <a:fontRef idx="minor">
+            <a:schemeClr val="lt1"/>
+          </a:fontRef>
+        </p:style>
+        <p:txBody>
+          <a:bodyPr rtlCol="0" anchor="ctr"/>
+          <a:lstStyle/>
+          <a:p>
+            <a:pPr algn="ctr"/>
+            <a:r>
+              <a:rPr lang="en-US" dirty="0"/>
+              <a:t>1</a:t>
+            </a:r>
+            <a:endParaRPr lang="en-CA" dirty="0"/>
+          </a:p>
+        </p:txBody>
+      </p:sp>
+      <p:sp>
+        <p:nvSpPr>
+          <p:cNvPr id="67" name="Arrow: Down 66">
+            <a:extLst>
+              <a:ext uri="{FF2B5EF4-FFF2-40B4-BE49-F238E27FC236}">
+                <a16:creationId xmlns:a16="http://schemas.microsoft.com/office/drawing/2014/main" id="{DAF83E3C-C7F5-1498-7118-082DC5426720}"/>
+              </a:ext>
+            </a:extLst>
+          </p:cNvPr>
+          <p:cNvSpPr/>
+          <p:nvPr/>
+        </p:nvSpPr>
+        <p:spPr>
+          <a:xfrm>
+            <a:off x="4522598" y="3969003"/>
+            <a:ext cx="412386" cy="1034692"/>
+          </a:xfrm>
+          <a:prstGeom prst="downArrow">
+            <a:avLst/>
+          </a:prstGeom>
+        </p:spPr>
+        <p:style>
+          <a:lnRef idx="2">
+            <a:schemeClr val="accent1">
+              <a:shade val="15000"/>
+            </a:schemeClr>
+          </a:lnRef>
+          <a:fillRef idx="1">
+            <a:schemeClr val="accent1"/>
+          </a:fillRef>
+          <a:effectRef idx="0">
+            <a:schemeClr val="accent1"/>
+          </a:effectRef>
+          <a:fontRef idx="minor">
+            <a:schemeClr val="lt1"/>
+          </a:fontRef>
+        </p:style>
+        <p:txBody>
+          <a:bodyPr rtlCol="0" anchor="ctr"/>
+          <a:lstStyle/>
+          <a:p>
+            <a:pPr algn="ctr"/>
+            <a:r>
+              <a:rPr lang="en-US" dirty="0"/>
+              <a:t>2</a:t>
+            </a:r>
+            <a:endParaRPr lang="en-CA" dirty="0"/>
+          </a:p>
+        </p:txBody>
+      </p:sp>
+      <p:sp>
+        <p:nvSpPr>
+          <p:cNvPr id="68" name="Arrow: Down 67">
+            <a:extLst>
+              <a:ext uri="{FF2B5EF4-FFF2-40B4-BE49-F238E27FC236}">
+                <a16:creationId xmlns:a16="http://schemas.microsoft.com/office/drawing/2014/main" id="{15F2B693-EEDB-034A-111E-FB5F74852603}"/>
+              </a:ext>
+            </a:extLst>
+          </p:cNvPr>
+          <p:cNvSpPr/>
+          <p:nvPr/>
+        </p:nvSpPr>
+        <p:spPr>
+          <a:xfrm>
+            <a:off x="5179946" y="3486670"/>
+            <a:ext cx="412386" cy="1533460"/>
+          </a:xfrm>
+          <a:prstGeom prst="downArrow">
+            <a:avLst/>
+          </a:prstGeom>
+        </p:spPr>
+        <p:style>
+          <a:lnRef idx="2">
+            <a:schemeClr val="accent1">
+              <a:shade val="15000"/>
+            </a:schemeClr>
+          </a:lnRef>
+          <a:fillRef idx="1">
+            <a:schemeClr val="accent1"/>
+          </a:fillRef>
+          <a:effectRef idx="0">
+            <a:schemeClr val="accent1"/>
+          </a:effectRef>
+          <a:fontRef idx="minor">
+            <a:schemeClr val="lt1"/>
+          </a:fontRef>
+        </p:style>
+        <p:txBody>
+          <a:bodyPr rtlCol="0" anchor="ctr"/>
+          <a:lstStyle/>
+          <a:p>
+            <a:pPr algn="ctr"/>
+            <a:r>
+              <a:rPr lang="en-US" dirty="0"/>
+              <a:t>1</a:t>
+            </a:r>
+            <a:endParaRPr lang="en-CA" dirty="0"/>
+          </a:p>
+        </p:txBody>
+      </p:sp>
+      <p:sp>
+        <p:nvSpPr>
+          <p:cNvPr id="69" name="Arrow: Down 68">
+            <a:extLst>
+              <a:ext uri="{FF2B5EF4-FFF2-40B4-BE49-F238E27FC236}">
+                <a16:creationId xmlns:a16="http://schemas.microsoft.com/office/drawing/2014/main" id="{4D58C537-31EA-8880-0C4B-CF20D2ED8B32}"/>
+              </a:ext>
+            </a:extLst>
+          </p:cNvPr>
+          <p:cNvSpPr/>
+          <p:nvPr/>
+        </p:nvSpPr>
+        <p:spPr>
+          <a:xfrm>
+            <a:off x="7927028" y="3466071"/>
+            <a:ext cx="412386" cy="1533460"/>
+          </a:xfrm>
+          <a:prstGeom prst="downArrow">
+            <a:avLst/>
+          </a:prstGeom>
+        </p:spPr>
+        <p:style>
+          <a:lnRef idx="2">
+            <a:schemeClr val="accent1">
+              <a:shade val="15000"/>
+            </a:schemeClr>
+          </a:lnRef>
+          <a:fillRef idx="1">
+            <a:schemeClr val="accent1"/>
+          </a:fillRef>
+          <a:effectRef idx="0">
+            <a:schemeClr val="accent1"/>
+          </a:effectRef>
+          <a:fontRef idx="minor">
+            <a:schemeClr val="lt1"/>
+          </a:fontRef>
+        </p:style>
+        <p:txBody>
+          <a:bodyPr rtlCol="0" anchor="ctr"/>
+          <a:lstStyle/>
+          <a:p>
+            <a:pPr algn="ctr"/>
+            <a:r>
+              <a:rPr lang="en-US" dirty="0"/>
+              <a:t>1</a:t>
+            </a:r>
+            <a:endParaRPr lang="en-CA" dirty="0"/>
+          </a:p>
+        </p:txBody>
+      </p:sp>
+      <p:sp>
+        <p:nvSpPr>
+          <p:cNvPr id="70" name="Arrow: Down 69">
+            <a:extLst>
+              <a:ext uri="{FF2B5EF4-FFF2-40B4-BE49-F238E27FC236}">
+                <a16:creationId xmlns:a16="http://schemas.microsoft.com/office/drawing/2014/main" id="{9BB8CC11-8D92-539C-E5E8-DAA6D4EFCA99}"/>
+              </a:ext>
+            </a:extLst>
+          </p:cNvPr>
+          <p:cNvSpPr/>
+          <p:nvPr/>
+        </p:nvSpPr>
+        <p:spPr>
+          <a:xfrm>
+            <a:off x="7262643" y="3473518"/>
+            <a:ext cx="412386" cy="1533460"/>
+          </a:xfrm>
+          <a:prstGeom prst="downArrow">
+            <a:avLst/>
+          </a:prstGeom>
+        </p:spPr>
+        <p:style>
+          <a:lnRef idx="2">
+            <a:schemeClr val="accent1">
+              <a:shade val="15000"/>
+            </a:schemeClr>
+          </a:lnRef>
+          <a:fillRef idx="1">
+            <a:schemeClr val="accent1"/>
+          </a:fillRef>
+          <a:effectRef idx="0">
+            <a:schemeClr val="accent1"/>
+          </a:effectRef>
+          <a:fontRef idx="minor">
+            <a:schemeClr val="lt1"/>
+          </a:fontRef>
+        </p:style>
+        <p:txBody>
+          <a:bodyPr rtlCol="0" anchor="ctr"/>
+          <a:lstStyle/>
+          <a:p>
+            <a:pPr algn="ctr"/>
+            <a:r>
+              <a:rPr lang="en-US" dirty="0"/>
+              <a:t>1</a:t>
+            </a:r>
+            <a:endParaRPr lang="en-CA" dirty="0"/>
+          </a:p>
+        </p:txBody>
+      </p:sp>
+      <p:sp>
+        <p:nvSpPr>
+          <p:cNvPr id="71" name="Rectangle 70">
+            <a:extLst>
+              <a:ext uri="{FF2B5EF4-FFF2-40B4-BE49-F238E27FC236}">
+                <a16:creationId xmlns:a16="http://schemas.microsoft.com/office/drawing/2014/main" id="{1C6F6109-CE91-55C0-CDE9-1FA0A55E1768}"/>
+              </a:ext>
+            </a:extLst>
+          </p:cNvPr>
+          <p:cNvSpPr/>
+          <p:nvPr/>
+        </p:nvSpPr>
+        <p:spPr>
+          <a:xfrm>
+            <a:off x="550290" y="4986832"/>
+            <a:ext cx="11204388" cy="339934"/>
+          </a:xfrm>
+          <a:prstGeom prst="rect">
+            <a:avLst/>
+          </a:prstGeom>
+        </p:spPr>
+        <p:style>
+          <a:lnRef idx="2">
+            <a:schemeClr val="accent1">
+              <a:shade val="15000"/>
+            </a:schemeClr>
+          </a:lnRef>
+          <a:fillRef idx="1">
+            <a:schemeClr val="accent1"/>
+          </a:fillRef>
+          <a:effectRef idx="0">
+            <a:schemeClr val="accent1"/>
+          </a:effectRef>
+          <a:fontRef idx="minor">
+            <a:schemeClr val="lt1"/>
+          </a:fontRef>
+        </p:style>
+        <p:txBody>
+          <a:bodyPr rtlCol="0" anchor="ctr"/>
+          <a:lstStyle/>
+          <a:p>
+            <a:pPr algn="ctr"/>
+            <a:r>
+              <a:rPr lang="en-US" sz="1100" dirty="0"/>
+              <a:t>16 Flow through result queues (32 entry)</a:t>
+            </a:r>
+            <a:endParaRPr lang="en-CA" sz="1100" dirty="0"/>
+          </a:p>
+        </p:txBody>
+      </p:sp>
+      <p:sp>
+        <p:nvSpPr>
+          <p:cNvPr id="72" name="Rectangle 71">
+            <a:extLst>
+              <a:ext uri="{FF2B5EF4-FFF2-40B4-BE49-F238E27FC236}">
+                <a16:creationId xmlns:a16="http://schemas.microsoft.com/office/drawing/2014/main" id="{089DFE8E-A4B4-4D09-D92F-B051C93C312D}"/>
+              </a:ext>
+            </a:extLst>
+          </p:cNvPr>
+          <p:cNvSpPr/>
+          <p:nvPr/>
+        </p:nvSpPr>
+        <p:spPr>
+          <a:xfrm>
+            <a:off x="550290" y="5643997"/>
+            <a:ext cx="11204388" cy="339934"/>
+          </a:xfrm>
+          <a:prstGeom prst="rect">
+            <a:avLst/>
+          </a:prstGeom>
+        </p:spPr>
+        <p:style>
+          <a:lnRef idx="2">
+            <a:schemeClr val="accent1">
+              <a:shade val="15000"/>
+            </a:schemeClr>
+          </a:lnRef>
+          <a:fillRef idx="1">
+            <a:schemeClr val="accent1"/>
+          </a:fillRef>
+          <a:effectRef idx="0">
+            <a:schemeClr val="accent1"/>
+          </a:effectRef>
+          <a:fontRef idx="minor">
+            <a:schemeClr val="lt1"/>
+          </a:fontRef>
+        </p:style>
+        <p:txBody>
+          <a:bodyPr rtlCol="0" anchor="ctr"/>
+          <a:lstStyle/>
+          <a:p>
+            <a:pPr algn="ctr"/>
+            <a:r>
+              <a:rPr lang="en-US" sz="1100" dirty="0"/>
+              <a:t>16:4 rotating multiplex</a:t>
+            </a:r>
+            <a:endParaRPr lang="en-CA" sz="1100" dirty="0"/>
+          </a:p>
+        </p:txBody>
+      </p:sp>
+      <p:sp>
+        <p:nvSpPr>
+          <p:cNvPr id="73" name="Arrow: Down 72">
+            <a:extLst>
+              <a:ext uri="{FF2B5EF4-FFF2-40B4-BE49-F238E27FC236}">
+                <a16:creationId xmlns:a16="http://schemas.microsoft.com/office/drawing/2014/main" id="{9591EC54-63D4-66BF-6A61-348EBA5DF458}"/>
+              </a:ext>
+            </a:extLst>
+          </p:cNvPr>
+          <p:cNvSpPr/>
+          <p:nvPr/>
+        </p:nvSpPr>
+        <p:spPr>
+          <a:xfrm>
+            <a:off x="3927249" y="5317966"/>
+            <a:ext cx="3418296" cy="318301"/>
+          </a:xfrm>
+          <a:prstGeom prst="downArrow">
+            <a:avLst/>
+          </a:prstGeom>
+        </p:spPr>
+        <p:style>
+          <a:lnRef idx="2">
+            <a:schemeClr val="accent1">
+              <a:shade val="15000"/>
+            </a:schemeClr>
+          </a:lnRef>
+          <a:fillRef idx="1">
+            <a:schemeClr val="accent1"/>
+          </a:fillRef>
+          <a:effectRef idx="0">
+            <a:schemeClr val="accent1"/>
+          </a:effectRef>
+          <a:fontRef idx="minor">
+            <a:schemeClr val="lt1"/>
+          </a:fontRef>
+        </p:style>
+        <p:txBody>
+          <a:bodyPr rtlCol="0" anchor="ctr"/>
+          <a:lstStyle/>
+          <a:p>
+            <a:pPr algn="ctr"/>
+            <a:endParaRPr lang="en-CA"/>
+          </a:p>
+        </p:txBody>
+      </p:sp>
+      <p:sp>
+        <p:nvSpPr>
+          <p:cNvPr id="74" name="Arrow: Down 73">
+            <a:extLst>
+              <a:ext uri="{FF2B5EF4-FFF2-40B4-BE49-F238E27FC236}">
+                <a16:creationId xmlns:a16="http://schemas.microsoft.com/office/drawing/2014/main" id="{4B9836E3-4F30-B303-77D3-E7C70ED48919}"/>
+              </a:ext>
+            </a:extLst>
+          </p:cNvPr>
+          <p:cNvSpPr/>
+          <p:nvPr/>
+        </p:nvSpPr>
+        <p:spPr>
+          <a:xfrm>
+            <a:off x="3953199" y="5991661"/>
+            <a:ext cx="3418296" cy="318301"/>
+          </a:xfrm>
+          <a:prstGeom prst="downArrow">
+            <a:avLst/>
+          </a:prstGeom>
+        </p:spPr>
+        <p:style>
+          <a:lnRef idx="2">
+            <a:schemeClr val="accent1">
+              <a:shade val="15000"/>
+            </a:schemeClr>
+          </a:lnRef>
+          <a:fillRef idx="1">
+            <a:schemeClr val="accent1"/>
+          </a:fillRef>
+          <a:effectRef idx="0">
+            <a:schemeClr val="accent1"/>
+          </a:effectRef>
+          <a:fontRef idx="minor">
+            <a:schemeClr val="lt1"/>
+          </a:fontRef>
+        </p:style>
+        <p:txBody>
+          <a:bodyPr rtlCol="0" anchor="ctr"/>
+          <a:lstStyle/>
+          <a:p>
+            <a:pPr algn="ctr"/>
+            <a:r>
+              <a:rPr lang="en-US" sz="1100" dirty="0"/>
+              <a:t>4 results</a:t>
+            </a:r>
+            <a:endParaRPr lang="en-CA" sz="1100" dirty="0"/>
+          </a:p>
+        </p:txBody>
+      </p:sp>
+      <p:sp>
+        <p:nvSpPr>
+          <p:cNvPr id="75" name="TextBox 74">
+            <a:extLst>
+              <a:ext uri="{FF2B5EF4-FFF2-40B4-BE49-F238E27FC236}">
+                <a16:creationId xmlns:a16="http://schemas.microsoft.com/office/drawing/2014/main" id="{842A2CC6-130A-0169-AA3C-3244405DA334}"/>
+              </a:ext>
+            </a:extLst>
+          </p:cNvPr>
+          <p:cNvSpPr txBox="1"/>
+          <p:nvPr/>
+        </p:nvSpPr>
+        <p:spPr>
+          <a:xfrm>
+            <a:off x="4579075" y="6301162"/>
+            <a:ext cx="2106987" cy="369332"/>
+          </a:xfrm>
+          <a:prstGeom prst="rect">
+            <a:avLst/>
+          </a:prstGeom>
+          <a:noFill/>
+        </p:spPr>
+        <p:txBody>
+          <a:bodyPr wrap="none" rtlCol="0">
+            <a:spAutoFit/>
+          </a:bodyPr>
+          <a:lstStyle/>
+          <a:p>
+            <a:r>
+              <a:rPr lang="en-US" dirty="0"/>
               <a:t>Write to register file</a:t>
             </a:r>
             <a:endParaRPr lang="en-CA" dirty="0"/>
@@ -14593,8 +14842,8 @@
         </p:nvCxnSpPr>
         <p:spPr>
           <a:xfrm>
-            <a:off x="619335" y="5602611"/>
-            <a:ext cx="10264727" cy="0"/>
+            <a:off x="550290" y="5571690"/>
+            <a:ext cx="11204388" cy="0"/>
           </a:xfrm>
           <a:prstGeom prst="line">
             <a:avLst/>
@@ -14671,7 +14920,7 @@
         <p:spPr>
           <a:xfrm>
             <a:off x="8114290" y="334104"/>
-            <a:ext cx="2781531" cy="1323439"/>
+            <a:ext cx="3001143" cy="1785104"/>
           </a:xfrm>
           <a:prstGeom prst="rect">
             <a:avLst/>
@@ -14730,6 +14979,21 @@
               <a:rPr lang="en-US" sz="1000" dirty="0"/>
               <a:t>DRAM: Data cache control logic</a:t>
             </a:r>
+          </a:p>
+          <a:p>
+            <a:endParaRPr lang="en-US" sz="1000" dirty="0"/>
+          </a:p>
+          <a:p>
+            <a:r>
+              <a:rPr lang="en-US" sz="1000" dirty="0"/>
+              <a:t>Read ports are packed into a vector containing only</a:t>
+            </a:r>
+          </a:p>
+          <a:p>
+            <a:r>
+              <a:rPr lang="en-US" sz="1000" dirty="0"/>
+              <a:t>source operands that need reading.</a:t>
+            </a:r>
             <a:endParaRPr lang="en-CA" sz="1000" dirty="0"/>
           </a:p>
         </p:txBody>
@@ -14748,7 +15012,7 @@
         </p:nvSpPr>
         <p:spPr>
           <a:xfrm>
-            <a:off x="10969367" y="2454509"/>
+            <a:off x="8715764" y="2463631"/>
             <a:ext cx="340139" cy="768626"/>
           </a:xfrm>
           <a:prstGeom prst="upDownArrow">
@@ -14777,10 +15041,18 @@
           <a:p>
             <a:pPr algn="ctr"/>
             <a:r>
-              <a:rPr lang="en-US" sz="1000" dirty="0"/>
+              <a:rPr lang="en-US" sz="1000" dirty="0">
+                <a:solidFill>
+                  <a:schemeClr val="bg1"/>
+                </a:solidFill>
+              </a:rPr>
               <a:t>3</a:t>
             </a:r>
-            <a:endParaRPr lang="en-CA" sz="1000" dirty="0"/>
+            <a:endParaRPr lang="en-CA" sz="1000" dirty="0">
+              <a:solidFill>
+                <a:schemeClr val="bg1"/>
+              </a:solidFill>
+            </a:endParaRPr>
           </a:p>
         </p:txBody>
       </p:sp>
@@ -14798,7 +15070,7 @@
         </p:nvSpPr>
         <p:spPr>
           <a:xfrm>
-            <a:off x="10946607" y="3459339"/>
+            <a:off x="8694159" y="3450288"/>
             <a:ext cx="412386" cy="1533460"/>
           </a:xfrm>
           <a:prstGeom prst="downArrow">
@@ -14826,16 +15098,20 @@
           <a:lstStyle/>
           <a:p>
             <a:pPr algn="ctr"/>
-            <a:endParaRPr lang="en-CA"/>
-          </a:p>
-        </p:txBody>
-      </p:sp>
-      <p:sp>
-        <p:nvSpPr>
-          <p:cNvPr id="83" name="TextBox 82">
-            <a:extLst>
-              <a:ext uri="{FF2B5EF4-FFF2-40B4-BE49-F238E27FC236}">
-                <a16:creationId xmlns:a16="http://schemas.microsoft.com/office/drawing/2014/main" id="{4C7ADDBA-B4B9-FCE6-6B87-090131B12A24}"/>
+            <a:r>
+              <a:rPr lang="en-US" dirty="0"/>
+              <a:t>1</a:t>
+            </a:r>
+            <a:endParaRPr lang="en-CA" dirty="0"/>
+          </a:p>
+        </p:txBody>
+      </p:sp>
+      <p:sp>
+        <p:nvSpPr>
+          <p:cNvPr id="84" name="TextBox 83">
+            <a:extLst>
+              <a:ext uri="{FF2B5EF4-FFF2-40B4-BE49-F238E27FC236}">
+                <a16:creationId xmlns:a16="http://schemas.microsoft.com/office/drawing/2014/main" id="{B35101C1-E541-D542-199F-C5DB73595420}"/>
               </a:ext>
             </a:extLst>
           </p:cNvPr>
@@ -14844,8 +15120,8 @@
         </p:nvSpPr>
         <p:spPr>
           <a:xfrm>
-            <a:off x="11175815" y="2680514"/>
-            <a:ext cx="471604" cy="246221"/>
+            <a:off x="1046942" y="4298605"/>
+            <a:ext cx="335348" cy="169277"/>
           </a:xfrm>
           <a:prstGeom prst="rect">
             <a:avLst/>
@@ -14859,19 +15135,19 @@
           <a:lstStyle/>
           <a:p>
             <a:r>
-              <a:rPr lang="en-US" sz="1000" dirty="0" err="1"/>
-              <a:t>a,b,d</a:t>
-            </a:r>
-            <a:endParaRPr lang="en-CA" sz="1000" dirty="0"/>
-          </a:p>
-        </p:txBody>
-      </p:sp>
-      <p:sp>
-        <p:nvSpPr>
-          <p:cNvPr id="84" name="TextBox 83">
-            <a:extLst>
-              <a:ext uri="{FF2B5EF4-FFF2-40B4-BE49-F238E27FC236}">
-                <a16:creationId xmlns:a16="http://schemas.microsoft.com/office/drawing/2014/main" id="{B35101C1-E541-D542-199F-C5DB73595420}"/>
+              <a:rPr lang="en-US" sz="500" dirty="0"/>
+              <a:t>Lat: 1</a:t>
+            </a:r>
+            <a:endParaRPr lang="en-CA" sz="500" dirty="0"/>
+          </a:p>
+        </p:txBody>
+      </p:sp>
+      <p:sp>
+        <p:nvSpPr>
+          <p:cNvPr id="85" name="TextBox 84">
+            <a:extLst>
+              <a:ext uri="{FF2B5EF4-FFF2-40B4-BE49-F238E27FC236}">
+                <a16:creationId xmlns:a16="http://schemas.microsoft.com/office/drawing/2014/main" id="{33E520EF-4343-E99C-087F-0232C7BC6D24}"/>
               </a:ext>
             </a:extLst>
           </p:cNvPr>
@@ -14880,8 +15156,8 @@
         </p:nvSpPr>
         <p:spPr>
           <a:xfrm>
-            <a:off x="1413732" y="3848308"/>
-            <a:ext cx="428322" cy="215444"/>
+            <a:off x="1589784" y="4262151"/>
+            <a:ext cx="335348" cy="169277"/>
           </a:xfrm>
           <a:prstGeom prst="rect">
             <a:avLst/>
@@ -14895,19 +15171,19 @@
           <a:lstStyle/>
           <a:p>
             <a:r>
-              <a:rPr lang="en-US" sz="800" dirty="0"/>
+              <a:rPr lang="en-US" sz="500" dirty="0"/>
               <a:t>Lat: 1</a:t>
             </a:r>
-            <a:endParaRPr lang="en-CA" sz="800" dirty="0"/>
-          </a:p>
-        </p:txBody>
-      </p:sp>
-      <p:sp>
-        <p:nvSpPr>
-          <p:cNvPr id="85" name="TextBox 84">
-            <a:extLst>
-              <a:ext uri="{FF2B5EF4-FFF2-40B4-BE49-F238E27FC236}">
-                <a16:creationId xmlns:a16="http://schemas.microsoft.com/office/drawing/2014/main" id="{33E520EF-4343-E99C-087F-0232C7BC6D24}"/>
+            <a:endParaRPr lang="en-CA" sz="500" dirty="0"/>
+          </a:p>
+        </p:txBody>
+      </p:sp>
+      <p:sp>
+        <p:nvSpPr>
+          <p:cNvPr id="86" name="TextBox 85">
+            <a:extLst>
+              <a:ext uri="{FF2B5EF4-FFF2-40B4-BE49-F238E27FC236}">
+                <a16:creationId xmlns:a16="http://schemas.microsoft.com/office/drawing/2014/main" id="{78FB1DF9-D495-C990-6566-49EAD69A86AB}"/>
               </a:ext>
             </a:extLst>
           </p:cNvPr>
@@ -14916,8 +15192,8 @@
         </p:nvSpPr>
         <p:spPr>
           <a:xfrm>
-            <a:off x="2028143" y="3838330"/>
-            <a:ext cx="428322" cy="215444"/>
+            <a:off x="2241844" y="4249015"/>
+            <a:ext cx="335348" cy="169277"/>
           </a:xfrm>
           <a:prstGeom prst="rect">
             <a:avLst/>
@@ -14931,19 +15207,19 @@
           <a:lstStyle/>
           <a:p>
             <a:r>
-              <a:rPr lang="en-US" sz="800" dirty="0"/>
-              <a:t>Lat: 1</a:t>
-            </a:r>
-            <a:endParaRPr lang="en-CA" sz="800" dirty="0"/>
-          </a:p>
-        </p:txBody>
-      </p:sp>
-      <p:sp>
-        <p:nvSpPr>
-          <p:cNvPr id="86" name="TextBox 85">
-            <a:extLst>
-              <a:ext uri="{FF2B5EF4-FFF2-40B4-BE49-F238E27FC236}">
-                <a16:creationId xmlns:a16="http://schemas.microsoft.com/office/drawing/2014/main" id="{78FB1DF9-D495-C990-6566-49EAD69A86AB}"/>
+              <a:rPr lang="en-US" sz="500" dirty="0"/>
+              <a:t>Lat: 4</a:t>
+            </a:r>
+            <a:endParaRPr lang="en-CA" sz="500" dirty="0"/>
+          </a:p>
+        </p:txBody>
+      </p:sp>
+      <p:sp>
+        <p:nvSpPr>
+          <p:cNvPr id="88" name="TextBox 87">
+            <a:extLst>
+              <a:ext uri="{FF2B5EF4-FFF2-40B4-BE49-F238E27FC236}">
+                <a16:creationId xmlns:a16="http://schemas.microsoft.com/office/drawing/2014/main" id="{49D1C316-B5D7-51AD-7A45-655722475189}"/>
               </a:ext>
             </a:extLst>
           </p:cNvPr>
@@ -14952,8 +15228,8 @@
         </p:nvSpPr>
         <p:spPr>
           <a:xfrm>
-            <a:off x="2868113" y="3826272"/>
-            <a:ext cx="428322" cy="215444"/>
+            <a:off x="3471446" y="4249471"/>
+            <a:ext cx="335348" cy="169277"/>
           </a:xfrm>
           <a:prstGeom prst="rect">
             <a:avLst/>
@@ -14967,19 +15243,19 @@
           <a:lstStyle/>
           <a:p>
             <a:r>
-              <a:rPr lang="en-US" sz="800" dirty="0"/>
-              <a:t>Lat: 4</a:t>
-            </a:r>
-            <a:endParaRPr lang="en-CA" sz="800" dirty="0"/>
-          </a:p>
-        </p:txBody>
-      </p:sp>
-      <p:sp>
-        <p:nvSpPr>
-          <p:cNvPr id="87" name="TextBox 86">
-            <a:extLst>
-              <a:ext uri="{FF2B5EF4-FFF2-40B4-BE49-F238E27FC236}">
-                <a16:creationId xmlns:a16="http://schemas.microsoft.com/office/drawing/2014/main" id="{AF88EC9D-8895-9EB8-CB82-C39049FDD38D}"/>
+              <a:rPr lang="en-US" sz="500" dirty="0"/>
+              <a:t>Lat: 8</a:t>
+            </a:r>
+            <a:endParaRPr lang="en-CA" sz="500" dirty="0"/>
+          </a:p>
+        </p:txBody>
+      </p:sp>
+      <p:sp>
+        <p:nvSpPr>
+          <p:cNvPr id="89" name="TextBox 88">
+            <a:extLst>
+              <a:ext uri="{FF2B5EF4-FFF2-40B4-BE49-F238E27FC236}">
+                <a16:creationId xmlns:a16="http://schemas.microsoft.com/office/drawing/2014/main" id="{357226EE-43AD-3F0F-0A0E-8ECA87874481}"/>
               </a:ext>
             </a:extLst>
           </p:cNvPr>
@@ -14988,8 +15264,8 @@
         </p:nvSpPr>
         <p:spPr>
           <a:xfrm>
-            <a:off x="3759672" y="3826272"/>
-            <a:ext cx="476412" cy="215444"/>
+            <a:off x="4106332" y="4240248"/>
+            <a:ext cx="335348" cy="169277"/>
           </a:xfrm>
           <a:prstGeom prst="rect">
             <a:avLst/>
@@ -15003,19 +15279,19 @@
           <a:lstStyle/>
           <a:p>
             <a:r>
-              <a:rPr lang="en-US" sz="800" dirty="0"/>
-              <a:t>Lat: ??</a:t>
-            </a:r>
-            <a:endParaRPr lang="en-CA" sz="800" dirty="0"/>
-          </a:p>
-        </p:txBody>
-      </p:sp>
-      <p:sp>
-        <p:nvSpPr>
-          <p:cNvPr id="88" name="TextBox 87">
-            <a:extLst>
-              <a:ext uri="{FF2B5EF4-FFF2-40B4-BE49-F238E27FC236}">
-                <a16:creationId xmlns:a16="http://schemas.microsoft.com/office/drawing/2014/main" id="{49D1C316-B5D7-51AD-7A45-655722475189}"/>
+              <a:rPr lang="en-US" sz="500" dirty="0"/>
+              <a:t>Lat: 8</a:t>
+            </a:r>
+            <a:endParaRPr lang="en-CA" sz="500" dirty="0"/>
+          </a:p>
+        </p:txBody>
+      </p:sp>
+      <p:sp>
+        <p:nvSpPr>
+          <p:cNvPr id="90" name="TextBox 89">
+            <a:extLst>
+              <a:ext uri="{FF2B5EF4-FFF2-40B4-BE49-F238E27FC236}">
+                <a16:creationId xmlns:a16="http://schemas.microsoft.com/office/drawing/2014/main" id="{3E8870B3-430D-D283-D86C-4C514A5BF941}"/>
               </a:ext>
             </a:extLst>
           </p:cNvPr>
@@ -15024,8 +15300,8 @@
         </p:nvSpPr>
         <p:spPr>
           <a:xfrm>
-            <a:off x="4588152" y="3848308"/>
-            <a:ext cx="428322" cy="215444"/>
+            <a:off x="4761541" y="4248137"/>
+            <a:ext cx="365806" cy="169277"/>
           </a:xfrm>
           <a:prstGeom prst="rect">
             <a:avLst/>
@@ -15039,19 +15315,19 @@
           <a:lstStyle/>
           <a:p>
             <a:r>
-              <a:rPr lang="en-US" sz="800" dirty="0"/>
-              <a:t>Lat: 8</a:t>
-            </a:r>
-            <a:endParaRPr lang="en-CA" sz="800" dirty="0"/>
-          </a:p>
-        </p:txBody>
-      </p:sp>
-      <p:sp>
-        <p:nvSpPr>
-          <p:cNvPr id="89" name="TextBox 88">
-            <a:extLst>
-              <a:ext uri="{FF2B5EF4-FFF2-40B4-BE49-F238E27FC236}">
-                <a16:creationId xmlns:a16="http://schemas.microsoft.com/office/drawing/2014/main" id="{357226EE-43AD-3F0F-0A0E-8ECA87874481}"/>
+              <a:rPr lang="en-US" sz="500" dirty="0"/>
+              <a:t>Lat: ??</a:t>
+            </a:r>
+            <a:endParaRPr lang="en-CA" sz="500" dirty="0"/>
+          </a:p>
+        </p:txBody>
+      </p:sp>
+      <p:sp>
+        <p:nvSpPr>
+          <p:cNvPr id="91" name="TextBox 90">
+            <a:extLst>
+              <a:ext uri="{FF2B5EF4-FFF2-40B4-BE49-F238E27FC236}">
+                <a16:creationId xmlns:a16="http://schemas.microsoft.com/office/drawing/2014/main" id="{CD0E5963-C409-D8AD-920C-2D8AB5A17E9C}"/>
               </a:ext>
             </a:extLst>
           </p:cNvPr>
@@ -15060,8 +15336,8 @@
         </p:nvSpPr>
         <p:spPr>
           <a:xfrm>
-            <a:off x="5436604" y="3848308"/>
-            <a:ext cx="428322" cy="215444"/>
+            <a:off x="5683502" y="3454192"/>
+            <a:ext cx="335348" cy="169277"/>
           </a:xfrm>
           <a:prstGeom prst="rect">
             <a:avLst/>
@@ -15075,19 +15351,19 @@
           <a:lstStyle/>
           <a:p>
             <a:r>
-              <a:rPr lang="en-US" sz="800" dirty="0"/>
-              <a:t>Lat: 8</a:t>
-            </a:r>
-            <a:endParaRPr lang="en-CA" sz="800" dirty="0"/>
-          </a:p>
-        </p:txBody>
-      </p:sp>
-      <p:sp>
-        <p:nvSpPr>
-          <p:cNvPr id="90" name="TextBox 89">
-            <a:extLst>
-              <a:ext uri="{FF2B5EF4-FFF2-40B4-BE49-F238E27FC236}">
-                <a16:creationId xmlns:a16="http://schemas.microsoft.com/office/drawing/2014/main" id="{3E8870B3-430D-D283-D86C-4C514A5BF941}"/>
+              <a:rPr lang="en-US" sz="500" dirty="0"/>
+              <a:t>Lat: 1</a:t>
+            </a:r>
+            <a:endParaRPr lang="en-CA" sz="500" dirty="0"/>
+          </a:p>
+        </p:txBody>
+      </p:sp>
+      <p:sp>
+        <p:nvSpPr>
+          <p:cNvPr id="92" name="TextBox 91">
+            <a:extLst>
+              <a:ext uri="{FF2B5EF4-FFF2-40B4-BE49-F238E27FC236}">
+                <a16:creationId xmlns:a16="http://schemas.microsoft.com/office/drawing/2014/main" id="{5181DFDA-4CD0-5C12-2298-C7B2CE37957D}"/>
               </a:ext>
             </a:extLst>
           </p:cNvPr>
@@ -15096,8 +15372,8 @@
         </p:nvSpPr>
         <p:spPr>
           <a:xfrm>
-            <a:off x="6359845" y="4000674"/>
-            <a:ext cx="476412" cy="215444"/>
+            <a:off x="8956101" y="4140573"/>
+            <a:ext cx="335348" cy="169277"/>
           </a:xfrm>
           <a:prstGeom prst="rect">
             <a:avLst/>
@@ -15111,19 +15387,19 @@
           <a:lstStyle/>
           <a:p>
             <a:r>
-              <a:rPr lang="en-US" sz="800" dirty="0"/>
-              <a:t>Lat: ??</a:t>
-            </a:r>
-            <a:endParaRPr lang="en-CA" sz="800" dirty="0"/>
-          </a:p>
-        </p:txBody>
-      </p:sp>
-      <p:sp>
-        <p:nvSpPr>
-          <p:cNvPr id="91" name="TextBox 90">
-            <a:extLst>
-              <a:ext uri="{FF2B5EF4-FFF2-40B4-BE49-F238E27FC236}">
-                <a16:creationId xmlns:a16="http://schemas.microsoft.com/office/drawing/2014/main" id="{CD0E5963-C409-D8AD-920C-2D8AB5A17E9C}"/>
+              <a:rPr lang="en-US" sz="500" dirty="0"/>
+              <a:t>Lat: 3</a:t>
+            </a:r>
+            <a:endParaRPr lang="en-CA" sz="500" dirty="0"/>
+          </a:p>
+        </p:txBody>
+      </p:sp>
+      <p:sp>
+        <p:nvSpPr>
+          <p:cNvPr id="87" name="TextBox 86">
+            <a:extLst>
+              <a:ext uri="{FF2B5EF4-FFF2-40B4-BE49-F238E27FC236}">
+                <a16:creationId xmlns:a16="http://schemas.microsoft.com/office/drawing/2014/main" id="{AF88EC9D-8895-9EB8-CB82-C39049FDD38D}"/>
               </a:ext>
             </a:extLst>
           </p:cNvPr>
@@ -15132,8 +15408,8 @@
         </p:nvSpPr>
         <p:spPr>
           <a:xfrm>
-            <a:off x="7141752" y="3837225"/>
-            <a:ext cx="428322" cy="215444"/>
+            <a:off x="2831086" y="4260694"/>
+            <a:ext cx="365806" cy="169277"/>
           </a:xfrm>
           <a:prstGeom prst="rect">
             <a:avLst/>
@@ -15147,19 +15423,284 @@
           <a:lstStyle/>
           <a:p>
             <a:r>
-              <a:rPr lang="en-US" sz="800" dirty="0"/>
-              <a:t>Lat: 1</a:t>
-            </a:r>
-            <a:endParaRPr lang="en-CA" sz="800" dirty="0"/>
-          </a:p>
-        </p:txBody>
-      </p:sp>
-      <p:sp>
-        <p:nvSpPr>
-          <p:cNvPr id="92" name="TextBox 91">
-            <a:extLst>
-              <a:ext uri="{FF2B5EF4-FFF2-40B4-BE49-F238E27FC236}">
-                <a16:creationId xmlns:a16="http://schemas.microsoft.com/office/drawing/2014/main" id="{5181DFDA-4CD0-5C12-2298-C7B2CE37957D}"/>
+              <a:rPr lang="en-US" sz="500" dirty="0"/>
+              <a:t>Lat: ??</a:t>
+            </a:r>
+            <a:endParaRPr lang="en-CA" sz="500" dirty="0"/>
+          </a:p>
+        </p:txBody>
+      </p:sp>
+      <p:sp>
+        <p:nvSpPr>
+          <p:cNvPr id="24" name="Rectangle 23">
+            <a:extLst>
+              <a:ext uri="{FF2B5EF4-FFF2-40B4-BE49-F238E27FC236}">
+                <a16:creationId xmlns:a16="http://schemas.microsoft.com/office/drawing/2014/main" id="{E481DB56-C5C9-7AC4-0EE9-D297C341DF43}"/>
+              </a:ext>
+            </a:extLst>
+          </p:cNvPr>
+          <p:cNvSpPr/>
+          <p:nvPr/>
+        </p:nvSpPr>
+        <p:spPr>
+          <a:xfrm>
+            <a:off x="9340340" y="3238921"/>
+            <a:ext cx="752886" cy="532936"/>
+          </a:xfrm>
+          <a:prstGeom prst="rect">
+            <a:avLst/>
+          </a:prstGeom>
+        </p:spPr>
+        <p:style>
+          <a:lnRef idx="2">
+            <a:schemeClr val="accent1">
+              <a:shade val="15000"/>
+            </a:schemeClr>
+          </a:lnRef>
+          <a:fillRef idx="1">
+            <a:schemeClr val="accent1"/>
+          </a:fillRef>
+          <a:effectRef idx="0">
+            <a:schemeClr val="accent1"/>
+          </a:effectRef>
+          <a:fontRef idx="minor">
+            <a:schemeClr val="lt1"/>
+          </a:fontRef>
+        </p:style>
+        <p:txBody>
+          <a:bodyPr rtlCol="0" anchor="ctr"/>
+          <a:lstStyle/>
+          <a:p>
+            <a:pPr algn="ctr"/>
+            <a:r>
+              <a:rPr lang="en-US" sz="700" dirty="0"/>
+              <a:t>Neural Network</a:t>
+            </a:r>
+          </a:p>
+          <a:p>
+            <a:pPr algn="ctr"/>
+            <a:r>
+              <a:rPr lang="en-US" sz="700" dirty="0"/>
+              <a:t>16 parallel neurons</a:t>
+            </a:r>
+            <a:endParaRPr lang="en-CA" sz="700" dirty="0"/>
+          </a:p>
+        </p:txBody>
+      </p:sp>
+      <p:sp>
+        <p:nvSpPr>
+          <p:cNvPr id="25" name="Arrow: Up-Down 24">
+            <a:extLst>
+              <a:ext uri="{FF2B5EF4-FFF2-40B4-BE49-F238E27FC236}">
+                <a16:creationId xmlns:a16="http://schemas.microsoft.com/office/drawing/2014/main" id="{DB92EDD2-6E78-2318-1091-5B24DD3F35EA}"/>
+              </a:ext>
+            </a:extLst>
+          </p:cNvPr>
+          <p:cNvSpPr/>
+          <p:nvPr/>
+        </p:nvSpPr>
+        <p:spPr>
+          <a:xfrm>
+            <a:off x="9533551" y="2448574"/>
+            <a:ext cx="340139" cy="768626"/>
+          </a:xfrm>
+          <a:prstGeom prst="upDownArrow">
+            <a:avLst/>
+          </a:prstGeom>
+        </p:spPr>
+        <p:style>
+          <a:lnRef idx="2">
+            <a:schemeClr val="accent1">
+              <a:shade val="15000"/>
+            </a:schemeClr>
+          </a:lnRef>
+          <a:fillRef idx="1">
+            <a:schemeClr val="accent1"/>
+          </a:fillRef>
+          <a:effectRef idx="0">
+            <a:schemeClr val="accent1"/>
+          </a:effectRef>
+          <a:fontRef idx="minor">
+            <a:schemeClr val="lt1"/>
+          </a:fontRef>
+        </p:style>
+        <p:txBody>
+          <a:bodyPr rtlCol="0" anchor="ctr"/>
+          <a:lstStyle/>
+          <a:p>
+            <a:pPr algn="ctr"/>
+            <a:r>
+              <a:rPr lang="en-US" sz="1000" dirty="0">
+                <a:solidFill>
+                  <a:schemeClr val="bg1"/>
+                </a:solidFill>
+              </a:rPr>
+              <a:t>3</a:t>
+            </a:r>
+            <a:endParaRPr lang="en-CA" sz="1000" dirty="0">
+              <a:solidFill>
+                <a:schemeClr val="bg1"/>
+              </a:solidFill>
+            </a:endParaRPr>
+          </a:p>
+        </p:txBody>
+      </p:sp>
+      <p:sp>
+        <p:nvSpPr>
+          <p:cNvPr id="27" name="Arrow: Down 26">
+            <a:extLst>
+              <a:ext uri="{FF2B5EF4-FFF2-40B4-BE49-F238E27FC236}">
+                <a16:creationId xmlns:a16="http://schemas.microsoft.com/office/drawing/2014/main" id="{C9B770E9-9E36-BC7B-CD3A-649836BF1379}"/>
+              </a:ext>
+            </a:extLst>
+          </p:cNvPr>
+          <p:cNvSpPr/>
+          <p:nvPr/>
+        </p:nvSpPr>
+        <p:spPr>
+          <a:xfrm>
+            <a:off x="9513191" y="3771856"/>
+            <a:ext cx="412386" cy="1207245"/>
+          </a:xfrm>
+          <a:prstGeom prst="downArrow">
+            <a:avLst/>
+          </a:prstGeom>
+        </p:spPr>
+        <p:style>
+          <a:lnRef idx="2">
+            <a:schemeClr val="accent1">
+              <a:shade val="15000"/>
+            </a:schemeClr>
+          </a:lnRef>
+          <a:fillRef idx="1">
+            <a:schemeClr val="accent1"/>
+          </a:fillRef>
+          <a:effectRef idx="0">
+            <a:schemeClr val="accent1"/>
+          </a:effectRef>
+          <a:fontRef idx="minor">
+            <a:schemeClr val="lt1"/>
+          </a:fontRef>
+        </p:style>
+        <p:txBody>
+          <a:bodyPr rtlCol="0" anchor="ctr"/>
+          <a:lstStyle/>
+          <a:p>
+            <a:pPr algn="ctr"/>
+            <a:r>
+              <a:rPr lang="en-US" dirty="0"/>
+              <a:t>1</a:t>
+            </a:r>
+            <a:endParaRPr lang="en-CA" dirty="0"/>
+          </a:p>
+        </p:txBody>
+      </p:sp>
+      <p:sp>
+        <p:nvSpPr>
+          <p:cNvPr id="29" name="Rectangle 28">
+            <a:extLst>
+              <a:ext uri="{FF2B5EF4-FFF2-40B4-BE49-F238E27FC236}">
+                <a16:creationId xmlns:a16="http://schemas.microsoft.com/office/drawing/2014/main" id="{4CDDCB0D-07E3-F8C0-A2F8-13C02CA1A8B4}"/>
+              </a:ext>
+            </a:extLst>
+          </p:cNvPr>
+          <p:cNvSpPr/>
+          <p:nvPr/>
+        </p:nvSpPr>
+        <p:spPr>
+          <a:xfrm>
+            <a:off x="4990744" y="845932"/>
+            <a:ext cx="720000" cy="216000"/>
+          </a:xfrm>
+          <a:prstGeom prst="rect">
+            <a:avLst/>
+          </a:prstGeom>
+        </p:spPr>
+        <p:style>
+          <a:lnRef idx="2">
+            <a:schemeClr val="accent1">
+              <a:shade val="15000"/>
+            </a:schemeClr>
+          </a:lnRef>
+          <a:fillRef idx="1">
+            <a:schemeClr val="accent1"/>
+          </a:fillRef>
+          <a:effectRef idx="0">
+            <a:schemeClr val="accent1"/>
+          </a:effectRef>
+          <a:fontRef idx="minor">
+            <a:schemeClr val="lt1"/>
+          </a:fontRef>
+        </p:style>
+        <p:txBody>
+          <a:bodyPr rtlCol="0" anchor="ctr"/>
+          <a:lstStyle/>
+          <a:p>
+            <a:pPr algn="ctr"/>
+            <a:r>
+              <a:rPr lang="en-US" sz="700" dirty="0"/>
+              <a:t>Port Packing</a:t>
+            </a:r>
+            <a:endParaRPr lang="en-CA" sz="700" dirty="0"/>
+          </a:p>
+        </p:txBody>
+      </p:sp>
+      <p:sp>
+        <p:nvSpPr>
+          <p:cNvPr id="30" name="Arrow: Up-Down 29">
+            <a:extLst>
+              <a:ext uri="{FF2B5EF4-FFF2-40B4-BE49-F238E27FC236}">
+                <a16:creationId xmlns:a16="http://schemas.microsoft.com/office/drawing/2014/main" id="{44EB0E90-3C35-259C-59F8-3056456FD5B3}"/>
+              </a:ext>
+            </a:extLst>
+          </p:cNvPr>
+          <p:cNvSpPr/>
+          <p:nvPr/>
+        </p:nvSpPr>
+        <p:spPr>
+          <a:xfrm>
+            <a:off x="5251488" y="1044471"/>
+            <a:ext cx="212826" cy="337366"/>
+          </a:xfrm>
+          <a:prstGeom prst="upDownArrow">
+            <a:avLst/>
+          </a:prstGeom>
+        </p:spPr>
+        <p:style>
+          <a:lnRef idx="2">
+            <a:schemeClr val="accent1">
+              <a:shade val="15000"/>
+            </a:schemeClr>
+          </a:lnRef>
+          <a:fillRef idx="1">
+            <a:schemeClr val="accent1"/>
+          </a:fillRef>
+          <a:effectRef idx="0">
+            <a:schemeClr val="accent1"/>
+          </a:effectRef>
+          <a:fontRef idx="minor">
+            <a:schemeClr val="lt1"/>
+          </a:fontRef>
+        </p:style>
+        <p:txBody>
+          <a:bodyPr rtlCol="0" anchor="ctr"/>
+          <a:lstStyle/>
+          <a:p>
+            <a:pPr algn="ctr"/>
+            <a:r>
+              <a:rPr lang="en-US" sz="1000" dirty="0"/>
+              <a:t>16</a:t>
+            </a:r>
+            <a:endParaRPr lang="en-CA" sz="1000" dirty="0"/>
+          </a:p>
+        </p:txBody>
+      </p:sp>
+      <p:sp>
+        <p:nvSpPr>
+          <p:cNvPr id="31" name="TextBox 30">
+            <a:extLst>
+              <a:ext uri="{FF2B5EF4-FFF2-40B4-BE49-F238E27FC236}">
+                <a16:creationId xmlns:a16="http://schemas.microsoft.com/office/drawing/2014/main" id="{0D5F0C49-D56C-37EF-6204-191B87F32ACB}"/>
               </a:ext>
             </a:extLst>
           </p:cNvPr>
@@ -15168,8 +15709,261 @@
         </p:nvSpPr>
         <p:spPr>
           <a:xfrm>
-            <a:off x="11210490" y="3853299"/>
-            <a:ext cx="428322" cy="215444"/>
+            <a:off x="552938" y="929466"/>
+            <a:ext cx="3643143" cy="938719"/>
+          </a:xfrm>
+          <a:prstGeom prst="rect">
+            <a:avLst/>
+          </a:prstGeom>
+          <a:noFill/>
+        </p:spPr>
+        <p:txBody>
+          <a:bodyPr wrap="square" rtlCol="0">
+            <a:spAutoFit/>
+          </a:bodyPr>
+          <a:lstStyle/>
+          <a:p>
+            <a:r>
+              <a:rPr lang="en-US" sz="1100" dirty="0"/>
+              <a:t>Rotating muxes change the read/write port priority every clock cycle to prevent ports from starving.</a:t>
+            </a:r>
+          </a:p>
+          <a:p>
+            <a:endParaRPr lang="en-US" sz="1100" dirty="0"/>
+          </a:p>
+          <a:p>
+            <a:r>
+              <a:rPr lang="en-US" sz="1100" dirty="0"/>
+              <a:t>There is bypassing from register file inputs to reservation stations.</a:t>
+            </a:r>
+            <a:endParaRPr lang="en-CA" sz="1100" dirty="0"/>
+          </a:p>
+        </p:txBody>
+      </p:sp>
+      <p:sp>
+        <p:nvSpPr>
+          <p:cNvPr id="32" name="Rectangle 31">
+            <a:extLst>
+              <a:ext uri="{FF2B5EF4-FFF2-40B4-BE49-F238E27FC236}">
+                <a16:creationId xmlns:a16="http://schemas.microsoft.com/office/drawing/2014/main" id="{C968DA46-1AA2-CE2E-542C-0AB89CE5CBE1}"/>
+              </a:ext>
+            </a:extLst>
+          </p:cNvPr>
+          <p:cNvSpPr/>
+          <p:nvPr/>
+        </p:nvSpPr>
+        <p:spPr>
+          <a:xfrm>
+            <a:off x="10140650" y="3241635"/>
+            <a:ext cx="720000" cy="216000"/>
+          </a:xfrm>
+          <a:prstGeom prst="rect">
+            <a:avLst/>
+          </a:prstGeom>
+        </p:spPr>
+        <p:style>
+          <a:lnRef idx="2">
+            <a:schemeClr val="accent1">
+              <a:shade val="15000"/>
+            </a:schemeClr>
+          </a:lnRef>
+          <a:fillRef idx="1">
+            <a:schemeClr val="accent1"/>
+          </a:fillRef>
+          <a:effectRef idx="0">
+            <a:schemeClr val="accent1"/>
+          </a:effectRef>
+          <a:fontRef idx="minor">
+            <a:schemeClr val="lt1"/>
+          </a:fontRef>
+        </p:style>
+        <p:txBody>
+          <a:bodyPr rtlCol="0" anchor="ctr"/>
+          <a:lstStyle/>
+          <a:p>
+            <a:pPr algn="ctr"/>
+            <a:r>
+              <a:rPr lang="en-US" sz="700" dirty="0"/>
+              <a:t>Crypto</a:t>
+            </a:r>
+            <a:endParaRPr lang="en-CA" sz="700" dirty="0"/>
+          </a:p>
+        </p:txBody>
+      </p:sp>
+      <p:sp>
+        <p:nvSpPr>
+          <p:cNvPr id="78" name="Arrow: Up-Down 77">
+            <a:extLst>
+              <a:ext uri="{FF2B5EF4-FFF2-40B4-BE49-F238E27FC236}">
+                <a16:creationId xmlns:a16="http://schemas.microsoft.com/office/drawing/2014/main" id="{5AA53529-B298-EF3D-BEB2-1D4443ECAF4C}"/>
+              </a:ext>
+            </a:extLst>
+          </p:cNvPr>
+          <p:cNvSpPr/>
+          <p:nvPr/>
+        </p:nvSpPr>
+        <p:spPr>
+          <a:xfrm>
+            <a:off x="10338799" y="2465433"/>
+            <a:ext cx="340139" cy="768626"/>
+          </a:xfrm>
+          <a:prstGeom prst="upDownArrow">
+            <a:avLst/>
+          </a:prstGeom>
+        </p:spPr>
+        <p:style>
+          <a:lnRef idx="2">
+            <a:schemeClr val="accent1">
+              <a:shade val="15000"/>
+            </a:schemeClr>
+          </a:lnRef>
+          <a:fillRef idx="1">
+            <a:schemeClr val="accent1"/>
+          </a:fillRef>
+          <a:effectRef idx="0">
+            <a:schemeClr val="accent1"/>
+          </a:effectRef>
+          <a:fontRef idx="minor">
+            <a:schemeClr val="lt1"/>
+          </a:fontRef>
+        </p:style>
+        <p:txBody>
+          <a:bodyPr rtlCol="0" anchor="ctr"/>
+          <a:lstStyle/>
+          <a:p>
+            <a:pPr algn="ctr"/>
+            <a:r>
+              <a:rPr lang="en-US" sz="1000" dirty="0">
+                <a:solidFill>
+                  <a:schemeClr val="bg1"/>
+                </a:solidFill>
+              </a:rPr>
+              <a:t>1</a:t>
+            </a:r>
+            <a:endParaRPr lang="en-CA" sz="1000" dirty="0">
+              <a:solidFill>
+                <a:schemeClr val="bg1"/>
+              </a:solidFill>
+            </a:endParaRPr>
+          </a:p>
+        </p:txBody>
+      </p:sp>
+      <p:sp>
+        <p:nvSpPr>
+          <p:cNvPr id="94" name="Arrow: Down 93">
+            <a:extLst>
+              <a:ext uri="{FF2B5EF4-FFF2-40B4-BE49-F238E27FC236}">
+                <a16:creationId xmlns:a16="http://schemas.microsoft.com/office/drawing/2014/main" id="{2B9C3FDD-E935-4F8F-A3B4-D03E1AE89E70}"/>
+              </a:ext>
+            </a:extLst>
+          </p:cNvPr>
+          <p:cNvSpPr/>
+          <p:nvPr/>
+        </p:nvSpPr>
+        <p:spPr>
+          <a:xfrm>
+            <a:off x="10310579" y="3473458"/>
+            <a:ext cx="412386" cy="1493258"/>
+          </a:xfrm>
+          <a:prstGeom prst="downArrow">
+            <a:avLst/>
+          </a:prstGeom>
+        </p:spPr>
+        <p:style>
+          <a:lnRef idx="2">
+            <a:schemeClr val="accent1">
+              <a:shade val="15000"/>
+            </a:schemeClr>
+          </a:lnRef>
+          <a:fillRef idx="1">
+            <a:schemeClr val="accent1"/>
+          </a:fillRef>
+          <a:effectRef idx="0">
+            <a:schemeClr val="accent1"/>
+          </a:effectRef>
+          <a:fontRef idx="minor">
+            <a:schemeClr val="lt1"/>
+          </a:fontRef>
+        </p:style>
+        <p:txBody>
+          <a:bodyPr rtlCol="0" anchor="ctr"/>
+          <a:lstStyle/>
+          <a:p>
+            <a:pPr algn="ctr"/>
+            <a:r>
+              <a:rPr lang="en-US" dirty="0"/>
+              <a:t>1</a:t>
+            </a:r>
+            <a:endParaRPr lang="en-CA" dirty="0"/>
+          </a:p>
+        </p:txBody>
+      </p:sp>
+      <p:sp>
+        <p:nvSpPr>
+          <p:cNvPr id="95" name="Rectangle 94">
+            <a:extLst>
+              <a:ext uri="{FF2B5EF4-FFF2-40B4-BE49-F238E27FC236}">
+                <a16:creationId xmlns:a16="http://schemas.microsoft.com/office/drawing/2014/main" id="{818A4B9F-614C-0A8D-0E5A-11F2715FEFA7}"/>
+              </a:ext>
+            </a:extLst>
+          </p:cNvPr>
+          <p:cNvSpPr/>
+          <p:nvPr/>
+        </p:nvSpPr>
+        <p:spPr>
+          <a:xfrm>
+            <a:off x="4530552" y="1382885"/>
+            <a:ext cx="1598322" cy="371782"/>
+          </a:xfrm>
+          <a:prstGeom prst="rect">
+            <a:avLst/>
+          </a:prstGeom>
+        </p:spPr>
+        <p:style>
+          <a:lnRef idx="2">
+            <a:schemeClr val="accent1">
+              <a:shade val="15000"/>
+            </a:schemeClr>
+          </a:lnRef>
+          <a:fillRef idx="1">
+            <a:schemeClr val="accent1"/>
+          </a:fillRef>
+          <a:effectRef idx="0">
+            <a:schemeClr val="accent1"/>
+          </a:effectRef>
+          <a:fontRef idx="minor">
+            <a:schemeClr val="lt1"/>
+          </a:fontRef>
+        </p:style>
+        <p:txBody>
+          <a:bodyPr rtlCol="0" anchor="ctr"/>
+          <a:lstStyle/>
+          <a:p>
+            <a:pPr algn="ctr"/>
+            <a:r>
+              <a:rPr lang="en-US" sz="700" dirty="0"/>
+              <a:t>Register File Read</a:t>
+            </a:r>
+            <a:endParaRPr lang="en-CA" sz="700" dirty="0"/>
+          </a:p>
+        </p:txBody>
+      </p:sp>
+      <p:sp>
+        <p:nvSpPr>
+          <p:cNvPr id="97" name="TextBox 96">
+            <a:extLst>
+              <a:ext uri="{FF2B5EF4-FFF2-40B4-BE49-F238E27FC236}">
+                <a16:creationId xmlns:a16="http://schemas.microsoft.com/office/drawing/2014/main" id="{5A1A0868-613A-7356-225A-7748D7DD9C03}"/>
+              </a:ext>
+            </a:extLst>
+          </p:cNvPr>
+          <p:cNvSpPr txBox="1"/>
+          <p:nvPr/>
+        </p:nvSpPr>
+        <p:spPr>
+          <a:xfrm>
+            <a:off x="5563456" y="3890196"/>
+            <a:ext cx="1555362" cy="276999"/>
           </a:xfrm>
           <a:prstGeom prst="rect">
             <a:avLst/>
@@ -15183,10 +15977,324 @@
           <a:lstStyle/>
           <a:p>
             <a:r>
-              <a:rPr lang="en-US" sz="800" dirty="0"/>
-              <a:t>Lat: 3</a:t>
-            </a:r>
-            <a:endParaRPr lang="en-CA" sz="800" dirty="0"/>
+              <a:rPr lang="en-US" sz="1200" dirty="0"/>
+              <a:t>Reservation Stations</a:t>
+            </a:r>
+            <a:endParaRPr lang="en-CA" sz="1200" dirty="0"/>
+          </a:p>
+        </p:txBody>
+      </p:sp>
+      <p:cxnSp>
+        <p:nvCxnSpPr>
+          <p:cNvPr id="99" name="Straight Arrow Connector 98">
+            <a:extLst>
+              <a:ext uri="{FF2B5EF4-FFF2-40B4-BE49-F238E27FC236}">
+                <a16:creationId xmlns:a16="http://schemas.microsoft.com/office/drawing/2014/main" id="{41F93285-5143-E06F-5514-FC1C3854AE4E}"/>
+              </a:ext>
+            </a:extLst>
+          </p:cNvPr>
+          <p:cNvCxnSpPr/>
+          <p:nvPr/>
+        </p:nvCxnSpPr>
+        <p:spPr>
+          <a:xfrm flipV="1">
+            <a:off x="6547437" y="3517218"/>
+            <a:ext cx="138625" cy="342181"/>
+          </a:xfrm>
+          <a:prstGeom prst="straightConnector1">
+            <a:avLst/>
+          </a:prstGeom>
+          <a:ln>
+            <a:tailEnd type="triangle"/>
+          </a:ln>
+        </p:spPr>
+        <p:style>
+          <a:lnRef idx="2">
+            <a:schemeClr val="accent1"/>
+          </a:lnRef>
+          <a:fillRef idx="0">
+            <a:schemeClr val="accent1"/>
+          </a:fillRef>
+          <a:effectRef idx="1">
+            <a:schemeClr val="accent1"/>
+          </a:effectRef>
+          <a:fontRef idx="minor">
+            <a:schemeClr val="tx1"/>
+          </a:fontRef>
+        </p:style>
+      </p:cxnSp>
+      <p:cxnSp>
+        <p:nvCxnSpPr>
+          <p:cNvPr id="101" name="Straight Arrow Connector 100">
+            <a:extLst>
+              <a:ext uri="{FF2B5EF4-FFF2-40B4-BE49-F238E27FC236}">
+                <a16:creationId xmlns:a16="http://schemas.microsoft.com/office/drawing/2014/main" id="{B342B8BB-585D-7B3C-4B3B-56191BF22736}"/>
+              </a:ext>
+            </a:extLst>
+          </p:cNvPr>
+          <p:cNvCxnSpPr/>
+          <p:nvPr/>
+        </p:nvCxnSpPr>
+        <p:spPr>
+          <a:xfrm flipV="1">
+            <a:off x="6833704" y="3538830"/>
+            <a:ext cx="371061" cy="320569"/>
+          </a:xfrm>
+          <a:prstGeom prst="straightConnector1">
+            <a:avLst/>
+          </a:prstGeom>
+          <a:ln>
+            <a:tailEnd type="triangle"/>
+          </a:ln>
+        </p:spPr>
+        <p:style>
+          <a:lnRef idx="2">
+            <a:schemeClr val="accent1"/>
+          </a:lnRef>
+          <a:fillRef idx="0">
+            <a:schemeClr val="accent1"/>
+          </a:fillRef>
+          <a:effectRef idx="1">
+            <a:schemeClr val="accent1"/>
+          </a:effectRef>
+          <a:fontRef idx="minor">
+            <a:schemeClr val="tx1"/>
+          </a:fontRef>
+        </p:style>
+      </p:cxnSp>
+      <p:cxnSp>
+        <p:nvCxnSpPr>
+          <p:cNvPr id="103" name="Straight Arrow Connector 102">
+            <a:extLst>
+              <a:ext uri="{FF2B5EF4-FFF2-40B4-BE49-F238E27FC236}">
+                <a16:creationId xmlns:a16="http://schemas.microsoft.com/office/drawing/2014/main" id="{8C788CD4-DE31-AEDD-1B6C-A0EE6B0EEA7A}"/>
+              </a:ext>
+            </a:extLst>
+          </p:cNvPr>
+          <p:cNvCxnSpPr/>
+          <p:nvPr/>
+        </p:nvCxnSpPr>
+        <p:spPr>
+          <a:xfrm flipV="1">
+            <a:off x="6179930" y="3538830"/>
+            <a:ext cx="0" cy="320569"/>
+          </a:xfrm>
+          <a:prstGeom prst="straightConnector1">
+            <a:avLst/>
+          </a:prstGeom>
+          <a:ln>
+            <a:tailEnd type="triangle"/>
+          </a:ln>
+        </p:spPr>
+        <p:style>
+          <a:lnRef idx="2">
+            <a:schemeClr val="accent1"/>
+          </a:lnRef>
+          <a:fillRef idx="0">
+            <a:schemeClr val="accent1"/>
+          </a:fillRef>
+          <a:effectRef idx="1">
+            <a:schemeClr val="accent1"/>
+          </a:effectRef>
+          <a:fontRef idx="minor">
+            <a:schemeClr val="tx1"/>
+          </a:fontRef>
+        </p:style>
+      </p:cxnSp>
+      <p:cxnSp>
+        <p:nvCxnSpPr>
+          <p:cNvPr id="105" name="Straight Arrow Connector 104">
+            <a:extLst>
+              <a:ext uri="{FF2B5EF4-FFF2-40B4-BE49-F238E27FC236}">
+                <a16:creationId xmlns:a16="http://schemas.microsoft.com/office/drawing/2014/main" id="{A961A69D-8F94-0A24-1763-92B5BC676AF9}"/>
+              </a:ext>
+            </a:extLst>
+          </p:cNvPr>
+          <p:cNvCxnSpPr/>
+          <p:nvPr/>
+        </p:nvCxnSpPr>
+        <p:spPr>
+          <a:xfrm flipH="1" flipV="1">
+            <a:off x="5592332" y="3502640"/>
+            <a:ext cx="236000" cy="400874"/>
+          </a:xfrm>
+          <a:prstGeom prst="straightConnector1">
+            <a:avLst/>
+          </a:prstGeom>
+          <a:ln>
+            <a:tailEnd type="triangle"/>
+          </a:ln>
+        </p:spPr>
+        <p:style>
+          <a:lnRef idx="2">
+            <a:schemeClr val="accent1"/>
+          </a:lnRef>
+          <a:fillRef idx="0">
+            <a:schemeClr val="accent1"/>
+          </a:fillRef>
+          <a:effectRef idx="1">
+            <a:schemeClr val="accent1"/>
+          </a:effectRef>
+          <a:fontRef idx="minor">
+            <a:schemeClr val="tx1"/>
+          </a:fontRef>
+        </p:style>
+      </p:cxnSp>
+      <p:sp>
+        <p:nvSpPr>
+          <p:cNvPr id="106" name="Rectangle 105">
+            <a:extLst>
+              <a:ext uri="{FF2B5EF4-FFF2-40B4-BE49-F238E27FC236}">
+                <a16:creationId xmlns:a16="http://schemas.microsoft.com/office/drawing/2014/main" id="{70368FDF-06CC-5DB3-E45A-CFB9D5FE4C3F}"/>
+              </a:ext>
+            </a:extLst>
+          </p:cNvPr>
+          <p:cNvSpPr/>
+          <p:nvPr/>
+        </p:nvSpPr>
+        <p:spPr>
+          <a:xfrm>
+            <a:off x="10911485" y="3248470"/>
+            <a:ext cx="720000" cy="532936"/>
+          </a:xfrm>
+          <a:prstGeom prst="rect">
+            <a:avLst/>
+          </a:prstGeom>
+        </p:spPr>
+        <p:style>
+          <a:lnRef idx="2">
+            <a:schemeClr val="accent1">
+              <a:shade val="15000"/>
+            </a:schemeClr>
+          </a:lnRef>
+          <a:fillRef idx="1">
+            <a:schemeClr val="accent1"/>
+          </a:fillRef>
+          <a:effectRef idx="0">
+            <a:schemeClr val="accent1"/>
+          </a:effectRef>
+          <a:fontRef idx="minor">
+            <a:schemeClr val="lt1"/>
+          </a:fontRef>
+        </p:style>
+        <p:txBody>
+          <a:bodyPr rtlCol="0" anchor="ctr"/>
+          <a:lstStyle/>
+          <a:p>
+            <a:pPr algn="ctr"/>
+            <a:r>
+              <a:rPr lang="en-US" sz="700" dirty="0"/>
+              <a:t>Graphics</a:t>
+            </a:r>
+            <a:endParaRPr lang="en-CA" sz="700" dirty="0"/>
+          </a:p>
+        </p:txBody>
+      </p:sp>
+      <p:sp>
+        <p:nvSpPr>
+          <p:cNvPr id="107" name="Arrow: Up-Down 106">
+            <a:extLst>
+              <a:ext uri="{FF2B5EF4-FFF2-40B4-BE49-F238E27FC236}">
+                <a16:creationId xmlns:a16="http://schemas.microsoft.com/office/drawing/2014/main" id="{0B3BB0DD-364C-9C0A-D374-2C3A40385486}"/>
+              </a:ext>
+            </a:extLst>
+          </p:cNvPr>
+          <p:cNvSpPr/>
+          <p:nvPr/>
+        </p:nvSpPr>
+        <p:spPr>
+          <a:xfrm>
+            <a:off x="11103124" y="2468703"/>
+            <a:ext cx="340139" cy="768626"/>
+          </a:xfrm>
+          <a:prstGeom prst="upDownArrow">
+            <a:avLst/>
+          </a:prstGeom>
+        </p:spPr>
+        <p:style>
+          <a:lnRef idx="2">
+            <a:schemeClr val="accent1">
+              <a:shade val="15000"/>
+            </a:schemeClr>
+          </a:lnRef>
+          <a:fillRef idx="1">
+            <a:schemeClr val="accent1"/>
+          </a:fillRef>
+          <a:effectRef idx="0">
+            <a:schemeClr val="accent1"/>
+          </a:effectRef>
+          <a:fontRef idx="minor">
+            <a:schemeClr val="lt1"/>
+          </a:fontRef>
+        </p:style>
+        <p:txBody>
+          <a:bodyPr rtlCol="0" anchor="ctr"/>
+          <a:lstStyle/>
+          <a:p>
+            <a:pPr algn="ctr"/>
+            <a:r>
+              <a:rPr lang="en-US" sz="1000" dirty="0">
+                <a:solidFill>
+                  <a:schemeClr val="bg1"/>
+                </a:solidFill>
+              </a:rPr>
+              <a:t>3</a:t>
+            </a:r>
+            <a:endParaRPr lang="en-CA" sz="1000" dirty="0">
+              <a:solidFill>
+                <a:schemeClr val="bg1"/>
+              </a:solidFill>
+            </a:endParaRPr>
+          </a:p>
+        </p:txBody>
+      </p:sp>
+      <p:sp>
+        <p:nvSpPr>
+          <p:cNvPr id="109" name="Arrow: Down 108">
+            <a:extLst>
+              <a:ext uri="{FF2B5EF4-FFF2-40B4-BE49-F238E27FC236}">
+                <a16:creationId xmlns:a16="http://schemas.microsoft.com/office/drawing/2014/main" id="{6FBE0B35-0304-3DC6-3097-3C12B2CB2125}"/>
+              </a:ext>
+            </a:extLst>
+          </p:cNvPr>
+          <p:cNvSpPr/>
+          <p:nvPr/>
+        </p:nvSpPr>
+        <p:spPr>
+          <a:xfrm>
+            <a:off x="11090928" y="3771856"/>
+            <a:ext cx="412386" cy="1194919"/>
+          </a:xfrm>
+          <a:prstGeom prst="downArrow">
+            <a:avLst/>
+          </a:prstGeom>
+        </p:spPr>
+        <p:style>
+          <a:lnRef idx="2">
+            <a:schemeClr val="accent1">
+              <a:shade val="15000"/>
+            </a:schemeClr>
+          </a:lnRef>
+          <a:fillRef idx="1">
+            <a:schemeClr val="accent1"/>
+          </a:fillRef>
+          <a:effectRef idx="0">
+            <a:schemeClr val="accent1"/>
+          </a:effectRef>
+          <a:fontRef idx="minor">
+            <a:schemeClr val="lt1"/>
+          </a:fontRef>
+        </p:style>
+        <p:txBody>
+          <a:bodyPr rtlCol="0" anchor="ctr"/>
+          <a:lstStyle/>
+          <a:p>
+            <a:pPr algn="ctr"/>
+            <a:r>
+              <a:rPr lang="en-US" dirty="0"/>
+              <a:t>1</a:t>
+            </a:r>
+            <a:endParaRPr lang="en-CA" dirty="0"/>
           </a:p>
         </p:txBody>
       </p:sp>

--- a/rtl/cpu_v4/doc/Qupls2026.pptx
+++ b/rtl/cpu_v4/doc/Qupls2026.pptx
@@ -11,6 +11,8 @@
     <p:sldId id="259" r:id="rId5"/>
     <p:sldId id="260" r:id="rId6"/>
     <p:sldId id="256" r:id="rId7"/>
+    <p:sldId id="262" r:id="rId8"/>
+    <p:sldId id="263" r:id="rId9"/>
   </p:sldIdLst>
   <p:sldSz cx="12192000" cy="6858000"/>
   <p:notesSz cx="6858000" cy="9144000"/>
@@ -120,7 +122,7 @@
 <file path=ppt/revisionInfo.xml><?xml version="1.0" encoding="utf-8"?>
 <p1510:revInfo xmlns:a="http://schemas.openxmlformats.org/drawingml/2006/main" xmlns:r="http://schemas.openxmlformats.org/officeDocument/2006/relationships" xmlns:p1510="http://schemas.microsoft.com/office/powerpoint/2015/10/main">
   <p1510:revLst>
-    <p1510:client id="{9F23FD1A-625A-4B31-93FB-D8E8B8CAA265}" v="18" dt="2025-11-14T01:25:32.256"/>
+    <p1510:client id="{9F23FD1A-625A-4B31-93FB-D8E8B8CAA265}" v="39" dt="2025-11-17T01:32:57.351"/>
   </p1510:revLst>
 </p1510:revInfo>
 </file>
@@ -129,13 +131,13 @@
 <pc:chgInfo xmlns:a="http://schemas.openxmlformats.org/drawingml/2006/main" xmlns:r="http://schemas.openxmlformats.org/officeDocument/2006/relationships" xmlns:ac="http://schemas.microsoft.com/office/drawing/2013/main/command" xmlns:pc="http://schemas.microsoft.com/office/powerpoint/2013/main/command">
   <pc:docChgLst>
     <pc:chgData name="Robert Finch" userId="360118edfabb5ba6" providerId="LiveId" clId="{940D50E2-FEDC-434C-83CF-A13052851249}"/>
-    <pc:docChg chg="custSel modSld">
-      <pc:chgData name="Robert Finch" userId="360118edfabb5ba6" providerId="LiveId" clId="{940D50E2-FEDC-434C-83CF-A13052851249}" dt="2025-11-14T01:28:59.458" v="1413" actId="478"/>
+    <pc:docChg chg="undo custSel addSld modSld sldOrd">
+      <pc:chgData name="Robert Finch" userId="360118edfabb5ba6" providerId="LiveId" clId="{940D50E2-FEDC-434C-83CF-A13052851249}" dt="2025-11-17T01:36:05.872" v="2736" actId="1076"/>
       <pc:docMkLst>
         <pc:docMk/>
       </pc:docMkLst>
       <pc:sldChg chg="addSp delSp modSp mod">
-        <pc:chgData name="Robert Finch" userId="360118edfabb5ba6" providerId="LiveId" clId="{940D50E2-FEDC-434C-83CF-A13052851249}" dt="2025-11-14T01:28:59.458" v="1413" actId="478"/>
+        <pc:chgData name="Robert Finch" userId="360118edfabb5ba6" providerId="LiveId" clId="{940D50E2-FEDC-434C-83CF-A13052851249}" dt="2025-11-17T01:36:05.872" v="2736" actId="1076"/>
         <pc:sldMkLst>
           <pc:docMk/>
           <pc:sldMk cId="3493996368" sldId="256"/>
@@ -221,7 +223,7 @@
           </ac:spMkLst>
         </pc:spChg>
         <pc:spChg chg="mod">
-          <ac:chgData name="Robert Finch" userId="360118edfabb5ba6" providerId="LiveId" clId="{940D50E2-FEDC-434C-83CF-A13052851249}" dt="2025-11-13T20:33:00.187" v="566" actId="14100"/>
+          <ac:chgData name="Robert Finch" userId="360118edfabb5ba6" providerId="LiveId" clId="{940D50E2-FEDC-434C-83CF-A13052851249}" dt="2025-11-14T08:45:22.971" v="1425" actId="1076"/>
           <ac:spMkLst>
             <pc:docMk/>
             <pc:sldMk cId="3493996368" sldId="256"/>
@@ -285,7 +287,7 @@
           </ac:spMkLst>
         </pc:spChg>
         <pc:spChg chg="mod">
-          <ac:chgData name="Robert Finch" userId="360118edfabb5ba6" providerId="LiveId" clId="{940D50E2-FEDC-434C-83CF-A13052851249}" dt="2025-11-14T01:28:01.870" v="1403" actId="14100"/>
+          <ac:chgData name="Robert Finch" userId="360118edfabb5ba6" providerId="LiveId" clId="{940D50E2-FEDC-434C-83CF-A13052851249}" dt="2025-11-17T01:31:50.863" v="2703" actId="14100"/>
           <ac:spMkLst>
             <pc:docMk/>
             <pc:sldMk cId="3493996368" sldId="256"/>
@@ -300,24 +302,16 @@
             <ac:spMk id="21" creationId="{68E9CFA1-3825-4851-2C50-2193AC6FE028}"/>
           </ac:spMkLst>
         </pc:spChg>
-        <pc:spChg chg="add del mod">
-          <ac:chgData name="Robert Finch" userId="360118edfabb5ba6" providerId="LiveId" clId="{940D50E2-FEDC-434C-83CF-A13052851249}" dt="2025-11-13T19:37:46.361" v="546" actId="478"/>
+        <pc:spChg chg="add mod">
+          <ac:chgData name="Robert Finch" userId="360118edfabb5ba6" providerId="LiveId" clId="{940D50E2-FEDC-434C-83CF-A13052851249}" dt="2025-11-17T01:32:34.733" v="2723" actId="14100"/>
           <ac:spMkLst>
             <pc:docMk/>
             <pc:sldMk cId="3493996368" sldId="256"/>
-            <ac:spMk id="22" creationId="{DEB9AF29-085E-F15A-1605-E15C310A7FF5}"/>
-          </ac:spMkLst>
-        </pc:spChg>
-        <pc:spChg chg="add del mod">
-          <ac:chgData name="Robert Finch" userId="360118edfabb5ba6" providerId="LiveId" clId="{940D50E2-FEDC-434C-83CF-A13052851249}" dt="2025-11-13T19:38:04.959" v="551" actId="478"/>
-          <ac:spMkLst>
-            <pc:docMk/>
-            <pc:sldMk cId="3493996368" sldId="256"/>
-            <ac:spMk id="23" creationId="{CDA6B063-E6AB-F989-D97D-8B6414B10A0D}"/>
+            <ac:spMk id="23" creationId="{6B522A12-A492-6A1C-4438-ABFA464B5CC0}"/>
           </ac:spMkLst>
         </pc:spChg>
         <pc:spChg chg="add mod">
-          <ac:chgData name="Robert Finch" userId="360118edfabb5ba6" providerId="LiveId" clId="{940D50E2-FEDC-434C-83CF-A13052851249}" dt="2025-11-13T21:01:54.888" v="988" actId="14100"/>
+          <ac:chgData name="Robert Finch" userId="360118edfabb5ba6" providerId="LiveId" clId="{940D50E2-FEDC-434C-83CF-A13052851249}" dt="2025-11-17T01:30:57.260" v="2692" actId="14100"/>
           <ac:spMkLst>
             <pc:docMk/>
             <pc:sldMk cId="3493996368" sldId="256"/>
@@ -325,23 +319,23 @@
           </ac:spMkLst>
         </pc:spChg>
         <pc:spChg chg="add mod">
-          <ac:chgData name="Robert Finch" userId="360118edfabb5ba6" providerId="LiveId" clId="{940D50E2-FEDC-434C-83CF-A13052851249}" dt="2025-11-13T20:43:33.981" v="685" actId="207"/>
+          <ac:chgData name="Robert Finch" userId="360118edfabb5ba6" providerId="LiveId" clId="{940D50E2-FEDC-434C-83CF-A13052851249}" dt="2025-11-17T01:31:04.638" v="2694" actId="1076"/>
           <ac:spMkLst>
             <pc:docMk/>
             <pc:sldMk cId="3493996368" sldId="256"/>
             <ac:spMk id="25" creationId="{DB92EDD2-6E78-2318-1091-5B24DD3F35EA}"/>
           </ac:spMkLst>
         </pc:spChg>
-        <pc:spChg chg="add del mod">
-          <ac:chgData name="Robert Finch" userId="360118edfabb5ba6" providerId="LiveId" clId="{940D50E2-FEDC-434C-83CF-A13052851249}" dt="2025-11-14T01:28:59.458" v="1413" actId="478"/>
+        <pc:spChg chg="add mod">
+          <ac:chgData name="Robert Finch" userId="360118edfabb5ba6" providerId="LiveId" clId="{940D50E2-FEDC-434C-83CF-A13052851249}" dt="2025-11-17T01:32:44.489" v="2726" actId="20577"/>
           <ac:spMkLst>
             <pc:docMk/>
             <pc:sldMk cId="3493996368" sldId="256"/>
-            <ac:spMk id="26" creationId="{16554F76-E6D8-DCEF-D6D4-2956E00C9F32}"/>
+            <ac:spMk id="26" creationId="{FB420181-00EB-476F-E8E1-511C1E684828}"/>
           </ac:spMkLst>
         </pc:spChg>
         <pc:spChg chg="add mod">
-          <ac:chgData name="Robert Finch" userId="360118edfabb5ba6" providerId="LiveId" clId="{940D50E2-FEDC-434C-83CF-A13052851249}" dt="2025-11-13T21:01:51.880" v="987" actId="14100"/>
+          <ac:chgData name="Robert Finch" userId="360118edfabb5ba6" providerId="LiveId" clId="{940D50E2-FEDC-434C-83CF-A13052851249}" dt="2025-11-17T01:31:01.999" v="2693" actId="1076"/>
           <ac:spMkLst>
             <pc:docMk/>
             <pc:sldMk cId="3493996368" sldId="256"/>
@@ -349,6 +343,14 @@
           </ac:spMkLst>
         </pc:spChg>
         <pc:spChg chg="add mod">
+          <ac:chgData name="Robert Finch" userId="360118edfabb5ba6" providerId="LiveId" clId="{940D50E2-FEDC-434C-83CF-A13052851249}" dt="2025-11-17T01:32:56.146" v="2728" actId="1076"/>
+          <ac:spMkLst>
+            <pc:docMk/>
+            <pc:sldMk cId="3493996368" sldId="256"/>
+            <ac:spMk id="28" creationId="{11D3DA34-9AD0-64AB-B290-A53E3F8CB104}"/>
+          </ac:spMkLst>
+        </pc:spChg>
+        <pc:spChg chg="add mod">
           <ac:chgData name="Robert Finch" userId="360118edfabb5ba6" providerId="LiveId" clId="{940D50E2-FEDC-434C-83CF-A13052851249}" dt="2025-11-13T21:04:28.807" v="1019" actId="1076"/>
           <ac:spMkLst>
             <pc:docMk/>
@@ -365,7 +367,7 @@
           </ac:spMkLst>
         </pc:spChg>
         <pc:spChg chg="add mod">
-          <ac:chgData name="Robert Finch" userId="360118edfabb5ba6" providerId="LiveId" clId="{940D50E2-FEDC-434C-83CF-A13052851249}" dt="2025-11-13T21:06:58.839" v="1108" actId="20577"/>
+          <ac:chgData name="Robert Finch" userId="360118edfabb5ba6" providerId="LiveId" clId="{940D50E2-FEDC-434C-83CF-A13052851249}" dt="2025-11-14T22:13:36.104" v="1512" actId="1076"/>
           <ac:spMkLst>
             <pc:docMk/>
             <pc:sldMk cId="3493996368" sldId="256"/>
@@ -373,7 +375,7 @@
           </ac:spMkLst>
         </pc:spChg>
         <pc:spChg chg="add mod">
-          <ac:chgData name="Robert Finch" userId="360118edfabb5ba6" providerId="LiveId" clId="{940D50E2-FEDC-434C-83CF-A13052851249}" dt="2025-11-13T21:00:02.296" v="967" actId="20577"/>
+          <ac:chgData name="Robert Finch" userId="360118edfabb5ba6" providerId="LiveId" clId="{940D50E2-FEDC-434C-83CF-A13052851249}" dt="2025-11-17T01:31:13.314" v="2696" actId="1076"/>
           <ac:spMkLst>
             <pc:docMk/>
             <pc:sldMk cId="3493996368" sldId="256"/>
@@ -381,7 +383,7 @@
           </ac:spMkLst>
         </pc:spChg>
         <pc:spChg chg="mod">
-          <ac:chgData name="Robert Finch" userId="360118edfabb5ba6" providerId="LiveId" clId="{940D50E2-FEDC-434C-83CF-A13052851249}" dt="2025-11-14T01:24:52.360" v="1389" actId="14100"/>
+          <ac:chgData name="Robert Finch" userId="360118edfabb5ba6" providerId="LiveId" clId="{940D50E2-FEDC-434C-83CF-A13052851249}" dt="2025-11-17T01:33:06.629" v="2731" actId="14100"/>
           <ac:spMkLst>
             <pc:docMk/>
             <pc:sldMk cId="3493996368" sldId="256"/>
@@ -389,7 +391,7 @@
           </ac:spMkLst>
         </pc:spChg>
         <pc:spChg chg="mod">
-          <ac:chgData name="Robert Finch" userId="360118edfabb5ba6" providerId="LiveId" clId="{940D50E2-FEDC-434C-83CF-A13052851249}" dt="2025-11-13T20:52:48.499" v="829" actId="207"/>
+          <ac:chgData name="Robert Finch" userId="360118edfabb5ba6" providerId="LiveId" clId="{940D50E2-FEDC-434C-83CF-A13052851249}" dt="2025-11-14T08:43:27.249" v="1414" actId="20577"/>
           <ac:spMkLst>
             <pc:docMk/>
             <pc:sldMk cId="3493996368" sldId="256"/>
@@ -397,7 +399,7 @@
           </ac:spMkLst>
         </pc:spChg>
         <pc:spChg chg="mod">
-          <ac:chgData name="Robert Finch" userId="360118edfabb5ba6" providerId="LiveId" clId="{940D50E2-FEDC-434C-83CF-A13052851249}" dt="2025-11-13T20:33:36.700" v="572" actId="1076"/>
+          <ac:chgData name="Robert Finch" userId="360118edfabb5ba6" providerId="LiveId" clId="{940D50E2-FEDC-434C-83CF-A13052851249}" dt="2025-11-14T08:44:27.371" v="1416" actId="20577"/>
           <ac:spMkLst>
             <pc:docMk/>
             <pc:sldMk cId="3493996368" sldId="256"/>
@@ -500,112 +502,16 @@
             <ac:spMk id="47" creationId="{20481544-3335-7F85-90A9-B756AF2C6056}"/>
           </ac:spMkLst>
         </pc:spChg>
-        <pc:spChg chg="del mod">
-          <ac:chgData name="Robert Finch" userId="360118edfabb5ba6" providerId="LiveId" clId="{940D50E2-FEDC-434C-83CF-A13052851249}" dt="2025-11-14T01:23:38.490" v="1378" actId="478"/>
+        <pc:spChg chg="add mod">
+          <ac:chgData name="Robert Finch" userId="360118edfabb5ba6" providerId="LiveId" clId="{940D50E2-FEDC-434C-83CF-A13052851249}" dt="2025-11-17T01:33:02.208" v="2730" actId="1076"/>
           <ac:spMkLst>
             <pc:docMk/>
             <pc:sldMk cId="3493996368" sldId="256"/>
-            <ac:spMk id="48" creationId="{B13DF42F-A06D-DCDF-7F17-0E6266147524}"/>
-          </ac:spMkLst>
-        </pc:spChg>
-        <pc:spChg chg="del mod">
-          <ac:chgData name="Robert Finch" userId="360118edfabb5ba6" providerId="LiveId" clId="{940D50E2-FEDC-434C-83CF-A13052851249}" dt="2025-11-14T01:23:32.908" v="1377" actId="478"/>
-          <ac:spMkLst>
-            <pc:docMk/>
-            <pc:sldMk cId="3493996368" sldId="256"/>
-            <ac:spMk id="49" creationId="{B800D8EE-6D86-FC07-EA21-3B2BE4A7E948}"/>
-          </ac:spMkLst>
-        </pc:spChg>
-        <pc:spChg chg="del mod">
-          <ac:chgData name="Robert Finch" userId="360118edfabb5ba6" providerId="LiveId" clId="{940D50E2-FEDC-434C-83CF-A13052851249}" dt="2025-11-14T01:23:26.284" v="1376" actId="478"/>
-          <ac:spMkLst>
-            <pc:docMk/>
-            <pc:sldMk cId="3493996368" sldId="256"/>
-            <ac:spMk id="50" creationId="{743D540C-1B32-3351-CC8C-F7BFA22A1DE1}"/>
-          </ac:spMkLst>
-        </pc:spChg>
-        <pc:spChg chg="del mod">
-          <ac:chgData name="Robert Finch" userId="360118edfabb5ba6" providerId="LiveId" clId="{940D50E2-FEDC-434C-83CF-A13052851249}" dt="2025-11-14T01:23:20.530" v="1375" actId="478"/>
-          <ac:spMkLst>
-            <pc:docMk/>
-            <pc:sldMk cId="3493996368" sldId="256"/>
-            <ac:spMk id="51" creationId="{32FE1D91-ECA3-A6D3-32FE-F1EC7BAE8F3E}"/>
-          </ac:spMkLst>
-        </pc:spChg>
-        <pc:spChg chg="del mod">
-          <ac:chgData name="Robert Finch" userId="360118edfabb5ba6" providerId="LiveId" clId="{940D50E2-FEDC-434C-83CF-A13052851249}" dt="2025-11-14T01:23:13.762" v="1374" actId="478"/>
-          <ac:spMkLst>
-            <pc:docMk/>
-            <pc:sldMk cId="3493996368" sldId="256"/>
-            <ac:spMk id="52" creationId="{9160541E-7B15-45F9-FAEA-FF9A5FABD7D2}"/>
-          </ac:spMkLst>
-        </pc:spChg>
-        <pc:spChg chg="del mod">
-          <ac:chgData name="Robert Finch" userId="360118edfabb5ba6" providerId="LiveId" clId="{940D50E2-FEDC-434C-83CF-A13052851249}" dt="2025-11-14T01:28:08.369" v="1404" actId="478"/>
-          <ac:spMkLst>
-            <pc:docMk/>
-            <pc:sldMk cId="3493996368" sldId="256"/>
-            <ac:spMk id="53" creationId="{61685939-693A-D425-2639-3E3970A99F7B}"/>
-          </ac:spMkLst>
-        </pc:spChg>
-        <pc:spChg chg="del mod">
-          <ac:chgData name="Robert Finch" userId="360118edfabb5ba6" providerId="LiveId" clId="{940D50E2-FEDC-434C-83CF-A13052851249}" dt="2025-11-14T01:28:13.810" v="1405" actId="478"/>
-          <ac:spMkLst>
-            <pc:docMk/>
-            <pc:sldMk cId="3493996368" sldId="256"/>
-            <ac:spMk id="54" creationId="{E038DB82-1AA8-799F-103E-E0E1287C9763}"/>
-          </ac:spMkLst>
-        </pc:spChg>
-        <pc:spChg chg="del mod">
-          <ac:chgData name="Robert Finch" userId="360118edfabb5ba6" providerId="LiveId" clId="{940D50E2-FEDC-434C-83CF-A13052851249}" dt="2025-11-14T01:28:22.234" v="1406" actId="478"/>
-          <ac:spMkLst>
-            <pc:docMk/>
-            <pc:sldMk cId="3493996368" sldId="256"/>
-            <ac:spMk id="55" creationId="{E7A122CF-076B-B8B1-F8F8-4D44D7DF7062}"/>
-          </ac:spMkLst>
-        </pc:spChg>
-        <pc:spChg chg="del mod">
-          <ac:chgData name="Robert Finch" userId="360118edfabb5ba6" providerId="LiveId" clId="{940D50E2-FEDC-434C-83CF-A13052851249}" dt="2025-11-14T01:28:26.937" v="1407" actId="478"/>
-          <ac:spMkLst>
-            <pc:docMk/>
-            <pc:sldMk cId="3493996368" sldId="256"/>
-            <ac:spMk id="56" creationId="{2D15EF25-89B5-2260-ACC1-EAF1835AA25C}"/>
-          </ac:spMkLst>
-        </pc:spChg>
-        <pc:spChg chg="del mod">
-          <ac:chgData name="Robert Finch" userId="360118edfabb5ba6" providerId="LiveId" clId="{940D50E2-FEDC-434C-83CF-A13052851249}" dt="2025-11-14T01:28:32.991" v="1408" actId="478"/>
-          <ac:spMkLst>
-            <pc:docMk/>
-            <pc:sldMk cId="3493996368" sldId="256"/>
-            <ac:spMk id="57" creationId="{FD69B9FF-EB44-C279-CBA7-C583125B1D04}"/>
-          </ac:spMkLst>
-        </pc:spChg>
-        <pc:spChg chg="del mod">
-          <ac:chgData name="Robert Finch" userId="360118edfabb5ba6" providerId="LiveId" clId="{940D50E2-FEDC-434C-83CF-A13052851249}" dt="2025-11-14T01:28:39.625" v="1409" actId="478"/>
-          <ac:spMkLst>
-            <pc:docMk/>
-            <pc:sldMk cId="3493996368" sldId="256"/>
-            <ac:spMk id="58" creationId="{A7372E57-601E-85C8-6FA9-1A8C6C2D7977}"/>
-          </ac:spMkLst>
-        </pc:spChg>
-        <pc:spChg chg="del mod">
-          <ac:chgData name="Robert Finch" userId="360118edfabb5ba6" providerId="LiveId" clId="{940D50E2-FEDC-434C-83CF-A13052851249}" dt="2025-11-14T01:28:43.673" v="1410" actId="478"/>
-          <ac:spMkLst>
-            <pc:docMk/>
-            <pc:sldMk cId="3493996368" sldId="256"/>
-            <ac:spMk id="59" creationId="{E5E91CDA-12B9-49E3-151D-6F2D75009B7D}"/>
-          </ac:spMkLst>
-        </pc:spChg>
-        <pc:spChg chg="del">
-          <ac:chgData name="Robert Finch" userId="360118edfabb5ba6" providerId="LiveId" clId="{940D50E2-FEDC-434C-83CF-A13052851249}" dt="2025-11-13T20:52:37.336" v="828" actId="478"/>
-          <ac:spMkLst>
-            <pc:docMk/>
-            <pc:sldMk cId="3493996368" sldId="256"/>
-            <ac:spMk id="60" creationId="{FF18EFD7-00EC-569A-1C7C-99735328C1E0}"/>
+            <ac:spMk id="48" creationId="{93F6DCD7-0DCD-999B-1D94-DD1C827A5C8D}"/>
           </ac:spMkLst>
         </pc:spChg>
         <pc:spChg chg="mod">
-          <ac:chgData name="Robert Finch" userId="360118edfabb5ba6" providerId="LiveId" clId="{940D50E2-FEDC-434C-83CF-A13052851249}" dt="2025-11-13T20:33:03.364" v="567" actId="1076"/>
+          <ac:chgData name="Robert Finch" userId="360118edfabb5ba6" providerId="LiveId" clId="{940D50E2-FEDC-434C-83CF-A13052851249}" dt="2025-11-14T22:11:58.300" v="1442" actId="20577"/>
           <ac:spMkLst>
             <pc:docMk/>
             <pc:sldMk cId="3493996368" sldId="256"/>
@@ -685,7 +591,7 @@
           </ac:spMkLst>
         </pc:spChg>
         <pc:spChg chg="mod">
-          <ac:chgData name="Robert Finch" userId="360118edfabb5ba6" providerId="LiveId" clId="{940D50E2-FEDC-434C-83CF-A13052851249}" dt="2025-11-14T01:27:09.985" v="1402" actId="20577"/>
+          <ac:chgData name="Robert Finch" userId="360118edfabb5ba6" providerId="LiveId" clId="{940D50E2-FEDC-434C-83CF-A13052851249}" dt="2025-11-17T01:31:58.325" v="2704" actId="14100"/>
           <ac:spMkLst>
             <pc:docMk/>
             <pc:sldMk cId="3493996368" sldId="256"/>
@@ -693,7 +599,7 @@
           </ac:spMkLst>
         </pc:spChg>
         <pc:spChg chg="mod">
-          <ac:chgData name="Robert Finch" userId="360118edfabb5ba6" providerId="LiveId" clId="{940D50E2-FEDC-434C-83CF-A13052851249}" dt="2025-11-14T01:25:29.335" v="1396" actId="14100"/>
+          <ac:chgData name="Robert Finch" userId="360118edfabb5ba6" providerId="LiveId" clId="{940D50E2-FEDC-434C-83CF-A13052851249}" dt="2025-11-17T01:34:27.290" v="2733" actId="20577"/>
           <ac:spMkLst>
             <pc:docMk/>
             <pc:sldMk cId="3493996368" sldId="256"/>
@@ -701,15 +607,31 @@
           </ac:spMkLst>
         </pc:spChg>
         <pc:spChg chg="mod">
-          <ac:chgData name="Robert Finch" userId="360118edfabb5ba6" providerId="LiveId" clId="{940D50E2-FEDC-434C-83CF-A13052851249}" dt="2025-11-09T01:43:28.188" v="440" actId="20577"/>
+          <ac:chgData name="Robert Finch" userId="360118edfabb5ba6" providerId="LiveId" clId="{940D50E2-FEDC-434C-83CF-A13052851249}" dt="2025-11-17T01:36:05.872" v="2736" actId="1076"/>
+          <ac:spMkLst>
+            <pc:docMk/>
+            <pc:sldMk cId="3493996368" sldId="256"/>
+            <ac:spMk id="73" creationId="{9591EC54-63D4-66BF-6A61-348EBA5DF458}"/>
+          </ac:spMkLst>
+        </pc:spChg>
+        <pc:spChg chg="mod">
+          <ac:chgData name="Robert Finch" userId="360118edfabb5ba6" providerId="LiveId" clId="{940D50E2-FEDC-434C-83CF-A13052851249}" dt="2025-11-17T01:35:58.587" v="2734" actId="1076"/>
           <ac:spMkLst>
             <pc:docMk/>
             <pc:sldMk cId="3493996368" sldId="256"/>
             <ac:spMk id="74" creationId="{4B9836E3-4F30-B303-77D3-E7C70ED48919}"/>
           </ac:spMkLst>
         </pc:spChg>
+        <pc:spChg chg="mod">
+          <ac:chgData name="Robert Finch" userId="360118edfabb5ba6" providerId="LiveId" clId="{940D50E2-FEDC-434C-83CF-A13052851249}" dt="2025-11-17T01:36:02.805" v="2735" actId="1076"/>
+          <ac:spMkLst>
+            <pc:docMk/>
+            <pc:sldMk cId="3493996368" sldId="256"/>
+            <ac:spMk id="75" creationId="{842A2CC6-130A-0169-AA3C-3244405DA334}"/>
+          </ac:spMkLst>
+        </pc:spChg>
         <pc:spChg chg="add mod">
-          <ac:chgData name="Robert Finch" userId="360118edfabb5ba6" providerId="LiveId" clId="{940D50E2-FEDC-434C-83CF-A13052851249}" dt="2025-11-13T21:00:15.679" v="969" actId="1076"/>
+          <ac:chgData name="Robert Finch" userId="360118edfabb5ba6" providerId="LiveId" clId="{940D50E2-FEDC-434C-83CF-A13052851249}" dt="2025-11-17T01:31:19.304" v="2697" actId="1076"/>
           <ac:spMkLst>
             <pc:docMk/>
             <pc:sldMk cId="3493996368" sldId="256"/>
@@ -748,16 +670,8 @@
             <ac:spMk id="82" creationId="{358B07E1-F8AC-5A1E-64F8-01F9710B3DA6}"/>
           </ac:spMkLst>
         </pc:spChg>
-        <pc:spChg chg="del mod">
-          <ac:chgData name="Robert Finch" userId="360118edfabb5ba6" providerId="LiveId" clId="{940D50E2-FEDC-434C-83CF-A13052851249}" dt="2025-11-14T01:28:50.274" v="1411" actId="478"/>
-          <ac:spMkLst>
-            <pc:docMk/>
-            <pc:sldMk cId="3493996368" sldId="256"/>
-            <ac:spMk id="83" creationId="{4C7ADDBA-B4B9-FCE6-6B87-090131B12A24}"/>
-          </ac:spMkLst>
-        </pc:spChg>
         <pc:spChg chg="mod">
-          <ac:chgData name="Robert Finch" userId="360118edfabb5ba6" providerId="LiveId" clId="{940D50E2-FEDC-434C-83CF-A13052851249}" dt="2025-11-13T20:33:44.711" v="573" actId="1076"/>
+          <ac:chgData name="Robert Finch" userId="360118edfabb5ba6" providerId="LiveId" clId="{940D50E2-FEDC-434C-83CF-A13052851249}" dt="2025-11-14T08:44:39.184" v="1418" actId="1076"/>
           <ac:spMkLst>
             <pc:docMk/>
             <pc:sldMk cId="3493996368" sldId="256"/>
@@ -829,7 +743,7 @@
           </ac:spMkLst>
         </pc:spChg>
         <pc:spChg chg="add mod">
-          <ac:chgData name="Robert Finch" userId="360118edfabb5ba6" providerId="LiveId" clId="{940D50E2-FEDC-434C-83CF-A13052851249}" dt="2025-11-13T21:00:49.463" v="976" actId="14100"/>
+          <ac:chgData name="Robert Finch" userId="360118edfabb5ba6" providerId="LiveId" clId="{940D50E2-FEDC-434C-83CF-A13052851249}" dt="2025-11-17T01:31:22.991" v="2698" actId="1076"/>
           <ac:spMkLst>
             <pc:docMk/>
             <pc:sldMk cId="3493996368" sldId="256"/>
@@ -844,14 +758,6 @@
             <ac:spMk id="95" creationId="{818A4B9F-614C-0A8D-0E5A-11F2715FEFA7}"/>
           </ac:spMkLst>
         </pc:spChg>
-        <pc:spChg chg="add del mod">
-          <ac:chgData name="Robert Finch" userId="360118edfabb5ba6" providerId="LiveId" clId="{940D50E2-FEDC-434C-83CF-A13052851249}" dt="2025-11-13T21:07:35.209" v="1111" actId="478"/>
-          <ac:spMkLst>
-            <pc:docMk/>
-            <pc:sldMk cId="3493996368" sldId="256"/>
-            <ac:spMk id="96" creationId="{A53EA328-4B27-D130-1467-E136838BF0AA}"/>
-          </ac:spMkLst>
-        </pc:spChg>
         <pc:spChg chg="add mod">
           <ac:chgData name="Robert Finch" userId="360118edfabb5ba6" providerId="LiveId" clId="{940D50E2-FEDC-434C-83CF-A13052851249}" dt="2025-11-13T21:08:14.379" v="1137" actId="1076"/>
           <ac:spMkLst>
@@ -861,7 +767,7 @@
           </ac:spMkLst>
         </pc:spChg>
         <pc:spChg chg="add mod">
-          <ac:chgData name="Robert Finch" userId="360118edfabb5ba6" providerId="LiveId" clId="{940D50E2-FEDC-434C-83CF-A13052851249}" dt="2025-11-14T01:26:20.335" v="1400" actId="14100"/>
+          <ac:chgData name="Robert Finch" userId="360118edfabb5ba6" providerId="LiveId" clId="{940D50E2-FEDC-434C-83CF-A13052851249}" dt="2025-11-17T01:31:32.522" v="2700" actId="1076"/>
           <ac:spMkLst>
             <pc:docMk/>
             <pc:sldMk cId="3493996368" sldId="256"/>
@@ -869,7 +775,7 @@
           </ac:spMkLst>
         </pc:spChg>
         <pc:spChg chg="add mod">
-          <ac:chgData name="Robert Finch" userId="360118edfabb5ba6" providerId="LiveId" clId="{940D50E2-FEDC-434C-83CF-A13052851249}" dt="2025-11-14T01:25:08.834" v="1392" actId="20577"/>
+          <ac:chgData name="Robert Finch" userId="360118edfabb5ba6" providerId="LiveId" clId="{940D50E2-FEDC-434C-83CF-A13052851249}" dt="2025-11-17T01:31:37.241" v="2701" actId="1076"/>
           <ac:spMkLst>
             <pc:docMk/>
             <pc:sldMk cId="3493996368" sldId="256"/>
@@ -877,15 +783,23 @@
           </ac:spMkLst>
         </pc:spChg>
         <pc:spChg chg="add mod">
-          <ac:chgData name="Robert Finch" userId="360118edfabb5ba6" providerId="LiveId" clId="{940D50E2-FEDC-434C-83CF-A13052851249}" dt="2025-11-14T01:26:26.428" v="1401" actId="14100"/>
+          <ac:chgData name="Robert Finch" userId="360118edfabb5ba6" providerId="LiveId" clId="{940D50E2-FEDC-434C-83CF-A13052851249}" dt="2025-11-17T01:31:47.306" v="2702" actId="1076"/>
           <ac:spMkLst>
             <pc:docMk/>
             <pc:sldMk cId="3493996368" sldId="256"/>
             <ac:spMk id="109" creationId="{6FBE0B35-0304-3DC6-3097-3C12B2CB2125}"/>
           </ac:spMkLst>
         </pc:spChg>
+        <pc:spChg chg="add mod ord">
+          <ac:chgData name="Robert Finch" userId="360118edfabb5ba6" providerId="LiveId" clId="{940D50E2-FEDC-434C-83CF-A13052851249}" dt="2025-11-14T08:46:26.783" v="1439" actId="167"/>
+          <ac:spMkLst>
+            <pc:docMk/>
+            <pc:sldMk cId="3493996368" sldId="256"/>
+            <ac:spMk id="110" creationId="{AA136E37-5431-E8FB-B541-92D80BAE5C5D}"/>
+          </ac:spMkLst>
+        </pc:spChg>
         <pc:cxnChg chg="mod">
-          <ac:chgData name="Robert Finch" userId="360118edfabb5ba6" providerId="LiveId" clId="{940D50E2-FEDC-434C-83CF-A13052851249}" dt="2025-11-14T01:25:25.432" v="1395" actId="14100"/>
+          <ac:chgData name="Robert Finch" userId="360118edfabb5ba6" providerId="LiveId" clId="{940D50E2-FEDC-434C-83CF-A13052851249}" dt="2025-11-17T01:32:01.363" v="2705" actId="14100"/>
           <ac:cxnSpMkLst>
             <pc:docMk/>
             <pc:sldMk cId="3493996368" sldId="256"/>
@@ -1639,6 +1553,276 @@
             <ac:spMk id="13" creationId="{649180C8-07F1-767C-4F1A-AF0A912BE46F}"/>
           </ac:spMkLst>
         </pc:spChg>
+      </pc:sldChg>
+      <pc:sldChg chg="addSp delSp modSp new mod">
+        <pc:chgData name="Robert Finch" userId="360118edfabb5ba6" providerId="LiveId" clId="{940D50E2-FEDC-434C-83CF-A13052851249}" dt="2025-11-14T22:38:22.895" v="2395" actId="1076"/>
+        <pc:sldMkLst>
+          <pc:docMk/>
+          <pc:sldMk cId="1888516878" sldId="262"/>
+        </pc:sldMkLst>
+        <pc:spChg chg="mod">
+          <ac:chgData name="Robert Finch" userId="360118edfabb5ba6" providerId="LiveId" clId="{940D50E2-FEDC-434C-83CF-A13052851249}" dt="2025-11-14T22:15:25.451" v="1545" actId="1076"/>
+          <ac:spMkLst>
+            <pc:docMk/>
+            <pc:sldMk cId="1888516878" sldId="262"/>
+            <ac:spMk id="2" creationId="{CD976A82-092D-CF16-A768-4B843A414F2D}"/>
+          </ac:spMkLst>
+        </pc:spChg>
+        <pc:spChg chg="add mod">
+          <ac:chgData name="Robert Finch" userId="360118edfabb5ba6" providerId="LiveId" clId="{940D50E2-FEDC-434C-83CF-A13052851249}" dt="2025-11-14T22:17:22.973" v="1613" actId="1076"/>
+          <ac:spMkLst>
+            <pc:docMk/>
+            <pc:sldMk cId="1888516878" sldId="262"/>
+            <ac:spMk id="4" creationId="{96954E2B-447A-3F7A-0FC3-E6CAE451E1D5}"/>
+          </ac:spMkLst>
+        </pc:spChg>
+        <pc:spChg chg="add mod">
+          <ac:chgData name="Robert Finch" userId="360118edfabb5ba6" providerId="LiveId" clId="{940D50E2-FEDC-434C-83CF-A13052851249}" dt="2025-11-14T22:17:17.634" v="1612" actId="20577"/>
+          <ac:spMkLst>
+            <pc:docMk/>
+            <pc:sldMk cId="1888516878" sldId="262"/>
+            <ac:spMk id="5" creationId="{46355EF9-E535-BB32-A603-315D68A4CF9D}"/>
+          </ac:spMkLst>
+        </pc:spChg>
+        <pc:spChg chg="add mod">
+          <ac:chgData name="Robert Finch" userId="360118edfabb5ba6" providerId="LiveId" clId="{940D50E2-FEDC-434C-83CF-A13052851249}" dt="2025-11-14T22:17:33.264" v="1622" actId="14100"/>
+          <ac:spMkLst>
+            <pc:docMk/>
+            <pc:sldMk cId="1888516878" sldId="262"/>
+            <ac:spMk id="6" creationId="{D153A54E-9958-C86D-AFF0-6DF07F6D11E5}"/>
+          </ac:spMkLst>
+        </pc:spChg>
+        <pc:spChg chg="add mod">
+          <ac:chgData name="Robert Finch" userId="360118edfabb5ba6" providerId="LiveId" clId="{940D50E2-FEDC-434C-83CF-A13052851249}" dt="2025-11-14T22:29:23.648" v="2123" actId="1076"/>
+          <ac:spMkLst>
+            <pc:docMk/>
+            <pc:sldMk cId="1888516878" sldId="262"/>
+            <ac:spMk id="7" creationId="{0AB29C90-9E5D-09FF-C54D-5686CF22F15D}"/>
+          </ac:spMkLst>
+        </pc:spChg>
+        <pc:spChg chg="add mod">
+          <ac:chgData name="Robert Finch" userId="360118edfabb5ba6" providerId="LiveId" clId="{940D50E2-FEDC-434C-83CF-A13052851249}" dt="2025-11-14T22:29:23.648" v="2123" actId="1076"/>
+          <ac:spMkLst>
+            <pc:docMk/>
+            <pc:sldMk cId="1888516878" sldId="262"/>
+            <ac:spMk id="8" creationId="{02C55BF0-D12E-9A47-9CAD-7AD610798C73}"/>
+          </ac:spMkLst>
+        </pc:spChg>
+        <pc:spChg chg="add mod">
+          <ac:chgData name="Robert Finch" userId="360118edfabb5ba6" providerId="LiveId" clId="{940D50E2-FEDC-434C-83CF-A13052851249}" dt="2025-11-14T22:21:47.761" v="1708" actId="1076"/>
+          <ac:spMkLst>
+            <pc:docMk/>
+            <pc:sldMk cId="1888516878" sldId="262"/>
+            <ac:spMk id="9" creationId="{C598CC17-9D06-901F-3C9C-8A12A1EBB6B7}"/>
+          </ac:spMkLst>
+        </pc:spChg>
+        <pc:spChg chg="add mod">
+          <ac:chgData name="Robert Finch" userId="360118edfabb5ba6" providerId="LiveId" clId="{940D50E2-FEDC-434C-83CF-A13052851249}" dt="2025-11-14T22:29:23.648" v="2123" actId="1076"/>
+          <ac:spMkLst>
+            <pc:docMk/>
+            <pc:sldMk cId="1888516878" sldId="262"/>
+            <ac:spMk id="10" creationId="{5A1B46AF-FFB7-C943-5143-303058ED2177}"/>
+          </ac:spMkLst>
+        </pc:spChg>
+        <pc:spChg chg="add mod">
+          <ac:chgData name="Robert Finch" userId="360118edfabb5ba6" providerId="LiveId" clId="{940D50E2-FEDC-434C-83CF-A13052851249}" dt="2025-11-14T22:29:23.648" v="2123" actId="1076"/>
+          <ac:spMkLst>
+            <pc:docMk/>
+            <pc:sldMk cId="1888516878" sldId="262"/>
+            <ac:spMk id="11" creationId="{AB787AFF-4B81-57CD-C80A-3A45635AEDCE}"/>
+          </ac:spMkLst>
+        </pc:spChg>
+        <pc:spChg chg="add mod">
+          <ac:chgData name="Robert Finch" userId="360118edfabb5ba6" providerId="LiveId" clId="{940D50E2-FEDC-434C-83CF-A13052851249}" dt="2025-11-14T22:29:23.648" v="2123" actId="1076"/>
+          <ac:spMkLst>
+            <pc:docMk/>
+            <pc:sldMk cId="1888516878" sldId="262"/>
+            <ac:spMk id="12" creationId="{2173CF43-E767-12EB-0CA2-01FC0DA056FA}"/>
+          </ac:spMkLst>
+        </pc:spChg>
+        <pc:spChg chg="add mod">
+          <ac:chgData name="Robert Finch" userId="360118edfabb5ba6" providerId="LiveId" clId="{940D50E2-FEDC-434C-83CF-A13052851249}" dt="2025-11-14T22:21:51.092" v="1709" actId="20577"/>
+          <ac:spMkLst>
+            <pc:docMk/>
+            <pc:sldMk cId="1888516878" sldId="262"/>
+            <ac:spMk id="13" creationId="{90EF87FE-1F84-5C9D-BDA3-2C56432EBBA3}"/>
+          </ac:spMkLst>
+        </pc:spChg>
+        <pc:spChg chg="add mod">
+          <ac:chgData name="Robert Finch" userId="360118edfabb5ba6" providerId="LiveId" clId="{940D50E2-FEDC-434C-83CF-A13052851249}" dt="2025-11-14T22:22:01.306" v="1711" actId="1076"/>
+          <ac:spMkLst>
+            <pc:docMk/>
+            <pc:sldMk cId="1888516878" sldId="262"/>
+            <ac:spMk id="14" creationId="{C9BD3838-BBDB-84C4-AD94-659C06006C1C}"/>
+          </ac:spMkLst>
+        </pc:spChg>
+        <pc:spChg chg="add mod">
+          <ac:chgData name="Robert Finch" userId="360118edfabb5ba6" providerId="LiveId" clId="{940D50E2-FEDC-434C-83CF-A13052851249}" dt="2025-11-14T22:29:23.648" v="2123" actId="1076"/>
+          <ac:spMkLst>
+            <pc:docMk/>
+            <pc:sldMk cId="1888516878" sldId="262"/>
+            <ac:spMk id="15" creationId="{C5572CD2-600D-3953-1A11-0F4FD1D662D2}"/>
+          </ac:spMkLst>
+        </pc:spChg>
+        <pc:spChg chg="add mod">
+          <ac:chgData name="Robert Finch" userId="360118edfabb5ba6" providerId="LiveId" clId="{940D50E2-FEDC-434C-83CF-A13052851249}" dt="2025-11-14T22:22:01.306" v="1711" actId="1076"/>
+          <ac:spMkLst>
+            <pc:docMk/>
+            <pc:sldMk cId="1888516878" sldId="262"/>
+            <ac:spMk id="16" creationId="{FA1C4564-E4BA-2915-6206-89E01FF3C157}"/>
+          </ac:spMkLst>
+        </pc:spChg>
+        <pc:spChg chg="add mod">
+          <ac:chgData name="Robert Finch" userId="360118edfabb5ba6" providerId="LiveId" clId="{940D50E2-FEDC-434C-83CF-A13052851249}" dt="2025-11-14T22:29:23.648" v="2123" actId="1076"/>
+          <ac:spMkLst>
+            <pc:docMk/>
+            <pc:sldMk cId="1888516878" sldId="262"/>
+            <ac:spMk id="17" creationId="{E3A8AAAC-D734-A25E-54BD-D9F10ECD2BCB}"/>
+          </ac:spMkLst>
+        </pc:spChg>
+        <pc:spChg chg="add mod">
+          <ac:chgData name="Robert Finch" userId="360118edfabb5ba6" providerId="LiveId" clId="{940D50E2-FEDC-434C-83CF-A13052851249}" dt="2025-11-14T22:22:04.608" v="1712" actId="20577"/>
+          <ac:spMkLst>
+            <pc:docMk/>
+            <pc:sldMk cId="1888516878" sldId="262"/>
+            <ac:spMk id="18" creationId="{89914D81-351C-9715-996D-D351355B0C9A}"/>
+          </ac:spMkLst>
+        </pc:spChg>
+        <pc:spChg chg="add mod">
+          <ac:chgData name="Robert Finch" userId="360118edfabb5ba6" providerId="LiveId" clId="{940D50E2-FEDC-434C-83CF-A13052851249}" dt="2025-11-14T22:22:57.992" v="1727" actId="20577"/>
+          <ac:spMkLst>
+            <pc:docMk/>
+            <pc:sldMk cId="1888516878" sldId="262"/>
+            <ac:spMk id="19" creationId="{929D795E-7D96-2BDD-2B15-8851834D25D3}"/>
+          </ac:spMkLst>
+        </pc:spChg>
+        <pc:spChg chg="add mod">
+          <ac:chgData name="Robert Finch" userId="360118edfabb5ba6" providerId="LiveId" clId="{940D50E2-FEDC-434C-83CF-A13052851249}" dt="2025-11-14T22:23:10.574" v="1729" actId="1076"/>
+          <ac:spMkLst>
+            <pc:docMk/>
+            <pc:sldMk cId="1888516878" sldId="262"/>
+            <ac:spMk id="20" creationId="{1DF85E75-D397-4A14-DEC2-05368A25CF0E}"/>
+          </ac:spMkLst>
+        </pc:spChg>
+        <pc:spChg chg="add mod">
+          <ac:chgData name="Robert Finch" userId="360118edfabb5ba6" providerId="LiveId" clId="{940D50E2-FEDC-434C-83CF-A13052851249}" dt="2025-11-14T22:29:23.648" v="2123" actId="1076"/>
+          <ac:spMkLst>
+            <pc:docMk/>
+            <pc:sldMk cId="1888516878" sldId="262"/>
+            <ac:spMk id="21" creationId="{D9F6B381-9265-D55C-C89D-5AB15A169578}"/>
+          </ac:spMkLst>
+        </pc:spChg>
+        <pc:spChg chg="add mod">
+          <ac:chgData name="Robert Finch" userId="360118edfabb5ba6" providerId="LiveId" clId="{940D50E2-FEDC-434C-83CF-A13052851249}" dt="2025-11-14T22:29:23.648" v="2123" actId="1076"/>
+          <ac:spMkLst>
+            <pc:docMk/>
+            <pc:sldMk cId="1888516878" sldId="262"/>
+            <ac:spMk id="22" creationId="{8205E3F5-C275-FE86-0CDB-B1FBC2C1E576}"/>
+          </ac:spMkLst>
+        </pc:spChg>
+        <pc:spChg chg="add mod">
+          <ac:chgData name="Robert Finch" userId="360118edfabb5ba6" providerId="LiveId" clId="{940D50E2-FEDC-434C-83CF-A13052851249}" dt="2025-11-14T22:23:33.830" v="1736" actId="1076"/>
+          <ac:spMkLst>
+            <pc:docMk/>
+            <pc:sldMk cId="1888516878" sldId="262"/>
+            <ac:spMk id="23" creationId="{42184D23-A98B-E99E-AFB4-73CD36A59F16}"/>
+          </ac:spMkLst>
+        </pc:spChg>
+        <pc:spChg chg="add mod">
+          <ac:chgData name="Robert Finch" userId="360118edfabb5ba6" providerId="LiveId" clId="{940D50E2-FEDC-434C-83CF-A13052851249}" dt="2025-11-14T22:38:22.895" v="2395" actId="1076"/>
+          <ac:spMkLst>
+            <pc:docMk/>
+            <pc:sldMk cId="1888516878" sldId="262"/>
+            <ac:spMk id="24" creationId="{2C728B52-0D23-9B07-B1EA-A00181E41FE1}"/>
+          </ac:spMkLst>
+        </pc:spChg>
+        <pc:spChg chg="add mod">
+          <ac:chgData name="Robert Finch" userId="360118edfabb5ba6" providerId="LiveId" clId="{940D50E2-FEDC-434C-83CF-A13052851249}" dt="2025-11-14T22:32:24.994" v="2222" actId="1076"/>
+          <ac:spMkLst>
+            <pc:docMk/>
+            <pc:sldMk cId="1888516878" sldId="262"/>
+            <ac:spMk id="25" creationId="{8018E69C-705E-4D64-316A-36575E0073ED}"/>
+          </ac:spMkLst>
+        </pc:spChg>
+        <pc:spChg chg="add mod">
+          <ac:chgData name="Robert Finch" userId="360118edfabb5ba6" providerId="LiveId" clId="{940D50E2-FEDC-434C-83CF-A13052851249}" dt="2025-11-14T22:32:33.380" v="2224" actId="1076"/>
+          <ac:spMkLst>
+            <pc:docMk/>
+            <pc:sldMk cId="1888516878" sldId="262"/>
+            <ac:spMk id="26" creationId="{8A934254-93B2-C64F-DE84-6477009B256D}"/>
+          </ac:spMkLst>
+        </pc:spChg>
+        <pc:spChg chg="add mod">
+          <ac:chgData name="Robert Finch" userId="360118edfabb5ba6" providerId="LiveId" clId="{940D50E2-FEDC-434C-83CF-A13052851249}" dt="2025-11-14T22:32:29.799" v="2223" actId="1076"/>
+          <ac:spMkLst>
+            <pc:docMk/>
+            <pc:sldMk cId="1888516878" sldId="262"/>
+            <ac:spMk id="27" creationId="{FE172B27-3618-75CC-E11C-0B939FA38D45}"/>
+          </ac:spMkLst>
+        </pc:spChg>
+        <pc:spChg chg="add mod">
+          <ac:chgData name="Robert Finch" userId="360118edfabb5ba6" providerId="LiveId" clId="{940D50E2-FEDC-434C-83CF-A13052851249}" dt="2025-11-14T22:32:39.179" v="2225" actId="1076"/>
+          <ac:spMkLst>
+            <pc:docMk/>
+            <pc:sldMk cId="1888516878" sldId="262"/>
+            <ac:spMk id="28" creationId="{E4589F54-267A-CC39-8888-2439935BCBA6}"/>
+          </ac:spMkLst>
+        </pc:spChg>
+        <pc:spChg chg="add mod">
+          <ac:chgData name="Robert Finch" userId="360118edfabb5ba6" providerId="LiveId" clId="{940D50E2-FEDC-434C-83CF-A13052851249}" dt="2025-11-14T22:38:15.029" v="2393" actId="1076"/>
+          <ac:spMkLst>
+            <pc:docMk/>
+            <pc:sldMk cId="1888516878" sldId="262"/>
+            <ac:spMk id="29" creationId="{40BA8278-6C4B-8B6F-3397-A3E153371543}"/>
+          </ac:spMkLst>
+        </pc:spChg>
+        <pc:spChg chg="add mod">
+          <ac:chgData name="Robert Finch" userId="360118edfabb5ba6" providerId="LiveId" clId="{940D50E2-FEDC-434C-83CF-A13052851249}" dt="2025-11-14T22:30:07.858" v="2136" actId="1076"/>
+          <ac:spMkLst>
+            <pc:docMk/>
+            <pc:sldMk cId="1888516878" sldId="262"/>
+            <ac:spMk id="30" creationId="{DCEFB8A0-EDFE-668D-C31C-2660889B30B0}"/>
+          </ac:spMkLst>
+        </pc:spChg>
+        <pc:spChg chg="add mod">
+          <ac:chgData name="Robert Finch" userId="360118edfabb5ba6" providerId="LiveId" clId="{940D50E2-FEDC-434C-83CF-A13052851249}" dt="2025-11-14T22:32:49.084" v="2227" actId="1076"/>
+          <ac:spMkLst>
+            <pc:docMk/>
+            <pc:sldMk cId="1888516878" sldId="262"/>
+            <ac:spMk id="31" creationId="{3341695D-A663-FD9E-1497-FA8609A3EB98}"/>
+          </ac:spMkLst>
+        </pc:spChg>
+        <pc:spChg chg="add mod">
+          <ac:chgData name="Robert Finch" userId="360118edfabb5ba6" providerId="LiveId" clId="{940D50E2-FEDC-434C-83CF-A13052851249}" dt="2025-11-14T22:32:44.846" v="2226" actId="1076"/>
+          <ac:spMkLst>
+            <pc:docMk/>
+            <pc:sldMk cId="1888516878" sldId="262"/>
+            <ac:spMk id="32" creationId="{3B180A55-32E0-7DED-BF42-A7CB477B3716}"/>
+          </ac:spMkLst>
+        </pc:spChg>
+      </pc:sldChg>
+      <pc:sldChg chg="addSp delSp modSp new mod ord">
+        <pc:chgData name="Robert Finch" userId="360118edfabb5ba6" providerId="LiveId" clId="{940D50E2-FEDC-434C-83CF-A13052851249}" dt="2025-11-15T04:03:55.793" v="2691" actId="20577"/>
+        <pc:sldMkLst>
+          <pc:docMk/>
+          <pc:sldMk cId="2388022920" sldId="263"/>
+        </pc:sldMkLst>
+        <pc:spChg chg="add mod">
+          <ac:chgData name="Robert Finch" userId="360118edfabb5ba6" providerId="LiveId" clId="{940D50E2-FEDC-434C-83CF-A13052851249}" dt="2025-11-15T04:03:55.793" v="2691" actId="20577"/>
+          <ac:spMkLst>
+            <pc:docMk/>
+            <pc:sldMk cId="2388022920" sldId="263"/>
+            <ac:spMk id="5" creationId="{A5E199E5-4BC0-E848-B91D-06C5DD2E487F}"/>
+          </ac:spMkLst>
+        </pc:spChg>
+        <pc:picChg chg="add">
+          <ac:chgData name="Robert Finch" userId="360118edfabb5ba6" providerId="LiveId" clId="{940D50E2-FEDC-434C-83CF-A13052851249}" dt="2025-11-15T03:56:35.923" v="2399"/>
+          <ac:picMkLst>
+            <pc:docMk/>
+            <pc:sldMk cId="2388022920" sldId="263"/>
+            <ac:picMk id="4" creationId="{91B7A507-0B6D-6C1F-0AE0-BAA6239F026E}"/>
+          </ac:picMkLst>
+        </pc:picChg>
       </pc:sldChg>
     </pc:docChg>
   </pc:docChgLst>
@@ -1794,7 +1978,7 @@
           <a:p>
             <a:fld id="{40721942-3650-429E-A73C-F40215CD5967}" type="datetimeFigureOut">
               <a:rPr lang="en-CA" smtClean="0"/>
-              <a:t>2025-11-13</a:t>
+              <a:t>2025-11-16</a:t>
             </a:fld>
             <a:endParaRPr lang="en-CA"/>
           </a:p>
@@ -1994,7 +2178,7 @@
           <a:p>
             <a:fld id="{40721942-3650-429E-A73C-F40215CD5967}" type="datetimeFigureOut">
               <a:rPr lang="en-CA" smtClean="0"/>
-              <a:t>2025-11-13</a:t>
+              <a:t>2025-11-16</a:t>
             </a:fld>
             <a:endParaRPr lang="en-CA"/>
           </a:p>
@@ -2204,7 +2388,7 @@
           <a:p>
             <a:fld id="{40721942-3650-429E-A73C-F40215CD5967}" type="datetimeFigureOut">
               <a:rPr lang="en-CA" smtClean="0"/>
-              <a:t>2025-11-13</a:t>
+              <a:t>2025-11-16</a:t>
             </a:fld>
             <a:endParaRPr lang="en-CA"/>
           </a:p>
@@ -2404,7 +2588,7 @@
           <a:p>
             <a:fld id="{40721942-3650-429E-A73C-F40215CD5967}" type="datetimeFigureOut">
               <a:rPr lang="en-CA" smtClean="0"/>
-              <a:t>2025-11-13</a:t>
+              <a:t>2025-11-16</a:t>
             </a:fld>
             <a:endParaRPr lang="en-CA"/>
           </a:p>
@@ -2680,7 +2864,7 @@
           <a:p>
             <a:fld id="{40721942-3650-429E-A73C-F40215CD5967}" type="datetimeFigureOut">
               <a:rPr lang="en-CA" smtClean="0"/>
-              <a:t>2025-11-13</a:t>
+              <a:t>2025-11-16</a:t>
             </a:fld>
             <a:endParaRPr lang="en-CA"/>
           </a:p>
@@ -2948,7 +3132,7 @@
           <a:p>
             <a:fld id="{40721942-3650-429E-A73C-F40215CD5967}" type="datetimeFigureOut">
               <a:rPr lang="en-CA" smtClean="0"/>
-              <a:t>2025-11-13</a:t>
+              <a:t>2025-11-16</a:t>
             </a:fld>
             <a:endParaRPr lang="en-CA"/>
           </a:p>
@@ -3363,7 +3547,7 @@
           <a:p>
             <a:fld id="{40721942-3650-429E-A73C-F40215CD5967}" type="datetimeFigureOut">
               <a:rPr lang="en-CA" smtClean="0"/>
-              <a:t>2025-11-13</a:t>
+              <a:t>2025-11-16</a:t>
             </a:fld>
             <a:endParaRPr lang="en-CA"/>
           </a:p>
@@ -3505,7 +3689,7 @@
           <a:p>
             <a:fld id="{40721942-3650-429E-A73C-F40215CD5967}" type="datetimeFigureOut">
               <a:rPr lang="en-CA" smtClean="0"/>
-              <a:t>2025-11-13</a:t>
+              <a:t>2025-11-16</a:t>
             </a:fld>
             <a:endParaRPr lang="en-CA"/>
           </a:p>
@@ -3618,7 +3802,7 @@
           <a:p>
             <a:fld id="{40721942-3650-429E-A73C-F40215CD5967}" type="datetimeFigureOut">
               <a:rPr lang="en-CA" smtClean="0"/>
-              <a:t>2025-11-13</a:t>
+              <a:t>2025-11-16</a:t>
             </a:fld>
             <a:endParaRPr lang="en-CA"/>
           </a:p>
@@ -3931,7 +4115,7 @@
           <a:p>
             <a:fld id="{40721942-3650-429E-A73C-F40215CD5967}" type="datetimeFigureOut">
               <a:rPr lang="en-CA" smtClean="0"/>
-              <a:t>2025-11-13</a:t>
+              <a:t>2025-11-16</a:t>
             </a:fld>
             <a:endParaRPr lang="en-CA"/>
           </a:p>
@@ -4220,7 +4404,7 @@
           <a:p>
             <a:fld id="{40721942-3650-429E-A73C-F40215CD5967}" type="datetimeFigureOut">
               <a:rPr lang="en-CA" smtClean="0"/>
-              <a:t>2025-11-13</a:t>
+              <a:t>2025-11-16</a:t>
             </a:fld>
             <a:endParaRPr lang="en-CA"/>
           </a:p>
@@ -4463,7 +4647,7 @@
           <a:p>
             <a:fld id="{40721942-3650-429E-A73C-F40215CD5967}" type="datetimeFigureOut">
               <a:rPr lang="en-CA" smtClean="0"/>
-              <a:t>2025-11-13</a:t>
+              <a:t>2025-11-16</a:t>
             </a:fld>
             <a:endParaRPr lang="en-CA"/>
           </a:p>
@@ -12256,6 +12440,56 @@
       </p:grpSpPr>
       <p:sp>
         <p:nvSpPr>
+          <p:cNvPr id="110" name="Rectangle 109">
+            <a:extLst>
+              <a:ext uri="{FF2B5EF4-FFF2-40B4-BE49-F238E27FC236}">
+                <a16:creationId xmlns:a16="http://schemas.microsoft.com/office/drawing/2014/main" id="{AA136E37-5431-E8FB-B541-92D80BAE5C5D}"/>
+              </a:ext>
+            </a:extLst>
+          </p:cNvPr>
+          <p:cNvSpPr/>
+          <p:nvPr/>
+        </p:nvSpPr>
+        <p:spPr>
+          <a:xfrm>
+            <a:off x="749630" y="4310008"/>
+            <a:ext cx="515549" cy="214812"/>
+          </a:xfrm>
+          <a:prstGeom prst="rect">
+            <a:avLst/>
+          </a:prstGeom>
+        </p:spPr>
+        <p:style>
+          <a:lnRef idx="2">
+            <a:schemeClr val="accent1">
+              <a:shade val="15000"/>
+            </a:schemeClr>
+          </a:lnRef>
+          <a:fillRef idx="1">
+            <a:schemeClr val="accent1"/>
+          </a:fillRef>
+          <a:effectRef idx="0">
+            <a:schemeClr val="accent1"/>
+          </a:effectRef>
+          <a:fontRef idx="minor">
+            <a:schemeClr val="lt1"/>
+          </a:fontRef>
+        </p:style>
+        <p:txBody>
+          <a:bodyPr rtlCol="0" anchor="ctr"/>
+          <a:lstStyle/>
+          <a:p>
+            <a:pPr algn="ctr"/>
+            <a:r>
+              <a:rPr lang="en-US" sz="700" dirty="0"/>
+              <a:t>Bitfield </a:t>
+            </a:r>
+            <a:endParaRPr lang="en-CA" sz="700" dirty="0"/>
+          </a:p>
+        </p:txBody>
+      </p:sp>
+      <p:sp>
+        <p:nvSpPr>
           <p:cNvPr id="21" name="Rectangle 20">
             <a:extLst>
               <a:ext uri="{FF2B5EF4-FFF2-40B4-BE49-F238E27FC236}">
@@ -12854,8 +13088,8 @@
         </p:nvSpPr>
         <p:spPr>
           <a:xfrm>
-            <a:off x="740184" y="4073810"/>
-            <a:ext cx="515549" cy="216000"/>
+            <a:off x="750936" y="4057127"/>
+            <a:ext cx="515549" cy="214812"/>
           </a:xfrm>
           <a:prstGeom prst="rect">
             <a:avLst/>
@@ -12884,7 +13118,7 @@
             <a:pPr algn="ctr"/>
             <a:r>
               <a:rPr lang="en-US" sz="700" dirty="0"/>
-              <a:t>Shift</a:t>
+              <a:t>Shift </a:t>
             </a:r>
             <a:endParaRPr lang="en-CA" sz="700" dirty="0"/>
           </a:p>
@@ -13253,8 +13487,8 @@
         </p:nvSpPr>
         <p:spPr>
           <a:xfrm>
-            <a:off x="595518" y="3003125"/>
-            <a:ext cx="11110569" cy="2849063"/>
+            <a:off x="573589" y="2964466"/>
+            <a:ext cx="11410794" cy="2849063"/>
           </a:xfrm>
           <a:prstGeom prst="rect">
             <a:avLst/>
@@ -13305,7 +13539,7 @@
         <p:spPr>
           <a:xfrm>
             <a:off x="581211" y="2159567"/>
-            <a:ext cx="11124876" cy="302673"/>
+            <a:ext cx="11372250" cy="302673"/>
           </a:xfrm>
           <a:prstGeom prst="rect">
             <a:avLst/>
@@ -13359,6 +13593,214 @@
         <p:spPr>
           <a:xfrm>
             <a:off x="839645" y="2474713"/>
+            <a:ext cx="340139" cy="768626"/>
+          </a:xfrm>
+          <a:prstGeom prst="upDownArrow">
+            <a:avLst/>
+          </a:prstGeom>
+        </p:spPr>
+        <p:style>
+          <a:lnRef idx="2">
+            <a:schemeClr val="accent1">
+              <a:shade val="15000"/>
+            </a:schemeClr>
+          </a:lnRef>
+          <a:fillRef idx="1">
+            <a:schemeClr val="accent1"/>
+          </a:fillRef>
+          <a:effectRef idx="0">
+            <a:schemeClr val="accent1"/>
+          </a:effectRef>
+          <a:fontRef idx="minor">
+            <a:schemeClr val="lt1"/>
+          </a:fontRef>
+        </p:style>
+        <p:txBody>
+          <a:bodyPr rtlCol="0" anchor="ctr"/>
+          <a:lstStyle/>
+          <a:p>
+            <a:pPr algn="ctr"/>
+            <a:r>
+              <a:rPr lang="en-US" sz="1000" dirty="0">
+                <a:solidFill>
+                  <a:schemeClr val="bg1"/>
+                </a:solidFill>
+              </a:rPr>
+              <a:t>4</a:t>
+            </a:r>
+            <a:endParaRPr lang="en-CA" sz="1000" dirty="0">
+              <a:solidFill>
+                <a:schemeClr val="bg1"/>
+              </a:solidFill>
+            </a:endParaRPr>
+          </a:p>
+        </p:txBody>
+      </p:sp>
+      <p:sp>
+        <p:nvSpPr>
+          <p:cNvPr id="35" name="Arrow: Up-Down 34">
+            <a:extLst>
+              <a:ext uri="{FF2B5EF4-FFF2-40B4-BE49-F238E27FC236}">
+                <a16:creationId xmlns:a16="http://schemas.microsoft.com/office/drawing/2014/main" id="{25707A37-2146-452E-0E55-34D2DD7327B7}"/>
+              </a:ext>
+            </a:extLst>
+          </p:cNvPr>
+          <p:cNvSpPr/>
+          <p:nvPr/>
+        </p:nvSpPr>
+        <p:spPr>
+          <a:xfrm>
+            <a:off x="1405450" y="2454509"/>
+            <a:ext cx="340139" cy="768626"/>
+          </a:xfrm>
+          <a:prstGeom prst="upDownArrow">
+            <a:avLst/>
+          </a:prstGeom>
+        </p:spPr>
+        <p:style>
+          <a:lnRef idx="2">
+            <a:schemeClr val="accent1">
+              <a:shade val="15000"/>
+            </a:schemeClr>
+          </a:lnRef>
+          <a:fillRef idx="1">
+            <a:schemeClr val="accent1"/>
+          </a:fillRef>
+          <a:effectRef idx="0">
+            <a:schemeClr val="accent1"/>
+          </a:effectRef>
+          <a:fontRef idx="minor">
+            <a:schemeClr val="lt1"/>
+          </a:fontRef>
+        </p:style>
+        <p:txBody>
+          <a:bodyPr rtlCol="0" anchor="ctr"/>
+          <a:lstStyle/>
+          <a:p>
+            <a:pPr algn="ctr"/>
+            <a:r>
+              <a:rPr lang="en-US" sz="1000" dirty="0"/>
+              <a:t>3</a:t>
+            </a:r>
+            <a:endParaRPr lang="en-CA" sz="1000" dirty="0"/>
+          </a:p>
+        </p:txBody>
+      </p:sp>
+      <p:sp>
+        <p:nvSpPr>
+          <p:cNvPr id="36" name="Arrow: Up-Down 35">
+            <a:extLst>
+              <a:ext uri="{FF2B5EF4-FFF2-40B4-BE49-F238E27FC236}">
+                <a16:creationId xmlns:a16="http://schemas.microsoft.com/office/drawing/2014/main" id="{11E77748-3C95-E25C-76EF-D8273C5CE235}"/>
+              </a:ext>
+            </a:extLst>
+          </p:cNvPr>
+          <p:cNvSpPr/>
+          <p:nvPr/>
+        </p:nvSpPr>
+        <p:spPr>
+          <a:xfrm>
+            <a:off x="2034371" y="2448574"/>
+            <a:ext cx="340139" cy="768626"/>
+          </a:xfrm>
+          <a:prstGeom prst="upDownArrow">
+            <a:avLst/>
+          </a:prstGeom>
+        </p:spPr>
+        <p:style>
+          <a:lnRef idx="2">
+            <a:schemeClr val="accent1">
+              <a:shade val="15000"/>
+            </a:schemeClr>
+          </a:lnRef>
+          <a:fillRef idx="1">
+            <a:schemeClr val="accent1"/>
+          </a:fillRef>
+          <a:effectRef idx="0">
+            <a:schemeClr val="accent1"/>
+          </a:effectRef>
+          <a:fontRef idx="minor">
+            <a:schemeClr val="lt1"/>
+          </a:fontRef>
+        </p:style>
+        <p:txBody>
+          <a:bodyPr rtlCol="0" anchor="ctr"/>
+          <a:lstStyle/>
+          <a:p>
+            <a:pPr algn="ctr"/>
+            <a:r>
+              <a:rPr lang="en-US" sz="1000" dirty="0"/>
+              <a:t>3</a:t>
+            </a:r>
+            <a:endParaRPr lang="en-CA" sz="1000" dirty="0"/>
+          </a:p>
+        </p:txBody>
+      </p:sp>
+      <p:sp>
+        <p:nvSpPr>
+          <p:cNvPr id="37" name="Arrow: Up-Down 36">
+            <a:extLst>
+              <a:ext uri="{FF2B5EF4-FFF2-40B4-BE49-F238E27FC236}">
+                <a16:creationId xmlns:a16="http://schemas.microsoft.com/office/drawing/2014/main" id="{BFEBD308-3329-3694-F8D8-055311DD8850}"/>
+              </a:ext>
+            </a:extLst>
+          </p:cNvPr>
+          <p:cNvSpPr/>
+          <p:nvPr/>
+        </p:nvSpPr>
+        <p:spPr>
+          <a:xfrm>
+            <a:off x="2645124" y="2455407"/>
+            <a:ext cx="340139" cy="768626"/>
+          </a:xfrm>
+          <a:prstGeom prst="upDownArrow">
+            <a:avLst/>
+          </a:prstGeom>
+        </p:spPr>
+        <p:style>
+          <a:lnRef idx="2">
+            <a:schemeClr val="accent1">
+              <a:shade val="15000"/>
+            </a:schemeClr>
+          </a:lnRef>
+          <a:fillRef idx="1">
+            <a:schemeClr val="accent1"/>
+          </a:fillRef>
+          <a:effectRef idx="0">
+            <a:schemeClr val="accent1"/>
+          </a:effectRef>
+          <a:fontRef idx="minor">
+            <a:schemeClr val="lt1"/>
+          </a:fontRef>
+        </p:style>
+        <p:txBody>
+          <a:bodyPr rtlCol="0" anchor="ctr"/>
+          <a:lstStyle/>
+          <a:p>
+            <a:pPr algn="ctr"/>
+            <a:r>
+              <a:rPr lang="en-US" sz="1000" dirty="0"/>
+              <a:t>2</a:t>
+            </a:r>
+            <a:endParaRPr lang="en-CA" sz="1000" dirty="0"/>
+          </a:p>
+        </p:txBody>
+      </p:sp>
+      <p:sp>
+        <p:nvSpPr>
+          <p:cNvPr id="38" name="Arrow: Up-Down 37">
+            <a:extLst>
+              <a:ext uri="{FF2B5EF4-FFF2-40B4-BE49-F238E27FC236}">
+                <a16:creationId xmlns:a16="http://schemas.microsoft.com/office/drawing/2014/main" id="{5B781C08-EC3C-DA74-AC8B-933D83D07036}"/>
+              </a:ext>
+            </a:extLst>
+          </p:cNvPr>
+          <p:cNvSpPr/>
+          <p:nvPr/>
+        </p:nvSpPr>
+        <p:spPr>
+          <a:xfrm>
+            <a:off x="4530552" y="2458745"/>
             <a:ext cx="340139" cy="768626"/>
           </a:xfrm>
           <a:prstGeom prst="upDownArrow">
@@ -13404,169 +13846,19 @@
       </p:sp>
       <p:sp>
         <p:nvSpPr>
-          <p:cNvPr id="35" name="Arrow: Up-Down 34">
-            <a:extLst>
-              <a:ext uri="{FF2B5EF4-FFF2-40B4-BE49-F238E27FC236}">
-                <a16:creationId xmlns:a16="http://schemas.microsoft.com/office/drawing/2014/main" id="{25707A37-2146-452E-0E55-34D2DD7327B7}"/>
-              </a:ext>
-            </a:extLst>
-          </p:cNvPr>
-          <p:cNvSpPr/>
-          <p:nvPr/>
-        </p:nvSpPr>
-        <p:spPr>
-          <a:xfrm>
-            <a:off x="1405450" y="2454509"/>
-            <a:ext cx="340139" cy="768626"/>
-          </a:xfrm>
-          <a:prstGeom prst="upDownArrow">
-            <a:avLst/>
-          </a:prstGeom>
-        </p:spPr>
-        <p:style>
-          <a:lnRef idx="2">
-            <a:schemeClr val="accent1">
-              <a:shade val="15000"/>
-            </a:schemeClr>
-          </a:lnRef>
-          <a:fillRef idx="1">
-            <a:schemeClr val="accent1"/>
-          </a:fillRef>
-          <a:effectRef idx="0">
-            <a:schemeClr val="accent1"/>
-          </a:effectRef>
-          <a:fontRef idx="minor">
-            <a:schemeClr val="lt1"/>
-          </a:fontRef>
-        </p:style>
-        <p:txBody>
-          <a:bodyPr rtlCol="0" anchor="ctr"/>
-          <a:lstStyle/>
-          <a:p>
-            <a:pPr algn="ctr"/>
-            <a:r>
-              <a:rPr lang="en-US" sz="1000" dirty="0"/>
-              <a:t>3</a:t>
-            </a:r>
-            <a:endParaRPr lang="en-CA" sz="1000" dirty="0"/>
-          </a:p>
-        </p:txBody>
-      </p:sp>
-      <p:sp>
-        <p:nvSpPr>
-          <p:cNvPr id="36" name="Arrow: Up-Down 35">
-            <a:extLst>
-              <a:ext uri="{FF2B5EF4-FFF2-40B4-BE49-F238E27FC236}">
-                <a16:creationId xmlns:a16="http://schemas.microsoft.com/office/drawing/2014/main" id="{11E77748-3C95-E25C-76EF-D8273C5CE235}"/>
-              </a:ext>
-            </a:extLst>
-          </p:cNvPr>
-          <p:cNvSpPr/>
-          <p:nvPr/>
-        </p:nvSpPr>
-        <p:spPr>
-          <a:xfrm>
-            <a:off x="2034371" y="2448574"/>
-            <a:ext cx="340139" cy="768626"/>
-          </a:xfrm>
-          <a:prstGeom prst="upDownArrow">
-            <a:avLst/>
-          </a:prstGeom>
-        </p:spPr>
-        <p:style>
-          <a:lnRef idx="2">
-            <a:schemeClr val="accent1">
-              <a:shade val="15000"/>
-            </a:schemeClr>
-          </a:lnRef>
-          <a:fillRef idx="1">
-            <a:schemeClr val="accent1"/>
-          </a:fillRef>
-          <a:effectRef idx="0">
-            <a:schemeClr val="accent1"/>
-          </a:effectRef>
-          <a:fontRef idx="minor">
-            <a:schemeClr val="lt1"/>
-          </a:fontRef>
-        </p:style>
-        <p:txBody>
-          <a:bodyPr rtlCol="0" anchor="ctr"/>
-          <a:lstStyle/>
-          <a:p>
-            <a:pPr algn="ctr"/>
-            <a:r>
-              <a:rPr lang="en-US" sz="1000" dirty="0"/>
-              <a:t>3</a:t>
-            </a:r>
-            <a:endParaRPr lang="en-CA" sz="1000" dirty="0"/>
-          </a:p>
-        </p:txBody>
-      </p:sp>
-      <p:sp>
-        <p:nvSpPr>
-          <p:cNvPr id="37" name="Arrow: Up-Down 36">
-            <a:extLst>
-              <a:ext uri="{FF2B5EF4-FFF2-40B4-BE49-F238E27FC236}">
-                <a16:creationId xmlns:a16="http://schemas.microsoft.com/office/drawing/2014/main" id="{BFEBD308-3329-3694-F8D8-055311DD8850}"/>
-              </a:ext>
-            </a:extLst>
-          </p:cNvPr>
-          <p:cNvSpPr/>
-          <p:nvPr/>
-        </p:nvSpPr>
-        <p:spPr>
-          <a:xfrm>
-            <a:off x="2645124" y="2455407"/>
-            <a:ext cx="340139" cy="768626"/>
-          </a:xfrm>
-          <a:prstGeom prst="upDownArrow">
-            <a:avLst/>
-          </a:prstGeom>
-        </p:spPr>
-        <p:style>
-          <a:lnRef idx="2">
-            <a:schemeClr val="accent1">
-              <a:shade val="15000"/>
-            </a:schemeClr>
-          </a:lnRef>
-          <a:fillRef idx="1">
-            <a:schemeClr val="accent1"/>
-          </a:fillRef>
-          <a:effectRef idx="0">
-            <a:schemeClr val="accent1"/>
-          </a:effectRef>
-          <a:fontRef idx="minor">
-            <a:schemeClr val="lt1"/>
-          </a:fontRef>
-        </p:style>
-        <p:txBody>
-          <a:bodyPr rtlCol="0" anchor="ctr"/>
-          <a:lstStyle/>
-          <a:p>
-            <a:pPr algn="ctr"/>
-            <a:r>
-              <a:rPr lang="en-US" sz="1000" dirty="0"/>
-              <a:t>2</a:t>
-            </a:r>
-            <a:endParaRPr lang="en-CA" sz="1000" dirty="0"/>
-          </a:p>
-        </p:txBody>
-      </p:sp>
-      <p:sp>
-        <p:nvSpPr>
-          <p:cNvPr id="38" name="Arrow: Up-Down 37">
-            <a:extLst>
-              <a:ext uri="{FF2B5EF4-FFF2-40B4-BE49-F238E27FC236}">
-                <a16:creationId xmlns:a16="http://schemas.microsoft.com/office/drawing/2014/main" id="{5B781C08-EC3C-DA74-AC8B-933D83D07036}"/>
-              </a:ext>
-            </a:extLst>
-          </p:cNvPr>
-          <p:cNvSpPr/>
-          <p:nvPr/>
-        </p:nvSpPr>
-        <p:spPr>
-          <a:xfrm>
-            <a:off x="4530552" y="2458745"/>
+          <p:cNvPr id="39" name="Arrow: Up-Down 38">
+            <a:extLst>
+              <a:ext uri="{FF2B5EF4-FFF2-40B4-BE49-F238E27FC236}">
+                <a16:creationId xmlns:a16="http://schemas.microsoft.com/office/drawing/2014/main" id="{8AF02345-C9B1-B6BF-B7E9-41DDA4A6902F}"/>
+              </a:ext>
+            </a:extLst>
+          </p:cNvPr>
+          <p:cNvSpPr/>
+          <p:nvPr/>
+        </p:nvSpPr>
+        <p:spPr>
+          <a:xfrm>
+            <a:off x="5198936" y="2468703"/>
             <a:ext cx="340139" cy="768626"/>
           </a:xfrm>
           <a:prstGeom prst="upDownArrow">
@@ -13612,19 +13904,1349 @@
       </p:sp>
       <p:sp>
         <p:nvSpPr>
-          <p:cNvPr id="39" name="Arrow: Up-Down 38">
-            <a:extLst>
-              <a:ext uri="{FF2B5EF4-FFF2-40B4-BE49-F238E27FC236}">
-                <a16:creationId xmlns:a16="http://schemas.microsoft.com/office/drawing/2014/main" id="{8AF02345-C9B1-B6BF-B7E9-41DDA4A6902F}"/>
-              </a:ext>
-            </a:extLst>
-          </p:cNvPr>
-          <p:cNvSpPr/>
-          <p:nvPr/>
-        </p:nvSpPr>
-        <p:spPr>
-          <a:xfrm>
-            <a:off x="5198936" y="2468703"/>
+          <p:cNvPr id="40" name="Arrow: Up-Down 39">
+            <a:extLst>
+              <a:ext uri="{FF2B5EF4-FFF2-40B4-BE49-F238E27FC236}">
+                <a16:creationId xmlns:a16="http://schemas.microsoft.com/office/drawing/2014/main" id="{484CA597-998E-8D52-2E20-17E9EDFD37DF}"/>
+              </a:ext>
+            </a:extLst>
+          </p:cNvPr>
+          <p:cNvSpPr/>
+          <p:nvPr/>
+        </p:nvSpPr>
+        <p:spPr>
+          <a:xfrm>
+            <a:off x="3266457" y="2466023"/>
+            <a:ext cx="340139" cy="768626"/>
+          </a:xfrm>
+          <a:prstGeom prst="upDownArrow">
+            <a:avLst/>
+          </a:prstGeom>
+        </p:spPr>
+        <p:style>
+          <a:lnRef idx="2">
+            <a:schemeClr val="accent1">
+              <a:shade val="15000"/>
+            </a:schemeClr>
+          </a:lnRef>
+          <a:fillRef idx="1">
+            <a:schemeClr val="accent1"/>
+          </a:fillRef>
+          <a:effectRef idx="0">
+            <a:schemeClr val="accent1"/>
+          </a:effectRef>
+          <a:fontRef idx="minor">
+            <a:schemeClr val="lt1"/>
+          </a:fontRef>
+        </p:style>
+        <p:txBody>
+          <a:bodyPr rtlCol="0" anchor="ctr"/>
+          <a:lstStyle/>
+          <a:p>
+            <a:pPr algn="ctr"/>
+            <a:r>
+              <a:rPr lang="en-US" sz="1000" dirty="0"/>
+              <a:t>4</a:t>
+            </a:r>
+            <a:endParaRPr lang="en-CA" sz="1000" dirty="0"/>
+          </a:p>
+        </p:txBody>
+      </p:sp>
+      <p:sp>
+        <p:nvSpPr>
+          <p:cNvPr id="41" name="Arrow: Up-Down 40">
+            <a:extLst>
+              <a:ext uri="{FF2B5EF4-FFF2-40B4-BE49-F238E27FC236}">
+                <a16:creationId xmlns:a16="http://schemas.microsoft.com/office/drawing/2014/main" id="{62D03AFF-D0B3-BE37-A62E-0E325F813B5E}"/>
+              </a:ext>
+            </a:extLst>
+          </p:cNvPr>
+          <p:cNvSpPr/>
+          <p:nvPr/>
+        </p:nvSpPr>
+        <p:spPr>
+          <a:xfrm>
+            <a:off x="3898504" y="2469843"/>
+            <a:ext cx="340139" cy="768626"/>
+          </a:xfrm>
+          <a:prstGeom prst="upDownArrow">
+            <a:avLst/>
+          </a:prstGeom>
+        </p:spPr>
+        <p:style>
+          <a:lnRef idx="2">
+            <a:schemeClr val="accent1">
+              <a:shade val="15000"/>
+            </a:schemeClr>
+          </a:lnRef>
+          <a:fillRef idx="1">
+            <a:schemeClr val="accent1"/>
+          </a:fillRef>
+          <a:effectRef idx="0">
+            <a:schemeClr val="accent1"/>
+          </a:effectRef>
+          <a:fontRef idx="minor">
+            <a:schemeClr val="lt1"/>
+          </a:fontRef>
+        </p:style>
+        <p:txBody>
+          <a:bodyPr rtlCol="0" anchor="ctr"/>
+          <a:lstStyle/>
+          <a:p>
+            <a:pPr algn="ctr"/>
+            <a:r>
+              <a:rPr lang="en-US" sz="1000" dirty="0">
+                <a:solidFill>
+                  <a:schemeClr val="bg1"/>
+                </a:solidFill>
+              </a:rPr>
+              <a:t>4</a:t>
+            </a:r>
+            <a:endParaRPr lang="en-CA" sz="1000" dirty="0">
+              <a:solidFill>
+                <a:schemeClr val="bg1"/>
+              </a:solidFill>
+            </a:endParaRPr>
+          </a:p>
+        </p:txBody>
+      </p:sp>
+      <p:sp>
+        <p:nvSpPr>
+          <p:cNvPr id="42" name="Arrow: Up-Down 41">
+            <a:extLst>
+              <a:ext uri="{FF2B5EF4-FFF2-40B4-BE49-F238E27FC236}">
+                <a16:creationId xmlns:a16="http://schemas.microsoft.com/office/drawing/2014/main" id="{C9FFACE2-7D7C-FD95-7CF1-4CB0CBE5103F}"/>
+              </a:ext>
+            </a:extLst>
+          </p:cNvPr>
+          <p:cNvSpPr/>
+          <p:nvPr/>
+        </p:nvSpPr>
+        <p:spPr>
+          <a:xfrm>
+            <a:off x="5883145" y="2468703"/>
+            <a:ext cx="340139" cy="768626"/>
+          </a:xfrm>
+          <a:prstGeom prst="upDownArrow">
+            <a:avLst/>
+          </a:prstGeom>
+        </p:spPr>
+        <p:style>
+          <a:lnRef idx="2">
+            <a:schemeClr val="accent1">
+              <a:shade val="15000"/>
+            </a:schemeClr>
+          </a:lnRef>
+          <a:fillRef idx="1">
+            <a:schemeClr val="accent1"/>
+          </a:fillRef>
+          <a:effectRef idx="0">
+            <a:schemeClr val="accent1"/>
+          </a:effectRef>
+          <a:fontRef idx="minor">
+            <a:schemeClr val="lt1"/>
+          </a:fontRef>
+        </p:style>
+        <p:txBody>
+          <a:bodyPr rtlCol="0" anchor="ctr"/>
+          <a:lstStyle/>
+          <a:p>
+            <a:pPr algn="ctr"/>
+            <a:r>
+              <a:rPr lang="en-US" sz="1000" dirty="0">
+                <a:solidFill>
+                  <a:schemeClr val="bg1"/>
+                </a:solidFill>
+              </a:rPr>
+              <a:t>2</a:t>
+            </a:r>
+            <a:endParaRPr lang="en-CA" sz="1000" dirty="0">
+              <a:solidFill>
+                <a:schemeClr val="bg1"/>
+              </a:solidFill>
+            </a:endParaRPr>
+          </a:p>
+        </p:txBody>
+      </p:sp>
+      <p:sp>
+        <p:nvSpPr>
+          <p:cNvPr id="43" name="Arrow: Up-Down 42">
+            <a:extLst>
+              <a:ext uri="{FF2B5EF4-FFF2-40B4-BE49-F238E27FC236}">
+                <a16:creationId xmlns:a16="http://schemas.microsoft.com/office/drawing/2014/main" id="{19DD16B5-D0C6-56C6-6D1D-356BDF1FC148}"/>
+              </a:ext>
+            </a:extLst>
+          </p:cNvPr>
+          <p:cNvSpPr/>
+          <p:nvPr/>
+        </p:nvSpPr>
+        <p:spPr>
+          <a:xfrm>
+            <a:off x="6547437" y="2466023"/>
+            <a:ext cx="340139" cy="768626"/>
+          </a:xfrm>
+          <a:prstGeom prst="upDownArrow">
+            <a:avLst/>
+          </a:prstGeom>
+        </p:spPr>
+        <p:style>
+          <a:lnRef idx="2">
+            <a:schemeClr val="accent1">
+              <a:shade val="15000"/>
+            </a:schemeClr>
+          </a:lnRef>
+          <a:fillRef idx="1">
+            <a:schemeClr val="accent1"/>
+          </a:fillRef>
+          <a:effectRef idx="0">
+            <a:schemeClr val="accent1"/>
+          </a:effectRef>
+          <a:fontRef idx="minor">
+            <a:schemeClr val="lt1"/>
+          </a:fontRef>
+        </p:style>
+        <p:txBody>
+          <a:bodyPr rtlCol="0" anchor="ctr"/>
+          <a:lstStyle/>
+          <a:p>
+            <a:pPr algn="ctr"/>
+            <a:r>
+              <a:rPr lang="en-US" sz="1000" dirty="0">
+                <a:solidFill>
+                  <a:schemeClr val="bg1"/>
+                </a:solidFill>
+              </a:rPr>
+              <a:t>2</a:t>
+            </a:r>
+            <a:endParaRPr lang="en-CA" sz="1000" dirty="0">
+              <a:solidFill>
+                <a:schemeClr val="bg1"/>
+              </a:solidFill>
+            </a:endParaRPr>
+          </a:p>
+        </p:txBody>
+      </p:sp>
+      <p:sp>
+        <p:nvSpPr>
+          <p:cNvPr id="44" name="Arrow: Up-Down 43">
+            <a:extLst>
+              <a:ext uri="{FF2B5EF4-FFF2-40B4-BE49-F238E27FC236}">
+                <a16:creationId xmlns:a16="http://schemas.microsoft.com/office/drawing/2014/main" id="{167BD157-E240-85AE-52D0-4AFE67280838}"/>
+              </a:ext>
+            </a:extLst>
+          </p:cNvPr>
+          <p:cNvSpPr/>
+          <p:nvPr/>
+        </p:nvSpPr>
+        <p:spPr>
+          <a:xfrm>
+            <a:off x="7272308" y="2473260"/>
+            <a:ext cx="340139" cy="768626"/>
+          </a:xfrm>
+          <a:prstGeom prst="upDownArrow">
+            <a:avLst/>
+          </a:prstGeom>
+        </p:spPr>
+        <p:style>
+          <a:lnRef idx="2">
+            <a:schemeClr val="accent1">
+              <a:shade val="15000"/>
+            </a:schemeClr>
+          </a:lnRef>
+          <a:fillRef idx="1">
+            <a:schemeClr val="accent1"/>
+          </a:fillRef>
+          <a:effectRef idx="0">
+            <a:schemeClr val="accent1"/>
+          </a:effectRef>
+          <a:fontRef idx="minor">
+            <a:schemeClr val="lt1"/>
+          </a:fontRef>
+        </p:style>
+        <p:txBody>
+          <a:bodyPr rtlCol="0" anchor="ctr"/>
+          <a:lstStyle/>
+          <a:p>
+            <a:pPr algn="ctr"/>
+            <a:r>
+              <a:rPr lang="en-US" sz="1000" dirty="0">
+                <a:solidFill>
+                  <a:schemeClr val="bg1"/>
+                </a:solidFill>
+              </a:rPr>
+              <a:t>1</a:t>
+            </a:r>
+            <a:endParaRPr lang="en-CA" sz="1000" dirty="0">
+              <a:solidFill>
+                <a:schemeClr val="bg1"/>
+              </a:solidFill>
+            </a:endParaRPr>
+          </a:p>
+        </p:txBody>
+      </p:sp>
+      <p:sp>
+        <p:nvSpPr>
+          <p:cNvPr id="45" name="Arrow: Up-Down 44">
+            <a:extLst>
+              <a:ext uri="{FF2B5EF4-FFF2-40B4-BE49-F238E27FC236}">
+                <a16:creationId xmlns:a16="http://schemas.microsoft.com/office/drawing/2014/main" id="{172682AA-5277-427E-737F-654ABD6B1C6C}"/>
+              </a:ext>
+            </a:extLst>
+          </p:cNvPr>
+          <p:cNvSpPr/>
+          <p:nvPr/>
+        </p:nvSpPr>
+        <p:spPr>
+          <a:xfrm>
+            <a:off x="7963978" y="2454509"/>
+            <a:ext cx="340139" cy="768626"/>
+          </a:xfrm>
+          <a:prstGeom prst="upDownArrow">
+            <a:avLst/>
+          </a:prstGeom>
+        </p:spPr>
+        <p:style>
+          <a:lnRef idx="2">
+            <a:schemeClr val="accent1">
+              <a:shade val="15000"/>
+            </a:schemeClr>
+          </a:lnRef>
+          <a:fillRef idx="1">
+            <a:schemeClr val="accent1"/>
+          </a:fillRef>
+          <a:effectRef idx="0">
+            <a:schemeClr val="accent1"/>
+          </a:effectRef>
+          <a:fontRef idx="minor">
+            <a:schemeClr val="lt1"/>
+          </a:fontRef>
+        </p:style>
+        <p:txBody>
+          <a:bodyPr rtlCol="0" anchor="ctr"/>
+          <a:lstStyle/>
+          <a:p>
+            <a:pPr algn="ctr"/>
+            <a:r>
+              <a:rPr lang="en-US" sz="1000" dirty="0">
+                <a:solidFill>
+                  <a:schemeClr val="bg1"/>
+                </a:solidFill>
+              </a:rPr>
+              <a:t>1</a:t>
+            </a:r>
+            <a:endParaRPr lang="en-CA" sz="1000" dirty="0">
+              <a:solidFill>
+                <a:schemeClr val="bg1"/>
+              </a:solidFill>
+            </a:endParaRPr>
+          </a:p>
+        </p:txBody>
+      </p:sp>
+      <p:sp>
+        <p:nvSpPr>
+          <p:cNvPr id="46" name="Arrow: Up-Down 45">
+            <a:extLst>
+              <a:ext uri="{FF2B5EF4-FFF2-40B4-BE49-F238E27FC236}">
+                <a16:creationId xmlns:a16="http://schemas.microsoft.com/office/drawing/2014/main" id="{25D4805F-00C2-A8C7-4B1F-08EC0AC68B4E}"/>
+              </a:ext>
+            </a:extLst>
+          </p:cNvPr>
+          <p:cNvSpPr/>
+          <p:nvPr/>
+        </p:nvSpPr>
+        <p:spPr>
+          <a:xfrm>
+            <a:off x="5219449" y="1779727"/>
+            <a:ext cx="297671" cy="369332"/>
+          </a:xfrm>
+          <a:prstGeom prst="upDownArrow">
+            <a:avLst/>
+          </a:prstGeom>
+        </p:spPr>
+        <p:style>
+          <a:lnRef idx="2">
+            <a:schemeClr val="accent1">
+              <a:shade val="15000"/>
+            </a:schemeClr>
+          </a:lnRef>
+          <a:fillRef idx="1">
+            <a:schemeClr val="accent1"/>
+          </a:fillRef>
+          <a:effectRef idx="0">
+            <a:schemeClr val="accent1"/>
+          </a:effectRef>
+          <a:fontRef idx="minor">
+            <a:schemeClr val="lt1"/>
+          </a:fontRef>
+        </p:style>
+        <p:txBody>
+          <a:bodyPr rtlCol="0" anchor="ctr"/>
+          <a:lstStyle/>
+          <a:p>
+            <a:pPr algn="ctr"/>
+            <a:r>
+              <a:rPr lang="en-US" sz="1000" dirty="0"/>
+              <a:t>16</a:t>
+            </a:r>
+            <a:endParaRPr lang="en-CA" sz="1000" dirty="0"/>
+          </a:p>
+        </p:txBody>
+      </p:sp>
+      <p:sp>
+        <p:nvSpPr>
+          <p:cNvPr id="47" name="TextBox 46">
+            <a:extLst>
+              <a:ext uri="{FF2B5EF4-FFF2-40B4-BE49-F238E27FC236}">
+                <a16:creationId xmlns:a16="http://schemas.microsoft.com/office/drawing/2014/main" id="{20481544-3335-7F85-90A9-B756AF2C6056}"/>
+              </a:ext>
+            </a:extLst>
+          </p:cNvPr>
+          <p:cNvSpPr txBox="1"/>
+          <p:nvPr/>
+        </p:nvSpPr>
+        <p:spPr>
+          <a:xfrm>
+            <a:off x="5527427" y="1770056"/>
+            <a:ext cx="2355966" cy="369332"/>
+          </a:xfrm>
+          <a:prstGeom prst="rect">
+            <a:avLst/>
+          </a:prstGeom>
+          <a:noFill/>
+        </p:spPr>
+        <p:txBody>
+          <a:bodyPr wrap="none" rtlCol="0">
+            <a:spAutoFit/>
+          </a:bodyPr>
+          <a:lstStyle/>
+          <a:p>
+            <a:r>
+              <a:rPr lang="en-US" dirty="0"/>
+              <a:t>Read from register file</a:t>
+            </a:r>
+            <a:endParaRPr lang="en-CA" dirty="0"/>
+          </a:p>
+        </p:txBody>
+      </p:sp>
+      <p:sp>
+        <p:nvSpPr>
+          <p:cNvPr id="61" name="Arrow: Down 60">
+            <a:extLst>
+              <a:ext uri="{FF2B5EF4-FFF2-40B4-BE49-F238E27FC236}">
+                <a16:creationId xmlns:a16="http://schemas.microsoft.com/office/drawing/2014/main" id="{E77A8B29-734E-EC7F-F576-39843C2E7F94}"/>
+              </a:ext>
+            </a:extLst>
+          </p:cNvPr>
+          <p:cNvSpPr/>
+          <p:nvPr/>
+        </p:nvSpPr>
+        <p:spPr>
+          <a:xfrm>
+            <a:off x="801128" y="4532551"/>
+            <a:ext cx="412386" cy="458242"/>
+          </a:xfrm>
+          <a:prstGeom prst="downArrow">
+            <a:avLst/>
+          </a:prstGeom>
+        </p:spPr>
+        <p:style>
+          <a:lnRef idx="2">
+            <a:schemeClr val="accent1">
+              <a:shade val="15000"/>
+            </a:schemeClr>
+          </a:lnRef>
+          <a:fillRef idx="1">
+            <a:schemeClr val="accent1"/>
+          </a:fillRef>
+          <a:effectRef idx="0">
+            <a:schemeClr val="accent1"/>
+          </a:effectRef>
+          <a:fontRef idx="minor">
+            <a:schemeClr val="lt1"/>
+          </a:fontRef>
+        </p:style>
+        <p:txBody>
+          <a:bodyPr rtlCol="0" anchor="ctr"/>
+          <a:lstStyle/>
+          <a:p>
+            <a:pPr algn="ctr"/>
+            <a:r>
+              <a:rPr lang="en-US" dirty="0"/>
+              <a:t>2</a:t>
+            </a:r>
+            <a:endParaRPr lang="en-CA" dirty="0"/>
+          </a:p>
+        </p:txBody>
+      </p:sp>
+      <p:sp>
+        <p:nvSpPr>
+          <p:cNvPr id="62" name="Arrow: Down 61">
+            <a:extLst>
+              <a:ext uri="{FF2B5EF4-FFF2-40B4-BE49-F238E27FC236}">
+                <a16:creationId xmlns:a16="http://schemas.microsoft.com/office/drawing/2014/main" id="{F11ED450-E4A5-82D3-797A-3FBDBD5B5A63}"/>
+              </a:ext>
+            </a:extLst>
+          </p:cNvPr>
+          <p:cNvSpPr/>
+          <p:nvPr/>
+        </p:nvSpPr>
+        <p:spPr>
+          <a:xfrm>
+            <a:off x="1363130" y="3464470"/>
+            <a:ext cx="412386" cy="1533460"/>
+          </a:xfrm>
+          <a:prstGeom prst="downArrow">
+            <a:avLst/>
+          </a:prstGeom>
+        </p:spPr>
+        <p:style>
+          <a:lnRef idx="2">
+            <a:schemeClr val="accent1">
+              <a:shade val="15000"/>
+            </a:schemeClr>
+          </a:lnRef>
+          <a:fillRef idx="1">
+            <a:schemeClr val="accent1"/>
+          </a:fillRef>
+          <a:effectRef idx="0">
+            <a:schemeClr val="accent1"/>
+          </a:effectRef>
+          <a:fontRef idx="minor">
+            <a:schemeClr val="lt1"/>
+          </a:fontRef>
+        </p:style>
+        <p:txBody>
+          <a:bodyPr rtlCol="0" anchor="ctr"/>
+          <a:lstStyle/>
+          <a:p>
+            <a:pPr algn="ctr"/>
+            <a:r>
+              <a:rPr lang="en-US" dirty="0"/>
+              <a:t>1</a:t>
+            </a:r>
+            <a:endParaRPr lang="en-CA" dirty="0"/>
+          </a:p>
+        </p:txBody>
+      </p:sp>
+      <p:sp>
+        <p:nvSpPr>
+          <p:cNvPr id="63" name="Arrow: Down 62">
+            <a:extLst>
+              <a:ext uri="{FF2B5EF4-FFF2-40B4-BE49-F238E27FC236}">
+                <a16:creationId xmlns:a16="http://schemas.microsoft.com/office/drawing/2014/main" id="{80B4887C-AC92-6545-FF32-3106C78F0D5C}"/>
+              </a:ext>
+            </a:extLst>
+          </p:cNvPr>
+          <p:cNvSpPr/>
+          <p:nvPr/>
+        </p:nvSpPr>
+        <p:spPr>
+          <a:xfrm>
+            <a:off x="2004180" y="3468005"/>
+            <a:ext cx="412386" cy="1533460"/>
+          </a:xfrm>
+          <a:prstGeom prst="downArrow">
+            <a:avLst/>
+          </a:prstGeom>
+        </p:spPr>
+        <p:style>
+          <a:lnRef idx="2">
+            <a:schemeClr val="accent1">
+              <a:shade val="15000"/>
+            </a:schemeClr>
+          </a:lnRef>
+          <a:fillRef idx="1">
+            <a:schemeClr val="accent1"/>
+          </a:fillRef>
+          <a:effectRef idx="0">
+            <a:schemeClr val="accent1"/>
+          </a:effectRef>
+          <a:fontRef idx="minor">
+            <a:schemeClr val="lt1"/>
+          </a:fontRef>
+        </p:style>
+        <p:txBody>
+          <a:bodyPr rtlCol="0" anchor="ctr"/>
+          <a:lstStyle/>
+          <a:p>
+            <a:pPr algn="ctr"/>
+            <a:r>
+              <a:rPr lang="en-US" dirty="0"/>
+              <a:t>1</a:t>
+            </a:r>
+            <a:endParaRPr lang="en-CA" dirty="0"/>
+          </a:p>
+        </p:txBody>
+      </p:sp>
+      <p:sp>
+        <p:nvSpPr>
+          <p:cNvPr id="64" name="Arrow: Down 63">
+            <a:extLst>
+              <a:ext uri="{FF2B5EF4-FFF2-40B4-BE49-F238E27FC236}">
+                <a16:creationId xmlns:a16="http://schemas.microsoft.com/office/drawing/2014/main" id="{8CC4E98C-122B-753D-15C6-7409B9E8BB46}"/>
+              </a:ext>
+            </a:extLst>
+          </p:cNvPr>
+          <p:cNvSpPr/>
+          <p:nvPr/>
+        </p:nvSpPr>
+        <p:spPr>
+          <a:xfrm>
+            <a:off x="2584031" y="3732881"/>
+            <a:ext cx="412386" cy="1266177"/>
+          </a:xfrm>
+          <a:prstGeom prst="downArrow">
+            <a:avLst/>
+          </a:prstGeom>
+        </p:spPr>
+        <p:style>
+          <a:lnRef idx="2">
+            <a:schemeClr val="accent1">
+              <a:shade val="15000"/>
+            </a:schemeClr>
+          </a:lnRef>
+          <a:fillRef idx="1">
+            <a:schemeClr val="accent1"/>
+          </a:fillRef>
+          <a:effectRef idx="0">
+            <a:schemeClr val="accent1"/>
+          </a:effectRef>
+          <a:fontRef idx="minor">
+            <a:schemeClr val="lt1"/>
+          </a:fontRef>
+        </p:style>
+        <p:txBody>
+          <a:bodyPr rtlCol="0" anchor="ctr"/>
+          <a:lstStyle/>
+          <a:p>
+            <a:pPr algn="ctr"/>
+            <a:r>
+              <a:rPr lang="en-US" dirty="0"/>
+              <a:t>2</a:t>
+            </a:r>
+            <a:endParaRPr lang="en-CA" dirty="0"/>
+          </a:p>
+        </p:txBody>
+      </p:sp>
+      <p:sp>
+        <p:nvSpPr>
+          <p:cNvPr id="65" name="Arrow: Down 64">
+            <a:extLst>
+              <a:ext uri="{FF2B5EF4-FFF2-40B4-BE49-F238E27FC236}">
+                <a16:creationId xmlns:a16="http://schemas.microsoft.com/office/drawing/2014/main" id="{951ABB06-5D96-AAE7-9FD3-EA359A5E8223}"/>
+              </a:ext>
+            </a:extLst>
+          </p:cNvPr>
+          <p:cNvSpPr/>
+          <p:nvPr/>
+        </p:nvSpPr>
+        <p:spPr>
+          <a:xfrm>
+            <a:off x="3218917" y="3454137"/>
+            <a:ext cx="412386" cy="1533460"/>
+          </a:xfrm>
+          <a:prstGeom prst="downArrow">
+            <a:avLst/>
+          </a:prstGeom>
+        </p:spPr>
+        <p:style>
+          <a:lnRef idx="2">
+            <a:schemeClr val="accent1">
+              <a:shade val="15000"/>
+            </a:schemeClr>
+          </a:lnRef>
+          <a:fillRef idx="1">
+            <a:schemeClr val="accent1"/>
+          </a:fillRef>
+          <a:effectRef idx="0">
+            <a:schemeClr val="accent1"/>
+          </a:effectRef>
+          <a:fontRef idx="minor">
+            <a:schemeClr val="lt1"/>
+          </a:fontRef>
+        </p:style>
+        <p:txBody>
+          <a:bodyPr rtlCol="0" anchor="ctr"/>
+          <a:lstStyle/>
+          <a:p>
+            <a:pPr algn="ctr"/>
+            <a:r>
+              <a:rPr lang="en-US" dirty="0"/>
+              <a:t>1</a:t>
+            </a:r>
+            <a:endParaRPr lang="en-CA" dirty="0"/>
+          </a:p>
+        </p:txBody>
+      </p:sp>
+      <p:sp>
+        <p:nvSpPr>
+          <p:cNvPr id="66" name="Arrow: Down 65">
+            <a:extLst>
+              <a:ext uri="{FF2B5EF4-FFF2-40B4-BE49-F238E27FC236}">
+                <a16:creationId xmlns:a16="http://schemas.microsoft.com/office/drawing/2014/main" id="{AB5F88CB-D03F-AE66-BD51-FBB1A8CD5B49}"/>
+              </a:ext>
+            </a:extLst>
+          </p:cNvPr>
+          <p:cNvSpPr/>
+          <p:nvPr/>
+        </p:nvSpPr>
+        <p:spPr>
+          <a:xfrm>
+            <a:off x="3860103" y="3466071"/>
+            <a:ext cx="412386" cy="1533460"/>
+          </a:xfrm>
+          <a:prstGeom prst="downArrow">
+            <a:avLst/>
+          </a:prstGeom>
+        </p:spPr>
+        <p:style>
+          <a:lnRef idx="2">
+            <a:schemeClr val="accent1">
+              <a:shade val="15000"/>
+            </a:schemeClr>
+          </a:lnRef>
+          <a:fillRef idx="1">
+            <a:schemeClr val="accent1"/>
+          </a:fillRef>
+          <a:effectRef idx="0">
+            <a:schemeClr val="accent1"/>
+          </a:effectRef>
+          <a:fontRef idx="minor">
+            <a:schemeClr val="lt1"/>
+          </a:fontRef>
+        </p:style>
+        <p:txBody>
+          <a:bodyPr rtlCol="0" anchor="ctr"/>
+          <a:lstStyle/>
+          <a:p>
+            <a:pPr algn="ctr"/>
+            <a:r>
+              <a:rPr lang="en-US" dirty="0"/>
+              <a:t>1</a:t>
+            </a:r>
+            <a:endParaRPr lang="en-CA" dirty="0"/>
+          </a:p>
+        </p:txBody>
+      </p:sp>
+      <p:sp>
+        <p:nvSpPr>
+          <p:cNvPr id="67" name="Arrow: Down 66">
+            <a:extLst>
+              <a:ext uri="{FF2B5EF4-FFF2-40B4-BE49-F238E27FC236}">
+                <a16:creationId xmlns:a16="http://schemas.microsoft.com/office/drawing/2014/main" id="{DAF83E3C-C7F5-1498-7118-082DC5426720}"/>
+              </a:ext>
+            </a:extLst>
+          </p:cNvPr>
+          <p:cNvSpPr/>
+          <p:nvPr/>
+        </p:nvSpPr>
+        <p:spPr>
+          <a:xfrm>
+            <a:off x="4522598" y="3969003"/>
+            <a:ext cx="412386" cy="1034692"/>
+          </a:xfrm>
+          <a:prstGeom prst="downArrow">
+            <a:avLst/>
+          </a:prstGeom>
+        </p:spPr>
+        <p:style>
+          <a:lnRef idx="2">
+            <a:schemeClr val="accent1">
+              <a:shade val="15000"/>
+            </a:schemeClr>
+          </a:lnRef>
+          <a:fillRef idx="1">
+            <a:schemeClr val="accent1"/>
+          </a:fillRef>
+          <a:effectRef idx="0">
+            <a:schemeClr val="accent1"/>
+          </a:effectRef>
+          <a:fontRef idx="minor">
+            <a:schemeClr val="lt1"/>
+          </a:fontRef>
+        </p:style>
+        <p:txBody>
+          <a:bodyPr rtlCol="0" anchor="ctr"/>
+          <a:lstStyle/>
+          <a:p>
+            <a:pPr algn="ctr"/>
+            <a:r>
+              <a:rPr lang="en-US" dirty="0"/>
+              <a:t>2</a:t>
+            </a:r>
+            <a:endParaRPr lang="en-CA" dirty="0"/>
+          </a:p>
+        </p:txBody>
+      </p:sp>
+      <p:sp>
+        <p:nvSpPr>
+          <p:cNvPr id="68" name="Arrow: Down 67">
+            <a:extLst>
+              <a:ext uri="{FF2B5EF4-FFF2-40B4-BE49-F238E27FC236}">
+                <a16:creationId xmlns:a16="http://schemas.microsoft.com/office/drawing/2014/main" id="{15F2B693-EEDB-034A-111E-FB5F74852603}"/>
+              </a:ext>
+            </a:extLst>
+          </p:cNvPr>
+          <p:cNvSpPr/>
+          <p:nvPr/>
+        </p:nvSpPr>
+        <p:spPr>
+          <a:xfrm>
+            <a:off x="5179946" y="3486670"/>
+            <a:ext cx="412386" cy="1533460"/>
+          </a:xfrm>
+          <a:prstGeom prst="downArrow">
+            <a:avLst/>
+          </a:prstGeom>
+        </p:spPr>
+        <p:style>
+          <a:lnRef idx="2">
+            <a:schemeClr val="accent1">
+              <a:shade val="15000"/>
+            </a:schemeClr>
+          </a:lnRef>
+          <a:fillRef idx="1">
+            <a:schemeClr val="accent1"/>
+          </a:fillRef>
+          <a:effectRef idx="0">
+            <a:schemeClr val="accent1"/>
+          </a:effectRef>
+          <a:fontRef idx="minor">
+            <a:schemeClr val="lt1"/>
+          </a:fontRef>
+        </p:style>
+        <p:txBody>
+          <a:bodyPr rtlCol="0" anchor="ctr"/>
+          <a:lstStyle/>
+          <a:p>
+            <a:pPr algn="ctr"/>
+            <a:r>
+              <a:rPr lang="en-US" dirty="0"/>
+              <a:t>1</a:t>
+            </a:r>
+            <a:endParaRPr lang="en-CA" dirty="0"/>
+          </a:p>
+        </p:txBody>
+      </p:sp>
+      <p:sp>
+        <p:nvSpPr>
+          <p:cNvPr id="69" name="Arrow: Down 68">
+            <a:extLst>
+              <a:ext uri="{FF2B5EF4-FFF2-40B4-BE49-F238E27FC236}">
+                <a16:creationId xmlns:a16="http://schemas.microsoft.com/office/drawing/2014/main" id="{4D58C537-31EA-8880-0C4B-CF20D2ED8B32}"/>
+              </a:ext>
+            </a:extLst>
+          </p:cNvPr>
+          <p:cNvSpPr/>
+          <p:nvPr/>
+        </p:nvSpPr>
+        <p:spPr>
+          <a:xfrm>
+            <a:off x="7927028" y="3466071"/>
+            <a:ext cx="412386" cy="1533460"/>
+          </a:xfrm>
+          <a:prstGeom prst="downArrow">
+            <a:avLst/>
+          </a:prstGeom>
+        </p:spPr>
+        <p:style>
+          <a:lnRef idx="2">
+            <a:schemeClr val="accent1">
+              <a:shade val="15000"/>
+            </a:schemeClr>
+          </a:lnRef>
+          <a:fillRef idx="1">
+            <a:schemeClr val="accent1"/>
+          </a:fillRef>
+          <a:effectRef idx="0">
+            <a:schemeClr val="accent1"/>
+          </a:effectRef>
+          <a:fontRef idx="minor">
+            <a:schemeClr val="lt1"/>
+          </a:fontRef>
+        </p:style>
+        <p:txBody>
+          <a:bodyPr rtlCol="0" anchor="ctr"/>
+          <a:lstStyle/>
+          <a:p>
+            <a:pPr algn="ctr"/>
+            <a:r>
+              <a:rPr lang="en-US" dirty="0"/>
+              <a:t>1</a:t>
+            </a:r>
+            <a:endParaRPr lang="en-CA" dirty="0"/>
+          </a:p>
+        </p:txBody>
+      </p:sp>
+      <p:sp>
+        <p:nvSpPr>
+          <p:cNvPr id="70" name="Arrow: Down 69">
+            <a:extLst>
+              <a:ext uri="{FF2B5EF4-FFF2-40B4-BE49-F238E27FC236}">
+                <a16:creationId xmlns:a16="http://schemas.microsoft.com/office/drawing/2014/main" id="{9BB8CC11-8D92-539C-E5E8-DAA6D4EFCA99}"/>
+              </a:ext>
+            </a:extLst>
+          </p:cNvPr>
+          <p:cNvSpPr/>
+          <p:nvPr/>
+        </p:nvSpPr>
+        <p:spPr>
+          <a:xfrm>
+            <a:off x="7262643" y="3473518"/>
+            <a:ext cx="412386" cy="1533460"/>
+          </a:xfrm>
+          <a:prstGeom prst="downArrow">
+            <a:avLst/>
+          </a:prstGeom>
+        </p:spPr>
+        <p:style>
+          <a:lnRef idx="2">
+            <a:schemeClr val="accent1">
+              <a:shade val="15000"/>
+            </a:schemeClr>
+          </a:lnRef>
+          <a:fillRef idx="1">
+            <a:schemeClr val="accent1"/>
+          </a:fillRef>
+          <a:effectRef idx="0">
+            <a:schemeClr val="accent1"/>
+          </a:effectRef>
+          <a:fontRef idx="minor">
+            <a:schemeClr val="lt1"/>
+          </a:fontRef>
+        </p:style>
+        <p:txBody>
+          <a:bodyPr rtlCol="0" anchor="ctr"/>
+          <a:lstStyle/>
+          <a:p>
+            <a:pPr algn="ctr"/>
+            <a:r>
+              <a:rPr lang="en-US" dirty="0"/>
+              <a:t>1</a:t>
+            </a:r>
+            <a:endParaRPr lang="en-CA" dirty="0"/>
+          </a:p>
+        </p:txBody>
+      </p:sp>
+      <p:sp>
+        <p:nvSpPr>
+          <p:cNvPr id="71" name="Rectangle 70">
+            <a:extLst>
+              <a:ext uri="{FF2B5EF4-FFF2-40B4-BE49-F238E27FC236}">
+                <a16:creationId xmlns:a16="http://schemas.microsoft.com/office/drawing/2014/main" id="{1C6F6109-CE91-55C0-CDE9-1FA0A55E1768}"/>
+              </a:ext>
+            </a:extLst>
+          </p:cNvPr>
+          <p:cNvSpPr/>
+          <p:nvPr/>
+        </p:nvSpPr>
+        <p:spPr>
+          <a:xfrm>
+            <a:off x="550290" y="4986832"/>
+            <a:ext cx="11513606" cy="339934"/>
+          </a:xfrm>
+          <a:prstGeom prst="rect">
+            <a:avLst/>
+          </a:prstGeom>
+        </p:spPr>
+        <p:style>
+          <a:lnRef idx="2">
+            <a:schemeClr val="accent1">
+              <a:shade val="15000"/>
+            </a:schemeClr>
+          </a:lnRef>
+          <a:fillRef idx="1">
+            <a:schemeClr val="accent1"/>
+          </a:fillRef>
+          <a:effectRef idx="0">
+            <a:schemeClr val="accent1"/>
+          </a:effectRef>
+          <a:fontRef idx="minor">
+            <a:schemeClr val="lt1"/>
+          </a:fontRef>
+        </p:style>
+        <p:txBody>
+          <a:bodyPr rtlCol="0" anchor="ctr"/>
+          <a:lstStyle/>
+          <a:p>
+            <a:pPr algn="ctr"/>
+            <a:r>
+              <a:rPr lang="en-US" sz="1100" dirty="0"/>
+              <a:t>16 Flow through result queues (32 entry)</a:t>
+            </a:r>
+            <a:endParaRPr lang="en-CA" sz="1100" dirty="0"/>
+          </a:p>
+        </p:txBody>
+      </p:sp>
+      <p:sp>
+        <p:nvSpPr>
+          <p:cNvPr id="72" name="Rectangle 71">
+            <a:extLst>
+              <a:ext uri="{FF2B5EF4-FFF2-40B4-BE49-F238E27FC236}">
+                <a16:creationId xmlns:a16="http://schemas.microsoft.com/office/drawing/2014/main" id="{089DFE8E-A4B4-4D09-D92F-B051C93C312D}"/>
+              </a:ext>
+            </a:extLst>
+          </p:cNvPr>
+          <p:cNvSpPr/>
+          <p:nvPr/>
+        </p:nvSpPr>
+        <p:spPr>
+          <a:xfrm>
+            <a:off x="550290" y="5643997"/>
+            <a:ext cx="11513606" cy="339934"/>
+          </a:xfrm>
+          <a:prstGeom prst="rect">
+            <a:avLst/>
+          </a:prstGeom>
+        </p:spPr>
+        <p:style>
+          <a:lnRef idx="2">
+            <a:schemeClr val="accent1">
+              <a:shade val="15000"/>
+            </a:schemeClr>
+          </a:lnRef>
+          <a:fillRef idx="1">
+            <a:schemeClr val="accent1"/>
+          </a:fillRef>
+          <a:effectRef idx="0">
+            <a:schemeClr val="accent1"/>
+          </a:effectRef>
+          <a:fontRef idx="minor">
+            <a:schemeClr val="lt1"/>
+          </a:fontRef>
+        </p:style>
+        <p:txBody>
+          <a:bodyPr rtlCol="0" anchor="ctr"/>
+          <a:lstStyle/>
+          <a:p>
+            <a:pPr algn="ctr"/>
+            <a:r>
+              <a:rPr lang="en-US" sz="1100" dirty="0"/>
+              <a:t>20:4 rotating multiplex</a:t>
+            </a:r>
+            <a:endParaRPr lang="en-CA" sz="1100" dirty="0"/>
+          </a:p>
+        </p:txBody>
+      </p:sp>
+      <p:sp>
+        <p:nvSpPr>
+          <p:cNvPr id="73" name="Arrow: Down 72">
+            <a:extLst>
+              <a:ext uri="{FF2B5EF4-FFF2-40B4-BE49-F238E27FC236}">
+                <a16:creationId xmlns:a16="http://schemas.microsoft.com/office/drawing/2014/main" id="{9591EC54-63D4-66BF-6A61-348EBA5DF458}"/>
+              </a:ext>
+            </a:extLst>
+          </p:cNvPr>
+          <p:cNvSpPr/>
+          <p:nvPr/>
+        </p:nvSpPr>
+        <p:spPr>
+          <a:xfrm>
+            <a:off x="4465097" y="5314444"/>
+            <a:ext cx="3418296" cy="318301"/>
+          </a:xfrm>
+          <a:prstGeom prst="downArrow">
+            <a:avLst/>
+          </a:prstGeom>
+        </p:spPr>
+        <p:style>
+          <a:lnRef idx="2">
+            <a:schemeClr val="accent1">
+              <a:shade val="15000"/>
+            </a:schemeClr>
+          </a:lnRef>
+          <a:fillRef idx="1">
+            <a:schemeClr val="accent1"/>
+          </a:fillRef>
+          <a:effectRef idx="0">
+            <a:schemeClr val="accent1"/>
+          </a:effectRef>
+          <a:fontRef idx="minor">
+            <a:schemeClr val="lt1"/>
+          </a:fontRef>
+        </p:style>
+        <p:txBody>
+          <a:bodyPr rtlCol="0" anchor="ctr"/>
+          <a:lstStyle/>
+          <a:p>
+            <a:pPr algn="ctr"/>
+            <a:endParaRPr lang="en-CA"/>
+          </a:p>
+        </p:txBody>
+      </p:sp>
+      <p:sp>
+        <p:nvSpPr>
+          <p:cNvPr id="74" name="Arrow: Down 73">
+            <a:extLst>
+              <a:ext uri="{FF2B5EF4-FFF2-40B4-BE49-F238E27FC236}">
+                <a16:creationId xmlns:a16="http://schemas.microsoft.com/office/drawing/2014/main" id="{4B9836E3-4F30-B303-77D3-E7C70ED48919}"/>
+              </a:ext>
+            </a:extLst>
+          </p:cNvPr>
+          <p:cNvSpPr/>
+          <p:nvPr/>
+        </p:nvSpPr>
+        <p:spPr>
+          <a:xfrm>
+            <a:off x="4420334" y="5997454"/>
+            <a:ext cx="3418296" cy="318301"/>
+          </a:xfrm>
+          <a:prstGeom prst="downArrow">
+            <a:avLst/>
+          </a:prstGeom>
+        </p:spPr>
+        <p:style>
+          <a:lnRef idx="2">
+            <a:schemeClr val="accent1">
+              <a:shade val="15000"/>
+            </a:schemeClr>
+          </a:lnRef>
+          <a:fillRef idx="1">
+            <a:schemeClr val="accent1"/>
+          </a:fillRef>
+          <a:effectRef idx="0">
+            <a:schemeClr val="accent1"/>
+          </a:effectRef>
+          <a:fontRef idx="minor">
+            <a:schemeClr val="lt1"/>
+          </a:fontRef>
+        </p:style>
+        <p:txBody>
+          <a:bodyPr rtlCol="0" anchor="ctr"/>
+          <a:lstStyle/>
+          <a:p>
+            <a:pPr algn="ctr"/>
+            <a:r>
+              <a:rPr lang="en-US" sz="1100" dirty="0"/>
+              <a:t>4 results</a:t>
+            </a:r>
+            <a:endParaRPr lang="en-CA" sz="1100" dirty="0"/>
+          </a:p>
+        </p:txBody>
+      </p:sp>
+      <p:sp>
+        <p:nvSpPr>
+          <p:cNvPr id="75" name="TextBox 74">
+            <a:extLst>
+              <a:ext uri="{FF2B5EF4-FFF2-40B4-BE49-F238E27FC236}">
+                <a16:creationId xmlns:a16="http://schemas.microsoft.com/office/drawing/2014/main" id="{842A2CC6-130A-0169-AA3C-3244405DA334}"/>
+              </a:ext>
+            </a:extLst>
+          </p:cNvPr>
+          <p:cNvSpPr txBox="1"/>
+          <p:nvPr/>
+        </p:nvSpPr>
+        <p:spPr>
+          <a:xfrm>
+            <a:off x="5061137" y="6286090"/>
+            <a:ext cx="2106987" cy="369332"/>
+          </a:xfrm>
+          <a:prstGeom prst="rect">
+            <a:avLst/>
+          </a:prstGeom>
+          <a:noFill/>
+        </p:spPr>
+        <p:txBody>
+          <a:bodyPr wrap="none" rtlCol="0">
+            <a:spAutoFit/>
+          </a:bodyPr>
+          <a:lstStyle/>
+          <a:p>
+            <a:r>
+              <a:rPr lang="en-US" dirty="0"/>
+              <a:t>Write to register file</a:t>
+            </a:r>
+            <a:endParaRPr lang="en-CA" dirty="0"/>
+          </a:p>
+        </p:txBody>
+      </p:sp>
+      <p:cxnSp>
+        <p:nvCxnSpPr>
+          <p:cNvPr id="76" name="Straight Connector 75">
+            <a:extLst>
+              <a:ext uri="{FF2B5EF4-FFF2-40B4-BE49-F238E27FC236}">
+                <a16:creationId xmlns:a16="http://schemas.microsoft.com/office/drawing/2014/main" id="{3CEC3892-632B-818B-78C4-59F223B66684}"/>
+              </a:ext>
+            </a:extLst>
+          </p:cNvPr>
+          <p:cNvCxnSpPr>
+            <a:cxnSpLocks/>
+          </p:cNvCxnSpPr>
+          <p:nvPr/>
+        </p:nvCxnSpPr>
+        <p:spPr>
+          <a:xfrm>
+            <a:off x="550290" y="5571690"/>
+            <a:ext cx="11513606" cy="0"/>
+          </a:xfrm>
+          <a:prstGeom prst="line">
+            <a:avLst/>
+          </a:prstGeom>
+          <a:ln>
+            <a:solidFill>
+              <a:schemeClr val="accent2"/>
+            </a:solidFill>
+          </a:ln>
+        </p:spPr>
+        <p:style>
+          <a:lnRef idx="2">
+            <a:schemeClr val="accent1"/>
+          </a:lnRef>
+          <a:fillRef idx="0">
+            <a:schemeClr val="accent1"/>
+          </a:fillRef>
+          <a:effectRef idx="1">
+            <a:schemeClr val="accent1"/>
+          </a:effectRef>
+          <a:fontRef idx="minor">
+            <a:schemeClr val="tx1"/>
+          </a:fontRef>
+        </p:style>
+      </p:cxnSp>
+      <p:sp>
+        <p:nvSpPr>
+          <p:cNvPr id="77" name="TextBox 76">
+            <a:extLst>
+              <a:ext uri="{FF2B5EF4-FFF2-40B4-BE49-F238E27FC236}">
+                <a16:creationId xmlns:a16="http://schemas.microsoft.com/office/drawing/2014/main" id="{84FF6386-F641-CC75-0B08-39487717E665}"/>
+              </a:ext>
+            </a:extLst>
+          </p:cNvPr>
+          <p:cNvSpPr txBox="1"/>
+          <p:nvPr/>
+        </p:nvSpPr>
+        <p:spPr>
+          <a:xfrm>
+            <a:off x="367874" y="5346882"/>
+            <a:ext cx="1297086" cy="276999"/>
+          </a:xfrm>
+          <a:prstGeom prst="rect">
+            <a:avLst/>
+          </a:prstGeom>
+          <a:noFill/>
+        </p:spPr>
+        <p:txBody>
+          <a:bodyPr wrap="square" rtlCol="0">
+            <a:spAutoFit/>
+          </a:bodyPr>
+          <a:lstStyle/>
+          <a:p>
+            <a:r>
+              <a:rPr lang="en-US" sz="1200" dirty="0"/>
+              <a:t>Pipeline Register</a:t>
+            </a:r>
+            <a:endParaRPr lang="en-CA" sz="1200" dirty="0"/>
+          </a:p>
+        </p:txBody>
+      </p:sp>
+      <p:sp>
+        <p:nvSpPr>
+          <p:cNvPr id="79" name="TextBox 78">
+            <a:extLst>
+              <a:ext uri="{FF2B5EF4-FFF2-40B4-BE49-F238E27FC236}">
+                <a16:creationId xmlns:a16="http://schemas.microsoft.com/office/drawing/2014/main" id="{C2658078-6571-A2AC-B706-BC5A4D49B71C}"/>
+              </a:ext>
+            </a:extLst>
+          </p:cNvPr>
+          <p:cNvSpPr txBox="1"/>
+          <p:nvPr/>
+        </p:nvSpPr>
+        <p:spPr>
+          <a:xfrm>
+            <a:off x="8114290" y="334104"/>
+            <a:ext cx="3001143" cy="1785104"/>
+          </a:xfrm>
+          <a:prstGeom prst="rect">
+            <a:avLst/>
+          </a:prstGeom>
+          <a:noFill/>
+        </p:spPr>
+        <p:txBody>
+          <a:bodyPr wrap="none" rtlCol="0">
+            <a:spAutoFit/>
+          </a:bodyPr>
+          <a:lstStyle/>
+          <a:p>
+            <a:r>
+              <a:rPr lang="en-US" sz="1000" dirty="0"/>
+              <a:t>SAU: Simple Arithmetic Unit (integer and float)</a:t>
+            </a:r>
+          </a:p>
+          <a:p>
+            <a:r>
+              <a:rPr lang="en-US" sz="1000" dirty="0"/>
+              <a:t>IMUL: Integer multiplier</a:t>
+            </a:r>
+          </a:p>
+          <a:p>
+            <a:r>
+              <a:rPr lang="en-US" sz="1000" dirty="0"/>
+              <a:t>IDIV: Integer Divider</a:t>
+            </a:r>
+          </a:p>
+          <a:p>
+            <a:r>
+              <a:rPr lang="en-US" sz="1000" dirty="0"/>
+              <a:t>FMA: Floating-point multiply and add</a:t>
+            </a:r>
+          </a:p>
+          <a:p>
+            <a:r>
+              <a:rPr lang="en-US" sz="1000" dirty="0"/>
+              <a:t>TRIG: Floating-point trig, divide and square root</a:t>
+            </a:r>
+          </a:p>
+          <a:p>
+            <a:r>
+              <a:rPr lang="en-US" sz="1000" dirty="0"/>
+              <a:t>FCU: Flow control unit (branch unit)</a:t>
+            </a:r>
+          </a:p>
+          <a:p>
+            <a:r>
+              <a:rPr lang="en-US" sz="1000" dirty="0"/>
+              <a:t>AGEN: Address generator</a:t>
+            </a:r>
+          </a:p>
+          <a:p>
+            <a:r>
+              <a:rPr lang="en-US" sz="1000" dirty="0"/>
+              <a:t>DRAM: Data cache control logic</a:t>
+            </a:r>
+          </a:p>
+          <a:p>
+            <a:endParaRPr lang="en-US" sz="1000" dirty="0"/>
+          </a:p>
+          <a:p>
+            <a:r>
+              <a:rPr lang="en-US" sz="1000" dirty="0"/>
+              <a:t>Read ports are packed into a vector containing only</a:t>
+            </a:r>
+          </a:p>
+          <a:p>
+            <a:r>
+              <a:rPr lang="en-US" sz="1000" dirty="0"/>
+              <a:t>source operands that need reading.</a:t>
+            </a:r>
+            <a:endParaRPr lang="en-CA" sz="1000" dirty="0"/>
+          </a:p>
+        </p:txBody>
+      </p:sp>
+      <p:sp>
+        <p:nvSpPr>
+          <p:cNvPr id="80" name="Arrow: Up-Down 79">
+            <a:extLst>
+              <a:ext uri="{FF2B5EF4-FFF2-40B4-BE49-F238E27FC236}">
+                <a16:creationId xmlns:a16="http://schemas.microsoft.com/office/drawing/2014/main" id="{23031C47-9C51-2E3C-8044-86E760B0C279}"/>
+              </a:ext>
+            </a:extLst>
+          </p:cNvPr>
+          <p:cNvSpPr/>
+          <p:nvPr/>
+        </p:nvSpPr>
+        <p:spPr>
+          <a:xfrm>
+            <a:off x="8715764" y="2463631"/>
             <a:ext cx="340139" cy="768626"/>
           </a:xfrm>
           <a:prstGeom prst="upDownArrow">
@@ -13670,69 +15292,450 @@
       </p:sp>
       <p:sp>
         <p:nvSpPr>
-          <p:cNvPr id="40" name="Arrow: Up-Down 39">
-            <a:extLst>
-              <a:ext uri="{FF2B5EF4-FFF2-40B4-BE49-F238E27FC236}">
-                <a16:creationId xmlns:a16="http://schemas.microsoft.com/office/drawing/2014/main" id="{484CA597-998E-8D52-2E20-17E9EDFD37DF}"/>
-              </a:ext>
-            </a:extLst>
-          </p:cNvPr>
-          <p:cNvSpPr/>
-          <p:nvPr/>
-        </p:nvSpPr>
-        <p:spPr>
-          <a:xfrm>
-            <a:off x="3266457" y="2466023"/>
-            <a:ext cx="340139" cy="768626"/>
-          </a:xfrm>
-          <a:prstGeom prst="upDownArrow">
-            <a:avLst/>
-          </a:prstGeom>
-        </p:spPr>
-        <p:style>
-          <a:lnRef idx="2">
-            <a:schemeClr val="accent1">
-              <a:shade val="15000"/>
-            </a:schemeClr>
-          </a:lnRef>
-          <a:fillRef idx="1">
-            <a:schemeClr val="accent1"/>
-          </a:fillRef>
-          <a:effectRef idx="0">
-            <a:schemeClr val="accent1"/>
-          </a:effectRef>
-          <a:fontRef idx="minor">
-            <a:schemeClr val="lt1"/>
-          </a:fontRef>
-        </p:style>
-        <p:txBody>
-          <a:bodyPr rtlCol="0" anchor="ctr"/>
-          <a:lstStyle/>
-          <a:p>
-            <a:pPr algn="ctr"/>
-            <a:r>
-              <a:rPr lang="en-US" sz="1000" dirty="0"/>
-              <a:t>4</a:t>
-            </a:r>
-            <a:endParaRPr lang="en-CA" sz="1000" dirty="0"/>
-          </a:p>
-        </p:txBody>
-      </p:sp>
-      <p:sp>
-        <p:nvSpPr>
-          <p:cNvPr id="41" name="Arrow: Up-Down 40">
-            <a:extLst>
-              <a:ext uri="{FF2B5EF4-FFF2-40B4-BE49-F238E27FC236}">
-                <a16:creationId xmlns:a16="http://schemas.microsoft.com/office/drawing/2014/main" id="{62D03AFF-D0B3-BE37-A62E-0E325F813B5E}"/>
-              </a:ext>
-            </a:extLst>
-          </p:cNvPr>
-          <p:cNvSpPr/>
-          <p:nvPr/>
-        </p:nvSpPr>
-        <p:spPr>
-          <a:xfrm>
-            <a:off x="3898504" y="2469843"/>
+          <p:cNvPr id="82" name="Arrow: Down 81">
+            <a:extLst>
+              <a:ext uri="{FF2B5EF4-FFF2-40B4-BE49-F238E27FC236}">
+                <a16:creationId xmlns:a16="http://schemas.microsoft.com/office/drawing/2014/main" id="{358B07E1-F8AC-5A1E-64F8-01F9710B3DA6}"/>
+              </a:ext>
+            </a:extLst>
+          </p:cNvPr>
+          <p:cNvSpPr/>
+          <p:nvPr/>
+        </p:nvSpPr>
+        <p:spPr>
+          <a:xfrm>
+            <a:off x="8694159" y="3450288"/>
+            <a:ext cx="412386" cy="1533460"/>
+          </a:xfrm>
+          <a:prstGeom prst="downArrow">
+            <a:avLst/>
+          </a:prstGeom>
+        </p:spPr>
+        <p:style>
+          <a:lnRef idx="2">
+            <a:schemeClr val="accent1">
+              <a:shade val="15000"/>
+            </a:schemeClr>
+          </a:lnRef>
+          <a:fillRef idx="1">
+            <a:schemeClr val="accent1"/>
+          </a:fillRef>
+          <a:effectRef idx="0">
+            <a:schemeClr val="accent1"/>
+          </a:effectRef>
+          <a:fontRef idx="minor">
+            <a:schemeClr val="lt1"/>
+          </a:fontRef>
+        </p:style>
+        <p:txBody>
+          <a:bodyPr rtlCol="0" anchor="ctr"/>
+          <a:lstStyle/>
+          <a:p>
+            <a:pPr algn="ctr"/>
+            <a:r>
+              <a:rPr lang="en-US" dirty="0"/>
+              <a:t>1</a:t>
+            </a:r>
+            <a:endParaRPr lang="en-CA" dirty="0"/>
+          </a:p>
+        </p:txBody>
+      </p:sp>
+      <p:sp>
+        <p:nvSpPr>
+          <p:cNvPr id="84" name="TextBox 83">
+            <a:extLst>
+              <a:ext uri="{FF2B5EF4-FFF2-40B4-BE49-F238E27FC236}">
+                <a16:creationId xmlns:a16="http://schemas.microsoft.com/office/drawing/2014/main" id="{B35101C1-E541-D542-199F-C5DB73595420}"/>
+              </a:ext>
+            </a:extLst>
+          </p:cNvPr>
+          <p:cNvSpPr txBox="1"/>
+          <p:nvPr/>
+        </p:nvSpPr>
+        <p:spPr>
+          <a:xfrm>
+            <a:off x="1051017" y="4566917"/>
+            <a:ext cx="335348" cy="169277"/>
+          </a:xfrm>
+          <a:prstGeom prst="rect">
+            <a:avLst/>
+          </a:prstGeom>
+          <a:noFill/>
+        </p:spPr>
+        <p:txBody>
+          <a:bodyPr wrap="none" rtlCol="0">
+            <a:spAutoFit/>
+          </a:bodyPr>
+          <a:lstStyle/>
+          <a:p>
+            <a:r>
+              <a:rPr lang="en-US" sz="500" dirty="0"/>
+              <a:t>Lat: 1</a:t>
+            </a:r>
+            <a:endParaRPr lang="en-CA" sz="500" dirty="0"/>
+          </a:p>
+        </p:txBody>
+      </p:sp>
+      <p:sp>
+        <p:nvSpPr>
+          <p:cNvPr id="85" name="TextBox 84">
+            <a:extLst>
+              <a:ext uri="{FF2B5EF4-FFF2-40B4-BE49-F238E27FC236}">
+                <a16:creationId xmlns:a16="http://schemas.microsoft.com/office/drawing/2014/main" id="{33E520EF-4343-E99C-087F-0232C7BC6D24}"/>
+              </a:ext>
+            </a:extLst>
+          </p:cNvPr>
+          <p:cNvSpPr txBox="1"/>
+          <p:nvPr/>
+        </p:nvSpPr>
+        <p:spPr>
+          <a:xfrm>
+            <a:off x="1589784" y="4262151"/>
+            <a:ext cx="335348" cy="169277"/>
+          </a:xfrm>
+          <a:prstGeom prst="rect">
+            <a:avLst/>
+          </a:prstGeom>
+          <a:noFill/>
+        </p:spPr>
+        <p:txBody>
+          <a:bodyPr wrap="none" rtlCol="0">
+            <a:spAutoFit/>
+          </a:bodyPr>
+          <a:lstStyle/>
+          <a:p>
+            <a:r>
+              <a:rPr lang="en-US" sz="500" dirty="0"/>
+              <a:t>Lat: 1</a:t>
+            </a:r>
+            <a:endParaRPr lang="en-CA" sz="500" dirty="0"/>
+          </a:p>
+        </p:txBody>
+      </p:sp>
+      <p:sp>
+        <p:nvSpPr>
+          <p:cNvPr id="86" name="TextBox 85">
+            <a:extLst>
+              <a:ext uri="{FF2B5EF4-FFF2-40B4-BE49-F238E27FC236}">
+                <a16:creationId xmlns:a16="http://schemas.microsoft.com/office/drawing/2014/main" id="{78FB1DF9-D495-C990-6566-49EAD69A86AB}"/>
+              </a:ext>
+            </a:extLst>
+          </p:cNvPr>
+          <p:cNvSpPr txBox="1"/>
+          <p:nvPr/>
+        </p:nvSpPr>
+        <p:spPr>
+          <a:xfrm>
+            <a:off x="2241844" y="4249015"/>
+            <a:ext cx="335348" cy="169277"/>
+          </a:xfrm>
+          <a:prstGeom prst="rect">
+            <a:avLst/>
+          </a:prstGeom>
+          <a:noFill/>
+        </p:spPr>
+        <p:txBody>
+          <a:bodyPr wrap="none" rtlCol="0">
+            <a:spAutoFit/>
+          </a:bodyPr>
+          <a:lstStyle/>
+          <a:p>
+            <a:r>
+              <a:rPr lang="en-US" sz="500" dirty="0"/>
+              <a:t>Lat: 4</a:t>
+            </a:r>
+            <a:endParaRPr lang="en-CA" sz="500" dirty="0"/>
+          </a:p>
+        </p:txBody>
+      </p:sp>
+      <p:sp>
+        <p:nvSpPr>
+          <p:cNvPr id="88" name="TextBox 87">
+            <a:extLst>
+              <a:ext uri="{FF2B5EF4-FFF2-40B4-BE49-F238E27FC236}">
+                <a16:creationId xmlns:a16="http://schemas.microsoft.com/office/drawing/2014/main" id="{49D1C316-B5D7-51AD-7A45-655722475189}"/>
+              </a:ext>
+            </a:extLst>
+          </p:cNvPr>
+          <p:cNvSpPr txBox="1"/>
+          <p:nvPr/>
+        </p:nvSpPr>
+        <p:spPr>
+          <a:xfrm>
+            <a:off x="3471446" y="4249471"/>
+            <a:ext cx="335348" cy="169277"/>
+          </a:xfrm>
+          <a:prstGeom prst="rect">
+            <a:avLst/>
+          </a:prstGeom>
+          <a:noFill/>
+        </p:spPr>
+        <p:txBody>
+          <a:bodyPr wrap="none" rtlCol="0">
+            <a:spAutoFit/>
+          </a:bodyPr>
+          <a:lstStyle/>
+          <a:p>
+            <a:r>
+              <a:rPr lang="en-US" sz="500" dirty="0"/>
+              <a:t>Lat: 8</a:t>
+            </a:r>
+            <a:endParaRPr lang="en-CA" sz="500" dirty="0"/>
+          </a:p>
+        </p:txBody>
+      </p:sp>
+      <p:sp>
+        <p:nvSpPr>
+          <p:cNvPr id="89" name="TextBox 88">
+            <a:extLst>
+              <a:ext uri="{FF2B5EF4-FFF2-40B4-BE49-F238E27FC236}">
+                <a16:creationId xmlns:a16="http://schemas.microsoft.com/office/drawing/2014/main" id="{357226EE-43AD-3F0F-0A0E-8ECA87874481}"/>
+              </a:ext>
+            </a:extLst>
+          </p:cNvPr>
+          <p:cNvSpPr txBox="1"/>
+          <p:nvPr/>
+        </p:nvSpPr>
+        <p:spPr>
+          <a:xfrm>
+            <a:off x="4106332" y="4240248"/>
+            <a:ext cx="335348" cy="169277"/>
+          </a:xfrm>
+          <a:prstGeom prst="rect">
+            <a:avLst/>
+          </a:prstGeom>
+          <a:noFill/>
+        </p:spPr>
+        <p:txBody>
+          <a:bodyPr wrap="none" rtlCol="0">
+            <a:spAutoFit/>
+          </a:bodyPr>
+          <a:lstStyle/>
+          <a:p>
+            <a:r>
+              <a:rPr lang="en-US" sz="500" dirty="0"/>
+              <a:t>Lat: 8</a:t>
+            </a:r>
+            <a:endParaRPr lang="en-CA" sz="500" dirty="0"/>
+          </a:p>
+        </p:txBody>
+      </p:sp>
+      <p:sp>
+        <p:nvSpPr>
+          <p:cNvPr id="90" name="TextBox 89">
+            <a:extLst>
+              <a:ext uri="{FF2B5EF4-FFF2-40B4-BE49-F238E27FC236}">
+                <a16:creationId xmlns:a16="http://schemas.microsoft.com/office/drawing/2014/main" id="{3E8870B3-430D-D283-D86C-4C514A5BF941}"/>
+              </a:ext>
+            </a:extLst>
+          </p:cNvPr>
+          <p:cNvSpPr txBox="1"/>
+          <p:nvPr/>
+        </p:nvSpPr>
+        <p:spPr>
+          <a:xfrm>
+            <a:off x="4761541" y="4248137"/>
+            <a:ext cx="365806" cy="169277"/>
+          </a:xfrm>
+          <a:prstGeom prst="rect">
+            <a:avLst/>
+          </a:prstGeom>
+          <a:noFill/>
+        </p:spPr>
+        <p:txBody>
+          <a:bodyPr wrap="none" rtlCol="0">
+            <a:spAutoFit/>
+          </a:bodyPr>
+          <a:lstStyle/>
+          <a:p>
+            <a:r>
+              <a:rPr lang="en-US" sz="500" dirty="0"/>
+              <a:t>Lat: ??</a:t>
+            </a:r>
+            <a:endParaRPr lang="en-CA" sz="500" dirty="0"/>
+          </a:p>
+        </p:txBody>
+      </p:sp>
+      <p:sp>
+        <p:nvSpPr>
+          <p:cNvPr id="91" name="TextBox 90">
+            <a:extLst>
+              <a:ext uri="{FF2B5EF4-FFF2-40B4-BE49-F238E27FC236}">
+                <a16:creationId xmlns:a16="http://schemas.microsoft.com/office/drawing/2014/main" id="{CD0E5963-C409-D8AD-920C-2D8AB5A17E9C}"/>
+              </a:ext>
+            </a:extLst>
+          </p:cNvPr>
+          <p:cNvSpPr txBox="1"/>
+          <p:nvPr/>
+        </p:nvSpPr>
+        <p:spPr>
+          <a:xfrm>
+            <a:off x="5683502" y="3454192"/>
+            <a:ext cx="335348" cy="169277"/>
+          </a:xfrm>
+          <a:prstGeom prst="rect">
+            <a:avLst/>
+          </a:prstGeom>
+          <a:noFill/>
+        </p:spPr>
+        <p:txBody>
+          <a:bodyPr wrap="none" rtlCol="0">
+            <a:spAutoFit/>
+          </a:bodyPr>
+          <a:lstStyle/>
+          <a:p>
+            <a:r>
+              <a:rPr lang="en-US" sz="500" dirty="0"/>
+              <a:t>Lat: 1</a:t>
+            </a:r>
+            <a:endParaRPr lang="en-CA" sz="500" dirty="0"/>
+          </a:p>
+        </p:txBody>
+      </p:sp>
+      <p:sp>
+        <p:nvSpPr>
+          <p:cNvPr id="92" name="TextBox 91">
+            <a:extLst>
+              <a:ext uri="{FF2B5EF4-FFF2-40B4-BE49-F238E27FC236}">
+                <a16:creationId xmlns:a16="http://schemas.microsoft.com/office/drawing/2014/main" id="{5181DFDA-4CD0-5C12-2298-C7B2CE37957D}"/>
+              </a:ext>
+            </a:extLst>
+          </p:cNvPr>
+          <p:cNvSpPr txBox="1"/>
+          <p:nvPr/>
+        </p:nvSpPr>
+        <p:spPr>
+          <a:xfrm>
+            <a:off x="8956101" y="4140573"/>
+            <a:ext cx="335348" cy="169277"/>
+          </a:xfrm>
+          <a:prstGeom prst="rect">
+            <a:avLst/>
+          </a:prstGeom>
+          <a:noFill/>
+        </p:spPr>
+        <p:txBody>
+          <a:bodyPr wrap="none" rtlCol="0">
+            <a:spAutoFit/>
+          </a:bodyPr>
+          <a:lstStyle/>
+          <a:p>
+            <a:r>
+              <a:rPr lang="en-US" sz="500" dirty="0"/>
+              <a:t>Lat: 3</a:t>
+            </a:r>
+            <a:endParaRPr lang="en-CA" sz="500" dirty="0"/>
+          </a:p>
+        </p:txBody>
+      </p:sp>
+      <p:sp>
+        <p:nvSpPr>
+          <p:cNvPr id="87" name="TextBox 86">
+            <a:extLst>
+              <a:ext uri="{FF2B5EF4-FFF2-40B4-BE49-F238E27FC236}">
+                <a16:creationId xmlns:a16="http://schemas.microsoft.com/office/drawing/2014/main" id="{AF88EC9D-8895-9EB8-CB82-C39049FDD38D}"/>
+              </a:ext>
+            </a:extLst>
+          </p:cNvPr>
+          <p:cNvSpPr txBox="1"/>
+          <p:nvPr/>
+        </p:nvSpPr>
+        <p:spPr>
+          <a:xfrm>
+            <a:off x="2831086" y="4260694"/>
+            <a:ext cx="365806" cy="169277"/>
+          </a:xfrm>
+          <a:prstGeom prst="rect">
+            <a:avLst/>
+          </a:prstGeom>
+          <a:noFill/>
+        </p:spPr>
+        <p:txBody>
+          <a:bodyPr wrap="none" rtlCol="0">
+            <a:spAutoFit/>
+          </a:bodyPr>
+          <a:lstStyle/>
+          <a:p>
+            <a:r>
+              <a:rPr lang="en-US" sz="500" dirty="0"/>
+              <a:t>Lat: ??</a:t>
+            </a:r>
+            <a:endParaRPr lang="en-CA" sz="500" dirty="0"/>
+          </a:p>
+        </p:txBody>
+      </p:sp>
+      <p:sp>
+        <p:nvSpPr>
+          <p:cNvPr id="24" name="Rectangle 23">
+            <a:extLst>
+              <a:ext uri="{FF2B5EF4-FFF2-40B4-BE49-F238E27FC236}">
+                <a16:creationId xmlns:a16="http://schemas.microsoft.com/office/drawing/2014/main" id="{E481DB56-C5C9-7AC4-0EE9-D297C341DF43}"/>
+              </a:ext>
+            </a:extLst>
+          </p:cNvPr>
+          <p:cNvSpPr/>
+          <p:nvPr/>
+        </p:nvSpPr>
+        <p:spPr>
+          <a:xfrm>
+            <a:off x="9340340" y="3238921"/>
+            <a:ext cx="615494" cy="532936"/>
+          </a:xfrm>
+          <a:prstGeom prst="rect">
+            <a:avLst/>
+          </a:prstGeom>
+        </p:spPr>
+        <p:style>
+          <a:lnRef idx="2">
+            <a:schemeClr val="accent1">
+              <a:shade val="15000"/>
+            </a:schemeClr>
+          </a:lnRef>
+          <a:fillRef idx="1">
+            <a:schemeClr val="accent1"/>
+          </a:fillRef>
+          <a:effectRef idx="0">
+            <a:schemeClr val="accent1"/>
+          </a:effectRef>
+          <a:fontRef idx="minor">
+            <a:schemeClr val="lt1"/>
+          </a:fontRef>
+        </p:style>
+        <p:txBody>
+          <a:bodyPr rtlCol="0" anchor="ctr"/>
+          <a:lstStyle/>
+          <a:p>
+            <a:pPr algn="ctr"/>
+            <a:r>
+              <a:rPr lang="en-US" sz="700" dirty="0"/>
+              <a:t>Neural Network</a:t>
+            </a:r>
+          </a:p>
+          <a:p>
+            <a:pPr algn="ctr"/>
+            <a:r>
+              <a:rPr lang="en-US" sz="700" dirty="0"/>
+              <a:t>16 parallel neurons</a:t>
+            </a:r>
+            <a:endParaRPr lang="en-CA" sz="700" dirty="0"/>
+          </a:p>
+        </p:txBody>
+      </p:sp>
+      <p:sp>
+        <p:nvSpPr>
+          <p:cNvPr id="25" name="Arrow: Up-Down 24">
+            <a:extLst>
+              <a:ext uri="{FF2B5EF4-FFF2-40B4-BE49-F238E27FC236}">
+                <a16:creationId xmlns:a16="http://schemas.microsoft.com/office/drawing/2014/main" id="{DB92EDD2-6E78-2318-1091-5B24DD3F35EA}"/>
+              </a:ext>
+            </a:extLst>
+          </p:cNvPr>
+          <p:cNvSpPr/>
+          <p:nvPr/>
+        </p:nvSpPr>
+        <p:spPr>
+          <a:xfrm>
+            <a:off x="9474440" y="2448574"/>
             <a:ext cx="340139" cy="768626"/>
           </a:xfrm>
           <a:prstGeom prst="upDownArrow">
@@ -13766,7 +15769,7 @@
                   <a:schemeClr val="bg1"/>
                 </a:solidFill>
               </a:rPr>
-              <a:t>4</a:t>
+              <a:t>3</a:t>
             </a:r>
             <a:endParaRPr lang="en-CA" sz="1000" dirty="0">
               <a:solidFill>
@@ -13778,20 +15781,120 @@
       </p:sp>
       <p:sp>
         <p:nvSpPr>
-          <p:cNvPr id="42" name="Arrow: Up-Down 41">
-            <a:extLst>
-              <a:ext uri="{FF2B5EF4-FFF2-40B4-BE49-F238E27FC236}">
-                <a16:creationId xmlns:a16="http://schemas.microsoft.com/office/drawing/2014/main" id="{C9FFACE2-7D7C-FD95-7CF1-4CB0CBE5103F}"/>
-              </a:ext>
-            </a:extLst>
-          </p:cNvPr>
-          <p:cNvSpPr/>
-          <p:nvPr/>
-        </p:nvSpPr>
-        <p:spPr>
-          <a:xfrm>
-            <a:off x="5883145" y="2468703"/>
-            <a:ext cx="340139" cy="768626"/>
+          <p:cNvPr id="27" name="Arrow: Down 26">
+            <a:extLst>
+              <a:ext uri="{FF2B5EF4-FFF2-40B4-BE49-F238E27FC236}">
+                <a16:creationId xmlns:a16="http://schemas.microsoft.com/office/drawing/2014/main" id="{C9B770E9-9E36-BC7B-CD3A-649836BF1379}"/>
+              </a:ext>
+            </a:extLst>
+          </p:cNvPr>
+          <p:cNvSpPr/>
+          <p:nvPr/>
+        </p:nvSpPr>
+        <p:spPr>
+          <a:xfrm>
+            <a:off x="9451831" y="3780849"/>
+            <a:ext cx="412386" cy="1207245"/>
+          </a:xfrm>
+          <a:prstGeom prst="downArrow">
+            <a:avLst/>
+          </a:prstGeom>
+        </p:spPr>
+        <p:style>
+          <a:lnRef idx="2">
+            <a:schemeClr val="accent1">
+              <a:shade val="15000"/>
+            </a:schemeClr>
+          </a:lnRef>
+          <a:fillRef idx="1">
+            <a:schemeClr val="accent1"/>
+          </a:fillRef>
+          <a:effectRef idx="0">
+            <a:schemeClr val="accent1"/>
+          </a:effectRef>
+          <a:fontRef idx="minor">
+            <a:schemeClr val="lt1"/>
+          </a:fontRef>
+        </p:style>
+        <p:txBody>
+          <a:bodyPr rtlCol="0" anchor="ctr"/>
+          <a:lstStyle/>
+          <a:p>
+            <a:pPr algn="ctr"/>
+            <a:r>
+              <a:rPr lang="en-US" dirty="0"/>
+              <a:t>1</a:t>
+            </a:r>
+            <a:endParaRPr lang="en-CA" dirty="0"/>
+          </a:p>
+        </p:txBody>
+      </p:sp>
+      <p:sp>
+        <p:nvSpPr>
+          <p:cNvPr id="29" name="Rectangle 28">
+            <a:extLst>
+              <a:ext uri="{FF2B5EF4-FFF2-40B4-BE49-F238E27FC236}">
+                <a16:creationId xmlns:a16="http://schemas.microsoft.com/office/drawing/2014/main" id="{4CDDCB0D-07E3-F8C0-A2F8-13C02CA1A8B4}"/>
+              </a:ext>
+            </a:extLst>
+          </p:cNvPr>
+          <p:cNvSpPr/>
+          <p:nvPr/>
+        </p:nvSpPr>
+        <p:spPr>
+          <a:xfrm>
+            <a:off x="4990744" y="845932"/>
+            <a:ext cx="720000" cy="216000"/>
+          </a:xfrm>
+          <a:prstGeom prst="rect">
+            <a:avLst/>
+          </a:prstGeom>
+        </p:spPr>
+        <p:style>
+          <a:lnRef idx="2">
+            <a:schemeClr val="accent1">
+              <a:shade val="15000"/>
+            </a:schemeClr>
+          </a:lnRef>
+          <a:fillRef idx="1">
+            <a:schemeClr val="accent1"/>
+          </a:fillRef>
+          <a:effectRef idx="0">
+            <a:schemeClr val="accent1"/>
+          </a:effectRef>
+          <a:fontRef idx="minor">
+            <a:schemeClr val="lt1"/>
+          </a:fontRef>
+        </p:style>
+        <p:txBody>
+          <a:bodyPr rtlCol="0" anchor="ctr"/>
+          <a:lstStyle/>
+          <a:p>
+            <a:pPr algn="ctr"/>
+            <a:r>
+              <a:rPr lang="en-US" sz="700" dirty="0"/>
+              <a:t>Port Packing</a:t>
+            </a:r>
+            <a:endParaRPr lang="en-CA" sz="700" dirty="0"/>
+          </a:p>
+        </p:txBody>
+      </p:sp>
+      <p:sp>
+        <p:nvSpPr>
+          <p:cNvPr id="30" name="Arrow: Up-Down 29">
+            <a:extLst>
+              <a:ext uri="{FF2B5EF4-FFF2-40B4-BE49-F238E27FC236}">
+                <a16:creationId xmlns:a16="http://schemas.microsoft.com/office/drawing/2014/main" id="{44EB0E90-3C35-259C-59F8-3056456FD5B3}"/>
+              </a:ext>
+            </a:extLst>
+          </p:cNvPr>
+          <p:cNvSpPr/>
+          <p:nvPr/>
+        </p:nvSpPr>
+        <p:spPr>
+          <a:xfrm>
+            <a:off x="5251488" y="1044471"/>
+            <a:ext cx="212826" cy="337366"/>
           </a:xfrm>
           <a:prstGeom prst="upDownArrow">
             <a:avLst/>
@@ -13819,94 +15922,132 @@
           <a:p>
             <a:pPr algn="ctr"/>
             <a:r>
-              <a:rPr lang="en-US" sz="1000" dirty="0">
-                <a:solidFill>
-                  <a:schemeClr val="bg1"/>
-                </a:solidFill>
-              </a:rPr>
-              <a:t>2</a:t>
-            </a:r>
-            <a:endParaRPr lang="en-CA" sz="1000" dirty="0">
-              <a:solidFill>
-                <a:schemeClr val="bg1"/>
-              </a:solidFill>
-            </a:endParaRPr>
-          </a:p>
-        </p:txBody>
-      </p:sp>
-      <p:sp>
-        <p:nvSpPr>
-          <p:cNvPr id="43" name="Arrow: Up-Down 42">
-            <a:extLst>
-              <a:ext uri="{FF2B5EF4-FFF2-40B4-BE49-F238E27FC236}">
-                <a16:creationId xmlns:a16="http://schemas.microsoft.com/office/drawing/2014/main" id="{19DD16B5-D0C6-56C6-6D1D-356BDF1FC148}"/>
-              </a:ext>
-            </a:extLst>
-          </p:cNvPr>
-          <p:cNvSpPr/>
-          <p:nvPr/>
-        </p:nvSpPr>
-        <p:spPr>
-          <a:xfrm>
-            <a:off x="6547437" y="2466023"/>
-            <a:ext cx="340139" cy="768626"/>
-          </a:xfrm>
-          <a:prstGeom prst="upDownArrow">
-            <a:avLst/>
-          </a:prstGeom>
-        </p:spPr>
-        <p:style>
-          <a:lnRef idx="2">
-            <a:schemeClr val="accent1">
-              <a:shade val="15000"/>
-            </a:schemeClr>
-          </a:lnRef>
-          <a:fillRef idx="1">
-            <a:schemeClr val="accent1"/>
-          </a:fillRef>
-          <a:effectRef idx="0">
-            <a:schemeClr val="accent1"/>
-          </a:effectRef>
-          <a:fontRef idx="minor">
-            <a:schemeClr val="lt1"/>
-          </a:fontRef>
-        </p:style>
-        <p:txBody>
-          <a:bodyPr rtlCol="0" anchor="ctr"/>
-          <a:lstStyle/>
-          <a:p>
-            <a:pPr algn="ctr"/>
-            <a:r>
-              <a:rPr lang="en-US" sz="1000" dirty="0">
-                <a:solidFill>
-                  <a:schemeClr val="bg1"/>
-                </a:solidFill>
-              </a:rPr>
-              <a:t>2</a:t>
-            </a:r>
-            <a:endParaRPr lang="en-CA" sz="1000" dirty="0">
-              <a:solidFill>
-                <a:schemeClr val="bg1"/>
-              </a:solidFill>
-            </a:endParaRPr>
-          </a:p>
-        </p:txBody>
-      </p:sp>
-      <p:sp>
-        <p:nvSpPr>
-          <p:cNvPr id="44" name="Arrow: Up-Down 43">
-            <a:extLst>
-              <a:ext uri="{FF2B5EF4-FFF2-40B4-BE49-F238E27FC236}">
-                <a16:creationId xmlns:a16="http://schemas.microsoft.com/office/drawing/2014/main" id="{167BD157-E240-85AE-52D0-4AFE67280838}"/>
-              </a:ext>
-            </a:extLst>
-          </p:cNvPr>
-          <p:cNvSpPr/>
-          <p:nvPr/>
-        </p:nvSpPr>
-        <p:spPr>
-          <a:xfrm>
-            <a:off x="7272308" y="2473260"/>
+              <a:rPr lang="en-US" sz="1000" dirty="0"/>
+              <a:t>16</a:t>
+            </a:r>
+            <a:endParaRPr lang="en-CA" sz="1000" dirty="0"/>
+          </a:p>
+        </p:txBody>
+      </p:sp>
+      <p:sp>
+        <p:nvSpPr>
+          <p:cNvPr id="31" name="TextBox 30">
+            <a:extLst>
+              <a:ext uri="{FF2B5EF4-FFF2-40B4-BE49-F238E27FC236}">
+                <a16:creationId xmlns:a16="http://schemas.microsoft.com/office/drawing/2014/main" id="{0D5F0C49-D56C-37EF-6204-191B87F32ACB}"/>
+              </a:ext>
+            </a:extLst>
+          </p:cNvPr>
+          <p:cNvSpPr txBox="1"/>
+          <p:nvPr/>
+        </p:nvSpPr>
+        <p:spPr>
+          <a:xfrm>
+            <a:off x="559296" y="813854"/>
+            <a:ext cx="3643143" cy="1277273"/>
+          </a:xfrm>
+          <a:prstGeom prst="rect">
+            <a:avLst/>
+          </a:prstGeom>
+          <a:noFill/>
+        </p:spPr>
+        <p:txBody>
+          <a:bodyPr wrap="square" rtlCol="0">
+            <a:spAutoFit/>
+          </a:bodyPr>
+          <a:lstStyle/>
+          <a:p>
+            <a:r>
+              <a:rPr lang="en-US" sz="1100" dirty="0"/>
+              <a:t>Rotating muxes change the read/write port priority every clock cycle to prevent ports from starving.</a:t>
+            </a:r>
+          </a:p>
+          <a:p>
+            <a:endParaRPr lang="en-US" sz="1100" dirty="0"/>
+          </a:p>
+          <a:p>
+            <a:r>
+              <a:rPr lang="en-US" sz="1100" dirty="0"/>
+              <a:t>There is bypassing from register file inputs to reservation stations.</a:t>
+            </a:r>
+          </a:p>
+          <a:p>
+            <a:endParaRPr lang="en-US" sz="1100" dirty="0"/>
+          </a:p>
+          <a:p>
+            <a:r>
+              <a:rPr lang="en-US" sz="1100" dirty="0"/>
+              <a:t>Reservation stations have three entry input queues.</a:t>
+            </a:r>
+            <a:endParaRPr lang="en-CA" sz="1100" dirty="0"/>
+          </a:p>
+        </p:txBody>
+      </p:sp>
+      <p:sp>
+        <p:nvSpPr>
+          <p:cNvPr id="32" name="Rectangle 31">
+            <a:extLst>
+              <a:ext uri="{FF2B5EF4-FFF2-40B4-BE49-F238E27FC236}">
+                <a16:creationId xmlns:a16="http://schemas.microsoft.com/office/drawing/2014/main" id="{C968DA46-1AA2-CE2E-542C-0AB89CE5CBE1}"/>
+              </a:ext>
+            </a:extLst>
+          </p:cNvPr>
+          <p:cNvSpPr/>
+          <p:nvPr/>
+        </p:nvSpPr>
+        <p:spPr>
+          <a:xfrm>
+            <a:off x="10017514" y="3250033"/>
+            <a:ext cx="491354" cy="216000"/>
+          </a:xfrm>
+          <a:prstGeom prst="rect">
+            <a:avLst/>
+          </a:prstGeom>
+        </p:spPr>
+        <p:style>
+          <a:lnRef idx="2">
+            <a:schemeClr val="accent1">
+              <a:shade val="15000"/>
+            </a:schemeClr>
+          </a:lnRef>
+          <a:fillRef idx="1">
+            <a:schemeClr val="accent1"/>
+          </a:fillRef>
+          <a:effectRef idx="0">
+            <a:schemeClr val="accent1"/>
+          </a:effectRef>
+          <a:fontRef idx="minor">
+            <a:schemeClr val="lt1"/>
+          </a:fontRef>
+        </p:style>
+        <p:txBody>
+          <a:bodyPr rtlCol="0" anchor="ctr"/>
+          <a:lstStyle/>
+          <a:p>
+            <a:pPr algn="ctr"/>
+            <a:r>
+              <a:rPr lang="en-US" sz="700" dirty="0"/>
+              <a:t>Crypto</a:t>
+            </a:r>
+            <a:endParaRPr lang="en-CA" sz="700" dirty="0"/>
+          </a:p>
+        </p:txBody>
+      </p:sp>
+      <p:sp>
+        <p:nvSpPr>
+          <p:cNvPr id="78" name="Arrow: Up-Down 77">
+            <a:extLst>
+              <a:ext uri="{FF2B5EF4-FFF2-40B4-BE49-F238E27FC236}">
+                <a16:creationId xmlns:a16="http://schemas.microsoft.com/office/drawing/2014/main" id="{5AA53529-B298-EF3D-BEB2-1D4443ECAF4C}"/>
+              </a:ext>
+            </a:extLst>
+          </p:cNvPr>
+          <p:cNvSpPr/>
+          <p:nvPr/>
+        </p:nvSpPr>
+        <p:spPr>
+          <a:xfrm>
+            <a:off x="10063046" y="2455407"/>
             <a:ext cx="340139" cy="768626"/>
           </a:xfrm>
           <a:prstGeom prst="upDownArrow">
@@ -13952,118 +16093,110 @@
       </p:sp>
       <p:sp>
         <p:nvSpPr>
-          <p:cNvPr id="45" name="Arrow: Up-Down 44">
-            <a:extLst>
-              <a:ext uri="{FF2B5EF4-FFF2-40B4-BE49-F238E27FC236}">
-                <a16:creationId xmlns:a16="http://schemas.microsoft.com/office/drawing/2014/main" id="{172682AA-5277-427E-737F-654ABD6B1C6C}"/>
-              </a:ext>
-            </a:extLst>
-          </p:cNvPr>
-          <p:cNvSpPr/>
-          <p:nvPr/>
-        </p:nvSpPr>
-        <p:spPr>
-          <a:xfrm>
-            <a:off x="7963978" y="2454509"/>
-            <a:ext cx="340139" cy="768626"/>
-          </a:xfrm>
-          <a:prstGeom prst="upDownArrow">
-            <a:avLst/>
-          </a:prstGeom>
-        </p:spPr>
-        <p:style>
-          <a:lnRef idx="2">
-            <a:schemeClr val="accent1">
-              <a:shade val="15000"/>
-            </a:schemeClr>
-          </a:lnRef>
-          <a:fillRef idx="1">
-            <a:schemeClr val="accent1"/>
-          </a:fillRef>
-          <a:effectRef idx="0">
-            <a:schemeClr val="accent1"/>
-          </a:effectRef>
-          <a:fontRef idx="minor">
-            <a:schemeClr val="lt1"/>
-          </a:fontRef>
-        </p:style>
-        <p:txBody>
-          <a:bodyPr rtlCol="0" anchor="ctr"/>
-          <a:lstStyle/>
-          <a:p>
-            <a:pPr algn="ctr"/>
-            <a:r>
-              <a:rPr lang="en-US" sz="1000" dirty="0">
-                <a:solidFill>
-                  <a:schemeClr val="bg1"/>
-                </a:solidFill>
-              </a:rPr>
+          <p:cNvPr id="94" name="Arrow: Down 93">
+            <a:extLst>
+              <a:ext uri="{FF2B5EF4-FFF2-40B4-BE49-F238E27FC236}">
+                <a16:creationId xmlns:a16="http://schemas.microsoft.com/office/drawing/2014/main" id="{2B9C3FDD-E935-4F8F-A3B4-D03E1AE89E70}"/>
+              </a:ext>
+            </a:extLst>
+          </p:cNvPr>
+          <p:cNvSpPr/>
+          <p:nvPr/>
+        </p:nvSpPr>
+        <p:spPr>
+          <a:xfrm>
+            <a:off x="10063046" y="3481913"/>
+            <a:ext cx="412386" cy="1493258"/>
+          </a:xfrm>
+          <a:prstGeom prst="downArrow">
+            <a:avLst/>
+          </a:prstGeom>
+        </p:spPr>
+        <p:style>
+          <a:lnRef idx="2">
+            <a:schemeClr val="accent1">
+              <a:shade val="15000"/>
+            </a:schemeClr>
+          </a:lnRef>
+          <a:fillRef idx="1">
+            <a:schemeClr val="accent1"/>
+          </a:fillRef>
+          <a:effectRef idx="0">
+            <a:schemeClr val="accent1"/>
+          </a:effectRef>
+          <a:fontRef idx="minor">
+            <a:schemeClr val="lt1"/>
+          </a:fontRef>
+        </p:style>
+        <p:txBody>
+          <a:bodyPr rtlCol="0" anchor="ctr"/>
+          <a:lstStyle/>
+          <a:p>
+            <a:pPr algn="ctr"/>
+            <a:r>
+              <a:rPr lang="en-US" dirty="0"/>
               <a:t>1</a:t>
             </a:r>
-            <a:endParaRPr lang="en-CA" sz="1000" dirty="0">
-              <a:solidFill>
-                <a:schemeClr val="bg1"/>
-              </a:solidFill>
-            </a:endParaRPr>
-          </a:p>
-        </p:txBody>
-      </p:sp>
-      <p:sp>
-        <p:nvSpPr>
-          <p:cNvPr id="46" name="Arrow: Up-Down 45">
-            <a:extLst>
-              <a:ext uri="{FF2B5EF4-FFF2-40B4-BE49-F238E27FC236}">
-                <a16:creationId xmlns:a16="http://schemas.microsoft.com/office/drawing/2014/main" id="{25D4805F-00C2-A8C7-4B1F-08EC0AC68B4E}"/>
-              </a:ext>
-            </a:extLst>
-          </p:cNvPr>
-          <p:cNvSpPr/>
-          <p:nvPr/>
-        </p:nvSpPr>
-        <p:spPr>
-          <a:xfrm>
-            <a:off x="5219449" y="1779727"/>
-            <a:ext cx="297671" cy="369332"/>
-          </a:xfrm>
-          <a:prstGeom prst="upDownArrow">
-            <a:avLst/>
-          </a:prstGeom>
-        </p:spPr>
-        <p:style>
-          <a:lnRef idx="2">
-            <a:schemeClr val="accent1">
-              <a:shade val="15000"/>
-            </a:schemeClr>
-          </a:lnRef>
-          <a:fillRef idx="1">
-            <a:schemeClr val="accent1"/>
-          </a:fillRef>
-          <a:effectRef idx="0">
-            <a:schemeClr val="accent1"/>
-          </a:effectRef>
-          <a:fontRef idx="minor">
-            <a:schemeClr val="lt1"/>
-          </a:fontRef>
-        </p:style>
-        <p:txBody>
-          <a:bodyPr rtlCol="0" anchor="ctr"/>
-          <a:lstStyle/>
-          <a:p>
-            <a:pPr algn="ctr"/>
-            <a:r>
-              <a:rPr lang="en-US" sz="1000" dirty="0"/>
-              <a:t>16</a:t>
-            </a:r>
-            <a:endParaRPr lang="en-CA" sz="1000" dirty="0"/>
-          </a:p>
-        </p:txBody>
-      </p:sp>
-      <p:sp>
-        <p:nvSpPr>
-          <p:cNvPr id="47" name="TextBox 46">
-            <a:extLst>
-              <a:ext uri="{FF2B5EF4-FFF2-40B4-BE49-F238E27FC236}">
-                <a16:creationId xmlns:a16="http://schemas.microsoft.com/office/drawing/2014/main" id="{20481544-3335-7F85-90A9-B756AF2C6056}"/>
+            <a:endParaRPr lang="en-CA" dirty="0"/>
+          </a:p>
+        </p:txBody>
+      </p:sp>
+      <p:sp>
+        <p:nvSpPr>
+          <p:cNvPr id="95" name="Rectangle 94">
+            <a:extLst>
+              <a:ext uri="{FF2B5EF4-FFF2-40B4-BE49-F238E27FC236}">
+                <a16:creationId xmlns:a16="http://schemas.microsoft.com/office/drawing/2014/main" id="{818A4B9F-614C-0A8D-0E5A-11F2715FEFA7}"/>
+              </a:ext>
+            </a:extLst>
+          </p:cNvPr>
+          <p:cNvSpPr/>
+          <p:nvPr/>
+        </p:nvSpPr>
+        <p:spPr>
+          <a:xfrm>
+            <a:off x="4530552" y="1382885"/>
+            <a:ext cx="1598322" cy="371782"/>
+          </a:xfrm>
+          <a:prstGeom prst="rect">
+            <a:avLst/>
+          </a:prstGeom>
+        </p:spPr>
+        <p:style>
+          <a:lnRef idx="2">
+            <a:schemeClr val="accent1">
+              <a:shade val="15000"/>
+            </a:schemeClr>
+          </a:lnRef>
+          <a:fillRef idx="1">
+            <a:schemeClr val="accent1"/>
+          </a:fillRef>
+          <a:effectRef idx="0">
+            <a:schemeClr val="accent1"/>
+          </a:effectRef>
+          <a:fontRef idx="minor">
+            <a:schemeClr val="lt1"/>
+          </a:fontRef>
+        </p:style>
+        <p:txBody>
+          <a:bodyPr rtlCol="0" anchor="ctr"/>
+          <a:lstStyle/>
+          <a:p>
+            <a:pPr algn="ctr"/>
+            <a:r>
+              <a:rPr lang="en-US" sz="700" dirty="0"/>
+              <a:t>Register File Read</a:t>
+            </a:r>
+            <a:endParaRPr lang="en-CA" sz="700" dirty="0"/>
+          </a:p>
+        </p:txBody>
+      </p:sp>
+      <p:sp>
+        <p:nvSpPr>
+          <p:cNvPr id="97" name="TextBox 96">
+            <a:extLst>
+              <a:ext uri="{FF2B5EF4-FFF2-40B4-BE49-F238E27FC236}">
+                <a16:creationId xmlns:a16="http://schemas.microsoft.com/office/drawing/2014/main" id="{5A1A0868-613A-7356-225A-7748D7DD9C03}"/>
               </a:ext>
             </a:extLst>
           </p:cNvPr>
@@ -14072,8 +16205,8 @@
         </p:nvSpPr>
         <p:spPr>
           <a:xfrm>
-            <a:off x="5527427" y="1770056"/>
-            <a:ext cx="2355966" cy="369332"/>
+            <a:off x="5563456" y="3890196"/>
+            <a:ext cx="1555362" cy="276999"/>
           </a:xfrm>
           <a:prstGeom prst="rect">
             <a:avLst/>
@@ -14087,771 +16220,35 @@
           <a:lstStyle/>
           <a:p>
             <a:r>
-              <a:rPr lang="en-US" dirty="0"/>
-              <a:t>Read from register file</a:t>
-            </a:r>
-            <a:endParaRPr lang="en-CA" dirty="0"/>
-          </a:p>
-        </p:txBody>
-      </p:sp>
-      <p:sp>
-        <p:nvSpPr>
-          <p:cNvPr id="61" name="Arrow: Down 60">
-            <a:extLst>
-              <a:ext uri="{FF2B5EF4-FFF2-40B4-BE49-F238E27FC236}">
-                <a16:creationId xmlns:a16="http://schemas.microsoft.com/office/drawing/2014/main" id="{E77A8B29-734E-EC7F-F576-39843C2E7F94}"/>
-              </a:ext>
-            </a:extLst>
-          </p:cNvPr>
-          <p:cNvSpPr/>
-          <p:nvPr/>
-        </p:nvSpPr>
-        <p:spPr>
-          <a:xfrm>
-            <a:off x="801128" y="4285191"/>
-            <a:ext cx="412386" cy="705602"/>
-          </a:xfrm>
-          <a:prstGeom prst="downArrow">
-            <a:avLst/>
-          </a:prstGeom>
-        </p:spPr>
-        <p:style>
-          <a:lnRef idx="2">
-            <a:schemeClr val="accent1">
-              <a:shade val="15000"/>
-            </a:schemeClr>
-          </a:lnRef>
-          <a:fillRef idx="1">
-            <a:schemeClr val="accent1"/>
-          </a:fillRef>
-          <a:effectRef idx="0">
-            <a:schemeClr val="accent1"/>
-          </a:effectRef>
-          <a:fontRef idx="minor">
-            <a:schemeClr val="lt1"/>
-          </a:fontRef>
-        </p:style>
-        <p:txBody>
-          <a:bodyPr rtlCol="0" anchor="ctr"/>
-          <a:lstStyle/>
-          <a:p>
-            <a:pPr algn="ctr"/>
-            <a:r>
-              <a:rPr lang="en-US" dirty="0"/>
-              <a:t>1</a:t>
-            </a:r>
-            <a:endParaRPr lang="en-CA" dirty="0"/>
-          </a:p>
-        </p:txBody>
-      </p:sp>
-      <p:sp>
-        <p:nvSpPr>
-          <p:cNvPr id="62" name="Arrow: Down 61">
-            <a:extLst>
-              <a:ext uri="{FF2B5EF4-FFF2-40B4-BE49-F238E27FC236}">
-                <a16:creationId xmlns:a16="http://schemas.microsoft.com/office/drawing/2014/main" id="{F11ED450-E4A5-82D3-797A-3FBDBD5B5A63}"/>
-              </a:ext>
-            </a:extLst>
-          </p:cNvPr>
-          <p:cNvSpPr/>
-          <p:nvPr/>
-        </p:nvSpPr>
-        <p:spPr>
-          <a:xfrm>
-            <a:off x="1363130" y="3464470"/>
-            <a:ext cx="412386" cy="1533460"/>
-          </a:xfrm>
-          <a:prstGeom prst="downArrow">
-            <a:avLst/>
-          </a:prstGeom>
-        </p:spPr>
-        <p:style>
-          <a:lnRef idx="2">
-            <a:schemeClr val="accent1">
-              <a:shade val="15000"/>
-            </a:schemeClr>
-          </a:lnRef>
-          <a:fillRef idx="1">
-            <a:schemeClr val="accent1"/>
-          </a:fillRef>
-          <a:effectRef idx="0">
-            <a:schemeClr val="accent1"/>
-          </a:effectRef>
-          <a:fontRef idx="minor">
-            <a:schemeClr val="lt1"/>
-          </a:fontRef>
-        </p:style>
-        <p:txBody>
-          <a:bodyPr rtlCol="0" anchor="ctr"/>
-          <a:lstStyle/>
-          <a:p>
-            <a:pPr algn="ctr"/>
-            <a:r>
-              <a:rPr lang="en-US" dirty="0"/>
-              <a:t>1</a:t>
-            </a:r>
-            <a:endParaRPr lang="en-CA" dirty="0"/>
-          </a:p>
-        </p:txBody>
-      </p:sp>
-      <p:sp>
-        <p:nvSpPr>
-          <p:cNvPr id="63" name="Arrow: Down 62">
-            <a:extLst>
-              <a:ext uri="{FF2B5EF4-FFF2-40B4-BE49-F238E27FC236}">
-                <a16:creationId xmlns:a16="http://schemas.microsoft.com/office/drawing/2014/main" id="{80B4887C-AC92-6545-FF32-3106C78F0D5C}"/>
-              </a:ext>
-            </a:extLst>
-          </p:cNvPr>
-          <p:cNvSpPr/>
-          <p:nvPr/>
-        </p:nvSpPr>
-        <p:spPr>
-          <a:xfrm>
-            <a:off x="2004180" y="3468005"/>
-            <a:ext cx="412386" cy="1533460"/>
-          </a:xfrm>
-          <a:prstGeom prst="downArrow">
-            <a:avLst/>
-          </a:prstGeom>
-        </p:spPr>
-        <p:style>
-          <a:lnRef idx="2">
-            <a:schemeClr val="accent1">
-              <a:shade val="15000"/>
-            </a:schemeClr>
-          </a:lnRef>
-          <a:fillRef idx="1">
-            <a:schemeClr val="accent1"/>
-          </a:fillRef>
-          <a:effectRef idx="0">
-            <a:schemeClr val="accent1"/>
-          </a:effectRef>
-          <a:fontRef idx="minor">
-            <a:schemeClr val="lt1"/>
-          </a:fontRef>
-        </p:style>
-        <p:txBody>
-          <a:bodyPr rtlCol="0" anchor="ctr"/>
-          <a:lstStyle/>
-          <a:p>
-            <a:pPr algn="ctr"/>
-            <a:r>
-              <a:rPr lang="en-US" dirty="0"/>
-              <a:t>1</a:t>
-            </a:r>
-            <a:endParaRPr lang="en-CA" dirty="0"/>
-          </a:p>
-        </p:txBody>
-      </p:sp>
-      <p:sp>
-        <p:nvSpPr>
-          <p:cNvPr id="64" name="Arrow: Down 63">
-            <a:extLst>
-              <a:ext uri="{FF2B5EF4-FFF2-40B4-BE49-F238E27FC236}">
-                <a16:creationId xmlns:a16="http://schemas.microsoft.com/office/drawing/2014/main" id="{8CC4E98C-122B-753D-15C6-7409B9E8BB46}"/>
-              </a:ext>
-            </a:extLst>
-          </p:cNvPr>
-          <p:cNvSpPr/>
-          <p:nvPr/>
-        </p:nvSpPr>
-        <p:spPr>
-          <a:xfrm>
-            <a:off x="2584031" y="3732881"/>
-            <a:ext cx="412386" cy="1266177"/>
-          </a:xfrm>
-          <a:prstGeom prst="downArrow">
-            <a:avLst/>
-          </a:prstGeom>
-        </p:spPr>
-        <p:style>
-          <a:lnRef idx="2">
-            <a:schemeClr val="accent1">
-              <a:shade val="15000"/>
-            </a:schemeClr>
-          </a:lnRef>
-          <a:fillRef idx="1">
-            <a:schemeClr val="accent1"/>
-          </a:fillRef>
-          <a:effectRef idx="0">
-            <a:schemeClr val="accent1"/>
-          </a:effectRef>
-          <a:fontRef idx="minor">
-            <a:schemeClr val="lt1"/>
-          </a:fontRef>
-        </p:style>
-        <p:txBody>
-          <a:bodyPr rtlCol="0" anchor="ctr"/>
-          <a:lstStyle/>
-          <a:p>
-            <a:pPr algn="ctr"/>
-            <a:r>
-              <a:rPr lang="en-US" dirty="0"/>
-              <a:t>2</a:t>
-            </a:r>
-            <a:endParaRPr lang="en-CA" dirty="0"/>
-          </a:p>
-        </p:txBody>
-      </p:sp>
-      <p:sp>
-        <p:nvSpPr>
-          <p:cNvPr id="65" name="Arrow: Down 64">
-            <a:extLst>
-              <a:ext uri="{FF2B5EF4-FFF2-40B4-BE49-F238E27FC236}">
-                <a16:creationId xmlns:a16="http://schemas.microsoft.com/office/drawing/2014/main" id="{951ABB06-5D96-AAE7-9FD3-EA359A5E8223}"/>
-              </a:ext>
-            </a:extLst>
-          </p:cNvPr>
-          <p:cNvSpPr/>
-          <p:nvPr/>
-        </p:nvSpPr>
-        <p:spPr>
-          <a:xfrm>
-            <a:off x="3218917" y="3454137"/>
-            <a:ext cx="412386" cy="1533460"/>
-          </a:xfrm>
-          <a:prstGeom prst="downArrow">
-            <a:avLst/>
-          </a:prstGeom>
-        </p:spPr>
-        <p:style>
-          <a:lnRef idx="2">
-            <a:schemeClr val="accent1">
-              <a:shade val="15000"/>
-            </a:schemeClr>
-          </a:lnRef>
-          <a:fillRef idx="1">
-            <a:schemeClr val="accent1"/>
-          </a:fillRef>
-          <a:effectRef idx="0">
-            <a:schemeClr val="accent1"/>
-          </a:effectRef>
-          <a:fontRef idx="minor">
-            <a:schemeClr val="lt1"/>
-          </a:fontRef>
-        </p:style>
-        <p:txBody>
-          <a:bodyPr rtlCol="0" anchor="ctr"/>
-          <a:lstStyle/>
-          <a:p>
-            <a:pPr algn="ctr"/>
-            <a:r>
-              <a:rPr lang="en-US" dirty="0"/>
-              <a:t>1</a:t>
-            </a:r>
-            <a:endParaRPr lang="en-CA" dirty="0"/>
-          </a:p>
-        </p:txBody>
-      </p:sp>
-      <p:sp>
-        <p:nvSpPr>
-          <p:cNvPr id="66" name="Arrow: Down 65">
-            <a:extLst>
-              <a:ext uri="{FF2B5EF4-FFF2-40B4-BE49-F238E27FC236}">
-                <a16:creationId xmlns:a16="http://schemas.microsoft.com/office/drawing/2014/main" id="{AB5F88CB-D03F-AE66-BD51-FBB1A8CD5B49}"/>
-              </a:ext>
-            </a:extLst>
-          </p:cNvPr>
-          <p:cNvSpPr/>
-          <p:nvPr/>
-        </p:nvSpPr>
-        <p:spPr>
-          <a:xfrm>
-            <a:off x="3860103" y="3466071"/>
-            <a:ext cx="412386" cy="1533460"/>
-          </a:xfrm>
-          <a:prstGeom prst="downArrow">
-            <a:avLst/>
-          </a:prstGeom>
-        </p:spPr>
-        <p:style>
-          <a:lnRef idx="2">
-            <a:schemeClr val="accent1">
-              <a:shade val="15000"/>
-            </a:schemeClr>
-          </a:lnRef>
-          <a:fillRef idx="1">
-            <a:schemeClr val="accent1"/>
-          </a:fillRef>
-          <a:effectRef idx="0">
-            <a:schemeClr val="accent1"/>
-          </a:effectRef>
-          <a:fontRef idx="minor">
-            <a:schemeClr val="lt1"/>
-          </a:fontRef>
-        </p:style>
-        <p:txBody>
-          <a:bodyPr rtlCol="0" anchor="ctr"/>
-          <a:lstStyle/>
-          <a:p>
-            <a:pPr algn="ctr"/>
-            <a:r>
-              <a:rPr lang="en-US" dirty="0"/>
-              <a:t>1</a:t>
-            </a:r>
-            <a:endParaRPr lang="en-CA" dirty="0"/>
-          </a:p>
-        </p:txBody>
-      </p:sp>
-      <p:sp>
-        <p:nvSpPr>
-          <p:cNvPr id="67" name="Arrow: Down 66">
-            <a:extLst>
-              <a:ext uri="{FF2B5EF4-FFF2-40B4-BE49-F238E27FC236}">
-                <a16:creationId xmlns:a16="http://schemas.microsoft.com/office/drawing/2014/main" id="{DAF83E3C-C7F5-1498-7118-082DC5426720}"/>
-              </a:ext>
-            </a:extLst>
-          </p:cNvPr>
-          <p:cNvSpPr/>
-          <p:nvPr/>
-        </p:nvSpPr>
-        <p:spPr>
-          <a:xfrm>
-            <a:off x="4522598" y="3969003"/>
-            <a:ext cx="412386" cy="1034692"/>
-          </a:xfrm>
-          <a:prstGeom prst="downArrow">
-            <a:avLst/>
-          </a:prstGeom>
-        </p:spPr>
-        <p:style>
-          <a:lnRef idx="2">
-            <a:schemeClr val="accent1">
-              <a:shade val="15000"/>
-            </a:schemeClr>
-          </a:lnRef>
-          <a:fillRef idx="1">
-            <a:schemeClr val="accent1"/>
-          </a:fillRef>
-          <a:effectRef idx="0">
-            <a:schemeClr val="accent1"/>
-          </a:effectRef>
-          <a:fontRef idx="minor">
-            <a:schemeClr val="lt1"/>
-          </a:fontRef>
-        </p:style>
-        <p:txBody>
-          <a:bodyPr rtlCol="0" anchor="ctr"/>
-          <a:lstStyle/>
-          <a:p>
-            <a:pPr algn="ctr"/>
-            <a:r>
-              <a:rPr lang="en-US" dirty="0"/>
-              <a:t>2</a:t>
-            </a:r>
-            <a:endParaRPr lang="en-CA" dirty="0"/>
-          </a:p>
-        </p:txBody>
-      </p:sp>
-      <p:sp>
-        <p:nvSpPr>
-          <p:cNvPr id="68" name="Arrow: Down 67">
-            <a:extLst>
-              <a:ext uri="{FF2B5EF4-FFF2-40B4-BE49-F238E27FC236}">
-                <a16:creationId xmlns:a16="http://schemas.microsoft.com/office/drawing/2014/main" id="{15F2B693-EEDB-034A-111E-FB5F74852603}"/>
-              </a:ext>
-            </a:extLst>
-          </p:cNvPr>
-          <p:cNvSpPr/>
-          <p:nvPr/>
-        </p:nvSpPr>
-        <p:spPr>
-          <a:xfrm>
-            <a:off x="5179946" y="3486670"/>
-            <a:ext cx="412386" cy="1533460"/>
-          </a:xfrm>
-          <a:prstGeom prst="downArrow">
-            <a:avLst/>
-          </a:prstGeom>
-        </p:spPr>
-        <p:style>
-          <a:lnRef idx="2">
-            <a:schemeClr val="accent1">
-              <a:shade val="15000"/>
-            </a:schemeClr>
-          </a:lnRef>
-          <a:fillRef idx="1">
-            <a:schemeClr val="accent1"/>
-          </a:fillRef>
-          <a:effectRef idx="0">
-            <a:schemeClr val="accent1"/>
-          </a:effectRef>
-          <a:fontRef idx="minor">
-            <a:schemeClr val="lt1"/>
-          </a:fontRef>
-        </p:style>
-        <p:txBody>
-          <a:bodyPr rtlCol="0" anchor="ctr"/>
-          <a:lstStyle/>
-          <a:p>
-            <a:pPr algn="ctr"/>
-            <a:r>
-              <a:rPr lang="en-US" dirty="0"/>
-              <a:t>1</a:t>
-            </a:r>
-            <a:endParaRPr lang="en-CA" dirty="0"/>
-          </a:p>
-        </p:txBody>
-      </p:sp>
-      <p:sp>
-        <p:nvSpPr>
-          <p:cNvPr id="69" name="Arrow: Down 68">
-            <a:extLst>
-              <a:ext uri="{FF2B5EF4-FFF2-40B4-BE49-F238E27FC236}">
-                <a16:creationId xmlns:a16="http://schemas.microsoft.com/office/drawing/2014/main" id="{4D58C537-31EA-8880-0C4B-CF20D2ED8B32}"/>
-              </a:ext>
-            </a:extLst>
-          </p:cNvPr>
-          <p:cNvSpPr/>
-          <p:nvPr/>
-        </p:nvSpPr>
-        <p:spPr>
-          <a:xfrm>
-            <a:off x="7927028" y="3466071"/>
-            <a:ext cx="412386" cy="1533460"/>
-          </a:xfrm>
-          <a:prstGeom prst="downArrow">
-            <a:avLst/>
-          </a:prstGeom>
-        </p:spPr>
-        <p:style>
-          <a:lnRef idx="2">
-            <a:schemeClr val="accent1">
-              <a:shade val="15000"/>
-            </a:schemeClr>
-          </a:lnRef>
-          <a:fillRef idx="1">
-            <a:schemeClr val="accent1"/>
-          </a:fillRef>
-          <a:effectRef idx="0">
-            <a:schemeClr val="accent1"/>
-          </a:effectRef>
-          <a:fontRef idx="minor">
-            <a:schemeClr val="lt1"/>
-          </a:fontRef>
-        </p:style>
-        <p:txBody>
-          <a:bodyPr rtlCol="0" anchor="ctr"/>
-          <a:lstStyle/>
-          <a:p>
-            <a:pPr algn="ctr"/>
-            <a:r>
-              <a:rPr lang="en-US" dirty="0"/>
-              <a:t>1</a:t>
-            </a:r>
-            <a:endParaRPr lang="en-CA" dirty="0"/>
-          </a:p>
-        </p:txBody>
-      </p:sp>
-      <p:sp>
-        <p:nvSpPr>
-          <p:cNvPr id="70" name="Arrow: Down 69">
-            <a:extLst>
-              <a:ext uri="{FF2B5EF4-FFF2-40B4-BE49-F238E27FC236}">
-                <a16:creationId xmlns:a16="http://schemas.microsoft.com/office/drawing/2014/main" id="{9BB8CC11-8D92-539C-E5E8-DAA6D4EFCA99}"/>
-              </a:ext>
-            </a:extLst>
-          </p:cNvPr>
-          <p:cNvSpPr/>
-          <p:nvPr/>
-        </p:nvSpPr>
-        <p:spPr>
-          <a:xfrm>
-            <a:off x="7262643" y="3473518"/>
-            <a:ext cx="412386" cy="1533460"/>
-          </a:xfrm>
-          <a:prstGeom prst="downArrow">
-            <a:avLst/>
-          </a:prstGeom>
-        </p:spPr>
-        <p:style>
-          <a:lnRef idx="2">
-            <a:schemeClr val="accent1">
-              <a:shade val="15000"/>
-            </a:schemeClr>
-          </a:lnRef>
-          <a:fillRef idx="1">
-            <a:schemeClr val="accent1"/>
-          </a:fillRef>
-          <a:effectRef idx="0">
-            <a:schemeClr val="accent1"/>
-          </a:effectRef>
-          <a:fontRef idx="minor">
-            <a:schemeClr val="lt1"/>
-          </a:fontRef>
-        </p:style>
-        <p:txBody>
-          <a:bodyPr rtlCol="0" anchor="ctr"/>
-          <a:lstStyle/>
-          <a:p>
-            <a:pPr algn="ctr"/>
-            <a:r>
-              <a:rPr lang="en-US" dirty="0"/>
-              <a:t>1</a:t>
-            </a:r>
-            <a:endParaRPr lang="en-CA" dirty="0"/>
-          </a:p>
-        </p:txBody>
-      </p:sp>
-      <p:sp>
-        <p:nvSpPr>
-          <p:cNvPr id="71" name="Rectangle 70">
-            <a:extLst>
-              <a:ext uri="{FF2B5EF4-FFF2-40B4-BE49-F238E27FC236}">
-                <a16:creationId xmlns:a16="http://schemas.microsoft.com/office/drawing/2014/main" id="{1C6F6109-CE91-55C0-CDE9-1FA0A55E1768}"/>
-              </a:ext>
-            </a:extLst>
-          </p:cNvPr>
-          <p:cNvSpPr/>
-          <p:nvPr/>
-        </p:nvSpPr>
-        <p:spPr>
-          <a:xfrm>
-            <a:off x="550290" y="4986832"/>
-            <a:ext cx="11204388" cy="339934"/>
-          </a:xfrm>
-          <a:prstGeom prst="rect">
-            <a:avLst/>
-          </a:prstGeom>
-        </p:spPr>
-        <p:style>
-          <a:lnRef idx="2">
-            <a:schemeClr val="accent1">
-              <a:shade val="15000"/>
-            </a:schemeClr>
-          </a:lnRef>
-          <a:fillRef idx="1">
-            <a:schemeClr val="accent1"/>
-          </a:fillRef>
-          <a:effectRef idx="0">
-            <a:schemeClr val="accent1"/>
-          </a:effectRef>
-          <a:fontRef idx="minor">
-            <a:schemeClr val="lt1"/>
-          </a:fontRef>
-        </p:style>
-        <p:txBody>
-          <a:bodyPr rtlCol="0" anchor="ctr"/>
-          <a:lstStyle/>
-          <a:p>
-            <a:pPr algn="ctr"/>
-            <a:r>
-              <a:rPr lang="en-US" sz="1100" dirty="0"/>
-              <a:t>16 Flow through result queues (32 entry)</a:t>
-            </a:r>
-            <a:endParaRPr lang="en-CA" sz="1100" dirty="0"/>
-          </a:p>
-        </p:txBody>
-      </p:sp>
-      <p:sp>
-        <p:nvSpPr>
-          <p:cNvPr id="72" name="Rectangle 71">
-            <a:extLst>
-              <a:ext uri="{FF2B5EF4-FFF2-40B4-BE49-F238E27FC236}">
-                <a16:creationId xmlns:a16="http://schemas.microsoft.com/office/drawing/2014/main" id="{089DFE8E-A4B4-4D09-D92F-B051C93C312D}"/>
-              </a:ext>
-            </a:extLst>
-          </p:cNvPr>
-          <p:cNvSpPr/>
-          <p:nvPr/>
-        </p:nvSpPr>
-        <p:spPr>
-          <a:xfrm>
-            <a:off x="550290" y="5643997"/>
-            <a:ext cx="11204388" cy="339934"/>
-          </a:xfrm>
-          <a:prstGeom prst="rect">
-            <a:avLst/>
-          </a:prstGeom>
-        </p:spPr>
-        <p:style>
-          <a:lnRef idx="2">
-            <a:schemeClr val="accent1">
-              <a:shade val="15000"/>
-            </a:schemeClr>
-          </a:lnRef>
-          <a:fillRef idx="1">
-            <a:schemeClr val="accent1"/>
-          </a:fillRef>
-          <a:effectRef idx="0">
-            <a:schemeClr val="accent1"/>
-          </a:effectRef>
-          <a:fontRef idx="minor">
-            <a:schemeClr val="lt1"/>
-          </a:fontRef>
-        </p:style>
-        <p:txBody>
-          <a:bodyPr rtlCol="0" anchor="ctr"/>
-          <a:lstStyle/>
-          <a:p>
-            <a:pPr algn="ctr"/>
-            <a:r>
-              <a:rPr lang="en-US" sz="1100" dirty="0"/>
-              <a:t>16:4 rotating multiplex</a:t>
-            </a:r>
-            <a:endParaRPr lang="en-CA" sz="1100" dirty="0"/>
-          </a:p>
-        </p:txBody>
-      </p:sp>
-      <p:sp>
-        <p:nvSpPr>
-          <p:cNvPr id="73" name="Arrow: Down 72">
-            <a:extLst>
-              <a:ext uri="{FF2B5EF4-FFF2-40B4-BE49-F238E27FC236}">
-                <a16:creationId xmlns:a16="http://schemas.microsoft.com/office/drawing/2014/main" id="{9591EC54-63D4-66BF-6A61-348EBA5DF458}"/>
-              </a:ext>
-            </a:extLst>
-          </p:cNvPr>
-          <p:cNvSpPr/>
-          <p:nvPr/>
-        </p:nvSpPr>
-        <p:spPr>
-          <a:xfrm>
-            <a:off x="3927249" y="5317966"/>
-            <a:ext cx="3418296" cy="318301"/>
-          </a:xfrm>
-          <a:prstGeom prst="downArrow">
-            <a:avLst/>
-          </a:prstGeom>
-        </p:spPr>
-        <p:style>
-          <a:lnRef idx="2">
-            <a:schemeClr val="accent1">
-              <a:shade val="15000"/>
-            </a:schemeClr>
-          </a:lnRef>
-          <a:fillRef idx="1">
-            <a:schemeClr val="accent1"/>
-          </a:fillRef>
-          <a:effectRef idx="0">
-            <a:schemeClr val="accent1"/>
-          </a:effectRef>
-          <a:fontRef idx="minor">
-            <a:schemeClr val="lt1"/>
-          </a:fontRef>
-        </p:style>
-        <p:txBody>
-          <a:bodyPr rtlCol="0" anchor="ctr"/>
-          <a:lstStyle/>
-          <a:p>
-            <a:pPr algn="ctr"/>
-            <a:endParaRPr lang="en-CA"/>
-          </a:p>
-        </p:txBody>
-      </p:sp>
-      <p:sp>
-        <p:nvSpPr>
-          <p:cNvPr id="74" name="Arrow: Down 73">
-            <a:extLst>
-              <a:ext uri="{FF2B5EF4-FFF2-40B4-BE49-F238E27FC236}">
-                <a16:creationId xmlns:a16="http://schemas.microsoft.com/office/drawing/2014/main" id="{4B9836E3-4F30-B303-77D3-E7C70ED48919}"/>
-              </a:ext>
-            </a:extLst>
-          </p:cNvPr>
-          <p:cNvSpPr/>
-          <p:nvPr/>
-        </p:nvSpPr>
-        <p:spPr>
-          <a:xfrm>
-            <a:off x="3953199" y="5991661"/>
-            <a:ext cx="3418296" cy="318301"/>
-          </a:xfrm>
-          <a:prstGeom prst="downArrow">
-            <a:avLst/>
-          </a:prstGeom>
-        </p:spPr>
-        <p:style>
-          <a:lnRef idx="2">
-            <a:schemeClr val="accent1">
-              <a:shade val="15000"/>
-            </a:schemeClr>
-          </a:lnRef>
-          <a:fillRef idx="1">
-            <a:schemeClr val="accent1"/>
-          </a:fillRef>
-          <a:effectRef idx="0">
-            <a:schemeClr val="accent1"/>
-          </a:effectRef>
-          <a:fontRef idx="minor">
-            <a:schemeClr val="lt1"/>
-          </a:fontRef>
-        </p:style>
-        <p:txBody>
-          <a:bodyPr rtlCol="0" anchor="ctr"/>
-          <a:lstStyle/>
-          <a:p>
-            <a:pPr algn="ctr"/>
-            <a:r>
-              <a:rPr lang="en-US" sz="1100" dirty="0"/>
-              <a:t>4 results</a:t>
-            </a:r>
-            <a:endParaRPr lang="en-CA" sz="1100" dirty="0"/>
-          </a:p>
-        </p:txBody>
-      </p:sp>
-      <p:sp>
-        <p:nvSpPr>
-          <p:cNvPr id="75" name="TextBox 74">
-            <a:extLst>
-              <a:ext uri="{FF2B5EF4-FFF2-40B4-BE49-F238E27FC236}">
-                <a16:creationId xmlns:a16="http://schemas.microsoft.com/office/drawing/2014/main" id="{842A2CC6-130A-0169-AA3C-3244405DA334}"/>
-              </a:ext>
-            </a:extLst>
-          </p:cNvPr>
-          <p:cNvSpPr txBox="1"/>
-          <p:nvPr/>
-        </p:nvSpPr>
-        <p:spPr>
-          <a:xfrm>
-            <a:off x="4579075" y="6301162"/>
-            <a:ext cx="2106987" cy="369332"/>
-          </a:xfrm>
-          <a:prstGeom prst="rect">
-            <a:avLst/>
-          </a:prstGeom>
-          <a:noFill/>
-        </p:spPr>
-        <p:txBody>
-          <a:bodyPr wrap="none" rtlCol="0">
-            <a:spAutoFit/>
-          </a:bodyPr>
-          <a:lstStyle/>
-          <a:p>
-            <a:r>
-              <a:rPr lang="en-US" dirty="0"/>
-              <a:t>Write to register file</a:t>
-            </a:r>
-            <a:endParaRPr lang="en-CA" dirty="0"/>
+              <a:rPr lang="en-US" sz="1200" dirty="0"/>
+              <a:t>Reservation Stations</a:t>
+            </a:r>
+            <a:endParaRPr lang="en-CA" sz="1200" dirty="0"/>
           </a:p>
         </p:txBody>
       </p:sp>
       <p:cxnSp>
         <p:nvCxnSpPr>
-          <p:cNvPr id="76" name="Straight Connector 75">
-            <a:extLst>
-              <a:ext uri="{FF2B5EF4-FFF2-40B4-BE49-F238E27FC236}">
-                <a16:creationId xmlns:a16="http://schemas.microsoft.com/office/drawing/2014/main" id="{3CEC3892-632B-818B-78C4-59F223B66684}"/>
-              </a:ext>
-            </a:extLst>
-          </p:cNvPr>
-          <p:cNvCxnSpPr>
-            <a:cxnSpLocks/>
-          </p:cNvCxnSpPr>
+          <p:cNvPr id="99" name="Straight Arrow Connector 98">
+            <a:extLst>
+              <a:ext uri="{FF2B5EF4-FFF2-40B4-BE49-F238E27FC236}">
+                <a16:creationId xmlns:a16="http://schemas.microsoft.com/office/drawing/2014/main" id="{41F93285-5143-E06F-5514-FC1C3854AE4E}"/>
+              </a:ext>
+            </a:extLst>
+          </p:cNvPr>
+          <p:cNvCxnSpPr/>
           <p:nvPr/>
         </p:nvCxnSpPr>
         <p:spPr>
-          <a:xfrm>
-            <a:off x="550290" y="5571690"/>
-            <a:ext cx="11204388" cy="0"/>
-          </a:xfrm>
-          <a:prstGeom prst="line">
+          <a:xfrm flipV="1">
+            <a:off x="6547437" y="3517218"/>
+            <a:ext cx="138625" cy="342181"/>
+          </a:xfrm>
+          <a:prstGeom prst="straightConnector1">
             <a:avLst/>
           </a:prstGeom>
           <a:ln>
-            <a:solidFill>
-              <a:schemeClr val="accent2"/>
-            </a:solidFill>
+            <a:tailEnd type="triangle"/>
           </a:ln>
         </p:spPr>
         <p:style>
@@ -14869,150 +16266,188 @@
           </a:fontRef>
         </p:style>
       </p:cxnSp>
-      <p:sp>
-        <p:nvSpPr>
-          <p:cNvPr id="77" name="TextBox 76">
-            <a:extLst>
-              <a:ext uri="{FF2B5EF4-FFF2-40B4-BE49-F238E27FC236}">
-                <a16:creationId xmlns:a16="http://schemas.microsoft.com/office/drawing/2014/main" id="{84FF6386-F641-CC75-0B08-39487717E665}"/>
-              </a:ext>
-            </a:extLst>
-          </p:cNvPr>
-          <p:cNvSpPr txBox="1"/>
-          <p:nvPr/>
-        </p:nvSpPr>
-        <p:spPr>
-          <a:xfrm>
-            <a:off x="367874" y="5346882"/>
-            <a:ext cx="1297086" cy="276999"/>
+      <p:cxnSp>
+        <p:nvCxnSpPr>
+          <p:cNvPr id="101" name="Straight Arrow Connector 100">
+            <a:extLst>
+              <a:ext uri="{FF2B5EF4-FFF2-40B4-BE49-F238E27FC236}">
+                <a16:creationId xmlns:a16="http://schemas.microsoft.com/office/drawing/2014/main" id="{B342B8BB-585D-7B3C-4B3B-56191BF22736}"/>
+              </a:ext>
+            </a:extLst>
+          </p:cNvPr>
+          <p:cNvCxnSpPr/>
+          <p:nvPr/>
+        </p:nvCxnSpPr>
+        <p:spPr>
+          <a:xfrm flipV="1">
+            <a:off x="6833704" y="3538830"/>
+            <a:ext cx="371061" cy="320569"/>
+          </a:xfrm>
+          <a:prstGeom prst="straightConnector1">
+            <a:avLst/>
+          </a:prstGeom>
+          <a:ln>
+            <a:tailEnd type="triangle"/>
+          </a:ln>
+        </p:spPr>
+        <p:style>
+          <a:lnRef idx="2">
+            <a:schemeClr val="accent1"/>
+          </a:lnRef>
+          <a:fillRef idx="0">
+            <a:schemeClr val="accent1"/>
+          </a:fillRef>
+          <a:effectRef idx="1">
+            <a:schemeClr val="accent1"/>
+          </a:effectRef>
+          <a:fontRef idx="minor">
+            <a:schemeClr val="tx1"/>
+          </a:fontRef>
+        </p:style>
+      </p:cxnSp>
+      <p:cxnSp>
+        <p:nvCxnSpPr>
+          <p:cNvPr id="103" name="Straight Arrow Connector 102">
+            <a:extLst>
+              <a:ext uri="{FF2B5EF4-FFF2-40B4-BE49-F238E27FC236}">
+                <a16:creationId xmlns:a16="http://schemas.microsoft.com/office/drawing/2014/main" id="{8C788CD4-DE31-AEDD-1B6C-A0EE6B0EEA7A}"/>
+              </a:ext>
+            </a:extLst>
+          </p:cNvPr>
+          <p:cNvCxnSpPr/>
+          <p:nvPr/>
+        </p:nvCxnSpPr>
+        <p:spPr>
+          <a:xfrm flipV="1">
+            <a:off x="6179930" y="3538830"/>
+            <a:ext cx="0" cy="320569"/>
+          </a:xfrm>
+          <a:prstGeom prst="straightConnector1">
+            <a:avLst/>
+          </a:prstGeom>
+          <a:ln>
+            <a:tailEnd type="triangle"/>
+          </a:ln>
+        </p:spPr>
+        <p:style>
+          <a:lnRef idx="2">
+            <a:schemeClr val="accent1"/>
+          </a:lnRef>
+          <a:fillRef idx="0">
+            <a:schemeClr val="accent1"/>
+          </a:fillRef>
+          <a:effectRef idx="1">
+            <a:schemeClr val="accent1"/>
+          </a:effectRef>
+          <a:fontRef idx="minor">
+            <a:schemeClr val="tx1"/>
+          </a:fontRef>
+        </p:style>
+      </p:cxnSp>
+      <p:cxnSp>
+        <p:nvCxnSpPr>
+          <p:cNvPr id="105" name="Straight Arrow Connector 104">
+            <a:extLst>
+              <a:ext uri="{FF2B5EF4-FFF2-40B4-BE49-F238E27FC236}">
+                <a16:creationId xmlns:a16="http://schemas.microsoft.com/office/drawing/2014/main" id="{A961A69D-8F94-0A24-1763-92B5BC676AF9}"/>
+              </a:ext>
+            </a:extLst>
+          </p:cNvPr>
+          <p:cNvCxnSpPr/>
+          <p:nvPr/>
+        </p:nvCxnSpPr>
+        <p:spPr>
+          <a:xfrm flipH="1" flipV="1">
+            <a:off x="5592332" y="3502640"/>
+            <a:ext cx="236000" cy="400874"/>
+          </a:xfrm>
+          <a:prstGeom prst="straightConnector1">
+            <a:avLst/>
+          </a:prstGeom>
+          <a:ln>
+            <a:tailEnd type="triangle"/>
+          </a:ln>
+        </p:spPr>
+        <p:style>
+          <a:lnRef idx="2">
+            <a:schemeClr val="accent1"/>
+          </a:lnRef>
+          <a:fillRef idx="0">
+            <a:schemeClr val="accent1"/>
+          </a:fillRef>
+          <a:effectRef idx="1">
+            <a:schemeClr val="accent1"/>
+          </a:effectRef>
+          <a:fontRef idx="minor">
+            <a:schemeClr val="tx1"/>
+          </a:fontRef>
+        </p:style>
+      </p:cxnSp>
+      <p:sp>
+        <p:nvSpPr>
+          <p:cNvPr id="106" name="Rectangle 105">
+            <a:extLst>
+              <a:ext uri="{FF2B5EF4-FFF2-40B4-BE49-F238E27FC236}">
+                <a16:creationId xmlns:a16="http://schemas.microsoft.com/office/drawing/2014/main" id="{70368FDF-06CC-5DB3-E45A-CFB9D5FE4C3F}"/>
+              </a:ext>
+            </a:extLst>
+          </p:cNvPr>
+          <p:cNvSpPr/>
+          <p:nvPr/>
+        </p:nvSpPr>
+        <p:spPr>
+          <a:xfrm>
+            <a:off x="10554155" y="3250750"/>
+            <a:ext cx="553884" cy="532936"/>
           </a:xfrm>
           <a:prstGeom prst="rect">
             <a:avLst/>
           </a:prstGeom>
-          <a:noFill/>
-        </p:spPr>
-        <p:txBody>
-          <a:bodyPr wrap="square" rtlCol="0">
-            <a:spAutoFit/>
-          </a:bodyPr>
-          <a:lstStyle/>
-          <a:p>
-            <a:r>
-              <a:rPr lang="en-US" sz="1200" dirty="0"/>
-              <a:t>Pipeline Register</a:t>
-            </a:r>
-            <a:endParaRPr lang="en-CA" sz="1200" dirty="0"/>
-          </a:p>
-        </p:txBody>
-      </p:sp>
-      <p:sp>
-        <p:nvSpPr>
-          <p:cNvPr id="79" name="TextBox 78">
-            <a:extLst>
-              <a:ext uri="{FF2B5EF4-FFF2-40B4-BE49-F238E27FC236}">
-                <a16:creationId xmlns:a16="http://schemas.microsoft.com/office/drawing/2014/main" id="{C2658078-6571-A2AC-B706-BC5A4D49B71C}"/>
-              </a:ext>
-            </a:extLst>
-          </p:cNvPr>
-          <p:cNvSpPr txBox="1"/>
-          <p:nvPr/>
-        </p:nvSpPr>
-        <p:spPr>
-          <a:xfrm>
-            <a:off x="8114290" y="334104"/>
-            <a:ext cx="3001143" cy="1785104"/>
-          </a:xfrm>
-          <a:prstGeom prst="rect">
-            <a:avLst/>
-          </a:prstGeom>
-          <a:noFill/>
-        </p:spPr>
-        <p:txBody>
-          <a:bodyPr wrap="none" rtlCol="0">
-            <a:spAutoFit/>
-          </a:bodyPr>
-          <a:lstStyle/>
-          <a:p>
-            <a:r>
-              <a:rPr lang="en-US" sz="1000" dirty="0"/>
-              <a:t>SAU: Simple Arithmetic Unit (integer and float)</a:t>
-            </a:r>
-          </a:p>
-          <a:p>
-            <a:r>
-              <a:rPr lang="en-US" sz="1000" dirty="0"/>
-              <a:t>IMUL: Integer multiplier</a:t>
-            </a:r>
-          </a:p>
-          <a:p>
-            <a:r>
-              <a:rPr lang="en-US" sz="1000" dirty="0"/>
-              <a:t>IDIV: Integer Divider</a:t>
-            </a:r>
-          </a:p>
-          <a:p>
-            <a:r>
-              <a:rPr lang="en-US" sz="1000" dirty="0"/>
-              <a:t>FMA: Floating-point multiply and add</a:t>
-            </a:r>
-          </a:p>
-          <a:p>
-            <a:r>
-              <a:rPr lang="en-US" sz="1000" dirty="0"/>
-              <a:t>TRIG: Floating-point trig, divide and square root</a:t>
-            </a:r>
-          </a:p>
-          <a:p>
-            <a:r>
-              <a:rPr lang="en-US" sz="1000" dirty="0"/>
-              <a:t>FCU: Flow control unit (branch unit)</a:t>
-            </a:r>
-          </a:p>
-          <a:p>
-            <a:r>
-              <a:rPr lang="en-US" sz="1000" dirty="0"/>
-              <a:t>AGEN: Address generator</a:t>
-            </a:r>
-          </a:p>
-          <a:p>
-            <a:r>
-              <a:rPr lang="en-US" sz="1000" dirty="0"/>
-              <a:t>DRAM: Data cache control logic</a:t>
-            </a:r>
-          </a:p>
-          <a:p>
-            <a:endParaRPr lang="en-US" sz="1000" dirty="0"/>
-          </a:p>
-          <a:p>
-            <a:r>
-              <a:rPr lang="en-US" sz="1000" dirty="0"/>
-              <a:t>Read ports are packed into a vector containing only</a:t>
-            </a:r>
-          </a:p>
-          <a:p>
-            <a:r>
-              <a:rPr lang="en-US" sz="1000" dirty="0"/>
-              <a:t>source operands that need reading.</a:t>
-            </a:r>
-            <a:endParaRPr lang="en-CA" sz="1000" dirty="0"/>
-          </a:p>
-        </p:txBody>
-      </p:sp>
-      <p:sp>
-        <p:nvSpPr>
-          <p:cNvPr id="80" name="Arrow: Up-Down 79">
-            <a:extLst>
-              <a:ext uri="{FF2B5EF4-FFF2-40B4-BE49-F238E27FC236}">
-                <a16:creationId xmlns:a16="http://schemas.microsoft.com/office/drawing/2014/main" id="{23031C47-9C51-2E3C-8044-86E760B0C279}"/>
-              </a:ext>
-            </a:extLst>
-          </p:cNvPr>
-          <p:cNvSpPr/>
-          <p:nvPr/>
-        </p:nvSpPr>
-        <p:spPr>
-          <a:xfrm>
-            <a:off x="8715764" y="2463631"/>
+        </p:spPr>
+        <p:style>
+          <a:lnRef idx="2">
+            <a:schemeClr val="accent1">
+              <a:shade val="15000"/>
+            </a:schemeClr>
+          </a:lnRef>
+          <a:fillRef idx="1">
+            <a:schemeClr val="accent1"/>
+          </a:fillRef>
+          <a:effectRef idx="0">
+            <a:schemeClr val="accent1"/>
+          </a:effectRef>
+          <a:fontRef idx="minor">
+            <a:schemeClr val="lt1"/>
+          </a:fontRef>
+        </p:style>
+        <p:txBody>
+          <a:bodyPr rtlCol="0" anchor="ctr"/>
+          <a:lstStyle/>
+          <a:p>
+            <a:pPr algn="ctr"/>
+            <a:r>
+              <a:rPr lang="en-US" sz="700" dirty="0"/>
+              <a:t>Graphics</a:t>
+            </a:r>
+            <a:endParaRPr lang="en-CA" sz="700" dirty="0"/>
+          </a:p>
+        </p:txBody>
+      </p:sp>
+      <p:sp>
+        <p:nvSpPr>
+          <p:cNvPr id="107" name="Arrow: Up-Down 106">
+            <a:extLst>
+              <a:ext uri="{FF2B5EF4-FFF2-40B4-BE49-F238E27FC236}">
+                <a16:creationId xmlns:a16="http://schemas.microsoft.com/office/drawing/2014/main" id="{0B3BB0DD-364C-9C0A-D374-2C3A40385486}"/>
+              </a:ext>
+            </a:extLst>
+          </p:cNvPr>
+          <p:cNvSpPr/>
+          <p:nvPr/>
+        </p:nvSpPr>
+        <p:spPr>
+          <a:xfrm>
+            <a:off x="10644763" y="2463631"/>
             <a:ext cx="340139" cy="768626"/>
           </a:xfrm>
           <a:prstGeom prst="upDownArrow">
@@ -15058,20 +16493,20 @@
       </p:sp>
       <p:sp>
         <p:nvSpPr>
-          <p:cNvPr id="82" name="Arrow: Down 81">
-            <a:extLst>
-              <a:ext uri="{FF2B5EF4-FFF2-40B4-BE49-F238E27FC236}">
-                <a16:creationId xmlns:a16="http://schemas.microsoft.com/office/drawing/2014/main" id="{358B07E1-F8AC-5A1E-64F8-01F9710B3DA6}"/>
-              </a:ext>
-            </a:extLst>
-          </p:cNvPr>
-          <p:cNvSpPr/>
-          <p:nvPr/>
-        </p:nvSpPr>
-        <p:spPr>
-          <a:xfrm>
-            <a:off x="8694159" y="3450288"/>
-            <a:ext cx="412386" cy="1533460"/>
+          <p:cNvPr id="109" name="Arrow: Down 108">
+            <a:extLst>
+              <a:ext uri="{FF2B5EF4-FFF2-40B4-BE49-F238E27FC236}">
+                <a16:creationId xmlns:a16="http://schemas.microsoft.com/office/drawing/2014/main" id="{6FBE0B35-0304-3DC6-3097-3C12B2CB2125}"/>
+              </a:ext>
+            </a:extLst>
+          </p:cNvPr>
+          <p:cNvSpPr/>
+          <p:nvPr/>
+        </p:nvSpPr>
+        <p:spPr>
+          <a:xfrm>
+            <a:off x="10614525" y="3788829"/>
+            <a:ext cx="412386" cy="1194919"/>
           </a:xfrm>
           <a:prstGeom prst="downArrow">
             <a:avLst/>
@@ -15108,348 +16543,24 @@
       </p:sp>
       <p:sp>
         <p:nvSpPr>
-          <p:cNvPr id="84" name="TextBox 83">
-            <a:extLst>
-              <a:ext uri="{FF2B5EF4-FFF2-40B4-BE49-F238E27FC236}">
-                <a16:creationId xmlns:a16="http://schemas.microsoft.com/office/drawing/2014/main" id="{B35101C1-E541-D542-199F-C5DB73595420}"/>
-              </a:ext>
-            </a:extLst>
-          </p:cNvPr>
-          <p:cNvSpPr txBox="1"/>
-          <p:nvPr/>
-        </p:nvSpPr>
-        <p:spPr>
-          <a:xfrm>
-            <a:off x="1046942" y="4298605"/>
-            <a:ext cx="335348" cy="169277"/>
+          <p:cNvPr id="23" name="Rectangle 22">
+            <a:extLst>
+              <a:ext uri="{FF2B5EF4-FFF2-40B4-BE49-F238E27FC236}">
+                <a16:creationId xmlns:a16="http://schemas.microsoft.com/office/drawing/2014/main" id="{6B522A12-A492-6A1C-4438-ABFA464B5CC0}"/>
+              </a:ext>
+            </a:extLst>
+          </p:cNvPr>
+          <p:cNvSpPr/>
+          <p:nvPr/>
+        </p:nvSpPr>
+        <p:spPr>
+          <a:xfrm>
+            <a:off x="11158799" y="3258021"/>
+            <a:ext cx="706314" cy="532936"/>
           </a:xfrm>
           <a:prstGeom prst="rect">
             <a:avLst/>
           </a:prstGeom>
-          <a:noFill/>
-        </p:spPr>
-        <p:txBody>
-          <a:bodyPr wrap="none" rtlCol="0">
-            <a:spAutoFit/>
-          </a:bodyPr>
-          <a:lstStyle/>
-          <a:p>
-            <a:r>
-              <a:rPr lang="en-US" sz="500" dirty="0"/>
-              <a:t>Lat: 1</a:t>
-            </a:r>
-            <a:endParaRPr lang="en-CA" sz="500" dirty="0"/>
-          </a:p>
-        </p:txBody>
-      </p:sp>
-      <p:sp>
-        <p:nvSpPr>
-          <p:cNvPr id="85" name="TextBox 84">
-            <a:extLst>
-              <a:ext uri="{FF2B5EF4-FFF2-40B4-BE49-F238E27FC236}">
-                <a16:creationId xmlns:a16="http://schemas.microsoft.com/office/drawing/2014/main" id="{33E520EF-4343-E99C-087F-0232C7BC6D24}"/>
-              </a:ext>
-            </a:extLst>
-          </p:cNvPr>
-          <p:cNvSpPr txBox="1"/>
-          <p:nvPr/>
-        </p:nvSpPr>
-        <p:spPr>
-          <a:xfrm>
-            <a:off x="1589784" y="4262151"/>
-            <a:ext cx="335348" cy="169277"/>
-          </a:xfrm>
-          <a:prstGeom prst="rect">
-            <a:avLst/>
-          </a:prstGeom>
-          <a:noFill/>
-        </p:spPr>
-        <p:txBody>
-          <a:bodyPr wrap="none" rtlCol="0">
-            <a:spAutoFit/>
-          </a:bodyPr>
-          <a:lstStyle/>
-          <a:p>
-            <a:r>
-              <a:rPr lang="en-US" sz="500" dirty="0"/>
-              <a:t>Lat: 1</a:t>
-            </a:r>
-            <a:endParaRPr lang="en-CA" sz="500" dirty="0"/>
-          </a:p>
-        </p:txBody>
-      </p:sp>
-      <p:sp>
-        <p:nvSpPr>
-          <p:cNvPr id="86" name="TextBox 85">
-            <a:extLst>
-              <a:ext uri="{FF2B5EF4-FFF2-40B4-BE49-F238E27FC236}">
-                <a16:creationId xmlns:a16="http://schemas.microsoft.com/office/drawing/2014/main" id="{78FB1DF9-D495-C990-6566-49EAD69A86AB}"/>
-              </a:ext>
-            </a:extLst>
-          </p:cNvPr>
-          <p:cNvSpPr txBox="1"/>
-          <p:nvPr/>
-        </p:nvSpPr>
-        <p:spPr>
-          <a:xfrm>
-            <a:off x="2241844" y="4249015"/>
-            <a:ext cx="335348" cy="169277"/>
-          </a:xfrm>
-          <a:prstGeom prst="rect">
-            <a:avLst/>
-          </a:prstGeom>
-          <a:noFill/>
-        </p:spPr>
-        <p:txBody>
-          <a:bodyPr wrap="none" rtlCol="0">
-            <a:spAutoFit/>
-          </a:bodyPr>
-          <a:lstStyle/>
-          <a:p>
-            <a:r>
-              <a:rPr lang="en-US" sz="500" dirty="0"/>
-              <a:t>Lat: 4</a:t>
-            </a:r>
-            <a:endParaRPr lang="en-CA" sz="500" dirty="0"/>
-          </a:p>
-        </p:txBody>
-      </p:sp>
-      <p:sp>
-        <p:nvSpPr>
-          <p:cNvPr id="88" name="TextBox 87">
-            <a:extLst>
-              <a:ext uri="{FF2B5EF4-FFF2-40B4-BE49-F238E27FC236}">
-                <a16:creationId xmlns:a16="http://schemas.microsoft.com/office/drawing/2014/main" id="{49D1C316-B5D7-51AD-7A45-655722475189}"/>
-              </a:ext>
-            </a:extLst>
-          </p:cNvPr>
-          <p:cNvSpPr txBox="1"/>
-          <p:nvPr/>
-        </p:nvSpPr>
-        <p:spPr>
-          <a:xfrm>
-            <a:off x="3471446" y="4249471"/>
-            <a:ext cx="335348" cy="169277"/>
-          </a:xfrm>
-          <a:prstGeom prst="rect">
-            <a:avLst/>
-          </a:prstGeom>
-          <a:noFill/>
-        </p:spPr>
-        <p:txBody>
-          <a:bodyPr wrap="none" rtlCol="0">
-            <a:spAutoFit/>
-          </a:bodyPr>
-          <a:lstStyle/>
-          <a:p>
-            <a:r>
-              <a:rPr lang="en-US" sz="500" dirty="0"/>
-              <a:t>Lat: 8</a:t>
-            </a:r>
-            <a:endParaRPr lang="en-CA" sz="500" dirty="0"/>
-          </a:p>
-        </p:txBody>
-      </p:sp>
-      <p:sp>
-        <p:nvSpPr>
-          <p:cNvPr id="89" name="TextBox 88">
-            <a:extLst>
-              <a:ext uri="{FF2B5EF4-FFF2-40B4-BE49-F238E27FC236}">
-                <a16:creationId xmlns:a16="http://schemas.microsoft.com/office/drawing/2014/main" id="{357226EE-43AD-3F0F-0A0E-8ECA87874481}"/>
-              </a:ext>
-            </a:extLst>
-          </p:cNvPr>
-          <p:cNvSpPr txBox="1"/>
-          <p:nvPr/>
-        </p:nvSpPr>
-        <p:spPr>
-          <a:xfrm>
-            <a:off x="4106332" y="4240248"/>
-            <a:ext cx="335348" cy="169277"/>
-          </a:xfrm>
-          <a:prstGeom prst="rect">
-            <a:avLst/>
-          </a:prstGeom>
-          <a:noFill/>
-        </p:spPr>
-        <p:txBody>
-          <a:bodyPr wrap="none" rtlCol="0">
-            <a:spAutoFit/>
-          </a:bodyPr>
-          <a:lstStyle/>
-          <a:p>
-            <a:r>
-              <a:rPr lang="en-US" sz="500" dirty="0"/>
-              <a:t>Lat: 8</a:t>
-            </a:r>
-            <a:endParaRPr lang="en-CA" sz="500" dirty="0"/>
-          </a:p>
-        </p:txBody>
-      </p:sp>
-      <p:sp>
-        <p:nvSpPr>
-          <p:cNvPr id="90" name="TextBox 89">
-            <a:extLst>
-              <a:ext uri="{FF2B5EF4-FFF2-40B4-BE49-F238E27FC236}">
-                <a16:creationId xmlns:a16="http://schemas.microsoft.com/office/drawing/2014/main" id="{3E8870B3-430D-D283-D86C-4C514A5BF941}"/>
-              </a:ext>
-            </a:extLst>
-          </p:cNvPr>
-          <p:cNvSpPr txBox="1"/>
-          <p:nvPr/>
-        </p:nvSpPr>
-        <p:spPr>
-          <a:xfrm>
-            <a:off x="4761541" y="4248137"/>
-            <a:ext cx="365806" cy="169277"/>
-          </a:xfrm>
-          <a:prstGeom prst="rect">
-            <a:avLst/>
-          </a:prstGeom>
-          <a:noFill/>
-        </p:spPr>
-        <p:txBody>
-          <a:bodyPr wrap="none" rtlCol="0">
-            <a:spAutoFit/>
-          </a:bodyPr>
-          <a:lstStyle/>
-          <a:p>
-            <a:r>
-              <a:rPr lang="en-US" sz="500" dirty="0"/>
-              <a:t>Lat: ??</a:t>
-            </a:r>
-            <a:endParaRPr lang="en-CA" sz="500" dirty="0"/>
-          </a:p>
-        </p:txBody>
-      </p:sp>
-      <p:sp>
-        <p:nvSpPr>
-          <p:cNvPr id="91" name="TextBox 90">
-            <a:extLst>
-              <a:ext uri="{FF2B5EF4-FFF2-40B4-BE49-F238E27FC236}">
-                <a16:creationId xmlns:a16="http://schemas.microsoft.com/office/drawing/2014/main" id="{CD0E5963-C409-D8AD-920C-2D8AB5A17E9C}"/>
-              </a:ext>
-            </a:extLst>
-          </p:cNvPr>
-          <p:cNvSpPr txBox="1"/>
-          <p:nvPr/>
-        </p:nvSpPr>
-        <p:spPr>
-          <a:xfrm>
-            <a:off x="5683502" y="3454192"/>
-            <a:ext cx="335348" cy="169277"/>
-          </a:xfrm>
-          <a:prstGeom prst="rect">
-            <a:avLst/>
-          </a:prstGeom>
-          <a:noFill/>
-        </p:spPr>
-        <p:txBody>
-          <a:bodyPr wrap="none" rtlCol="0">
-            <a:spAutoFit/>
-          </a:bodyPr>
-          <a:lstStyle/>
-          <a:p>
-            <a:r>
-              <a:rPr lang="en-US" sz="500" dirty="0"/>
-              <a:t>Lat: 1</a:t>
-            </a:r>
-            <a:endParaRPr lang="en-CA" sz="500" dirty="0"/>
-          </a:p>
-        </p:txBody>
-      </p:sp>
-      <p:sp>
-        <p:nvSpPr>
-          <p:cNvPr id="92" name="TextBox 91">
-            <a:extLst>
-              <a:ext uri="{FF2B5EF4-FFF2-40B4-BE49-F238E27FC236}">
-                <a16:creationId xmlns:a16="http://schemas.microsoft.com/office/drawing/2014/main" id="{5181DFDA-4CD0-5C12-2298-C7B2CE37957D}"/>
-              </a:ext>
-            </a:extLst>
-          </p:cNvPr>
-          <p:cNvSpPr txBox="1"/>
-          <p:nvPr/>
-        </p:nvSpPr>
-        <p:spPr>
-          <a:xfrm>
-            <a:off x="8956101" y="4140573"/>
-            <a:ext cx="335348" cy="169277"/>
-          </a:xfrm>
-          <a:prstGeom prst="rect">
-            <a:avLst/>
-          </a:prstGeom>
-          <a:noFill/>
-        </p:spPr>
-        <p:txBody>
-          <a:bodyPr wrap="none" rtlCol="0">
-            <a:spAutoFit/>
-          </a:bodyPr>
-          <a:lstStyle/>
-          <a:p>
-            <a:r>
-              <a:rPr lang="en-US" sz="500" dirty="0"/>
-              <a:t>Lat: 3</a:t>
-            </a:r>
-            <a:endParaRPr lang="en-CA" sz="500" dirty="0"/>
-          </a:p>
-        </p:txBody>
-      </p:sp>
-      <p:sp>
-        <p:nvSpPr>
-          <p:cNvPr id="87" name="TextBox 86">
-            <a:extLst>
-              <a:ext uri="{FF2B5EF4-FFF2-40B4-BE49-F238E27FC236}">
-                <a16:creationId xmlns:a16="http://schemas.microsoft.com/office/drawing/2014/main" id="{AF88EC9D-8895-9EB8-CB82-C39049FDD38D}"/>
-              </a:ext>
-            </a:extLst>
-          </p:cNvPr>
-          <p:cNvSpPr txBox="1"/>
-          <p:nvPr/>
-        </p:nvSpPr>
-        <p:spPr>
-          <a:xfrm>
-            <a:off x="2831086" y="4260694"/>
-            <a:ext cx="365806" cy="169277"/>
-          </a:xfrm>
-          <a:prstGeom prst="rect">
-            <a:avLst/>
-          </a:prstGeom>
-          <a:noFill/>
-        </p:spPr>
-        <p:txBody>
-          <a:bodyPr wrap="none" rtlCol="0">
-            <a:spAutoFit/>
-          </a:bodyPr>
-          <a:lstStyle/>
-          <a:p>
-            <a:r>
-              <a:rPr lang="en-US" sz="500" dirty="0"/>
-              <a:t>Lat: ??</a:t>
-            </a:r>
-            <a:endParaRPr lang="en-CA" sz="500" dirty="0"/>
-          </a:p>
-        </p:txBody>
-      </p:sp>
-      <p:sp>
-        <p:nvSpPr>
-          <p:cNvPr id="24" name="Rectangle 23">
-            <a:extLst>
-              <a:ext uri="{FF2B5EF4-FFF2-40B4-BE49-F238E27FC236}">
-                <a16:creationId xmlns:a16="http://schemas.microsoft.com/office/drawing/2014/main" id="{E481DB56-C5C9-7AC4-0EE9-D297C341DF43}"/>
-              </a:ext>
-            </a:extLst>
-          </p:cNvPr>
-          <p:cNvSpPr/>
-          <p:nvPr/>
-        </p:nvSpPr>
-        <p:spPr>
-          <a:xfrm>
-            <a:off x="9340340" y="3238921"/>
-            <a:ext cx="752886" cy="532936"/>
-          </a:xfrm>
-          <a:prstGeom prst="rect">
-            <a:avLst/>
-          </a:prstGeom>
         </p:spPr>
         <p:style>
           <a:lnRef idx="2">
@@ -15474,14 +16585,7 @@
             <a:pPr algn="ctr"/>
             <a:r>
               <a:rPr lang="en-US" sz="700" dirty="0"/>
-              <a:t>Neural Network</a:t>
-            </a:r>
-          </a:p>
-          <a:p>
-            <a:pPr algn="ctr"/>
-            <a:r>
-              <a:rPr lang="en-US" sz="700" dirty="0"/>
-              <a:t>16 parallel neurons</a:t>
+              <a:t>Capabilities</a:t>
             </a:r>
             <a:endParaRPr lang="en-CA" sz="700" dirty="0"/>
           </a:p>
@@ -15489,19 +16593,69 @@
       </p:sp>
       <p:sp>
         <p:nvSpPr>
-          <p:cNvPr id="25" name="Arrow: Up-Down 24">
-            <a:extLst>
-              <a:ext uri="{FF2B5EF4-FFF2-40B4-BE49-F238E27FC236}">
-                <a16:creationId xmlns:a16="http://schemas.microsoft.com/office/drawing/2014/main" id="{DB92EDD2-6E78-2318-1091-5B24DD3F35EA}"/>
-              </a:ext>
-            </a:extLst>
-          </p:cNvPr>
-          <p:cNvSpPr/>
-          <p:nvPr/>
-        </p:nvSpPr>
-        <p:spPr>
-          <a:xfrm>
-            <a:off x="9533551" y="2448574"/>
+          <p:cNvPr id="26" name="Arrow: Down 25">
+            <a:extLst>
+              <a:ext uri="{FF2B5EF4-FFF2-40B4-BE49-F238E27FC236}">
+                <a16:creationId xmlns:a16="http://schemas.microsoft.com/office/drawing/2014/main" id="{FB420181-00EB-476F-E8E1-511C1E684828}"/>
+              </a:ext>
+            </a:extLst>
+          </p:cNvPr>
+          <p:cNvSpPr/>
+          <p:nvPr/>
+        </p:nvSpPr>
+        <p:spPr>
+          <a:xfrm>
+            <a:off x="11293701" y="3795514"/>
+            <a:ext cx="412386" cy="1194919"/>
+          </a:xfrm>
+          <a:prstGeom prst="downArrow">
+            <a:avLst/>
+          </a:prstGeom>
+        </p:spPr>
+        <p:style>
+          <a:lnRef idx="2">
+            <a:schemeClr val="accent1">
+              <a:shade val="15000"/>
+            </a:schemeClr>
+          </a:lnRef>
+          <a:fillRef idx="1">
+            <a:schemeClr val="accent1"/>
+          </a:fillRef>
+          <a:effectRef idx="0">
+            <a:schemeClr val="accent1"/>
+          </a:effectRef>
+          <a:fontRef idx="minor">
+            <a:schemeClr val="lt1"/>
+          </a:fontRef>
+        </p:style>
+        <p:txBody>
+          <a:bodyPr rtlCol="0" anchor="ctr"/>
+          <a:lstStyle/>
+          <a:p>
+            <a:pPr algn="ctr"/>
+            <a:r>
+              <a:rPr lang="en-US" dirty="0"/>
+              <a:t>2</a:t>
+            </a:r>
+            <a:endParaRPr lang="en-CA" dirty="0"/>
+          </a:p>
+        </p:txBody>
+      </p:sp>
+      <p:sp>
+        <p:nvSpPr>
+          <p:cNvPr id="28" name="Arrow: Up-Down 27">
+            <a:extLst>
+              <a:ext uri="{FF2B5EF4-FFF2-40B4-BE49-F238E27FC236}">
+                <a16:creationId xmlns:a16="http://schemas.microsoft.com/office/drawing/2014/main" id="{11D3DA34-9AD0-64AB-B290-A53E3F8CB104}"/>
+              </a:ext>
+            </a:extLst>
+          </p:cNvPr>
+          <p:cNvSpPr/>
+          <p:nvPr/>
+        </p:nvSpPr>
+        <p:spPr>
+          <a:xfrm>
+            <a:off x="11140360" y="2470295"/>
             <a:ext cx="340139" cy="768626"/>
           </a:xfrm>
           <a:prstGeom prst="upDownArrow">
@@ -15547,664 +16701,19 @@
       </p:sp>
       <p:sp>
         <p:nvSpPr>
-          <p:cNvPr id="27" name="Arrow: Down 26">
-            <a:extLst>
-              <a:ext uri="{FF2B5EF4-FFF2-40B4-BE49-F238E27FC236}">
-                <a16:creationId xmlns:a16="http://schemas.microsoft.com/office/drawing/2014/main" id="{C9B770E9-9E36-BC7B-CD3A-649836BF1379}"/>
-              </a:ext>
-            </a:extLst>
-          </p:cNvPr>
-          <p:cNvSpPr/>
-          <p:nvPr/>
-        </p:nvSpPr>
-        <p:spPr>
-          <a:xfrm>
-            <a:off x="9513191" y="3771856"/>
-            <a:ext cx="412386" cy="1207245"/>
-          </a:xfrm>
-          <a:prstGeom prst="downArrow">
-            <a:avLst/>
-          </a:prstGeom>
-        </p:spPr>
-        <p:style>
-          <a:lnRef idx="2">
-            <a:schemeClr val="accent1">
-              <a:shade val="15000"/>
-            </a:schemeClr>
-          </a:lnRef>
-          <a:fillRef idx="1">
-            <a:schemeClr val="accent1"/>
-          </a:fillRef>
-          <a:effectRef idx="0">
-            <a:schemeClr val="accent1"/>
-          </a:effectRef>
-          <a:fontRef idx="minor">
-            <a:schemeClr val="lt1"/>
-          </a:fontRef>
-        </p:style>
-        <p:txBody>
-          <a:bodyPr rtlCol="0" anchor="ctr"/>
-          <a:lstStyle/>
-          <a:p>
-            <a:pPr algn="ctr"/>
-            <a:r>
-              <a:rPr lang="en-US" dirty="0"/>
-              <a:t>1</a:t>
-            </a:r>
-            <a:endParaRPr lang="en-CA" dirty="0"/>
-          </a:p>
-        </p:txBody>
-      </p:sp>
-      <p:sp>
-        <p:nvSpPr>
-          <p:cNvPr id="29" name="Rectangle 28">
-            <a:extLst>
-              <a:ext uri="{FF2B5EF4-FFF2-40B4-BE49-F238E27FC236}">
-                <a16:creationId xmlns:a16="http://schemas.microsoft.com/office/drawing/2014/main" id="{4CDDCB0D-07E3-F8C0-A2F8-13C02CA1A8B4}"/>
-              </a:ext>
-            </a:extLst>
-          </p:cNvPr>
-          <p:cNvSpPr/>
-          <p:nvPr/>
-        </p:nvSpPr>
-        <p:spPr>
-          <a:xfrm>
-            <a:off x="4990744" y="845932"/>
-            <a:ext cx="720000" cy="216000"/>
-          </a:xfrm>
-          <a:prstGeom prst="rect">
-            <a:avLst/>
-          </a:prstGeom>
-        </p:spPr>
-        <p:style>
-          <a:lnRef idx="2">
-            <a:schemeClr val="accent1">
-              <a:shade val="15000"/>
-            </a:schemeClr>
-          </a:lnRef>
-          <a:fillRef idx="1">
-            <a:schemeClr val="accent1"/>
-          </a:fillRef>
-          <a:effectRef idx="0">
-            <a:schemeClr val="accent1"/>
-          </a:effectRef>
-          <a:fontRef idx="minor">
-            <a:schemeClr val="lt1"/>
-          </a:fontRef>
-        </p:style>
-        <p:txBody>
-          <a:bodyPr rtlCol="0" anchor="ctr"/>
-          <a:lstStyle/>
-          <a:p>
-            <a:pPr algn="ctr"/>
-            <a:r>
-              <a:rPr lang="en-US" sz="700" dirty="0"/>
-              <a:t>Port Packing</a:t>
-            </a:r>
-            <a:endParaRPr lang="en-CA" sz="700" dirty="0"/>
-          </a:p>
-        </p:txBody>
-      </p:sp>
-      <p:sp>
-        <p:nvSpPr>
-          <p:cNvPr id="30" name="Arrow: Up-Down 29">
-            <a:extLst>
-              <a:ext uri="{FF2B5EF4-FFF2-40B4-BE49-F238E27FC236}">
-                <a16:creationId xmlns:a16="http://schemas.microsoft.com/office/drawing/2014/main" id="{44EB0E90-3C35-259C-59F8-3056456FD5B3}"/>
-              </a:ext>
-            </a:extLst>
-          </p:cNvPr>
-          <p:cNvSpPr/>
-          <p:nvPr/>
-        </p:nvSpPr>
-        <p:spPr>
-          <a:xfrm>
-            <a:off x="5251488" y="1044471"/>
-            <a:ext cx="212826" cy="337366"/>
-          </a:xfrm>
-          <a:prstGeom prst="upDownArrow">
-            <a:avLst/>
-          </a:prstGeom>
-        </p:spPr>
-        <p:style>
-          <a:lnRef idx="2">
-            <a:schemeClr val="accent1">
-              <a:shade val="15000"/>
-            </a:schemeClr>
-          </a:lnRef>
-          <a:fillRef idx="1">
-            <a:schemeClr val="accent1"/>
-          </a:fillRef>
-          <a:effectRef idx="0">
-            <a:schemeClr val="accent1"/>
-          </a:effectRef>
-          <a:fontRef idx="minor">
-            <a:schemeClr val="lt1"/>
-          </a:fontRef>
-        </p:style>
-        <p:txBody>
-          <a:bodyPr rtlCol="0" anchor="ctr"/>
-          <a:lstStyle/>
-          <a:p>
-            <a:pPr algn="ctr"/>
-            <a:r>
-              <a:rPr lang="en-US" sz="1000" dirty="0"/>
-              <a:t>16</a:t>
-            </a:r>
-            <a:endParaRPr lang="en-CA" sz="1000" dirty="0"/>
-          </a:p>
-        </p:txBody>
-      </p:sp>
-      <p:sp>
-        <p:nvSpPr>
-          <p:cNvPr id="31" name="TextBox 30">
-            <a:extLst>
-              <a:ext uri="{FF2B5EF4-FFF2-40B4-BE49-F238E27FC236}">
-                <a16:creationId xmlns:a16="http://schemas.microsoft.com/office/drawing/2014/main" id="{0D5F0C49-D56C-37EF-6204-191B87F32ACB}"/>
-              </a:ext>
-            </a:extLst>
-          </p:cNvPr>
-          <p:cNvSpPr txBox="1"/>
-          <p:nvPr/>
-        </p:nvSpPr>
-        <p:spPr>
-          <a:xfrm>
-            <a:off x="552938" y="929466"/>
-            <a:ext cx="3643143" cy="938719"/>
-          </a:xfrm>
-          <a:prstGeom prst="rect">
-            <a:avLst/>
-          </a:prstGeom>
-          <a:noFill/>
-        </p:spPr>
-        <p:txBody>
-          <a:bodyPr wrap="square" rtlCol="0">
-            <a:spAutoFit/>
-          </a:bodyPr>
-          <a:lstStyle/>
-          <a:p>
-            <a:r>
-              <a:rPr lang="en-US" sz="1100" dirty="0"/>
-              <a:t>Rotating muxes change the read/write port priority every clock cycle to prevent ports from starving.</a:t>
-            </a:r>
-          </a:p>
-          <a:p>
-            <a:endParaRPr lang="en-US" sz="1100" dirty="0"/>
-          </a:p>
-          <a:p>
-            <a:r>
-              <a:rPr lang="en-US" sz="1100" dirty="0"/>
-              <a:t>There is bypassing from register file inputs to reservation stations.</a:t>
-            </a:r>
-            <a:endParaRPr lang="en-CA" sz="1100" dirty="0"/>
-          </a:p>
-        </p:txBody>
-      </p:sp>
-      <p:sp>
-        <p:nvSpPr>
-          <p:cNvPr id="32" name="Rectangle 31">
-            <a:extLst>
-              <a:ext uri="{FF2B5EF4-FFF2-40B4-BE49-F238E27FC236}">
-                <a16:creationId xmlns:a16="http://schemas.microsoft.com/office/drawing/2014/main" id="{C968DA46-1AA2-CE2E-542C-0AB89CE5CBE1}"/>
-              </a:ext>
-            </a:extLst>
-          </p:cNvPr>
-          <p:cNvSpPr/>
-          <p:nvPr/>
-        </p:nvSpPr>
-        <p:spPr>
-          <a:xfrm>
-            <a:off x="10140650" y="3241635"/>
-            <a:ext cx="720000" cy="216000"/>
-          </a:xfrm>
-          <a:prstGeom prst="rect">
-            <a:avLst/>
-          </a:prstGeom>
-        </p:spPr>
-        <p:style>
-          <a:lnRef idx="2">
-            <a:schemeClr val="accent1">
-              <a:shade val="15000"/>
-            </a:schemeClr>
-          </a:lnRef>
-          <a:fillRef idx="1">
-            <a:schemeClr val="accent1"/>
-          </a:fillRef>
-          <a:effectRef idx="0">
-            <a:schemeClr val="accent1"/>
-          </a:effectRef>
-          <a:fontRef idx="minor">
-            <a:schemeClr val="lt1"/>
-          </a:fontRef>
-        </p:style>
-        <p:txBody>
-          <a:bodyPr rtlCol="0" anchor="ctr"/>
-          <a:lstStyle/>
-          <a:p>
-            <a:pPr algn="ctr"/>
-            <a:r>
-              <a:rPr lang="en-US" sz="700" dirty="0"/>
-              <a:t>Crypto</a:t>
-            </a:r>
-            <a:endParaRPr lang="en-CA" sz="700" dirty="0"/>
-          </a:p>
-        </p:txBody>
-      </p:sp>
-      <p:sp>
-        <p:nvSpPr>
-          <p:cNvPr id="78" name="Arrow: Up-Down 77">
-            <a:extLst>
-              <a:ext uri="{FF2B5EF4-FFF2-40B4-BE49-F238E27FC236}">
-                <a16:creationId xmlns:a16="http://schemas.microsoft.com/office/drawing/2014/main" id="{5AA53529-B298-EF3D-BEB2-1D4443ECAF4C}"/>
-              </a:ext>
-            </a:extLst>
-          </p:cNvPr>
-          <p:cNvSpPr/>
-          <p:nvPr/>
-        </p:nvSpPr>
-        <p:spPr>
-          <a:xfrm>
-            <a:off x="10338799" y="2465433"/>
-            <a:ext cx="340139" cy="768626"/>
-          </a:xfrm>
-          <a:prstGeom prst="upDownArrow">
-            <a:avLst/>
-          </a:prstGeom>
-        </p:spPr>
-        <p:style>
-          <a:lnRef idx="2">
-            <a:schemeClr val="accent1">
-              <a:shade val="15000"/>
-            </a:schemeClr>
-          </a:lnRef>
-          <a:fillRef idx="1">
-            <a:schemeClr val="accent1"/>
-          </a:fillRef>
-          <a:effectRef idx="0">
-            <a:schemeClr val="accent1"/>
-          </a:effectRef>
-          <a:fontRef idx="minor">
-            <a:schemeClr val="lt1"/>
-          </a:fontRef>
-        </p:style>
-        <p:txBody>
-          <a:bodyPr rtlCol="0" anchor="ctr"/>
-          <a:lstStyle/>
-          <a:p>
-            <a:pPr algn="ctr"/>
-            <a:r>
-              <a:rPr lang="en-US" sz="1000" dirty="0">
-                <a:solidFill>
-                  <a:schemeClr val="bg1"/>
-                </a:solidFill>
-              </a:rPr>
-              <a:t>1</a:t>
-            </a:r>
-            <a:endParaRPr lang="en-CA" sz="1000" dirty="0">
-              <a:solidFill>
-                <a:schemeClr val="bg1"/>
-              </a:solidFill>
-            </a:endParaRPr>
-          </a:p>
-        </p:txBody>
-      </p:sp>
-      <p:sp>
-        <p:nvSpPr>
-          <p:cNvPr id="94" name="Arrow: Down 93">
-            <a:extLst>
-              <a:ext uri="{FF2B5EF4-FFF2-40B4-BE49-F238E27FC236}">
-                <a16:creationId xmlns:a16="http://schemas.microsoft.com/office/drawing/2014/main" id="{2B9C3FDD-E935-4F8F-A3B4-D03E1AE89E70}"/>
-              </a:ext>
-            </a:extLst>
-          </p:cNvPr>
-          <p:cNvSpPr/>
-          <p:nvPr/>
-        </p:nvSpPr>
-        <p:spPr>
-          <a:xfrm>
-            <a:off x="10310579" y="3473458"/>
-            <a:ext cx="412386" cy="1493258"/>
-          </a:xfrm>
-          <a:prstGeom prst="downArrow">
-            <a:avLst/>
-          </a:prstGeom>
-        </p:spPr>
-        <p:style>
-          <a:lnRef idx="2">
-            <a:schemeClr val="accent1">
-              <a:shade val="15000"/>
-            </a:schemeClr>
-          </a:lnRef>
-          <a:fillRef idx="1">
-            <a:schemeClr val="accent1"/>
-          </a:fillRef>
-          <a:effectRef idx="0">
-            <a:schemeClr val="accent1"/>
-          </a:effectRef>
-          <a:fontRef idx="minor">
-            <a:schemeClr val="lt1"/>
-          </a:fontRef>
-        </p:style>
-        <p:txBody>
-          <a:bodyPr rtlCol="0" anchor="ctr"/>
-          <a:lstStyle/>
-          <a:p>
-            <a:pPr algn="ctr"/>
-            <a:r>
-              <a:rPr lang="en-US" dirty="0"/>
-              <a:t>1</a:t>
-            </a:r>
-            <a:endParaRPr lang="en-CA" dirty="0"/>
-          </a:p>
-        </p:txBody>
-      </p:sp>
-      <p:sp>
-        <p:nvSpPr>
-          <p:cNvPr id="95" name="Rectangle 94">
-            <a:extLst>
-              <a:ext uri="{FF2B5EF4-FFF2-40B4-BE49-F238E27FC236}">
-                <a16:creationId xmlns:a16="http://schemas.microsoft.com/office/drawing/2014/main" id="{818A4B9F-614C-0A8D-0E5A-11F2715FEFA7}"/>
-              </a:ext>
-            </a:extLst>
-          </p:cNvPr>
-          <p:cNvSpPr/>
-          <p:nvPr/>
-        </p:nvSpPr>
-        <p:spPr>
-          <a:xfrm>
-            <a:off x="4530552" y="1382885"/>
-            <a:ext cx="1598322" cy="371782"/>
-          </a:xfrm>
-          <a:prstGeom prst="rect">
-            <a:avLst/>
-          </a:prstGeom>
-        </p:spPr>
-        <p:style>
-          <a:lnRef idx="2">
-            <a:schemeClr val="accent1">
-              <a:shade val="15000"/>
-            </a:schemeClr>
-          </a:lnRef>
-          <a:fillRef idx="1">
-            <a:schemeClr val="accent1"/>
-          </a:fillRef>
-          <a:effectRef idx="0">
-            <a:schemeClr val="accent1"/>
-          </a:effectRef>
-          <a:fontRef idx="minor">
-            <a:schemeClr val="lt1"/>
-          </a:fontRef>
-        </p:style>
-        <p:txBody>
-          <a:bodyPr rtlCol="0" anchor="ctr"/>
-          <a:lstStyle/>
-          <a:p>
-            <a:pPr algn="ctr"/>
-            <a:r>
-              <a:rPr lang="en-US" sz="700" dirty="0"/>
-              <a:t>Register File Read</a:t>
-            </a:r>
-            <a:endParaRPr lang="en-CA" sz="700" dirty="0"/>
-          </a:p>
-        </p:txBody>
-      </p:sp>
-      <p:sp>
-        <p:nvSpPr>
-          <p:cNvPr id="97" name="TextBox 96">
-            <a:extLst>
-              <a:ext uri="{FF2B5EF4-FFF2-40B4-BE49-F238E27FC236}">
-                <a16:creationId xmlns:a16="http://schemas.microsoft.com/office/drawing/2014/main" id="{5A1A0868-613A-7356-225A-7748D7DD9C03}"/>
-              </a:ext>
-            </a:extLst>
-          </p:cNvPr>
-          <p:cNvSpPr txBox="1"/>
-          <p:nvPr/>
-        </p:nvSpPr>
-        <p:spPr>
-          <a:xfrm>
-            <a:off x="5563456" y="3890196"/>
-            <a:ext cx="1555362" cy="276999"/>
-          </a:xfrm>
-          <a:prstGeom prst="rect">
-            <a:avLst/>
-          </a:prstGeom>
-          <a:noFill/>
-        </p:spPr>
-        <p:txBody>
-          <a:bodyPr wrap="none" rtlCol="0">
-            <a:spAutoFit/>
-          </a:bodyPr>
-          <a:lstStyle/>
-          <a:p>
-            <a:r>
-              <a:rPr lang="en-US" sz="1200" dirty="0"/>
-              <a:t>Reservation Stations</a:t>
-            </a:r>
-            <a:endParaRPr lang="en-CA" sz="1200" dirty="0"/>
-          </a:p>
-        </p:txBody>
-      </p:sp>
-      <p:cxnSp>
-        <p:nvCxnSpPr>
-          <p:cNvPr id="99" name="Straight Arrow Connector 98">
-            <a:extLst>
-              <a:ext uri="{FF2B5EF4-FFF2-40B4-BE49-F238E27FC236}">
-                <a16:creationId xmlns:a16="http://schemas.microsoft.com/office/drawing/2014/main" id="{41F93285-5143-E06F-5514-FC1C3854AE4E}"/>
-              </a:ext>
-            </a:extLst>
-          </p:cNvPr>
-          <p:cNvCxnSpPr/>
-          <p:nvPr/>
-        </p:nvCxnSpPr>
-        <p:spPr>
-          <a:xfrm flipV="1">
-            <a:off x="6547437" y="3517218"/>
-            <a:ext cx="138625" cy="342181"/>
-          </a:xfrm>
-          <a:prstGeom prst="straightConnector1">
-            <a:avLst/>
-          </a:prstGeom>
-          <a:ln>
-            <a:tailEnd type="triangle"/>
-          </a:ln>
-        </p:spPr>
-        <p:style>
-          <a:lnRef idx="2">
-            <a:schemeClr val="accent1"/>
-          </a:lnRef>
-          <a:fillRef idx="0">
-            <a:schemeClr val="accent1"/>
-          </a:fillRef>
-          <a:effectRef idx="1">
-            <a:schemeClr val="accent1"/>
-          </a:effectRef>
-          <a:fontRef idx="minor">
-            <a:schemeClr val="tx1"/>
-          </a:fontRef>
-        </p:style>
-      </p:cxnSp>
-      <p:cxnSp>
-        <p:nvCxnSpPr>
-          <p:cNvPr id="101" name="Straight Arrow Connector 100">
-            <a:extLst>
-              <a:ext uri="{FF2B5EF4-FFF2-40B4-BE49-F238E27FC236}">
-                <a16:creationId xmlns:a16="http://schemas.microsoft.com/office/drawing/2014/main" id="{B342B8BB-585D-7B3C-4B3B-56191BF22736}"/>
-              </a:ext>
-            </a:extLst>
-          </p:cNvPr>
-          <p:cNvCxnSpPr/>
-          <p:nvPr/>
-        </p:nvCxnSpPr>
-        <p:spPr>
-          <a:xfrm flipV="1">
-            <a:off x="6833704" y="3538830"/>
-            <a:ext cx="371061" cy="320569"/>
-          </a:xfrm>
-          <a:prstGeom prst="straightConnector1">
-            <a:avLst/>
-          </a:prstGeom>
-          <a:ln>
-            <a:tailEnd type="triangle"/>
-          </a:ln>
-        </p:spPr>
-        <p:style>
-          <a:lnRef idx="2">
-            <a:schemeClr val="accent1"/>
-          </a:lnRef>
-          <a:fillRef idx="0">
-            <a:schemeClr val="accent1"/>
-          </a:fillRef>
-          <a:effectRef idx="1">
-            <a:schemeClr val="accent1"/>
-          </a:effectRef>
-          <a:fontRef idx="minor">
-            <a:schemeClr val="tx1"/>
-          </a:fontRef>
-        </p:style>
-      </p:cxnSp>
-      <p:cxnSp>
-        <p:nvCxnSpPr>
-          <p:cNvPr id="103" name="Straight Arrow Connector 102">
-            <a:extLst>
-              <a:ext uri="{FF2B5EF4-FFF2-40B4-BE49-F238E27FC236}">
-                <a16:creationId xmlns:a16="http://schemas.microsoft.com/office/drawing/2014/main" id="{8C788CD4-DE31-AEDD-1B6C-A0EE6B0EEA7A}"/>
-              </a:ext>
-            </a:extLst>
-          </p:cNvPr>
-          <p:cNvCxnSpPr/>
-          <p:nvPr/>
-        </p:nvCxnSpPr>
-        <p:spPr>
-          <a:xfrm flipV="1">
-            <a:off x="6179930" y="3538830"/>
-            <a:ext cx="0" cy="320569"/>
-          </a:xfrm>
-          <a:prstGeom prst="straightConnector1">
-            <a:avLst/>
-          </a:prstGeom>
-          <a:ln>
-            <a:tailEnd type="triangle"/>
-          </a:ln>
-        </p:spPr>
-        <p:style>
-          <a:lnRef idx="2">
-            <a:schemeClr val="accent1"/>
-          </a:lnRef>
-          <a:fillRef idx="0">
-            <a:schemeClr val="accent1"/>
-          </a:fillRef>
-          <a:effectRef idx="1">
-            <a:schemeClr val="accent1"/>
-          </a:effectRef>
-          <a:fontRef idx="minor">
-            <a:schemeClr val="tx1"/>
-          </a:fontRef>
-        </p:style>
-      </p:cxnSp>
-      <p:cxnSp>
-        <p:nvCxnSpPr>
-          <p:cNvPr id="105" name="Straight Arrow Connector 104">
-            <a:extLst>
-              <a:ext uri="{FF2B5EF4-FFF2-40B4-BE49-F238E27FC236}">
-                <a16:creationId xmlns:a16="http://schemas.microsoft.com/office/drawing/2014/main" id="{A961A69D-8F94-0A24-1763-92B5BC676AF9}"/>
-              </a:ext>
-            </a:extLst>
-          </p:cNvPr>
-          <p:cNvCxnSpPr/>
-          <p:nvPr/>
-        </p:nvCxnSpPr>
-        <p:spPr>
-          <a:xfrm flipH="1" flipV="1">
-            <a:off x="5592332" y="3502640"/>
-            <a:ext cx="236000" cy="400874"/>
-          </a:xfrm>
-          <a:prstGeom prst="straightConnector1">
-            <a:avLst/>
-          </a:prstGeom>
-          <a:ln>
-            <a:tailEnd type="triangle"/>
-          </a:ln>
-        </p:spPr>
-        <p:style>
-          <a:lnRef idx="2">
-            <a:schemeClr val="accent1"/>
-          </a:lnRef>
-          <a:fillRef idx="0">
-            <a:schemeClr val="accent1"/>
-          </a:fillRef>
-          <a:effectRef idx="1">
-            <a:schemeClr val="accent1"/>
-          </a:effectRef>
-          <a:fontRef idx="minor">
-            <a:schemeClr val="tx1"/>
-          </a:fontRef>
-        </p:style>
-      </p:cxnSp>
-      <p:sp>
-        <p:nvSpPr>
-          <p:cNvPr id="106" name="Rectangle 105">
-            <a:extLst>
-              <a:ext uri="{FF2B5EF4-FFF2-40B4-BE49-F238E27FC236}">
-                <a16:creationId xmlns:a16="http://schemas.microsoft.com/office/drawing/2014/main" id="{70368FDF-06CC-5DB3-E45A-CFB9D5FE4C3F}"/>
-              </a:ext>
-            </a:extLst>
-          </p:cNvPr>
-          <p:cNvSpPr/>
-          <p:nvPr/>
-        </p:nvSpPr>
-        <p:spPr>
-          <a:xfrm>
-            <a:off x="10911485" y="3248470"/>
-            <a:ext cx="720000" cy="532936"/>
-          </a:xfrm>
-          <a:prstGeom prst="rect">
-            <a:avLst/>
-          </a:prstGeom>
-        </p:spPr>
-        <p:style>
-          <a:lnRef idx="2">
-            <a:schemeClr val="accent1">
-              <a:shade val="15000"/>
-            </a:schemeClr>
-          </a:lnRef>
-          <a:fillRef idx="1">
-            <a:schemeClr val="accent1"/>
-          </a:fillRef>
-          <a:effectRef idx="0">
-            <a:schemeClr val="accent1"/>
-          </a:effectRef>
-          <a:fontRef idx="minor">
-            <a:schemeClr val="lt1"/>
-          </a:fontRef>
-        </p:style>
-        <p:txBody>
-          <a:bodyPr rtlCol="0" anchor="ctr"/>
-          <a:lstStyle/>
-          <a:p>
-            <a:pPr algn="ctr"/>
-            <a:r>
-              <a:rPr lang="en-US" sz="700" dirty="0"/>
-              <a:t>Graphics</a:t>
-            </a:r>
-            <a:endParaRPr lang="en-CA" sz="700" dirty="0"/>
-          </a:p>
-        </p:txBody>
-      </p:sp>
-      <p:sp>
-        <p:nvSpPr>
-          <p:cNvPr id="107" name="Arrow: Up-Down 106">
-            <a:extLst>
-              <a:ext uri="{FF2B5EF4-FFF2-40B4-BE49-F238E27FC236}">
-                <a16:creationId xmlns:a16="http://schemas.microsoft.com/office/drawing/2014/main" id="{0B3BB0DD-364C-9C0A-D374-2C3A40385486}"/>
-              </a:ext>
-            </a:extLst>
-          </p:cNvPr>
-          <p:cNvSpPr/>
-          <p:nvPr/>
-        </p:nvSpPr>
-        <p:spPr>
-          <a:xfrm>
-            <a:off x="11103124" y="2468703"/>
+          <p:cNvPr id="48" name="Arrow: Up-Down 47">
+            <a:extLst>
+              <a:ext uri="{FF2B5EF4-FFF2-40B4-BE49-F238E27FC236}">
+                <a16:creationId xmlns:a16="http://schemas.microsoft.com/office/drawing/2014/main" id="{93F6DCD7-0DCD-999B-1D94-DD1C827A5C8D}"/>
+              </a:ext>
+            </a:extLst>
+          </p:cNvPr>
+          <p:cNvSpPr/>
+          <p:nvPr/>
+        </p:nvSpPr>
+        <p:spPr>
+          <a:xfrm>
+            <a:off x="11536017" y="2473260"/>
             <a:ext cx="340139" cy="768626"/>
           </a:xfrm>
           <a:prstGeom prst="upDownArrow">
@@ -16248,60 +16757,1638 @@
           </a:p>
         </p:txBody>
       </p:sp>
-      <p:sp>
-        <p:nvSpPr>
-          <p:cNvPr id="109" name="Arrow: Down 108">
-            <a:extLst>
-              <a:ext uri="{FF2B5EF4-FFF2-40B4-BE49-F238E27FC236}">
-                <a16:creationId xmlns:a16="http://schemas.microsoft.com/office/drawing/2014/main" id="{6FBE0B35-0304-3DC6-3097-3C12B2CB2125}"/>
-              </a:ext>
-            </a:extLst>
-          </p:cNvPr>
-          <p:cNvSpPr/>
-          <p:nvPr/>
-        </p:nvSpPr>
-        <p:spPr>
-          <a:xfrm>
-            <a:off x="11090928" y="3771856"/>
-            <a:ext cx="412386" cy="1194919"/>
-          </a:xfrm>
-          <a:prstGeom prst="downArrow">
-            <a:avLst/>
-          </a:prstGeom>
-        </p:spPr>
-        <p:style>
-          <a:lnRef idx="2">
-            <a:schemeClr val="accent1">
-              <a:shade val="15000"/>
-            </a:schemeClr>
-          </a:lnRef>
-          <a:fillRef idx="1">
-            <a:schemeClr val="accent1"/>
-          </a:fillRef>
-          <a:effectRef idx="0">
-            <a:schemeClr val="accent1"/>
-          </a:effectRef>
-          <a:fontRef idx="minor">
-            <a:schemeClr val="lt1"/>
-          </a:fontRef>
-        </p:style>
-        <p:txBody>
-          <a:bodyPr rtlCol="0" anchor="ctr"/>
-          <a:lstStyle/>
-          <a:p>
-            <a:pPr algn="ctr"/>
-            <a:r>
-              <a:rPr lang="en-US" dirty="0"/>
-              <a:t>1</a:t>
-            </a:r>
-            <a:endParaRPr lang="en-CA" dirty="0"/>
-          </a:p>
-        </p:txBody>
-      </p:sp>
     </p:spTree>
     <p:extLst>
       <p:ext uri="{BB962C8B-B14F-4D97-AF65-F5344CB8AC3E}">
         <p14:creationId xmlns:p14="http://schemas.microsoft.com/office/powerpoint/2010/main" val="3493996368"/>
+      </p:ext>
+    </p:extLst>
+  </p:cSld>
+  <p:clrMapOvr>
+    <a:masterClrMapping/>
+  </p:clrMapOvr>
+</p:sld>
+</file>
+
+<file path=ppt/slides/slide7.xml><?xml version="1.0" encoding="utf-8"?>
+<p:sld xmlns:a="http://schemas.openxmlformats.org/drawingml/2006/main" xmlns:r="http://schemas.openxmlformats.org/officeDocument/2006/relationships" xmlns:p="http://schemas.openxmlformats.org/presentationml/2006/main">
+  <p:cSld>
+    <p:spTree>
+      <p:nvGrpSpPr>
+        <p:cNvPr id="1" name=""/>
+        <p:cNvGrpSpPr/>
+        <p:nvPr/>
+      </p:nvGrpSpPr>
+      <p:grpSpPr>
+        <a:xfrm>
+          <a:off x="0" y="0"/>
+          <a:ext cx="0" cy="0"/>
+          <a:chOff x="0" y="0"/>
+          <a:chExt cx="0" cy="0"/>
+        </a:xfrm>
+      </p:grpSpPr>
+      <p:sp>
+        <p:nvSpPr>
+          <p:cNvPr id="2" name="Title 1">
+            <a:extLst>
+              <a:ext uri="{FF2B5EF4-FFF2-40B4-BE49-F238E27FC236}">
+                <a16:creationId xmlns:a16="http://schemas.microsoft.com/office/drawing/2014/main" id="{CD976A82-092D-CF16-A768-4B843A414F2D}"/>
+              </a:ext>
+            </a:extLst>
+          </p:cNvPr>
+          <p:cNvSpPr>
+            <a:spLocks noGrp="1"/>
+          </p:cNvSpPr>
+          <p:nvPr>
+            <p:ph type="title"/>
+          </p:nvPr>
+        </p:nvSpPr>
+        <p:spPr>
+          <a:xfrm>
+            <a:off x="80683" y="64807"/>
+            <a:ext cx="10515600" cy="1325563"/>
+          </a:xfrm>
+        </p:spPr>
+        <p:txBody>
+          <a:bodyPr/>
+          <a:lstStyle/>
+          <a:p>
+            <a:r>
+              <a:rPr lang="en-US" dirty="0"/>
+              <a:t>Qupls2026: Reservation Stations</a:t>
+            </a:r>
+            <a:endParaRPr lang="en-CA" dirty="0"/>
+          </a:p>
+        </p:txBody>
+      </p:sp>
+      <p:sp>
+        <p:nvSpPr>
+          <p:cNvPr id="4" name="Rectangle 3">
+            <a:extLst>
+              <a:ext uri="{FF2B5EF4-FFF2-40B4-BE49-F238E27FC236}">
+                <a16:creationId xmlns:a16="http://schemas.microsoft.com/office/drawing/2014/main" id="{96954E2B-447A-3F7A-0FC3-E6CAE451E1D5}"/>
+              </a:ext>
+            </a:extLst>
+          </p:cNvPr>
+          <p:cNvSpPr/>
+          <p:nvPr/>
+        </p:nvSpPr>
+        <p:spPr>
+          <a:xfrm>
+            <a:off x="701133" y="3085159"/>
+            <a:ext cx="1307548" cy="228470"/>
+          </a:xfrm>
+          <a:prstGeom prst="rect">
+            <a:avLst/>
+          </a:prstGeom>
+        </p:spPr>
+        <p:style>
+          <a:lnRef idx="2">
+            <a:schemeClr val="accent1">
+              <a:shade val="15000"/>
+            </a:schemeClr>
+          </a:lnRef>
+          <a:fillRef idx="1">
+            <a:schemeClr val="accent1"/>
+          </a:fillRef>
+          <a:effectRef idx="0">
+            <a:schemeClr val="accent1"/>
+          </a:effectRef>
+          <a:fontRef idx="minor">
+            <a:schemeClr val="lt1"/>
+          </a:fontRef>
+        </p:style>
+        <p:txBody>
+          <a:bodyPr rtlCol="0" anchor="ctr"/>
+          <a:lstStyle/>
+          <a:p>
+            <a:pPr algn="ctr"/>
+            <a:r>
+              <a:rPr lang="en-US" sz="1100" dirty="0"/>
+              <a:t>Operand Latch #1</a:t>
+            </a:r>
+            <a:endParaRPr lang="en-CA" sz="1100" dirty="0"/>
+          </a:p>
+        </p:txBody>
+      </p:sp>
+      <p:sp>
+        <p:nvSpPr>
+          <p:cNvPr id="5" name="Rectangle 4">
+            <a:extLst>
+              <a:ext uri="{FF2B5EF4-FFF2-40B4-BE49-F238E27FC236}">
+                <a16:creationId xmlns:a16="http://schemas.microsoft.com/office/drawing/2014/main" id="{46355EF9-E535-BB32-A603-315D68A4CF9D}"/>
+              </a:ext>
+            </a:extLst>
+          </p:cNvPr>
+          <p:cNvSpPr/>
+          <p:nvPr/>
+        </p:nvSpPr>
+        <p:spPr>
+          <a:xfrm>
+            <a:off x="2079618" y="3085159"/>
+            <a:ext cx="1307548" cy="228470"/>
+          </a:xfrm>
+          <a:prstGeom prst="rect">
+            <a:avLst/>
+          </a:prstGeom>
+        </p:spPr>
+        <p:style>
+          <a:lnRef idx="2">
+            <a:schemeClr val="accent1">
+              <a:shade val="15000"/>
+            </a:schemeClr>
+          </a:lnRef>
+          <a:fillRef idx="1">
+            <a:schemeClr val="accent1"/>
+          </a:fillRef>
+          <a:effectRef idx="0">
+            <a:schemeClr val="accent1"/>
+          </a:effectRef>
+          <a:fontRef idx="minor">
+            <a:schemeClr val="lt1"/>
+          </a:fontRef>
+        </p:style>
+        <p:txBody>
+          <a:bodyPr rtlCol="0" anchor="ctr"/>
+          <a:lstStyle/>
+          <a:p>
+            <a:pPr algn="ctr"/>
+            <a:r>
+              <a:rPr lang="en-US" sz="1100" dirty="0"/>
+              <a:t>Operand Latch #2</a:t>
+            </a:r>
+            <a:endParaRPr lang="en-CA" sz="1100" dirty="0"/>
+          </a:p>
+        </p:txBody>
+      </p:sp>
+      <p:sp>
+        <p:nvSpPr>
+          <p:cNvPr id="6" name="Rectangle 5">
+            <a:extLst>
+              <a:ext uri="{FF2B5EF4-FFF2-40B4-BE49-F238E27FC236}">
+                <a16:creationId xmlns:a16="http://schemas.microsoft.com/office/drawing/2014/main" id="{D153A54E-9958-C86D-AFF0-6DF07F6D11E5}"/>
+              </a:ext>
+            </a:extLst>
+          </p:cNvPr>
+          <p:cNvSpPr/>
+          <p:nvPr/>
+        </p:nvSpPr>
+        <p:spPr>
+          <a:xfrm>
+            <a:off x="3458102" y="3085159"/>
+            <a:ext cx="1298454" cy="228470"/>
+          </a:xfrm>
+          <a:prstGeom prst="rect">
+            <a:avLst/>
+          </a:prstGeom>
+        </p:spPr>
+        <p:style>
+          <a:lnRef idx="2">
+            <a:schemeClr val="accent1">
+              <a:shade val="15000"/>
+            </a:schemeClr>
+          </a:lnRef>
+          <a:fillRef idx="1">
+            <a:schemeClr val="accent1"/>
+          </a:fillRef>
+          <a:effectRef idx="0">
+            <a:schemeClr val="accent1"/>
+          </a:effectRef>
+          <a:fontRef idx="minor">
+            <a:schemeClr val="lt1"/>
+          </a:fontRef>
+        </p:style>
+        <p:txBody>
+          <a:bodyPr rtlCol="0" anchor="ctr"/>
+          <a:lstStyle/>
+          <a:p>
+            <a:pPr algn="ctr"/>
+            <a:r>
+              <a:rPr lang="en-US" sz="1100" dirty="0"/>
+              <a:t>Operand Latch #3</a:t>
+            </a:r>
+            <a:endParaRPr lang="en-CA" sz="1100" dirty="0"/>
+          </a:p>
+        </p:txBody>
+      </p:sp>
+      <p:sp>
+        <p:nvSpPr>
+          <p:cNvPr id="7" name="Rectangle 6">
+            <a:extLst>
+              <a:ext uri="{FF2B5EF4-FFF2-40B4-BE49-F238E27FC236}">
+                <a16:creationId xmlns:a16="http://schemas.microsoft.com/office/drawing/2014/main" id="{0AB29C90-9E5D-09FF-C54D-5686CF22F15D}"/>
+              </a:ext>
+            </a:extLst>
+          </p:cNvPr>
+          <p:cNvSpPr/>
+          <p:nvPr/>
+        </p:nvSpPr>
+        <p:spPr>
+          <a:xfrm>
+            <a:off x="4827492" y="3085159"/>
+            <a:ext cx="1298454" cy="228470"/>
+          </a:xfrm>
+          <a:prstGeom prst="rect">
+            <a:avLst/>
+          </a:prstGeom>
+        </p:spPr>
+        <p:style>
+          <a:lnRef idx="2">
+            <a:schemeClr val="accent1">
+              <a:shade val="15000"/>
+            </a:schemeClr>
+          </a:lnRef>
+          <a:fillRef idx="1">
+            <a:schemeClr val="accent1"/>
+          </a:fillRef>
+          <a:effectRef idx="0">
+            <a:schemeClr val="accent1"/>
+          </a:effectRef>
+          <a:fontRef idx="minor">
+            <a:schemeClr val="lt1"/>
+          </a:fontRef>
+        </p:style>
+        <p:txBody>
+          <a:bodyPr rtlCol="0" anchor="ctr"/>
+          <a:lstStyle/>
+          <a:p>
+            <a:pPr algn="ctr"/>
+            <a:r>
+              <a:rPr lang="en-US" sz="1100" dirty="0"/>
+              <a:t>Operand Latch #4</a:t>
+            </a:r>
+            <a:endParaRPr lang="en-CA" sz="1100" dirty="0"/>
+          </a:p>
+        </p:txBody>
+      </p:sp>
+      <p:sp>
+        <p:nvSpPr>
+          <p:cNvPr id="8" name="Rectangle 7">
+            <a:extLst>
+              <a:ext uri="{FF2B5EF4-FFF2-40B4-BE49-F238E27FC236}">
+                <a16:creationId xmlns:a16="http://schemas.microsoft.com/office/drawing/2014/main" id="{02C55BF0-D12E-9A47-9CAD-7AD610798C73}"/>
+              </a:ext>
+            </a:extLst>
+          </p:cNvPr>
+          <p:cNvSpPr/>
+          <p:nvPr/>
+        </p:nvSpPr>
+        <p:spPr>
+          <a:xfrm>
+            <a:off x="643707" y="2813489"/>
+            <a:ext cx="5546293" cy="654749"/>
+          </a:xfrm>
+          <a:prstGeom prst="rect">
+            <a:avLst/>
+          </a:prstGeom>
+          <a:solidFill>
+            <a:schemeClr val="accent1">
+              <a:alpha val="47000"/>
+            </a:schemeClr>
+          </a:solidFill>
+        </p:spPr>
+        <p:style>
+          <a:lnRef idx="2">
+            <a:schemeClr val="accent1">
+              <a:shade val="15000"/>
+            </a:schemeClr>
+          </a:lnRef>
+          <a:fillRef idx="1">
+            <a:schemeClr val="accent1"/>
+          </a:fillRef>
+          <a:effectRef idx="0">
+            <a:schemeClr val="accent1"/>
+          </a:effectRef>
+          <a:fontRef idx="minor">
+            <a:schemeClr val="lt1"/>
+          </a:fontRef>
+        </p:style>
+        <p:txBody>
+          <a:bodyPr rtlCol="0" anchor="t"/>
+          <a:lstStyle/>
+          <a:p>
+            <a:r>
+              <a:rPr lang="en-US" sz="1200" dirty="0">
+                <a:solidFill>
+                  <a:schemeClr val="tx1"/>
+                </a:solidFill>
+              </a:rPr>
+              <a:t>Queue Entry #1</a:t>
+            </a:r>
+            <a:endParaRPr lang="en-CA" sz="1200" dirty="0">
+              <a:solidFill>
+                <a:schemeClr val="tx1"/>
+              </a:solidFill>
+            </a:endParaRPr>
+          </a:p>
+        </p:txBody>
+      </p:sp>
+      <p:sp>
+        <p:nvSpPr>
+          <p:cNvPr id="9" name="Rectangle 8">
+            <a:extLst>
+              <a:ext uri="{FF2B5EF4-FFF2-40B4-BE49-F238E27FC236}">
+                <a16:creationId xmlns:a16="http://schemas.microsoft.com/office/drawing/2014/main" id="{C598CC17-9D06-901F-3C9C-8A12A1EBB6B7}"/>
+              </a:ext>
+            </a:extLst>
+          </p:cNvPr>
+          <p:cNvSpPr/>
+          <p:nvPr/>
+        </p:nvSpPr>
+        <p:spPr>
+          <a:xfrm>
+            <a:off x="701133" y="4174046"/>
+            <a:ext cx="1307548" cy="228470"/>
+          </a:xfrm>
+          <a:prstGeom prst="rect">
+            <a:avLst/>
+          </a:prstGeom>
+        </p:spPr>
+        <p:style>
+          <a:lnRef idx="2">
+            <a:schemeClr val="accent1">
+              <a:shade val="15000"/>
+            </a:schemeClr>
+          </a:lnRef>
+          <a:fillRef idx="1">
+            <a:schemeClr val="accent1"/>
+          </a:fillRef>
+          <a:effectRef idx="0">
+            <a:schemeClr val="accent1"/>
+          </a:effectRef>
+          <a:fontRef idx="minor">
+            <a:schemeClr val="lt1"/>
+          </a:fontRef>
+        </p:style>
+        <p:txBody>
+          <a:bodyPr rtlCol="0" anchor="ctr"/>
+          <a:lstStyle/>
+          <a:p>
+            <a:pPr algn="ctr"/>
+            <a:r>
+              <a:rPr lang="en-US" sz="1100" dirty="0"/>
+              <a:t>Operand Latch #1</a:t>
+            </a:r>
+            <a:endParaRPr lang="en-CA" sz="1100" dirty="0"/>
+          </a:p>
+        </p:txBody>
+      </p:sp>
+      <p:sp>
+        <p:nvSpPr>
+          <p:cNvPr id="10" name="Rectangle 9">
+            <a:extLst>
+              <a:ext uri="{FF2B5EF4-FFF2-40B4-BE49-F238E27FC236}">
+                <a16:creationId xmlns:a16="http://schemas.microsoft.com/office/drawing/2014/main" id="{5A1B46AF-FFB7-C943-5143-303058ED2177}"/>
+              </a:ext>
+            </a:extLst>
+          </p:cNvPr>
+          <p:cNvSpPr/>
+          <p:nvPr/>
+        </p:nvSpPr>
+        <p:spPr>
+          <a:xfrm>
+            <a:off x="2079618" y="4174046"/>
+            <a:ext cx="1307548" cy="228470"/>
+          </a:xfrm>
+          <a:prstGeom prst="rect">
+            <a:avLst/>
+          </a:prstGeom>
+        </p:spPr>
+        <p:style>
+          <a:lnRef idx="2">
+            <a:schemeClr val="accent1">
+              <a:shade val="15000"/>
+            </a:schemeClr>
+          </a:lnRef>
+          <a:fillRef idx="1">
+            <a:schemeClr val="accent1"/>
+          </a:fillRef>
+          <a:effectRef idx="0">
+            <a:schemeClr val="accent1"/>
+          </a:effectRef>
+          <a:fontRef idx="minor">
+            <a:schemeClr val="lt1"/>
+          </a:fontRef>
+        </p:style>
+        <p:txBody>
+          <a:bodyPr rtlCol="0" anchor="ctr"/>
+          <a:lstStyle/>
+          <a:p>
+            <a:pPr algn="ctr"/>
+            <a:r>
+              <a:rPr lang="en-US" sz="1100" dirty="0"/>
+              <a:t>Operand Latch #2</a:t>
+            </a:r>
+            <a:endParaRPr lang="en-CA" sz="1100" dirty="0"/>
+          </a:p>
+        </p:txBody>
+      </p:sp>
+      <p:sp>
+        <p:nvSpPr>
+          <p:cNvPr id="11" name="Rectangle 10">
+            <a:extLst>
+              <a:ext uri="{FF2B5EF4-FFF2-40B4-BE49-F238E27FC236}">
+                <a16:creationId xmlns:a16="http://schemas.microsoft.com/office/drawing/2014/main" id="{AB787AFF-4B81-57CD-C80A-3A45635AEDCE}"/>
+              </a:ext>
+            </a:extLst>
+          </p:cNvPr>
+          <p:cNvSpPr/>
+          <p:nvPr/>
+        </p:nvSpPr>
+        <p:spPr>
+          <a:xfrm>
+            <a:off x="3458102" y="4174046"/>
+            <a:ext cx="1298454" cy="228470"/>
+          </a:xfrm>
+          <a:prstGeom prst="rect">
+            <a:avLst/>
+          </a:prstGeom>
+        </p:spPr>
+        <p:style>
+          <a:lnRef idx="2">
+            <a:schemeClr val="accent1">
+              <a:shade val="15000"/>
+            </a:schemeClr>
+          </a:lnRef>
+          <a:fillRef idx="1">
+            <a:schemeClr val="accent1"/>
+          </a:fillRef>
+          <a:effectRef idx="0">
+            <a:schemeClr val="accent1"/>
+          </a:effectRef>
+          <a:fontRef idx="minor">
+            <a:schemeClr val="lt1"/>
+          </a:fontRef>
+        </p:style>
+        <p:txBody>
+          <a:bodyPr rtlCol="0" anchor="ctr"/>
+          <a:lstStyle/>
+          <a:p>
+            <a:pPr algn="ctr"/>
+            <a:r>
+              <a:rPr lang="en-US" sz="1100" dirty="0"/>
+              <a:t>Operand Latch #3</a:t>
+            </a:r>
+            <a:endParaRPr lang="en-CA" sz="1100" dirty="0"/>
+          </a:p>
+        </p:txBody>
+      </p:sp>
+      <p:sp>
+        <p:nvSpPr>
+          <p:cNvPr id="12" name="Rectangle 11">
+            <a:extLst>
+              <a:ext uri="{FF2B5EF4-FFF2-40B4-BE49-F238E27FC236}">
+                <a16:creationId xmlns:a16="http://schemas.microsoft.com/office/drawing/2014/main" id="{2173CF43-E767-12EB-0CA2-01FC0DA056FA}"/>
+              </a:ext>
+            </a:extLst>
+          </p:cNvPr>
+          <p:cNvSpPr/>
+          <p:nvPr/>
+        </p:nvSpPr>
+        <p:spPr>
+          <a:xfrm>
+            <a:off x="4827492" y="4174046"/>
+            <a:ext cx="1298454" cy="228470"/>
+          </a:xfrm>
+          <a:prstGeom prst="rect">
+            <a:avLst/>
+          </a:prstGeom>
+        </p:spPr>
+        <p:style>
+          <a:lnRef idx="2">
+            <a:schemeClr val="accent1">
+              <a:shade val="15000"/>
+            </a:schemeClr>
+          </a:lnRef>
+          <a:fillRef idx="1">
+            <a:schemeClr val="accent1"/>
+          </a:fillRef>
+          <a:effectRef idx="0">
+            <a:schemeClr val="accent1"/>
+          </a:effectRef>
+          <a:fontRef idx="minor">
+            <a:schemeClr val="lt1"/>
+          </a:fontRef>
+        </p:style>
+        <p:txBody>
+          <a:bodyPr rtlCol="0" anchor="ctr"/>
+          <a:lstStyle/>
+          <a:p>
+            <a:pPr algn="ctr"/>
+            <a:r>
+              <a:rPr lang="en-US" sz="1100" dirty="0"/>
+              <a:t>Operand Latch #4</a:t>
+            </a:r>
+            <a:endParaRPr lang="en-CA" sz="1100" dirty="0"/>
+          </a:p>
+        </p:txBody>
+      </p:sp>
+      <p:sp>
+        <p:nvSpPr>
+          <p:cNvPr id="13" name="Rectangle 12">
+            <a:extLst>
+              <a:ext uri="{FF2B5EF4-FFF2-40B4-BE49-F238E27FC236}">
+                <a16:creationId xmlns:a16="http://schemas.microsoft.com/office/drawing/2014/main" id="{90EF87FE-1F84-5C9D-BDA3-2C56432EBBA3}"/>
+              </a:ext>
+            </a:extLst>
+          </p:cNvPr>
+          <p:cNvSpPr/>
+          <p:nvPr/>
+        </p:nvSpPr>
+        <p:spPr>
+          <a:xfrm>
+            <a:off x="643707" y="3902376"/>
+            <a:ext cx="5546293" cy="654749"/>
+          </a:xfrm>
+          <a:prstGeom prst="rect">
+            <a:avLst/>
+          </a:prstGeom>
+          <a:solidFill>
+            <a:schemeClr val="accent1">
+              <a:alpha val="47000"/>
+            </a:schemeClr>
+          </a:solidFill>
+        </p:spPr>
+        <p:style>
+          <a:lnRef idx="2">
+            <a:schemeClr val="accent1">
+              <a:shade val="15000"/>
+            </a:schemeClr>
+          </a:lnRef>
+          <a:fillRef idx="1">
+            <a:schemeClr val="accent1"/>
+          </a:fillRef>
+          <a:effectRef idx="0">
+            <a:schemeClr val="accent1"/>
+          </a:effectRef>
+          <a:fontRef idx="minor">
+            <a:schemeClr val="lt1"/>
+          </a:fontRef>
+        </p:style>
+        <p:txBody>
+          <a:bodyPr rtlCol="0" anchor="t"/>
+          <a:lstStyle/>
+          <a:p>
+            <a:r>
+              <a:rPr lang="en-US" sz="1200" dirty="0">
+                <a:solidFill>
+                  <a:schemeClr val="tx1"/>
+                </a:solidFill>
+              </a:rPr>
+              <a:t>Queue Entry #2</a:t>
+            </a:r>
+            <a:endParaRPr lang="en-CA" sz="1200" dirty="0">
+              <a:solidFill>
+                <a:schemeClr val="tx1"/>
+              </a:solidFill>
+            </a:endParaRPr>
+          </a:p>
+        </p:txBody>
+      </p:sp>
+      <p:sp>
+        <p:nvSpPr>
+          <p:cNvPr id="14" name="Rectangle 13">
+            <a:extLst>
+              <a:ext uri="{FF2B5EF4-FFF2-40B4-BE49-F238E27FC236}">
+                <a16:creationId xmlns:a16="http://schemas.microsoft.com/office/drawing/2014/main" id="{C9BD3838-BBDB-84C4-AD94-659C06006C1C}"/>
+              </a:ext>
+            </a:extLst>
+          </p:cNvPr>
+          <p:cNvSpPr/>
+          <p:nvPr/>
+        </p:nvSpPr>
+        <p:spPr>
+          <a:xfrm>
+            <a:off x="701133" y="5262933"/>
+            <a:ext cx="1307548" cy="228470"/>
+          </a:xfrm>
+          <a:prstGeom prst="rect">
+            <a:avLst/>
+          </a:prstGeom>
+        </p:spPr>
+        <p:style>
+          <a:lnRef idx="2">
+            <a:schemeClr val="accent1">
+              <a:shade val="15000"/>
+            </a:schemeClr>
+          </a:lnRef>
+          <a:fillRef idx="1">
+            <a:schemeClr val="accent1"/>
+          </a:fillRef>
+          <a:effectRef idx="0">
+            <a:schemeClr val="accent1"/>
+          </a:effectRef>
+          <a:fontRef idx="minor">
+            <a:schemeClr val="lt1"/>
+          </a:fontRef>
+        </p:style>
+        <p:txBody>
+          <a:bodyPr rtlCol="0" anchor="ctr"/>
+          <a:lstStyle/>
+          <a:p>
+            <a:pPr algn="ctr"/>
+            <a:r>
+              <a:rPr lang="en-US" sz="1100" dirty="0"/>
+              <a:t>Operand Latch #1</a:t>
+            </a:r>
+            <a:endParaRPr lang="en-CA" sz="1100" dirty="0"/>
+          </a:p>
+        </p:txBody>
+      </p:sp>
+      <p:sp>
+        <p:nvSpPr>
+          <p:cNvPr id="15" name="Rectangle 14">
+            <a:extLst>
+              <a:ext uri="{FF2B5EF4-FFF2-40B4-BE49-F238E27FC236}">
+                <a16:creationId xmlns:a16="http://schemas.microsoft.com/office/drawing/2014/main" id="{C5572CD2-600D-3953-1A11-0F4FD1D662D2}"/>
+              </a:ext>
+            </a:extLst>
+          </p:cNvPr>
+          <p:cNvSpPr/>
+          <p:nvPr/>
+        </p:nvSpPr>
+        <p:spPr>
+          <a:xfrm>
+            <a:off x="2079618" y="5262933"/>
+            <a:ext cx="1307548" cy="228470"/>
+          </a:xfrm>
+          <a:prstGeom prst="rect">
+            <a:avLst/>
+          </a:prstGeom>
+        </p:spPr>
+        <p:style>
+          <a:lnRef idx="2">
+            <a:schemeClr val="accent1">
+              <a:shade val="15000"/>
+            </a:schemeClr>
+          </a:lnRef>
+          <a:fillRef idx="1">
+            <a:schemeClr val="accent1"/>
+          </a:fillRef>
+          <a:effectRef idx="0">
+            <a:schemeClr val="accent1"/>
+          </a:effectRef>
+          <a:fontRef idx="minor">
+            <a:schemeClr val="lt1"/>
+          </a:fontRef>
+        </p:style>
+        <p:txBody>
+          <a:bodyPr rtlCol="0" anchor="ctr"/>
+          <a:lstStyle/>
+          <a:p>
+            <a:pPr algn="ctr"/>
+            <a:r>
+              <a:rPr lang="en-US" sz="1100" dirty="0"/>
+              <a:t>Operand Latch #2</a:t>
+            </a:r>
+            <a:endParaRPr lang="en-CA" sz="1100" dirty="0"/>
+          </a:p>
+        </p:txBody>
+      </p:sp>
+      <p:sp>
+        <p:nvSpPr>
+          <p:cNvPr id="16" name="Rectangle 15">
+            <a:extLst>
+              <a:ext uri="{FF2B5EF4-FFF2-40B4-BE49-F238E27FC236}">
+                <a16:creationId xmlns:a16="http://schemas.microsoft.com/office/drawing/2014/main" id="{FA1C4564-E4BA-2915-6206-89E01FF3C157}"/>
+              </a:ext>
+            </a:extLst>
+          </p:cNvPr>
+          <p:cNvSpPr/>
+          <p:nvPr/>
+        </p:nvSpPr>
+        <p:spPr>
+          <a:xfrm>
+            <a:off x="3458102" y="5262933"/>
+            <a:ext cx="1298454" cy="228470"/>
+          </a:xfrm>
+          <a:prstGeom prst="rect">
+            <a:avLst/>
+          </a:prstGeom>
+        </p:spPr>
+        <p:style>
+          <a:lnRef idx="2">
+            <a:schemeClr val="accent1">
+              <a:shade val="15000"/>
+            </a:schemeClr>
+          </a:lnRef>
+          <a:fillRef idx="1">
+            <a:schemeClr val="accent1"/>
+          </a:fillRef>
+          <a:effectRef idx="0">
+            <a:schemeClr val="accent1"/>
+          </a:effectRef>
+          <a:fontRef idx="minor">
+            <a:schemeClr val="lt1"/>
+          </a:fontRef>
+        </p:style>
+        <p:txBody>
+          <a:bodyPr rtlCol="0" anchor="ctr"/>
+          <a:lstStyle/>
+          <a:p>
+            <a:pPr algn="ctr"/>
+            <a:r>
+              <a:rPr lang="en-US" sz="1100" dirty="0"/>
+              <a:t>Operand Latch #3</a:t>
+            </a:r>
+            <a:endParaRPr lang="en-CA" sz="1100" dirty="0"/>
+          </a:p>
+        </p:txBody>
+      </p:sp>
+      <p:sp>
+        <p:nvSpPr>
+          <p:cNvPr id="17" name="Rectangle 16">
+            <a:extLst>
+              <a:ext uri="{FF2B5EF4-FFF2-40B4-BE49-F238E27FC236}">
+                <a16:creationId xmlns:a16="http://schemas.microsoft.com/office/drawing/2014/main" id="{E3A8AAAC-D734-A25E-54BD-D9F10ECD2BCB}"/>
+              </a:ext>
+            </a:extLst>
+          </p:cNvPr>
+          <p:cNvSpPr/>
+          <p:nvPr/>
+        </p:nvSpPr>
+        <p:spPr>
+          <a:xfrm>
+            <a:off x="4827492" y="5262933"/>
+            <a:ext cx="1298454" cy="228470"/>
+          </a:xfrm>
+          <a:prstGeom prst="rect">
+            <a:avLst/>
+          </a:prstGeom>
+        </p:spPr>
+        <p:style>
+          <a:lnRef idx="2">
+            <a:schemeClr val="accent1">
+              <a:shade val="15000"/>
+            </a:schemeClr>
+          </a:lnRef>
+          <a:fillRef idx="1">
+            <a:schemeClr val="accent1"/>
+          </a:fillRef>
+          <a:effectRef idx="0">
+            <a:schemeClr val="accent1"/>
+          </a:effectRef>
+          <a:fontRef idx="minor">
+            <a:schemeClr val="lt1"/>
+          </a:fontRef>
+        </p:style>
+        <p:txBody>
+          <a:bodyPr rtlCol="0" anchor="ctr"/>
+          <a:lstStyle/>
+          <a:p>
+            <a:pPr algn="ctr"/>
+            <a:r>
+              <a:rPr lang="en-US" sz="1100" dirty="0"/>
+              <a:t>Operand Latch #4</a:t>
+            </a:r>
+            <a:endParaRPr lang="en-CA" sz="1100" dirty="0"/>
+          </a:p>
+        </p:txBody>
+      </p:sp>
+      <p:sp>
+        <p:nvSpPr>
+          <p:cNvPr id="18" name="Rectangle 17">
+            <a:extLst>
+              <a:ext uri="{FF2B5EF4-FFF2-40B4-BE49-F238E27FC236}">
+                <a16:creationId xmlns:a16="http://schemas.microsoft.com/office/drawing/2014/main" id="{89914D81-351C-9715-996D-D351355B0C9A}"/>
+              </a:ext>
+            </a:extLst>
+          </p:cNvPr>
+          <p:cNvSpPr/>
+          <p:nvPr/>
+        </p:nvSpPr>
+        <p:spPr>
+          <a:xfrm>
+            <a:off x="643707" y="4991263"/>
+            <a:ext cx="5546293" cy="654749"/>
+          </a:xfrm>
+          <a:prstGeom prst="rect">
+            <a:avLst/>
+          </a:prstGeom>
+          <a:solidFill>
+            <a:schemeClr val="accent1">
+              <a:alpha val="47000"/>
+            </a:schemeClr>
+          </a:solidFill>
+        </p:spPr>
+        <p:style>
+          <a:lnRef idx="2">
+            <a:schemeClr val="accent1">
+              <a:shade val="15000"/>
+            </a:schemeClr>
+          </a:lnRef>
+          <a:fillRef idx="1">
+            <a:schemeClr val="accent1"/>
+          </a:fillRef>
+          <a:effectRef idx="0">
+            <a:schemeClr val="accent1"/>
+          </a:effectRef>
+          <a:fontRef idx="minor">
+            <a:schemeClr val="lt1"/>
+          </a:fontRef>
+        </p:style>
+        <p:txBody>
+          <a:bodyPr rtlCol="0" anchor="t"/>
+          <a:lstStyle/>
+          <a:p>
+            <a:r>
+              <a:rPr lang="en-US" sz="1200" dirty="0">
+                <a:solidFill>
+                  <a:schemeClr val="tx1"/>
+                </a:solidFill>
+              </a:rPr>
+              <a:t>Queue Entry #3</a:t>
+            </a:r>
+            <a:endParaRPr lang="en-CA" sz="1200" dirty="0">
+              <a:solidFill>
+                <a:schemeClr val="tx1"/>
+              </a:solidFill>
+            </a:endParaRPr>
+          </a:p>
+        </p:txBody>
+      </p:sp>
+      <p:sp>
+        <p:nvSpPr>
+          <p:cNvPr id="19" name="Trapezoid 18">
+            <a:extLst>
+              <a:ext uri="{FF2B5EF4-FFF2-40B4-BE49-F238E27FC236}">
+                <a16:creationId xmlns:a16="http://schemas.microsoft.com/office/drawing/2014/main" id="{929D795E-7D96-2BDD-2B15-8851834D25D3}"/>
+              </a:ext>
+            </a:extLst>
+          </p:cNvPr>
+          <p:cNvSpPr/>
+          <p:nvPr/>
+        </p:nvSpPr>
+        <p:spPr>
+          <a:xfrm rot="5400000">
+            <a:off x="5676753" y="3944487"/>
+            <a:ext cx="2832524" cy="570529"/>
+          </a:xfrm>
+          <a:prstGeom prst="trapezoid">
+            <a:avLst/>
+          </a:prstGeom>
+        </p:spPr>
+        <p:style>
+          <a:lnRef idx="2">
+            <a:schemeClr val="accent1">
+              <a:shade val="15000"/>
+            </a:schemeClr>
+          </a:lnRef>
+          <a:fillRef idx="1">
+            <a:schemeClr val="accent1"/>
+          </a:fillRef>
+          <a:effectRef idx="0">
+            <a:schemeClr val="accent1"/>
+          </a:effectRef>
+          <a:fontRef idx="minor">
+            <a:schemeClr val="lt1"/>
+          </a:fontRef>
+        </p:style>
+        <p:txBody>
+          <a:bodyPr rtlCol="0" anchor="ctr"/>
+          <a:lstStyle/>
+          <a:p>
+            <a:pPr algn="ctr"/>
+            <a:r>
+              <a:rPr lang="en-US" dirty="0"/>
+              <a:t>3:1 mux</a:t>
+            </a:r>
+            <a:endParaRPr lang="en-CA" dirty="0"/>
+          </a:p>
+        </p:txBody>
+      </p:sp>
+      <p:sp>
+        <p:nvSpPr>
+          <p:cNvPr id="20" name="Arrow: Right 19">
+            <a:extLst>
+              <a:ext uri="{FF2B5EF4-FFF2-40B4-BE49-F238E27FC236}">
+                <a16:creationId xmlns:a16="http://schemas.microsoft.com/office/drawing/2014/main" id="{1DF85E75-D397-4A14-DEC2-05368A25CF0E}"/>
+              </a:ext>
+            </a:extLst>
+          </p:cNvPr>
+          <p:cNvSpPr/>
+          <p:nvPr/>
+        </p:nvSpPr>
+        <p:spPr>
+          <a:xfrm>
+            <a:off x="7378280" y="3987434"/>
+            <a:ext cx="978408" cy="484632"/>
+          </a:xfrm>
+          <a:prstGeom prst="rightArrow">
+            <a:avLst/>
+          </a:prstGeom>
+        </p:spPr>
+        <p:style>
+          <a:lnRef idx="2">
+            <a:schemeClr val="accent1">
+              <a:shade val="15000"/>
+            </a:schemeClr>
+          </a:lnRef>
+          <a:fillRef idx="1">
+            <a:schemeClr val="accent1"/>
+          </a:fillRef>
+          <a:effectRef idx="0">
+            <a:schemeClr val="accent1"/>
+          </a:effectRef>
+          <a:fontRef idx="minor">
+            <a:schemeClr val="lt1"/>
+          </a:fontRef>
+        </p:style>
+        <p:txBody>
+          <a:bodyPr rtlCol="0" anchor="ctr"/>
+          <a:lstStyle/>
+          <a:p>
+            <a:pPr algn="ctr"/>
+            <a:endParaRPr lang="en-CA"/>
+          </a:p>
+        </p:txBody>
+      </p:sp>
+      <p:sp>
+        <p:nvSpPr>
+          <p:cNvPr id="21" name="Arrow: Right 20">
+            <a:extLst>
+              <a:ext uri="{FF2B5EF4-FFF2-40B4-BE49-F238E27FC236}">
+                <a16:creationId xmlns:a16="http://schemas.microsoft.com/office/drawing/2014/main" id="{D9F6B381-9265-D55C-C89D-5AB15A169578}"/>
+              </a:ext>
+            </a:extLst>
+          </p:cNvPr>
+          <p:cNvSpPr/>
+          <p:nvPr/>
+        </p:nvSpPr>
+        <p:spPr>
+          <a:xfrm>
+            <a:off x="6196882" y="2898547"/>
+            <a:ext cx="610868" cy="484632"/>
+          </a:xfrm>
+          <a:prstGeom prst="rightArrow">
+            <a:avLst/>
+          </a:prstGeom>
+        </p:spPr>
+        <p:style>
+          <a:lnRef idx="2">
+            <a:schemeClr val="accent1">
+              <a:shade val="15000"/>
+            </a:schemeClr>
+          </a:lnRef>
+          <a:fillRef idx="1">
+            <a:schemeClr val="accent1"/>
+          </a:fillRef>
+          <a:effectRef idx="0">
+            <a:schemeClr val="accent1"/>
+          </a:effectRef>
+          <a:fontRef idx="minor">
+            <a:schemeClr val="lt1"/>
+          </a:fontRef>
+        </p:style>
+        <p:txBody>
+          <a:bodyPr rtlCol="0" anchor="ctr"/>
+          <a:lstStyle/>
+          <a:p>
+            <a:pPr algn="ctr"/>
+            <a:endParaRPr lang="en-CA"/>
+          </a:p>
+        </p:txBody>
+      </p:sp>
+      <p:sp>
+        <p:nvSpPr>
+          <p:cNvPr id="22" name="Arrow: Right 21">
+            <a:extLst>
+              <a:ext uri="{FF2B5EF4-FFF2-40B4-BE49-F238E27FC236}">
+                <a16:creationId xmlns:a16="http://schemas.microsoft.com/office/drawing/2014/main" id="{8205E3F5-C275-FE86-0CDB-B1FBC2C1E576}"/>
+              </a:ext>
+            </a:extLst>
+          </p:cNvPr>
+          <p:cNvSpPr/>
+          <p:nvPr/>
+        </p:nvSpPr>
+        <p:spPr>
+          <a:xfrm>
+            <a:off x="6190000" y="3987434"/>
+            <a:ext cx="610868" cy="484632"/>
+          </a:xfrm>
+          <a:prstGeom prst="rightArrow">
+            <a:avLst/>
+          </a:prstGeom>
+        </p:spPr>
+        <p:style>
+          <a:lnRef idx="2">
+            <a:schemeClr val="accent1">
+              <a:shade val="15000"/>
+            </a:schemeClr>
+          </a:lnRef>
+          <a:fillRef idx="1">
+            <a:schemeClr val="accent1"/>
+          </a:fillRef>
+          <a:effectRef idx="0">
+            <a:schemeClr val="accent1"/>
+          </a:effectRef>
+          <a:fontRef idx="minor">
+            <a:schemeClr val="lt1"/>
+          </a:fontRef>
+        </p:style>
+        <p:txBody>
+          <a:bodyPr rtlCol="0" anchor="ctr"/>
+          <a:lstStyle/>
+          <a:p>
+            <a:pPr algn="ctr"/>
+            <a:endParaRPr lang="en-CA"/>
+          </a:p>
+        </p:txBody>
+      </p:sp>
+      <p:sp>
+        <p:nvSpPr>
+          <p:cNvPr id="23" name="Arrow: Right 22">
+            <a:extLst>
+              <a:ext uri="{FF2B5EF4-FFF2-40B4-BE49-F238E27FC236}">
+                <a16:creationId xmlns:a16="http://schemas.microsoft.com/office/drawing/2014/main" id="{42184D23-A98B-E99E-AFB4-73CD36A59F16}"/>
+              </a:ext>
+            </a:extLst>
+          </p:cNvPr>
+          <p:cNvSpPr/>
+          <p:nvPr/>
+        </p:nvSpPr>
+        <p:spPr>
+          <a:xfrm>
+            <a:off x="6190000" y="5076321"/>
+            <a:ext cx="610868" cy="484632"/>
+          </a:xfrm>
+          <a:prstGeom prst="rightArrow">
+            <a:avLst/>
+          </a:prstGeom>
+        </p:spPr>
+        <p:style>
+          <a:lnRef idx="2">
+            <a:schemeClr val="accent1">
+              <a:shade val="15000"/>
+            </a:schemeClr>
+          </a:lnRef>
+          <a:fillRef idx="1">
+            <a:schemeClr val="accent1"/>
+          </a:fillRef>
+          <a:effectRef idx="0">
+            <a:schemeClr val="accent1"/>
+          </a:effectRef>
+          <a:fontRef idx="minor">
+            <a:schemeClr val="lt1"/>
+          </a:fontRef>
+        </p:style>
+        <p:txBody>
+          <a:bodyPr rtlCol="0" anchor="ctr"/>
+          <a:lstStyle/>
+          <a:p>
+            <a:pPr algn="ctr"/>
+            <a:endParaRPr lang="en-CA"/>
+          </a:p>
+        </p:txBody>
+      </p:sp>
+      <p:sp>
+        <p:nvSpPr>
+          <p:cNvPr id="24" name="TextBox 23">
+            <a:extLst>
+              <a:ext uri="{FF2B5EF4-FFF2-40B4-BE49-F238E27FC236}">
+                <a16:creationId xmlns:a16="http://schemas.microsoft.com/office/drawing/2014/main" id="{2C728B52-0D23-9B07-B1EA-A00181E41FE1}"/>
+              </a:ext>
+            </a:extLst>
+          </p:cNvPr>
+          <p:cNvSpPr txBox="1"/>
+          <p:nvPr/>
+        </p:nvSpPr>
+        <p:spPr>
+          <a:xfrm>
+            <a:off x="8442241" y="3902376"/>
+            <a:ext cx="1973232" cy="646331"/>
+          </a:xfrm>
+          <a:prstGeom prst="rect">
+            <a:avLst/>
+          </a:prstGeom>
+          <a:noFill/>
+        </p:spPr>
+        <p:txBody>
+          <a:bodyPr wrap="none" rtlCol="0">
+            <a:spAutoFit/>
+          </a:bodyPr>
+          <a:lstStyle/>
+          <a:p>
+            <a:r>
+              <a:rPr lang="en-US" dirty="0"/>
+              <a:t>Operands</a:t>
+            </a:r>
+          </a:p>
+          <a:p>
+            <a:r>
+              <a:rPr lang="en-US" dirty="0"/>
+              <a:t>To Functional Unit</a:t>
+            </a:r>
+            <a:endParaRPr lang="en-CA" dirty="0"/>
+          </a:p>
+        </p:txBody>
+      </p:sp>
+      <p:sp>
+        <p:nvSpPr>
+          <p:cNvPr id="25" name="Arrow: Down 24">
+            <a:extLst>
+              <a:ext uri="{FF2B5EF4-FFF2-40B4-BE49-F238E27FC236}">
+                <a16:creationId xmlns:a16="http://schemas.microsoft.com/office/drawing/2014/main" id="{8018E69C-705E-4D64-316A-36575E0073ED}"/>
+              </a:ext>
+            </a:extLst>
+          </p:cNvPr>
+          <p:cNvSpPr/>
+          <p:nvPr/>
+        </p:nvSpPr>
+        <p:spPr>
+          <a:xfrm>
+            <a:off x="1390245" y="1824508"/>
+            <a:ext cx="484632" cy="978408"/>
+          </a:xfrm>
+          <a:prstGeom prst="downArrow">
+            <a:avLst/>
+          </a:prstGeom>
+        </p:spPr>
+        <p:style>
+          <a:lnRef idx="2">
+            <a:schemeClr val="accent1">
+              <a:shade val="15000"/>
+            </a:schemeClr>
+          </a:lnRef>
+          <a:fillRef idx="1">
+            <a:schemeClr val="accent1"/>
+          </a:fillRef>
+          <a:effectRef idx="0">
+            <a:schemeClr val="accent1"/>
+          </a:effectRef>
+          <a:fontRef idx="minor">
+            <a:schemeClr val="lt1"/>
+          </a:fontRef>
+        </p:style>
+        <p:txBody>
+          <a:bodyPr rtlCol="0" anchor="ctr"/>
+          <a:lstStyle/>
+          <a:p>
+            <a:pPr algn="ctr"/>
+            <a:endParaRPr lang="en-CA"/>
+          </a:p>
+        </p:txBody>
+      </p:sp>
+      <p:sp>
+        <p:nvSpPr>
+          <p:cNvPr id="26" name="Arrow: Down 25">
+            <a:extLst>
+              <a:ext uri="{FF2B5EF4-FFF2-40B4-BE49-F238E27FC236}">
+                <a16:creationId xmlns:a16="http://schemas.microsoft.com/office/drawing/2014/main" id="{8A934254-93B2-C64F-DE84-6477009B256D}"/>
+              </a:ext>
+            </a:extLst>
+          </p:cNvPr>
+          <p:cNvSpPr/>
+          <p:nvPr/>
+        </p:nvSpPr>
+        <p:spPr>
+          <a:xfrm>
+            <a:off x="3083645" y="1824508"/>
+            <a:ext cx="484632" cy="978408"/>
+          </a:xfrm>
+          <a:prstGeom prst="downArrow">
+            <a:avLst/>
+          </a:prstGeom>
+        </p:spPr>
+        <p:style>
+          <a:lnRef idx="2">
+            <a:schemeClr val="accent1">
+              <a:shade val="15000"/>
+            </a:schemeClr>
+          </a:lnRef>
+          <a:fillRef idx="1">
+            <a:schemeClr val="accent1"/>
+          </a:fillRef>
+          <a:effectRef idx="0">
+            <a:schemeClr val="accent1"/>
+          </a:effectRef>
+          <a:fontRef idx="minor">
+            <a:schemeClr val="lt1"/>
+          </a:fontRef>
+        </p:style>
+        <p:txBody>
+          <a:bodyPr rtlCol="0" anchor="ctr"/>
+          <a:lstStyle/>
+          <a:p>
+            <a:pPr algn="ctr"/>
+            <a:endParaRPr lang="en-CA"/>
+          </a:p>
+        </p:txBody>
+      </p:sp>
+      <p:sp>
+        <p:nvSpPr>
+          <p:cNvPr id="27" name="TextBox 26">
+            <a:extLst>
+              <a:ext uri="{FF2B5EF4-FFF2-40B4-BE49-F238E27FC236}">
+                <a16:creationId xmlns:a16="http://schemas.microsoft.com/office/drawing/2014/main" id="{FE172B27-3618-75CC-E11C-0B939FA38D45}"/>
+              </a:ext>
+            </a:extLst>
+          </p:cNvPr>
+          <p:cNvSpPr txBox="1"/>
+          <p:nvPr/>
+        </p:nvSpPr>
+        <p:spPr>
+          <a:xfrm>
+            <a:off x="804406" y="1447054"/>
+            <a:ext cx="1791196" cy="369332"/>
+          </a:xfrm>
+          <a:prstGeom prst="rect">
+            <a:avLst/>
+          </a:prstGeom>
+          <a:noFill/>
+        </p:spPr>
+        <p:txBody>
+          <a:bodyPr wrap="none" rtlCol="0">
+            <a:spAutoFit/>
+          </a:bodyPr>
+          <a:lstStyle/>
+          <a:p>
+            <a:r>
+              <a:rPr lang="en-US" dirty="0"/>
+              <a:t>Bypass Network</a:t>
+            </a:r>
+            <a:endParaRPr lang="en-CA" dirty="0"/>
+          </a:p>
+        </p:txBody>
+      </p:sp>
+      <p:sp>
+        <p:nvSpPr>
+          <p:cNvPr id="28" name="TextBox 27">
+            <a:extLst>
+              <a:ext uri="{FF2B5EF4-FFF2-40B4-BE49-F238E27FC236}">
+                <a16:creationId xmlns:a16="http://schemas.microsoft.com/office/drawing/2014/main" id="{E4589F54-267A-CC39-8888-2439935BCBA6}"/>
+              </a:ext>
+            </a:extLst>
+          </p:cNvPr>
+          <p:cNvSpPr txBox="1"/>
+          <p:nvPr/>
+        </p:nvSpPr>
+        <p:spPr>
+          <a:xfrm>
+            <a:off x="2585537" y="1453859"/>
+            <a:ext cx="1521792" cy="369332"/>
+          </a:xfrm>
+          <a:prstGeom prst="rect">
+            <a:avLst/>
+          </a:prstGeom>
+          <a:noFill/>
+        </p:spPr>
+        <p:txBody>
+          <a:bodyPr wrap="square" rtlCol="0">
+            <a:spAutoFit/>
+          </a:bodyPr>
+          <a:lstStyle/>
+          <a:p>
+            <a:r>
+              <a:rPr lang="en-US" dirty="0"/>
+              <a:t>Register File</a:t>
+            </a:r>
+            <a:endParaRPr lang="en-CA" dirty="0"/>
+          </a:p>
+        </p:txBody>
+      </p:sp>
+      <p:sp>
+        <p:nvSpPr>
+          <p:cNvPr id="29" name="TextBox 28">
+            <a:extLst>
+              <a:ext uri="{FF2B5EF4-FFF2-40B4-BE49-F238E27FC236}">
+                <a16:creationId xmlns:a16="http://schemas.microsoft.com/office/drawing/2014/main" id="{40BA8278-6C4B-8B6F-3397-A3E153371543}"/>
+              </a:ext>
+            </a:extLst>
+          </p:cNvPr>
+          <p:cNvSpPr txBox="1"/>
+          <p:nvPr/>
+        </p:nvSpPr>
+        <p:spPr>
+          <a:xfrm>
+            <a:off x="7740669" y="1020694"/>
+            <a:ext cx="3611477" cy="2292935"/>
+          </a:xfrm>
+          <a:prstGeom prst="rect">
+            <a:avLst/>
+          </a:prstGeom>
+          <a:noFill/>
+        </p:spPr>
+        <p:txBody>
+          <a:bodyPr wrap="square" rtlCol="0">
+            <a:spAutoFit/>
+          </a:bodyPr>
+          <a:lstStyle/>
+          <a:p>
+            <a:r>
+              <a:rPr lang="en-US" sz="1100" dirty="0"/>
+              <a:t>A request is made to the register file to fetch values that have not been latched yet.</a:t>
+            </a:r>
+          </a:p>
+          <a:p>
+            <a:endParaRPr lang="en-US" sz="1100" dirty="0"/>
+          </a:p>
+          <a:p>
+            <a:r>
+              <a:rPr lang="en-US" sz="1100" dirty="0"/>
+              <a:t>Operand latches are filled from either the register file or the results bypassing network as available.</a:t>
+            </a:r>
+          </a:p>
+          <a:p>
+            <a:endParaRPr lang="en-US" sz="1100" dirty="0"/>
+          </a:p>
+          <a:p>
+            <a:r>
+              <a:rPr lang="en-US" sz="1100" dirty="0"/>
+              <a:t>Once all operands are valid for a queue entry, the instruction may be scheduled to go to the functional unit. The functional unit must also be ready to accept a new operation.</a:t>
+            </a:r>
+          </a:p>
+          <a:p>
+            <a:endParaRPr lang="en-US" sz="1100" dirty="0"/>
+          </a:p>
+          <a:p>
+            <a:r>
+              <a:rPr lang="en-US" sz="1100" dirty="0"/>
+              <a:t>Once the queue entry has gone to the functional unit it is marked available for a new instruction.</a:t>
+            </a:r>
+            <a:endParaRPr lang="en-CA" sz="1100" dirty="0"/>
+          </a:p>
+        </p:txBody>
+      </p:sp>
+      <p:sp>
+        <p:nvSpPr>
+          <p:cNvPr id="30" name="Rectangle 29">
+            <a:extLst>
+              <a:ext uri="{FF2B5EF4-FFF2-40B4-BE49-F238E27FC236}">
+                <a16:creationId xmlns:a16="http://schemas.microsoft.com/office/drawing/2014/main" id="{DCEFB8A0-EDFE-668D-C31C-2660889B30B0}"/>
+              </a:ext>
+            </a:extLst>
+          </p:cNvPr>
+          <p:cNvSpPr/>
+          <p:nvPr/>
+        </p:nvSpPr>
+        <p:spPr>
+          <a:xfrm>
+            <a:off x="8376002" y="5720002"/>
+            <a:ext cx="1317812" cy="635973"/>
+          </a:xfrm>
+          <a:prstGeom prst="rect">
+            <a:avLst/>
+          </a:prstGeom>
+        </p:spPr>
+        <p:style>
+          <a:lnRef idx="2">
+            <a:schemeClr val="accent1">
+              <a:shade val="15000"/>
+            </a:schemeClr>
+          </a:lnRef>
+          <a:fillRef idx="1">
+            <a:schemeClr val="accent1"/>
+          </a:fillRef>
+          <a:effectRef idx="0">
+            <a:schemeClr val="accent1"/>
+          </a:effectRef>
+          <a:fontRef idx="minor">
+            <a:schemeClr val="lt1"/>
+          </a:fontRef>
+        </p:style>
+        <p:txBody>
+          <a:bodyPr rtlCol="0" anchor="ctr"/>
+          <a:lstStyle/>
+          <a:p>
+            <a:pPr algn="ctr"/>
+            <a:r>
+              <a:rPr lang="en-US" dirty="0"/>
+              <a:t>Scheduler</a:t>
+            </a:r>
+            <a:endParaRPr lang="en-CA" dirty="0"/>
+          </a:p>
+        </p:txBody>
+      </p:sp>
+      <p:sp>
+        <p:nvSpPr>
+          <p:cNvPr id="31" name="Arrow: Down 30">
+            <a:extLst>
+              <a:ext uri="{FF2B5EF4-FFF2-40B4-BE49-F238E27FC236}">
+                <a16:creationId xmlns:a16="http://schemas.microsoft.com/office/drawing/2014/main" id="{3341695D-A663-FD9E-1497-FA8609A3EB98}"/>
+              </a:ext>
+            </a:extLst>
+          </p:cNvPr>
+          <p:cNvSpPr/>
+          <p:nvPr/>
+        </p:nvSpPr>
+        <p:spPr>
+          <a:xfrm rot="10800000">
+            <a:off x="4933101" y="1840759"/>
+            <a:ext cx="484632" cy="978408"/>
+          </a:xfrm>
+          <a:prstGeom prst="downArrow">
+            <a:avLst/>
+          </a:prstGeom>
+        </p:spPr>
+        <p:style>
+          <a:lnRef idx="2">
+            <a:schemeClr val="accent1">
+              <a:shade val="15000"/>
+            </a:schemeClr>
+          </a:lnRef>
+          <a:fillRef idx="1">
+            <a:schemeClr val="accent1"/>
+          </a:fillRef>
+          <a:effectRef idx="0">
+            <a:schemeClr val="accent1"/>
+          </a:effectRef>
+          <a:fontRef idx="minor">
+            <a:schemeClr val="lt1"/>
+          </a:fontRef>
+        </p:style>
+        <p:txBody>
+          <a:bodyPr rtlCol="0" anchor="ctr"/>
+          <a:lstStyle/>
+          <a:p>
+            <a:pPr algn="ctr"/>
+            <a:endParaRPr lang="en-CA"/>
+          </a:p>
+        </p:txBody>
+      </p:sp>
+      <p:sp>
+        <p:nvSpPr>
+          <p:cNvPr id="32" name="TextBox 31">
+            <a:extLst>
+              <a:ext uri="{FF2B5EF4-FFF2-40B4-BE49-F238E27FC236}">
+                <a16:creationId xmlns:a16="http://schemas.microsoft.com/office/drawing/2014/main" id="{3B180A55-32E0-7DED-BF42-A7CB477B3716}"/>
+              </a:ext>
+            </a:extLst>
+          </p:cNvPr>
+          <p:cNvSpPr txBox="1"/>
+          <p:nvPr/>
+        </p:nvSpPr>
+        <p:spPr>
+          <a:xfrm>
+            <a:off x="4180766" y="1452732"/>
+            <a:ext cx="2473935" cy="369332"/>
+          </a:xfrm>
+          <a:prstGeom prst="rect">
+            <a:avLst/>
+          </a:prstGeom>
+          <a:noFill/>
+        </p:spPr>
+        <p:txBody>
+          <a:bodyPr wrap="square" rtlCol="0">
+            <a:spAutoFit/>
+          </a:bodyPr>
+          <a:lstStyle/>
+          <a:p>
+            <a:r>
+              <a:rPr lang="en-US" dirty="0"/>
+              <a:t>Register Read Request</a:t>
+            </a:r>
+            <a:endParaRPr lang="en-CA" dirty="0"/>
+          </a:p>
+        </p:txBody>
+      </p:sp>
+    </p:spTree>
+    <p:extLst>
+      <p:ext uri="{BB962C8B-B14F-4D97-AF65-F5344CB8AC3E}">
+        <p14:creationId xmlns:p14="http://schemas.microsoft.com/office/powerpoint/2010/main" val="1888516878"/>
+      </p:ext>
+    </p:extLst>
+  </p:cSld>
+  <p:clrMapOvr>
+    <a:masterClrMapping/>
+  </p:clrMapOvr>
+</p:sld>
+</file>
+
+<file path=ppt/slides/slide8.xml><?xml version="1.0" encoding="utf-8"?>
+<p:sld xmlns:a="http://schemas.openxmlformats.org/drawingml/2006/main" xmlns:r="http://schemas.openxmlformats.org/officeDocument/2006/relationships" xmlns:p="http://schemas.openxmlformats.org/presentationml/2006/main">
+  <p:cSld>
+    <p:spTree>
+      <p:nvGrpSpPr>
+        <p:cNvPr id="1" name=""/>
+        <p:cNvGrpSpPr/>
+        <p:nvPr/>
+      </p:nvGrpSpPr>
+      <p:grpSpPr>
+        <a:xfrm>
+          <a:off x="0" y="0"/>
+          <a:ext cx="0" cy="0"/>
+          <a:chOff x="0" y="0"/>
+          <a:chExt cx="0" cy="0"/>
+        </a:xfrm>
+      </p:grpSpPr>
+      <p:pic>
+        <p:nvPicPr>
+          <p:cNvPr id="4" name="Picture 3">
+            <a:extLst>
+              <a:ext uri="{FF2B5EF4-FFF2-40B4-BE49-F238E27FC236}">
+                <a16:creationId xmlns:a16="http://schemas.microsoft.com/office/drawing/2014/main" id="{91B7A507-0B6D-6C1F-0AE0-BAA6239F026E}"/>
+              </a:ext>
+            </a:extLst>
+          </p:cNvPr>
+          <p:cNvPicPr>
+            <a:picLocks noChangeAspect="1"/>
+          </p:cNvPicPr>
+          <p:nvPr/>
+        </p:nvPicPr>
+        <p:blipFill>
+          <a:blip r:embed="rId2"/>
+          <a:stretch>
+            <a:fillRect/>
+          </a:stretch>
+        </p:blipFill>
+        <p:spPr>
+          <a:xfrm>
+            <a:off x="3235565" y="0"/>
+            <a:ext cx="5720869" cy="6858000"/>
+          </a:xfrm>
+          <a:prstGeom prst="rect">
+            <a:avLst/>
+          </a:prstGeom>
+        </p:spPr>
+      </p:pic>
+      <p:sp>
+        <p:nvSpPr>
+          <p:cNvPr id="5" name="TextBox 4">
+            <a:extLst>
+              <a:ext uri="{FF2B5EF4-FFF2-40B4-BE49-F238E27FC236}">
+                <a16:creationId xmlns:a16="http://schemas.microsoft.com/office/drawing/2014/main" id="{A5E199E5-4BC0-E848-B91D-06C5DD2E487F}"/>
+              </a:ext>
+            </a:extLst>
+          </p:cNvPr>
+          <p:cNvSpPr txBox="1"/>
+          <p:nvPr/>
+        </p:nvSpPr>
+        <p:spPr>
+          <a:xfrm>
+            <a:off x="283464" y="466344"/>
+            <a:ext cx="2455319" cy="2369880"/>
+          </a:xfrm>
+          <a:prstGeom prst="rect">
+            <a:avLst/>
+          </a:prstGeom>
+          <a:noFill/>
+        </p:spPr>
+        <p:txBody>
+          <a:bodyPr wrap="square" rtlCol="0">
+            <a:spAutoFit/>
+          </a:bodyPr>
+          <a:lstStyle/>
+          <a:p>
+            <a:r>
+              <a:rPr lang="en-US" sz="1600" dirty="0"/>
+              <a:t>Root Opcode Map</a:t>
+            </a:r>
+          </a:p>
+          <a:p>
+            <a:r>
+              <a:rPr lang="en-US" sz="1200" dirty="0"/>
+              <a:t>Orange = control</a:t>
+            </a:r>
+          </a:p>
+          <a:p>
+            <a:r>
+              <a:rPr lang="en-US" sz="1200" dirty="0"/>
+              <a:t>Yellow = capabilities</a:t>
+            </a:r>
+          </a:p>
+          <a:p>
+            <a:r>
+              <a:rPr lang="en-US" sz="1200" dirty="0"/>
+              <a:t>Grey = arithmetic</a:t>
+            </a:r>
+          </a:p>
+          <a:p>
+            <a:r>
+              <a:rPr lang="en-US" sz="1200" dirty="0"/>
+              <a:t>Green = branch</a:t>
+            </a:r>
+          </a:p>
+          <a:p>
+            <a:r>
+              <a:rPr lang="en-US" sz="1200" dirty="0"/>
+              <a:t>Pink = memory</a:t>
+            </a:r>
+          </a:p>
+          <a:p>
+            <a:endParaRPr lang="en-US" sz="1200" dirty="0"/>
+          </a:p>
+          <a:p>
+            <a:r>
+              <a:rPr lang="en-US" sz="1200" dirty="0"/>
+              <a:t>There are about 25 open opcodes and the instruction set is pretty complete. There may be some more graphics or AI instructions </a:t>
+            </a:r>
+            <a:r>
+              <a:rPr lang="en-US" sz="1200"/>
+              <a:t>to be added </a:t>
+            </a:r>
+            <a:r>
+              <a:rPr lang="en-US" sz="1200" dirty="0"/>
+              <a:t>yet.</a:t>
+            </a:r>
+            <a:endParaRPr lang="en-CA" sz="1200" dirty="0"/>
+          </a:p>
+        </p:txBody>
+      </p:sp>
+    </p:spTree>
+    <p:extLst>
+      <p:ext uri="{BB962C8B-B14F-4D97-AF65-F5344CB8AC3E}">
+        <p14:creationId xmlns:p14="http://schemas.microsoft.com/office/powerpoint/2010/main" val="2388022920"/>
       </p:ext>
     </p:extLst>
   </p:cSld>

--- a/rtl/cpu_v4/doc/Qupls2026.pptx
+++ b/rtl/cpu_v4/doc/Qupls2026.pptx
@@ -122,7 +122,7 @@
 <file path=ppt/revisionInfo.xml><?xml version="1.0" encoding="utf-8"?>
 <p1510:revInfo xmlns:a="http://schemas.openxmlformats.org/drawingml/2006/main" xmlns:r="http://schemas.openxmlformats.org/officeDocument/2006/relationships" xmlns:p1510="http://schemas.microsoft.com/office/powerpoint/2015/10/main">
   <p1510:revLst>
-    <p1510:client id="{9F23FD1A-625A-4B31-93FB-D8E8B8CAA265}" v="39" dt="2025-11-17T01:32:57.351"/>
+    <p1510:client id="{9F23FD1A-625A-4B31-93FB-D8E8B8CAA265}" v="40" dt="2025-11-23T12:57:37.548"/>
   </p1510:revLst>
 </p1510:revInfo>
 </file>
@@ -132,12 +132,12 @@
   <pc:docChgLst>
     <pc:chgData name="Robert Finch" userId="360118edfabb5ba6" providerId="LiveId" clId="{940D50E2-FEDC-434C-83CF-A13052851249}"/>
     <pc:docChg chg="undo custSel addSld modSld sldOrd">
-      <pc:chgData name="Robert Finch" userId="360118edfabb5ba6" providerId="LiveId" clId="{940D50E2-FEDC-434C-83CF-A13052851249}" dt="2025-11-17T01:36:05.872" v="2736" actId="1076"/>
+      <pc:chgData name="Robert Finch" userId="360118edfabb5ba6" providerId="LiveId" clId="{940D50E2-FEDC-434C-83CF-A13052851249}" dt="2025-11-23T12:58:44.948" v="2768" actId="14100"/>
       <pc:docMkLst>
         <pc:docMk/>
       </pc:docMkLst>
       <pc:sldChg chg="addSp delSp modSp mod">
-        <pc:chgData name="Robert Finch" userId="360118edfabb5ba6" providerId="LiveId" clId="{940D50E2-FEDC-434C-83CF-A13052851249}" dt="2025-11-17T01:36:05.872" v="2736" actId="1076"/>
+        <pc:chgData name="Robert Finch" userId="360118edfabb5ba6" providerId="LiveId" clId="{940D50E2-FEDC-434C-83CF-A13052851249}" dt="2025-11-23T12:58:44.948" v="2768" actId="14100"/>
         <pc:sldMkLst>
           <pc:docMk/>
           <pc:sldMk cId="3493996368" sldId="256"/>
@@ -303,6 +303,14 @@
           </ac:spMkLst>
         </pc:spChg>
         <pc:spChg chg="add mod">
+          <ac:chgData name="Robert Finch" userId="360118edfabb5ba6" providerId="LiveId" clId="{940D50E2-FEDC-434C-83CF-A13052851249}" dt="2025-11-23T12:58:44.948" v="2768" actId="14100"/>
+          <ac:spMkLst>
+            <pc:docMk/>
+            <pc:sldMk cId="3493996368" sldId="256"/>
+            <ac:spMk id="22" creationId="{C4B08F64-0CD3-8980-398C-ADBA3AB49225}"/>
+          </ac:spMkLst>
+        </pc:spChg>
+        <pc:spChg chg="add mod">
           <ac:chgData name="Robert Finch" userId="360118edfabb5ba6" providerId="LiveId" clId="{940D50E2-FEDC-434C-83CF-A13052851249}" dt="2025-11-17T01:32:34.733" v="2723" actId="14100"/>
           <ac:spMkLst>
             <pc:docMk/>
@@ -535,7 +543,7 @@
           </ac:spMkLst>
         </pc:spChg>
         <pc:spChg chg="mod">
-          <ac:chgData name="Robert Finch" userId="360118edfabb5ba6" providerId="LiveId" clId="{940D50E2-FEDC-434C-83CF-A13052851249}" dt="2025-11-13T20:35:18.876" v="590" actId="1076"/>
+          <ac:chgData name="Robert Finch" userId="360118edfabb5ba6" providerId="LiveId" clId="{940D50E2-FEDC-434C-83CF-A13052851249}" dt="2025-11-23T12:58:05.311" v="2756" actId="14100"/>
           <ac:spMkLst>
             <pc:docMk/>
             <pc:sldMk cId="3493996368" sldId="256"/>
@@ -1978,7 +1986,7 @@
           <a:p>
             <a:fld id="{40721942-3650-429E-A73C-F40215CD5967}" type="datetimeFigureOut">
               <a:rPr lang="en-CA" smtClean="0"/>
-              <a:t>2025-11-16</a:t>
+              <a:t>2025-11-23</a:t>
             </a:fld>
             <a:endParaRPr lang="en-CA"/>
           </a:p>
@@ -2178,7 +2186,7 @@
           <a:p>
             <a:fld id="{40721942-3650-429E-A73C-F40215CD5967}" type="datetimeFigureOut">
               <a:rPr lang="en-CA" smtClean="0"/>
-              <a:t>2025-11-16</a:t>
+              <a:t>2025-11-23</a:t>
             </a:fld>
             <a:endParaRPr lang="en-CA"/>
           </a:p>
@@ -2388,7 +2396,7 @@
           <a:p>
             <a:fld id="{40721942-3650-429E-A73C-F40215CD5967}" type="datetimeFigureOut">
               <a:rPr lang="en-CA" smtClean="0"/>
-              <a:t>2025-11-16</a:t>
+              <a:t>2025-11-23</a:t>
             </a:fld>
             <a:endParaRPr lang="en-CA"/>
           </a:p>
@@ -2588,7 +2596,7 @@
           <a:p>
             <a:fld id="{40721942-3650-429E-A73C-F40215CD5967}" type="datetimeFigureOut">
               <a:rPr lang="en-CA" smtClean="0"/>
-              <a:t>2025-11-16</a:t>
+              <a:t>2025-11-23</a:t>
             </a:fld>
             <a:endParaRPr lang="en-CA"/>
           </a:p>
@@ -2864,7 +2872,7 @@
           <a:p>
             <a:fld id="{40721942-3650-429E-A73C-F40215CD5967}" type="datetimeFigureOut">
               <a:rPr lang="en-CA" smtClean="0"/>
-              <a:t>2025-11-16</a:t>
+              <a:t>2025-11-23</a:t>
             </a:fld>
             <a:endParaRPr lang="en-CA"/>
           </a:p>
@@ -3132,7 +3140,7 @@
           <a:p>
             <a:fld id="{40721942-3650-429E-A73C-F40215CD5967}" type="datetimeFigureOut">
               <a:rPr lang="en-CA" smtClean="0"/>
-              <a:t>2025-11-16</a:t>
+              <a:t>2025-11-23</a:t>
             </a:fld>
             <a:endParaRPr lang="en-CA"/>
           </a:p>
@@ -3547,7 +3555,7 @@
           <a:p>
             <a:fld id="{40721942-3650-429E-A73C-F40215CD5967}" type="datetimeFigureOut">
               <a:rPr lang="en-CA" smtClean="0"/>
-              <a:t>2025-11-16</a:t>
+              <a:t>2025-11-23</a:t>
             </a:fld>
             <a:endParaRPr lang="en-CA"/>
           </a:p>
@@ -3689,7 +3697,7 @@
           <a:p>
             <a:fld id="{40721942-3650-429E-A73C-F40215CD5967}" type="datetimeFigureOut">
               <a:rPr lang="en-CA" smtClean="0"/>
-              <a:t>2025-11-16</a:t>
+              <a:t>2025-11-23</a:t>
             </a:fld>
             <a:endParaRPr lang="en-CA"/>
           </a:p>
@@ -3802,7 +3810,7 @@
           <a:p>
             <a:fld id="{40721942-3650-429E-A73C-F40215CD5967}" type="datetimeFigureOut">
               <a:rPr lang="en-CA" smtClean="0"/>
-              <a:t>2025-11-16</a:t>
+              <a:t>2025-11-23</a:t>
             </a:fld>
             <a:endParaRPr lang="en-CA"/>
           </a:p>
@@ -4115,7 +4123,7 @@
           <a:p>
             <a:fld id="{40721942-3650-429E-A73C-F40215CD5967}" type="datetimeFigureOut">
               <a:rPr lang="en-CA" smtClean="0"/>
-              <a:t>2025-11-16</a:t>
+              <a:t>2025-11-23</a:t>
             </a:fld>
             <a:endParaRPr lang="en-CA"/>
           </a:p>
@@ -4404,7 +4412,7 @@
           <a:p>
             <a:fld id="{40721942-3650-429E-A73C-F40215CD5967}" type="datetimeFigureOut">
               <a:rPr lang="en-CA" smtClean="0"/>
-              <a:t>2025-11-16</a:t>
+              <a:t>2025-11-23</a:t>
             </a:fld>
             <a:endParaRPr lang="en-CA"/>
           </a:p>
@@ -4647,7 +4655,7 @@
           <a:p>
             <a:fld id="{40721942-3650-429E-A73C-F40215CD5967}" type="datetimeFigureOut">
               <a:rPr lang="en-CA" smtClean="0"/>
-              <a:t>2025-11-16</a:t>
+              <a:t>2025-11-23</a:t>
             </a:fld>
             <a:endParaRPr lang="en-CA"/>
           </a:p>
@@ -14492,8 +14500,8 @@
         </p:nvSpPr>
         <p:spPr>
           <a:xfrm>
-            <a:off x="2584031" y="3732881"/>
-            <a:ext cx="412386" cy="1266177"/>
+            <a:off x="2584031" y="4001084"/>
+            <a:ext cx="412386" cy="997974"/>
           </a:xfrm>
           <a:prstGeom prst="downArrow">
             <a:avLst/>
@@ -16754,6 +16762,56 @@
                 <a:schemeClr val="bg1"/>
               </a:solidFill>
             </a:endParaRPr>
+          </a:p>
+        </p:txBody>
+      </p:sp>
+      <p:sp>
+        <p:nvSpPr>
+          <p:cNvPr id="22" name="Rectangle 21">
+            <a:extLst>
+              <a:ext uri="{FF2B5EF4-FFF2-40B4-BE49-F238E27FC236}">
+                <a16:creationId xmlns:a16="http://schemas.microsoft.com/office/drawing/2014/main" id="{C4B08F64-0CD3-8980-398C-ADBA3AB49225}"/>
+              </a:ext>
+            </a:extLst>
+          </p:cNvPr>
+          <p:cNvSpPr/>
+          <p:nvPr/>
+        </p:nvSpPr>
+        <p:spPr>
+          <a:xfrm>
+            <a:off x="2494049" y="3777576"/>
+            <a:ext cx="657348" cy="216000"/>
+          </a:xfrm>
+          <a:prstGeom prst="rect">
+            <a:avLst/>
+          </a:prstGeom>
+        </p:spPr>
+        <p:style>
+          <a:lnRef idx="2">
+            <a:schemeClr val="accent1">
+              <a:shade val="15000"/>
+            </a:schemeClr>
+          </a:lnRef>
+          <a:fillRef idx="1">
+            <a:schemeClr val="accent1"/>
+          </a:fillRef>
+          <a:effectRef idx="0">
+            <a:schemeClr val="accent1"/>
+          </a:effectRef>
+          <a:fontRef idx="minor">
+            <a:schemeClr val="lt1"/>
+          </a:fontRef>
+        </p:style>
+        <p:txBody>
+          <a:bodyPr rtlCol="0" anchor="ctr"/>
+          <a:lstStyle/>
+          <a:p>
+            <a:pPr algn="ctr"/>
+            <a:r>
+              <a:rPr lang="en-US" sz="700" dirty="0"/>
+              <a:t>Hardware Queues</a:t>
+            </a:r>
+            <a:endParaRPr lang="en-CA" sz="700" dirty="0"/>
           </a:p>
         </p:txBody>
       </p:sp>

--- a/rtl/cpu_v4/doc/Qupls2026.pptx
+++ b/rtl/cpu_v4/doc/Qupls2026.pptx
@@ -14,6 +14,7 @@
     <p:sldId id="256" r:id="rId8"/>
     <p:sldId id="262" r:id="rId9"/>
     <p:sldId id="263" r:id="rId10"/>
+    <p:sldId id="265" r:id="rId11"/>
   </p:sldIdLst>
   <p:sldSz cx="12192000" cy="6858000"/>
   <p:notesSz cx="6858000" cy="9144000"/>
@@ -123,7 +124,7 @@
 <file path=ppt/revisionInfo.xml><?xml version="1.0" encoding="utf-8"?>
 <p1510:revInfo xmlns:a="http://schemas.openxmlformats.org/drawingml/2006/main" xmlns:r="http://schemas.openxmlformats.org/officeDocument/2006/relationships" xmlns:p1510="http://schemas.microsoft.com/office/powerpoint/2015/10/main">
   <p1510:revLst>
-    <p1510:client id="{9F23FD1A-625A-4B31-93FB-D8E8B8CAA265}" v="28" dt="2025-11-25T15:26:32.352"/>
+    <p1510:client id="{9F23FD1A-625A-4B31-93FB-D8E8B8CAA265}" v="48" dt="2025-11-29T10:32:27.549"/>
   </p1510:revLst>
 </p1510:revInfo>
 </file>
@@ -133,7 +134,7 @@
   <pc:docChgLst>
     <pc:chgData name="Robert Finch" userId="360118edfabb5ba6" providerId="LiveId" clId="{940D50E2-FEDC-434C-83CF-A13052851249}"/>
     <pc:docChg chg="undo custSel addSld modSld sldOrd">
-      <pc:chgData name="Robert Finch" userId="360118edfabb5ba6" providerId="LiveId" clId="{940D50E2-FEDC-434C-83CF-A13052851249}" dt="2025-11-25T15:35:38.357" v="3867" actId="20577"/>
+      <pc:chgData name="Robert Finch" userId="360118edfabb5ba6" providerId="LiveId" clId="{940D50E2-FEDC-434C-83CF-A13052851249}" dt="2025-11-29T10:36:06.303" v="4909" actId="20577"/>
       <pc:docMkLst>
         <pc:docMk/>
       </pc:docMkLst>
@@ -1056,7 +1057,7 @@
         </pc:cxnChg>
       </pc:sldChg>
       <pc:sldChg chg="addSp delSp modSp mod">
-        <pc:chgData name="Robert Finch" userId="360118edfabb5ba6" providerId="LiveId" clId="{940D50E2-FEDC-434C-83CF-A13052851249}" dt="2025-11-13T21:11:18.540" v="1246" actId="1076"/>
+        <pc:chgData name="Robert Finch" userId="360118edfabb5ba6" providerId="LiveId" clId="{940D50E2-FEDC-434C-83CF-A13052851249}" dt="2025-11-26T10:30:55.569" v="4140" actId="20577"/>
         <pc:sldMkLst>
           <pc:docMk/>
           <pc:sldMk cId="2650679018" sldId="258"/>
@@ -1110,7 +1111,15 @@
           </ac:spMkLst>
         </pc:spChg>
         <pc:spChg chg="mod">
-          <ac:chgData name="Robert Finch" userId="360118edfabb5ba6" providerId="LiveId" clId="{940D50E2-FEDC-434C-83CF-A13052851249}" dt="2025-11-08T01:23:59.573" v="12" actId="20577"/>
+          <ac:chgData name="Robert Finch" userId="360118edfabb5ba6" providerId="LiveId" clId="{940D50E2-FEDC-434C-83CF-A13052851249}" dt="2025-11-26T10:29:37.394" v="4081" actId="1076"/>
+          <ac:spMkLst>
+            <pc:docMk/>
+            <pc:sldMk cId="2650679018" sldId="258"/>
+            <ac:spMk id="9" creationId="{10446022-A4BE-40D7-EABF-0A19BD6EA9F1}"/>
+          </ac:spMkLst>
+        </pc:spChg>
+        <pc:spChg chg="mod">
+          <ac:chgData name="Robert Finch" userId="360118edfabb5ba6" providerId="LiveId" clId="{940D50E2-FEDC-434C-83CF-A13052851249}" dt="2025-11-26T10:29:37.394" v="4081" actId="1076"/>
           <ac:spMkLst>
             <pc:docMk/>
             <pc:sldMk cId="2650679018" sldId="258"/>
@@ -1118,7 +1127,7 @@
           </ac:spMkLst>
         </pc:spChg>
         <pc:spChg chg="mod">
-          <ac:chgData name="Robert Finch" userId="360118edfabb5ba6" providerId="LiveId" clId="{940D50E2-FEDC-434C-83CF-A13052851249}" dt="2025-11-08T01:24:06.452" v="14" actId="20577"/>
+          <ac:chgData name="Robert Finch" userId="360118edfabb5ba6" providerId="LiveId" clId="{940D50E2-FEDC-434C-83CF-A13052851249}" dt="2025-11-26T10:29:37.394" v="4081" actId="1076"/>
           <ac:spMkLst>
             <pc:docMk/>
             <pc:sldMk cId="2650679018" sldId="258"/>
@@ -1134,39 +1143,31 @@
           </ac:spMkLst>
         </pc:spChg>
         <pc:spChg chg="mod">
-          <ac:chgData name="Robert Finch" userId="360118edfabb5ba6" providerId="LiveId" clId="{940D50E2-FEDC-434C-83CF-A13052851249}" dt="2025-11-11T00:16:15.445" v="470" actId="20577"/>
+          <ac:chgData name="Robert Finch" userId="360118edfabb5ba6" providerId="LiveId" clId="{940D50E2-FEDC-434C-83CF-A13052851249}" dt="2025-11-26T10:29:37.394" v="4081" actId="1076"/>
           <ac:spMkLst>
             <pc:docMk/>
             <pc:sldMk cId="2650679018" sldId="258"/>
-            <ac:spMk id="20" creationId="{34CB261E-026D-6907-AD30-CF0B591A724F}"/>
+            <ac:spMk id="17" creationId="{0444BF74-CFF6-951A-87EC-16B2A330A5A0}"/>
           </ac:spMkLst>
         </pc:spChg>
         <pc:spChg chg="mod">
-          <ac:chgData name="Robert Finch" userId="360118edfabb5ba6" providerId="LiveId" clId="{940D50E2-FEDC-434C-83CF-A13052851249}" dt="2025-11-09T01:38:44.752" v="387" actId="20577"/>
+          <ac:chgData name="Robert Finch" userId="360118edfabb5ba6" providerId="LiveId" clId="{940D50E2-FEDC-434C-83CF-A13052851249}" dt="2025-11-26T10:29:37.394" v="4081" actId="1076"/>
           <ac:spMkLst>
             <pc:docMk/>
             <pc:sldMk cId="2650679018" sldId="258"/>
-            <ac:spMk id="21" creationId="{C7AC94DC-C20E-D6B4-9F48-7D1A03BE529B}"/>
+            <ac:spMk id="18" creationId="{09928937-A9AD-DE98-8A49-0F15062A99DD}"/>
           </ac:spMkLst>
         </pc:spChg>
         <pc:spChg chg="mod">
-          <ac:chgData name="Robert Finch" userId="360118edfabb5ba6" providerId="LiveId" clId="{940D50E2-FEDC-434C-83CF-A13052851249}" dt="2025-11-09T01:38:47.527" v="389" actId="20577"/>
+          <ac:chgData name="Robert Finch" userId="360118edfabb5ba6" providerId="LiveId" clId="{940D50E2-FEDC-434C-83CF-A13052851249}" dt="2025-11-26T10:29:37.394" v="4081" actId="1076"/>
           <ac:spMkLst>
             <pc:docMk/>
             <pc:sldMk cId="2650679018" sldId="258"/>
-            <ac:spMk id="22" creationId="{E7410A97-68B3-BA68-1F2B-03A50AB57151}"/>
+            <ac:spMk id="19" creationId="{0E55A60A-01AE-6211-2F8A-CA5112759DAE}"/>
           </ac:spMkLst>
         </pc:spChg>
         <pc:spChg chg="mod">
-          <ac:chgData name="Robert Finch" userId="360118edfabb5ba6" providerId="LiveId" clId="{940D50E2-FEDC-434C-83CF-A13052851249}" dt="2025-11-09T01:38:50.794" v="391" actId="20577"/>
-          <ac:spMkLst>
-            <pc:docMk/>
-            <pc:sldMk cId="2650679018" sldId="258"/>
-            <ac:spMk id="23" creationId="{443D22A6-B987-CA04-9B06-E76C61084009}"/>
-          </ac:spMkLst>
-        </pc:spChg>
-        <pc:spChg chg="mod">
-          <ac:chgData name="Robert Finch" userId="360118edfabb5ba6" providerId="LiveId" clId="{940D50E2-FEDC-434C-83CF-A13052851249}" dt="2025-11-09T01:38:30.938" v="379" actId="20577"/>
+          <ac:chgData name="Robert Finch" userId="360118edfabb5ba6" providerId="LiveId" clId="{940D50E2-FEDC-434C-83CF-A13052851249}" dt="2025-11-26T10:29:37.394" v="4081" actId="1076"/>
           <ac:spMkLst>
             <pc:docMk/>
             <pc:sldMk cId="2650679018" sldId="258"/>
@@ -1174,7 +1175,7 @@
           </ac:spMkLst>
         </pc:spChg>
         <pc:spChg chg="mod">
-          <ac:chgData name="Robert Finch" userId="360118edfabb5ba6" providerId="LiveId" clId="{940D50E2-FEDC-434C-83CF-A13052851249}" dt="2025-11-09T01:38:28.506" v="377" actId="20577"/>
+          <ac:chgData name="Robert Finch" userId="360118edfabb5ba6" providerId="LiveId" clId="{940D50E2-FEDC-434C-83CF-A13052851249}" dt="2025-11-26T10:29:37.394" v="4081" actId="1076"/>
           <ac:spMkLst>
             <pc:docMk/>
             <pc:sldMk cId="2650679018" sldId="258"/>
@@ -1182,7 +1183,7 @@
           </ac:spMkLst>
         </pc:spChg>
         <pc:spChg chg="mod">
-          <ac:chgData name="Robert Finch" userId="360118edfabb5ba6" providerId="LiveId" clId="{940D50E2-FEDC-434C-83CF-A13052851249}" dt="2025-11-09T01:38:26.161" v="375" actId="20577"/>
+          <ac:chgData name="Robert Finch" userId="360118edfabb5ba6" providerId="LiveId" clId="{940D50E2-FEDC-434C-83CF-A13052851249}" dt="2025-11-26T10:29:37.394" v="4081" actId="1076"/>
           <ac:spMkLst>
             <pc:docMk/>
             <pc:sldMk cId="2650679018" sldId="258"/>
@@ -1190,14 +1191,6 @@
           </ac:spMkLst>
         </pc:spChg>
         <pc:spChg chg="mod">
-          <ac:chgData name="Robert Finch" userId="360118edfabb5ba6" providerId="LiveId" clId="{940D50E2-FEDC-434C-83CF-A13052851249}" dt="2025-11-11T00:15:58.844" v="466" actId="20577"/>
-          <ac:spMkLst>
-            <pc:docMk/>
-            <pc:sldMk cId="2650679018" sldId="258"/>
-            <ac:spMk id="29" creationId="{61A98C63-63B3-A1FF-5571-81171558DEEC}"/>
-          </ac:spMkLst>
-        </pc:spChg>
-        <pc:spChg chg="mod">
           <ac:chgData name="Robert Finch" userId="360118edfabb5ba6" providerId="LiveId" clId="{940D50E2-FEDC-434C-83CF-A13052851249}" dt="2025-11-09T01:36:23.806" v="341" actId="14100"/>
           <ac:spMkLst>
             <pc:docMk/>
@@ -1214,31 +1207,7 @@
           </ac:spMkLst>
         </pc:spChg>
         <pc:spChg chg="mod">
-          <ac:chgData name="Robert Finch" userId="360118edfabb5ba6" providerId="LiveId" clId="{940D50E2-FEDC-434C-83CF-A13052851249}" dt="2025-11-09T01:38:34.010" v="381" actId="20577"/>
-          <ac:spMkLst>
-            <pc:docMk/>
-            <pc:sldMk cId="2650679018" sldId="258"/>
-            <ac:spMk id="34" creationId="{437D6B38-9653-41ED-F752-4E7033A4349E}"/>
-          </ac:spMkLst>
-        </pc:spChg>
-        <pc:spChg chg="mod">
-          <ac:chgData name="Robert Finch" userId="360118edfabb5ba6" providerId="LiveId" clId="{940D50E2-FEDC-434C-83CF-A13052851249}" dt="2025-11-09T01:38:36.617" v="383" actId="20577"/>
-          <ac:spMkLst>
-            <pc:docMk/>
-            <pc:sldMk cId="2650679018" sldId="258"/>
-            <ac:spMk id="35" creationId="{FA20F7F4-E53F-C70E-F8DC-75A6C911A03F}"/>
-          </ac:spMkLst>
-        </pc:spChg>
-        <pc:spChg chg="mod">
-          <ac:chgData name="Robert Finch" userId="360118edfabb5ba6" providerId="LiveId" clId="{940D50E2-FEDC-434C-83CF-A13052851249}" dt="2025-11-09T01:38:40.433" v="385" actId="20577"/>
-          <ac:spMkLst>
-            <pc:docMk/>
-            <pc:sldMk cId="2650679018" sldId="258"/>
-            <ac:spMk id="36" creationId="{9D7EB854-DDE2-F90E-C656-ABA798196F6A}"/>
-          </ac:spMkLst>
-        </pc:spChg>
-        <pc:spChg chg="mod">
-          <ac:chgData name="Robert Finch" userId="360118edfabb5ba6" providerId="LiveId" clId="{940D50E2-FEDC-434C-83CF-A13052851249}" dt="2025-11-11T00:15:46.295" v="463" actId="20577"/>
+          <ac:chgData name="Robert Finch" userId="360118edfabb5ba6" providerId="LiveId" clId="{940D50E2-FEDC-434C-83CF-A13052851249}" dt="2025-11-26T10:30:55.569" v="4140" actId="20577"/>
           <ac:spMkLst>
             <pc:docMk/>
             <pc:sldMk cId="2650679018" sldId="258"/>
@@ -1246,6 +1215,14 @@
           </ac:spMkLst>
         </pc:spChg>
         <pc:spChg chg="mod">
+          <ac:chgData name="Robert Finch" userId="360118edfabb5ba6" providerId="LiveId" clId="{940D50E2-FEDC-434C-83CF-A13052851249}" dt="2025-11-26T10:26:44.539" v="4019" actId="1076"/>
+          <ac:spMkLst>
+            <pc:docMk/>
+            <pc:sldMk cId="2650679018" sldId="258"/>
+            <ac:spMk id="41" creationId="{78CEC9CD-987F-19C4-9645-8582CAB8B8E1}"/>
+          </ac:spMkLst>
+        </pc:spChg>
+        <pc:spChg chg="mod">
           <ac:chgData name="Robert Finch" userId="360118edfabb5ba6" providerId="LiveId" clId="{940D50E2-FEDC-434C-83CF-A13052851249}" dt="2025-11-13T21:11:18.540" v="1246" actId="1076"/>
           <ac:spMkLst>
             <pc:docMk/>
@@ -1262,7 +1239,7 @@
           </ac:spMkLst>
         </pc:spChg>
         <pc:spChg chg="add mod">
-          <ac:chgData name="Robert Finch" userId="360118edfabb5ba6" providerId="LiveId" clId="{940D50E2-FEDC-434C-83CF-A13052851249}" dt="2025-11-09T01:37:27.322" v="354" actId="20577"/>
+          <ac:chgData name="Robert Finch" userId="360118edfabb5ba6" providerId="LiveId" clId="{940D50E2-FEDC-434C-83CF-A13052851249}" dt="2025-11-26T10:29:37.394" v="4081" actId="1076"/>
           <ac:spMkLst>
             <pc:docMk/>
             <pc:sldMk cId="2650679018" sldId="258"/>
@@ -1270,29 +1247,21 @@
           </ac:spMkLst>
         </pc:spChg>
         <pc:spChg chg="add mod">
-          <ac:chgData name="Robert Finch" userId="360118edfabb5ba6" providerId="LiveId" clId="{940D50E2-FEDC-434C-83CF-A13052851249}" dt="2025-11-09T01:38:23.985" v="373" actId="20577"/>
+          <ac:chgData name="Robert Finch" userId="360118edfabb5ba6" providerId="LiveId" clId="{940D50E2-FEDC-434C-83CF-A13052851249}" dt="2025-11-26T10:29:11.943" v="4079" actId="404"/>
           <ac:spMkLst>
             <pc:docMk/>
             <pc:sldMk cId="2650679018" sldId="258"/>
             <ac:spMk id="47" creationId="{FDB2C585-DCB8-330F-C09D-48F6756F9307}"/>
           </ac:spMkLst>
         </pc:spChg>
-        <pc:spChg chg="add mod">
-          <ac:chgData name="Robert Finch" userId="360118edfabb5ba6" providerId="LiveId" clId="{940D50E2-FEDC-434C-83CF-A13052851249}" dt="2025-11-09T01:38:57.918" v="393" actId="1076"/>
-          <ac:spMkLst>
+        <pc:cxnChg chg="mod">
+          <ac:chgData name="Robert Finch" userId="360118edfabb5ba6" providerId="LiveId" clId="{940D50E2-FEDC-434C-83CF-A13052851249}" dt="2025-11-26T10:26:49.354" v="4020" actId="14100"/>
+          <ac:cxnSpMkLst>
             <pc:docMk/>
             <pc:sldMk cId="2650679018" sldId="258"/>
-            <ac:spMk id="49" creationId="{8F72AF73-055A-C2DB-ADE5-065C16F244C9}"/>
-          </ac:spMkLst>
-        </pc:spChg>
-        <pc:spChg chg="add mod">
-          <ac:chgData name="Robert Finch" userId="360118edfabb5ba6" providerId="LiveId" clId="{940D50E2-FEDC-434C-83CF-A13052851249}" dt="2025-11-09T01:39:15.086" v="398" actId="1076"/>
-          <ac:spMkLst>
-            <pc:docMk/>
-            <pc:sldMk cId="2650679018" sldId="258"/>
-            <ac:spMk id="51" creationId="{58A3E361-97B1-71DC-C6DA-4EC9480C96CE}"/>
-          </ac:spMkLst>
-        </pc:spChg>
+            <ac:cxnSpMk id="40" creationId="{0D3E1EAB-8C54-2C4D-CBE5-F4D132E74ADA}"/>
+          </ac:cxnSpMkLst>
+        </pc:cxnChg>
       </pc:sldChg>
       <pc:sldChg chg="addSp delSp modSp mod">
         <pc:chgData name="Robert Finch" userId="360118edfabb5ba6" providerId="LiveId" clId="{940D50E2-FEDC-434C-83CF-A13052851249}" dt="2025-11-13T21:16:06.984" v="1373" actId="6549"/>
@@ -1834,7 +1803,7 @@
         </pc:picChg>
       </pc:sldChg>
       <pc:sldChg chg="addSp delSp modSp new mod ord">
-        <pc:chgData name="Robert Finch" userId="360118edfabb5ba6" providerId="LiveId" clId="{940D50E2-FEDC-434C-83CF-A13052851249}" dt="2025-11-25T15:35:38.357" v="3867" actId="20577"/>
+        <pc:chgData name="Robert Finch" userId="360118edfabb5ba6" providerId="LiveId" clId="{940D50E2-FEDC-434C-83CF-A13052851249}" dt="2025-11-26T10:24:47.364" v="4004" actId="478"/>
         <pc:sldMkLst>
           <pc:docMk/>
           <pc:sldMk cId="1543770821" sldId="264"/>
@@ -1847,14 +1816,6 @@
             <ac:spMk id="2" creationId="{D6982963-00C0-AAD8-68F5-4679E999E639}"/>
           </ac:spMkLst>
         </pc:spChg>
-        <pc:spChg chg="del">
-          <ac:chgData name="Robert Finch" userId="360118edfabb5ba6" providerId="LiveId" clId="{940D50E2-FEDC-434C-83CF-A13052851249}" dt="2025-11-25T15:15:22.912" v="2801" actId="478"/>
-          <ac:spMkLst>
-            <pc:docMk/>
-            <pc:sldMk cId="1543770821" sldId="264"/>
-            <ac:spMk id="3" creationId="{206871A5-7F0C-F4F7-F314-E22E23F8AE15}"/>
-          </ac:spMkLst>
-        </pc:spChg>
         <pc:spChg chg="add mod">
           <ac:chgData name="Robert Finch" userId="360118edfabb5ba6" providerId="LiveId" clId="{940D50E2-FEDC-434C-83CF-A13052851249}" dt="2025-11-25T15:16:11.730" v="2844" actId="1076"/>
           <ac:spMkLst>
@@ -1896,21 +1857,13 @@
           </ac:spMkLst>
         </pc:spChg>
         <pc:spChg chg="add mod">
-          <ac:chgData name="Robert Finch" userId="360118edfabb5ba6" providerId="LiveId" clId="{940D50E2-FEDC-434C-83CF-A13052851249}" dt="2025-11-25T15:18:26.786" v="2956" actId="20577"/>
+          <ac:chgData name="Robert Finch" userId="360118edfabb5ba6" providerId="LiveId" clId="{940D50E2-FEDC-434C-83CF-A13052851249}" dt="2025-11-26T10:20:21.409" v="3921" actId="14100"/>
           <ac:spMkLst>
             <pc:docMk/>
             <pc:sldMk cId="1543770821" sldId="264"/>
             <ac:spMk id="9" creationId="{20ABE107-A0E4-E1FE-1BE7-69EA42EF53A8}"/>
           </ac:spMkLst>
         </pc:spChg>
-        <pc:spChg chg="add del mod">
-          <ac:chgData name="Robert Finch" userId="360118edfabb5ba6" providerId="LiveId" clId="{940D50E2-FEDC-434C-83CF-A13052851249}" dt="2025-11-25T15:19:11.092" v="2960" actId="478"/>
-          <ac:spMkLst>
-            <pc:docMk/>
-            <pc:sldMk cId="1543770821" sldId="264"/>
-            <ac:spMk id="10" creationId="{99ACEC74-2E32-AC7D-1567-647A071541FD}"/>
-          </ac:spMkLst>
-        </pc:spChg>
         <pc:spChg chg="add mod">
           <ac:chgData name="Robert Finch" userId="360118edfabb5ba6" providerId="LiveId" clId="{940D50E2-FEDC-434C-83CF-A13052851249}" dt="2025-11-25T15:20:50.526" v="2984" actId="1076"/>
           <ac:spMkLst>
@@ -2056,7 +2009,7 @@
           </ac:spMkLst>
         </pc:spChg>
         <pc:spChg chg="add mod">
-          <ac:chgData name="Robert Finch" userId="360118edfabb5ba6" providerId="LiveId" clId="{940D50E2-FEDC-434C-83CF-A13052851249}" dt="2025-11-25T15:26:25.411" v="3092" actId="1076"/>
+          <ac:chgData name="Robert Finch" userId="360118edfabb5ba6" providerId="LiveId" clId="{940D50E2-FEDC-434C-83CF-A13052851249}" dt="2025-11-26T10:16:55.069" v="3875" actId="20577"/>
           <ac:spMkLst>
             <pc:docMk/>
             <pc:sldMk cId="1543770821" sldId="264"/>
@@ -2112,13 +2065,204 @@
           </ac:spMkLst>
         </pc:spChg>
         <pc:spChg chg="add mod">
-          <ac:chgData name="Robert Finch" userId="360118edfabb5ba6" providerId="LiveId" clId="{940D50E2-FEDC-434C-83CF-A13052851249}" dt="2025-11-25T15:35:38.357" v="3867" actId="20577"/>
+          <ac:chgData name="Robert Finch" userId="360118edfabb5ba6" providerId="LiveId" clId="{940D50E2-FEDC-434C-83CF-A13052851249}" dt="2025-11-26T10:23:57.005" v="4003" actId="404"/>
           <ac:spMkLst>
             <pc:docMk/>
             <pc:sldMk cId="1543770821" sldId="264"/>
             <ac:spMk id="36" creationId="{EFC9CE91-57CE-A15A-73FE-C2F026BA3F37}"/>
           </ac:spMkLst>
         </pc:spChg>
+        <pc:spChg chg="add mod">
+          <ac:chgData name="Robert Finch" userId="360118edfabb5ba6" providerId="LiveId" clId="{940D50E2-FEDC-434C-83CF-A13052851249}" dt="2025-11-26T10:17:42.348" v="3893" actId="20577"/>
+          <ac:spMkLst>
+            <pc:docMk/>
+            <pc:sldMk cId="1543770821" sldId="264"/>
+            <ac:spMk id="38" creationId="{97776ACB-9297-B69F-1246-69A5A4374F35}"/>
+          </ac:spMkLst>
+        </pc:spChg>
+        <pc:spChg chg="add mod">
+          <ac:chgData name="Robert Finch" userId="360118edfabb5ba6" providerId="LiveId" clId="{940D50E2-FEDC-434C-83CF-A13052851249}" dt="2025-11-26T10:22:32.036" v="3941" actId="1076"/>
+          <ac:spMkLst>
+            <pc:docMk/>
+            <pc:sldMk cId="1543770821" sldId="264"/>
+            <ac:spMk id="39" creationId="{396AF869-8613-7770-B041-2A04F01B86D5}"/>
+          </ac:spMkLst>
+        </pc:spChg>
+      </pc:sldChg>
+      <pc:sldChg chg="addSp delSp modSp new mod">
+        <pc:chgData name="Robert Finch" userId="360118edfabb5ba6" providerId="LiveId" clId="{940D50E2-FEDC-434C-83CF-A13052851249}" dt="2025-11-29T10:36:06.303" v="4909" actId="20577"/>
+        <pc:sldMkLst>
+          <pc:docMk/>
+          <pc:sldMk cId="1740265269" sldId="265"/>
+        </pc:sldMkLst>
+        <pc:spChg chg="mod">
+          <ac:chgData name="Robert Finch" userId="360118edfabb5ba6" providerId="LiveId" clId="{940D50E2-FEDC-434C-83CF-A13052851249}" dt="2025-11-29T10:31:55.571" v="4436" actId="20577"/>
+          <ac:spMkLst>
+            <pc:docMk/>
+            <pc:sldMk cId="1740265269" sldId="265"/>
+            <ac:spMk id="2" creationId="{E38F5E3B-E68A-AB15-0E22-5D809E5F1BF8}"/>
+          </ac:spMkLst>
+        </pc:spChg>
+        <pc:spChg chg="del">
+          <ac:chgData name="Robert Finch" userId="360118edfabb5ba6" providerId="LiveId" clId="{940D50E2-FEDC-434C-83CF-A13052851249}" dt="2025-11-29T10:25:57.744" v="4220" actId="478"/>
+          <ac:spMkLst>
+            <pc:docMk/>
+            <pc:sldMk cId="1740265269" sldId="265"/>
+            <ac:spMk id="3" creationId="{5D5414C6-7091-1112-F41B-BA9A87AE5760}"/>
+          </ac:spMkLst>
+        </pc:spChg>
+        <pc:spChg chg="add mod">
+          <ac:chgData name="Robert Finch" userId="360118edfabb5ba6" providerId="LiveId" clId="{940D50E2-FEDC-434C-83CF-A13052851249}" dt="2025-11-29T10:32:07.205" v="4437" actId="1076"/>
+          <ac:spMkLst>
+            <pc:docMk/>
+            <pc:sldMk cId="1740265269" sldId="265"/>
+            <ac:spMk id="4" creationId="{116FEDA4-419C-65B8-65D7-E475FE461BA2}"/>
+          </ac:spMkLst>
+        </pc:spChg>
+        <pc:spChg chg="add mod">
+          <ac:chgData name="Robert Finch" userId="360118edfabb5ba6" providerId="LiveId" clId="{940D50E2-FEDC-434C-83CF-A13052851249}" dt="2025-11-29T10:32:07.205" v="4437" actId="1076"/>
+          <ac:spMkLst>
+            <pc:docMk/>
+            <pc:sldMk cId="1740265269" sldId="265"/>
+            <ac:spMk id="5" creationId="{C5010419-CD67-956C-950D-D3BA5119C10F}"/>
+          </ac:spMkLst>
+        </pc:spChg>
+        <pc:spChg chg="add mod">
+          <ac:chgData name="Robert Finch" userId="360118edfabb5ba6" providerId="LiveId" clId="{940D50E2-FEDC-434C-83CF-A13052851249}" dt="2025-11-29T10:32:13.370" v="4438" actId="1076"/>
+          <ac:spMkLst>
+            <pc:docMk/>
+            <pc:sldMk cId="1740265269" sldId="265"/>
+            <ac:spMk id="9" creationId="{E655D3B0-FCC0-B109-CC01-C06AAB87CFED}"/>
+          </ac:spMkLst>
+        </pc:spChg>
+        <pc:spChg chg="add mod">
+          <ac:chgData name="Robert Finch" userId="360118edfabb5ba6" providerId="LiveId" clId="{940D50E2-FEDC-434C-83CF-A13052851249}" dt="2025-11-29T10:34:07.544" v="4629" actId="20577"/>
+          <ac:spMkLst>
+            <pc:docMk/>
+            <pc:sldMk cId="1740265269" sldId="265"/>
+            <ac:spMk id="10" creationId="{456480AD-8E3B-7AC1-13E9-76ACC1C822DC}"/>
+          </ac:spMkLst>
+        </pc:spChg>
+        <pc:spChg chg="add mod">
+          <ac:chgData name="Robert Finch" userId="360118edfabb5ba6" providerId="LiveId" clId="{940D50E2-FEDC-434C-83CF-A13052851249}" dt="2025-11-29T10:32:07.205" v="4437" actId="1076"/>
+          <ac:spMkLst>
+            <pc:docMk/>
+            <pc:sldMk cId="1740265269" sldId="265"/>
+            <ac:spMk id="11" creationId="{85CECB16-A6CF-539B-A783-13CE90523229}"/>
+          </ac:spMkLst>
+        </pc:spChg>
+        <pc:spChg chg="add mod">
+          <ac:chgData name="Robert Finch" userId="360118edfabb5ba6" providerId="LiveId" clId="{940D50E2-FEDC-434C-83CF-A13052851249}" dt="2025-11-29T10:32:23.781" v="4440" actId="1076"/>
+          <ac:spMkLst>
+            <pc:docMk/>
+            <pc:sldMk cId="1740265269" sldId="265"/>
+            <ac:spMk id="14" creationId="{A30B7E47-1909-080F-CFE3-20CD55CF493F}"/>
+          </ac:spMkLst>
+        </pc:spChg>
+        <pc:spChg chg="add mod">
+          <ac:chgData name="Robert Finch" userId="360118edfabb5ba6" providerId="LiveId" clId="{940D50E2-FEDC-434C-83CF-A13052851249}" dt="2025-11-29T10:32:07.205" v="4437" actId="1076"/>
+          <ac:spMkLst>
+            <pc:docMk/>
+            <pc:sldMk cId="1740265269" sldId="265"/>
+            <ac:spMk id="25" creationId="{DF7175E0-6388-7331-5FEC-1976B7317D6C}"/>
+          </ac:spMkLst>
+        </pc:spChg>
+        <pc:spChg chg="add mod">
+          <ac:chgData name="Robert Finch" userId="360118edfabb5ba6" providerId="LiveId" clId="{940D50E2-FEDC-434C-83CF-A13052851249}" dt="2025-11-29T10:33:33.876" v="4618" actId="1076"/>
+          <ac:spMkLst>
+            <pc:docMk/>
+            <pc:sldMk cId="1740265269" sldId="265"/>
+            <ac:spMk id="30" creationId="{9A60AC4A-5929-3F4E-546B-BB12A20DAF12}"/>
+          </ac:spMkLst>
+        </pc:spChg>
+        <pc:spChg chg="add del mod">
+          <ac:chgData name="Robert Finch" userId="360118edfabb5ba6" providerId="LiveId" clId="{940D50E2-FEDC-434C-83CF-A13052851249}" dt="2025-11-29T10:33:46.224" v="4623"/>
+          <ac:spMkLst>
+            <pc:docMk/>
+            <pc:sldMk cId="1740265269" sldId="265"/>
+            <ac:spMk id="31" creationId="{FB04CF2E-2C5C-A320-2788-8565E52E82F4}"/>
+          </ac:spMkLst>
+        </pc:spChg>
+        <pc:spChg chg="add mod">
+          <ac:chgData name="Robert Finch" userId="360118edfabb5ba6" providerId="LiveId" clId="{940D50E2-FEDC-434C-83CF-A13052851249}" dt="2025-11-29T10:36:06.303" v="4909" actId="20577"/>
+          <ac:spMkLst>
+            <pc:docMk/>
+            <pc:sldMk cId="1740265269" sldId="265"/>
+            <ac:spMk id="32" creationId="{ACE449C6-1825-2CCE-61F7-4078C46A269D}"/>
+          </ac:spMkLst>
+        </pc:spChg>
+        <pc:cxnChg chg="add mod">
+          <ac:chgData name="Robert Finch" userId="360118edfabb5ba6" providerId="LiveId" clId="{940D50E2-FEDC-434C-83CF-A13052851249}" dt="2025-11-29T10:32:07.205" v="4437" actId="1076"/>
+          <ac:cxnSpMkLst>
+            <pc:docMk/>
+            <pc:sldMk cId="1740265269" sldId="265"/>
+            <ac:cxnSpMk id="7" creationId="{5C6CD796-10BE-A1CF-6E02-CCDB11422AB4}"/>
+          </ac:cxnSpMkLst>
+        </pc:cxnChg>
+        <pc:cxnChg chg="add">
+          <ac:chgData name="Robert Finch" userId="360118edfabb5ba6" providerId="LiveId" clId="{940D50E2-FEDC-434C-83CF-A13052851249}" dt="2025-11-29T10:28:57.792" v="4362" actId="11529"/>
+          <ac:cxnSpMkLst>
+            <pc:docMk/>
+            <pc:sldMk cId="1740265269" sldId="265"/>
+            <ac:cxnSpMk id="13" creationId="{D078ED35-51CC-0EC1-20E1-498922476401}"/>
+          </ac:cxnSpMkLst>
+        </pc:cxnChg>
+        <pc:cxnChg chg="add">
+          <ac:chgData name="Robert Finch" userId="360118edfabb5ba6" providerId="LiveId" clId="{940D50E2-FEDC-434C-83CF-A13052851249}" dt="2025-11-29T10:29:16.630" v="4377" actId="11529"/>
+          <ac:cxnSpMkLst>
+            <pc:docMk/>
+            <pc:sldMk cId="1740265269" sldId="265"/>
+            <ac:cxnSpMk id="16" creationId="{186809D4-873B-1191-EBC5-796D3D108735}"/>
+          </ac:cxnSpMkLst>
+        </pc:cxnChg>
+        <pc:cxnChg chg="add mod">
+          <ac:chgData name="Robert Finch" userId="360118edfabb5ba6" providerId="LiveId" clId="{940D50E2-FEDC-434C-83CF-A13052851249}" dt="2025-11-29T10:32:07.205" v="4437" actId="1076"/>
+          <ac:cxnSpMkLst>
+            <pc:docMk/>
+            <pc:sldMk cId="1740265269" sldId="265"/>
+            <ac:cxnSpMk id="18" creationId="{B9E5FC91-E98C-901D-DE45-2F2DCFF5BCE5}"/>
+          </ac:cxnSpMkLst>
+        </pc:cxnChg>
+        <pc:cxnChg chg="add">
+          <ac:chgData name="Robert Finch" userId="360118edfabb5ba6" providerId="LiveId" clId="{940D50E2-FEDC-434C-83CF-A13052851249}" dt="2025-11-29T10:29:39.308" v="4379" actId="11529"/>
+          <ac:cxnSpMkLst>
+            <pc:docMk/>
+            <pc:sldMk cId="1740265269" sldId="265"/>
+            <ac:cxnSpMk id="20" creationId="{968A5805-2C7C-B3EB-C685-4CE7B769FBAF}"/>
+          </ac:cxnSpMkLst>
+        </pc:cxnChg>
+        <pc:cxnChg chg="add">
+          <ac:chgData name="Robert Finch" userId="360118edfabb5ba6" providerId="LiveId" clId="{940D50E2-FEDC-434C-83CF-A13052851249}" dt="2025-11-29T10:29:44.609" v="4380" actId="11529"/>
+          <ac:cxnSpMkLst>
+            <pc:docMk/>
+            <pc:sldMk cId="1740265269" sldId="265"/>
+            <ac:cxnSpMk id="22" creationId="{1CA8EA33-B8E4-8DFD-7C3E-CDAA83ECA14A}"/>
+          </ac:cxnSpMkLst>
+        </pc:cxnChg>
+        <pc:cxnChg chg="add mod">
+          <ac:chgData name="Robert Finch" userId="360118edfabb5ba6" providerId="LiveId" clId="{940D50E2-FEDC-434C-83CF-A13052851249}" dt="2025-11-29T10:32:07.205" v="4437" actId="1076"/>
+          <ac:cxnSpMkLst>
+            <pc:docMk/>
+            <pc:sldMk cId="1740265269" sldId="265"/>
+            <ac:cxnSpMk id="24" creationId="{EC31ACF8-4EEA-92DA-780E-7AF7FEF522D9}"/>
+          </ac:cxnSpMkLst>
+        </pc:cxnChg>
+        <pc:cxnChg chg="add">
+          <ac:chgData name="Robert Finch" userId="360118edfabb5ba6" providerId="LiveId" clId="{940D50E2-FEDC-434C-83CF-A13052851249}" dt="2025-11-29T10:30:50.562" v="4409" actId="11529"/>
+          <ac:cxnSpMkLst>
+            <pc:docMk/>
+            <pc:sldMk cId="1740265269" sldId="265"/>
+            <ac:cxnSpMk id="27" creationId="{3A414627-F228-0F92-73D3-048581AEA4CF}"/>
+          </ac:cxnSpMkLst>
+        </pc:cxnChg>
+        <pc:cxnChg chg="add">
+          <ac:chgData name="Robert Finch" userId="360118edfabb5ba6" providerId="LiveId" clId="{940D50E2-FEDC-434C-83CF-A13052851249}" dt="2025-11-29T10:30:58.534" v="4410" actId="11529"/>
+          <ac:cxnSpMkLst>
+            <pc:docMk/>
+            <pc:sldMk cId="1740265269" sldId="265"/>
+            <ac:cxnSpMk id="29" creationId="{E8D0C03C-C471-7203-BAB6-9884A0B72E2F}"/>
+          </ac:cxnSpMkLst>
+        </pc:cxnChg>
       </pc:sldChg>
     </pc:docChg>
   </pc:docChgLst>
@@ -2274,7 +2418,7 @@
           <a:p>
             <a:fld id="{40721942-3650-429E-A73C-F40215CD5967}" type="datetimeFigureOut">
               <a:rPr lang="en-CA" smtClean="0"/>
-              <a:t>2025-11-23</a:t>
+              <a:t>2025-11-29</a:t>
             </a:fld>
             <a:endParaRPr lang="en-CA"/>
           </a:p>
@@ -2474,7 +2618,7 @@
           <a:p>
             <a:fld id="{40721942-3650-429E-A73C-F40215CD5967}" type="datetimeFigureOut">
               <a:rPr lang="en-CA" smtClean="0"/>
-              <a:t>2025-11-23</a:t>
+              <a:t>2025-11-29</a:t>
             </a:fld>
             <a:endParaRPr lang="en-CA"/>
           </a:p>
@@ -2684,7 +2828,7 @@
           <a:p>
             <a:fld id="{40721942-3650-429E-A73C-F40215CD5967}" type="datetimeFigureOut">
               <a:rPr lang="en-CA" smtClean="0"/>
-              <a:t>2025-11-23</a:t>
+              <a:t>2025-11-29</a:t>
             </a:fld>
             <a:endParaRPr lang="en-CA"/>
           </a:p>
@@ -2884,7 +3028,7 @@
           <a:p>
             <a:fld id="{40721942-3650-429E-A73C-F40215CD5967}" type="datetimeFigureOut">
               <a:rPr lang="en-CA" smtClean="0"/>
-              <a:t>2025-11-23</a:t>
+              <a:t>2025-11-29</a:t>
             </a:fld>
             <a:endParaRPr lang="en-CA"/>
           </a:p>
@@ -3160,7 +3304,7 @@
           <a:p>
             <a:fld id="{40721942-3650-429E-A73C-F40215CD5967}" type="datetimeFigureOut">
               <a:rPr lang="en-CA" smtClean="0"/>
-              <a:t>2025-11-23</a:t>
+              <a:t>2025-11-29</a:t>
             </a:fld>
             <a:endParaRPr lang="en-CA"/>
           </a:p>
@@ -3428,7 +3572,7 @@
           <a:p>
             <a:fld id="{40721942-3650-429E-A73C-F40215CD5967}" type="datetimeFigureOut">
               <a:rPr lang="en-CA" smtClean="0"/>
-              <a:t>2025-11-23</a:t>
+              <a:t>2025-11-29</a:t>
             </a:fld>
             <a:endParaRPr lang="en-CA"/>
           </a:p>
@@ -3843,7 +3987,7 @@
           <a:p>
             <a:fld id="{40721942-3650-429E-A73C-F40215CD5967}" type="datetimeFigureOut">
               <a:rPr lang="en-CA" smtClean="0"/>
-              <a:t>2025-11-23</a:t>
+              <a:t>2025-11-29</a:t>
             </a:fld>
             <a:endParaRPr lang="en-CA"/>
           </a:p>
@@ -3985,7 +4129,7 @@
           <a:p>
             <a:fld id="{40721942-3650-429E-A73C-F40215CD5967}" type="datetimeFigureOut">
               <a:rPr lang="en-CA" smtClean="0"/>
-              <a:t>2025-11-23</a:t>
+              <a:t>2025-11-29</a:t>
             </a:fld>
             <a:endParaRPr lang="en-CA"/>
           </a:p>
@@ -4098,7 +4242,7 @@
           <a:p>
             <a:fld id="{40721942-3650-429E-A73C-F40215CD5967}" type="datetimeFigureOut">
               <a:rPr lang="en-CA" smtClean="0"/>
-              <a:t>2025-11-23</a:t>
+              <a:t>2025-11-29</a:t>
             </a:fld>
             <a:endParaRPr lang="en-CA"/>
           </a:p>
@@ -4411,7 +4555,7 @@
           <a:p>
             <a:fld id="{40721942-3650-429E-A73C-F40215CD5967}" type="datetimeFigureOut">
               <a:rPr lang="en-CA" smtClean="0"/>
-              <a:t>2025-11-23</a:t>
+              <a:t>2025-11-29</a:t>
             </a:fld>
             <a:endParaRPr lang="en-CA"/>
           </a:p>
@@ -4700,7 +4844,7 @@
           <a:p>
             <a:fld id="{40721942-3650-429E-A73C-F40215CD5967}" type="datetimeFigureOut">
               <a:rPr lang="en-CA" smtClean="0"/>
-              <a:t>2025-11-23</a:t>
+              <a:t>2025-11-29</a:t>
             </a:fld>
             <a:endParaRPr lang="en-CA"/>
           </a:p>
@@ -4943,7 +5087,7 @@
           <a:p>
             <a:fld id="{40721942-3650-429E-A73C-F40215CD5967}" type="datetimeFigureOut">
               <a:rPr lang="en-CA" smtClean="0"/>
-              <a:t>2025-11-23</a:t>
+              <a:t>2025-11-29</a:t>
             </a:fld>
             <a:endParaRPr lang="en-CA"/>
           </a:p>
@@ -5686,8 +5830,8 @@
         </p:nvSpPr>
         <p:spPr>
           <a:xfrm>
-            <a:off x="759792" y="4324627"/>
-            <a:ext cx="2389808" cy="322470"/>
+            <a:off x="759791" y="4324627"/>
+            <a:ext cx="2596321" cy="322470"/>
           </a:xfrm>
           <a:prstGeom prst="rect">
             <a:avLst/>
@@ -6521,7 +6665,7 @@
         <p:spPr>
           <a:xfrm>
             <a:off x="3384529" y="4254961"/>
-            <a:ext cx="934871" cy="215444"/>
+            <a:ext cx="779381" cy="215444"/>
           </a:xfrm>
           <a:prstGeom prst="rect">
             <a:avLst/>
@@ -6536,7 +6680,7 @@
           <a:p>
             <a:r>
               <a:rPr lang="en-US" sz="800" dirty="0"/>
-              <a:t>Cache miss NOP</a:t>
+              <a:t>Branch NOPs</a:t>
             </a:r>
             <a:endParaRPr lang="en-CA" sz="800" dirty="0"/>
           </a:p>
@@ -6833,7 +6977,7 @@
         <p:spPr>
           <a:xfrm>
             <a:off x="4735442" y="1381471"/>
-            <a:ext cx="7054575" cy="4278094"/>
+            <a:ext cx="7054575" cy="3539430"/>
           </a:xfrm>
           <a:prstGeom prst="rect">
             <a:avLst/>
@@ -6847,56 +6991,149 @@
           <a:lstStyle/>
           <a:p>
             <a:r>
-              <a:rPr lang="en-US" sz="1600" dirty="0"/>
+              <a:rPr lang="en-US" sz="1400" dirty="0"/>
               <a:t>Two 256b bus cycles are run by the cache controller to full-fill a 512b cache miss request.</a:t>
             </a:r>
           </a:p>
           <a:p>
-            <a:endParaRPr lang="en-US" sz="1600" dirty="0"/>
-          </a:p>
-          <a:p>
-            <a:r>
-              <a:rPr lang="en-US" sz="1600" dirty="0"/>
+            <a:endParaRPr lang="en-US" sz="1400" dirty="0"/>
+          </a:p>
+          <a:p>
+            <a:r>
+              <a:rPr lang="en-US" sz="1400" dirty="0"/>
               <a:t>Depending on the instruction pointer value an even, odd or odd, even pair of cache lines is selected.</a:t>
             </a:r>
           </a:p>
           <a:p>
-            <a:endParaRPr lang="en-US" sz="1600" dirty="0"/>
-          </a:p>
-          <a:p>
-            <a:r>
-              <a:rPr lang="en-US" sz="1600" dirty="0"/>
+            <a:endParaRPr lang="en-US" sz="1400" dirty="0"/>
+          </a:p>
+          <a:p>
+            <a:r>
+              <a:rPr lang="en-US" sz="1400" dirty="0"/>
+              <a:t>On a cache miss the entire cache line is NOPed out.</a:t>
+            </a:r>
+          </a:p>
+          <a:p>
+            <a:endParaRPr lang="en-US" sz="1400" dirty="0"/>
+          </a:p>
+          <a:p>
+            <a:r>
+              <a:rPr lang="en-US" sz="1400" dirty="0"/>
               <a:t>A pair of cache lines is selected to allow instructions to span cache-line boundaries. Since instructions are 48-bit they do not fit evenly into a cache-line.</a:t>
             </a:r>
           </a:p>
           <a:p>
-            <a:endParaRPr lang="en-US" sz="1600" dirty="0"/>
-          </a:p>
-          <a:p>
-            <a:r>
-              <a:rPr lang="en-US" sz="1600" dirty="0"/>
-              <a:t>The instruction aligner right aligns instructions based on the IP value so that only four instruction decoders are required. Four instructions are selected plus a raw portion of the cache-line to allow for decoding </a:t>
-            </a:r>
-            <a:r>
-              <a:rPr lang="en-US" sz="1600" dirty="0" err="1"/>
-              <a:t>immediates</a:t>
-            </a:r>
-            <a:r>
-              <a:rPr lang="en-US" sz="1600" dirty="0"/>
-              <a:t>.</a:t>
-            </a:r>
-          </a:p>
-          <a:p>
-            <a:endParaRPr lang="en-US" sz="1600" dirty="0"/>
-          </a:p>
-          <a:p>
-            <a:r>
-              <a:rPr lang="en-US" sz="1600" dirty="0"/>
-              <a:t>If a cache miss occurs, a set of NOPs is fed into the pipeline causing a pipeline bubble.</a:t>
-            </a:r>
-          </a:p>
-          <a:p>
-            <a:endParaRPr lang="en-CA" sz="1600" dirty="0"/>
+            <a:endParaRPr lang="en-US" sz="1400" dirty="0"/>
+          </a:p>
+          <a:p>
+            <a:r>
+              <a:rPr lang="en-US" sz="1400" dirty="0"/>
+              <a:t>The instruction aligner right aligns instructions based on the IP value so that only four instruction decoders are required. Four instructions are selected plus a raw portion of the cache-line to allow for decoding immediates.</a:t>
+            </a:r>
+          </a:p>
+          <a:p>
+            <a:endParaRPr lang="en-US" sz="1400" dirty="0"/>
+          </a:p>
+          <a:p>
+            <a:r>
+              <a:rPr lang="en-US" sz="1400" dirty="0"/>
+              <a:t>For branch miss, a set of NOPs is fed into the pipeline causing a pipeline bubble.</a:t>
+            </a:r>
+          </a:p>
+          <a:p>
+            <a:endParaRPr lang="en-CA" sz="1400" dirty="0"/>
+          </a:p>
+        </p:txBody>
+      </p:sp>
+      <p:sp>
+        <p:nvSpPr>
+          <p:cNvPr id="38" name="TextBox 37">
+            <a:extLst>
+              <a:ext uri="{FF2B5EF4-FFF2-40B4-BE49-F238E27FC236}">
+                <a16:creationId xmlns:a16="http://schemas.microsoft.com/office/drawing/2014/main" id="{97776ACB-9297-B69F-1246-69A5A4374F35}"/>
+              </a:ext>
+            </a:extLst>
+          </p:cNvPr>
+          <p:cNvSpPr txBox="1"/>
+          <p:nvPr/>
+        </p:nvSpPr>
+        <p:spPr>
+          <a:xfrm>
+            <a:off x="3419065" y="3634508"/>
+            <a:ext cx="984565" cy="215444"/>
+          </a:xfrm>
+          <a:prstGeom prst="rect">
+            <a:avLst/>
+          </a:prstGeom>
+          <a:noFill/>
+        </p:spPr>
+        <p:txBody>
+          <a:bodyPr wrap="none" rtlCol="0">
+            <a:spAutoFit/>
+          </a:bodyPr>
+          <a:lstStyle/>
+          <a:p>
+            <a:r>
+              <a:rPr lang="en-US" sz="800" dirty="0"/>
+              <a:t>Cache miss NOPs</a:t>
+            </a:r>
+            <a:endParaRPr lang="en-CA" sz="800" dirty="0"/>
+          </a:p>
+        </p:txBody>
+      </p:sp>
+      <p:sp>
+        <p:nvSpPr>
+          <p:cNvPr id="39" name="Arrow: Bent 38">
+            <a:extLst>
+              <a:ext uri="{FF2B5EF4-FFF2-40B4-BE49-F238E27FC236}">
+                <a16:creationId xmlns:a16="http://schemas.microsoft.com/office/drawing/2014/main" id="{396AF869-8613-7770-B041-2A04F01B86D5}"/>
+              </a:ext>
+            </a:extLst>
+          </p:cNvPr>
+          <p:cNvSpPr/>
+          <p:nvPr/>
+        </p:nvSpPr>
+        <p:spPr>
+          <a:xfrm rot="16200000">
+            <a:off x="3141892" y="3837110"/>
+            <a:ext cx="499121" cy="439530"/>
+          </a:xfrm>
+          <a:prstGeom prst="bentArrow">
+            <a:avLst/>
+          </a:prstGeom>
+          <a:scene3d>
+            <a:camera prst="orthographicFront">
+              <a:rot lat="0" lon="10800000" rev="0"/>
+            </a:camera>
+            <a:lightRig rig="threePt" dir="t"/>
+          </a:scene3d>
+        </p:spPr>
+        <p:style>
+          <a:lnRef idx="2">
+            <a:schemeClr val="accent1">
+              <a:shade val="15000"/>
+            </a:schemeClr>
+          </a:lnRef>
+          <a:fillRef idx="1">
+            <a:schemeClr val="accent1"/>
+          </a:fillRef>
+          <a:effectRef idx="0">
+            <a:schemeClr val="accent1"/>
+          </a:effectRef>
+          <a:fontRef idx="minor">
+            <a:schemeClr val="lt1"/>
+          </a:fontRef>
+        </p:style>
+        <p:txBody>
+          <a:bodyPr rtlCol="0" anchor="ctr"/>
+          <a:lstStyle/>
+          <a:p>
+            <a:pPr algn="ctr"/>
+            <a:endParaRPr lang="en-CA">
+              <a:solidFill>
+                <a:schemeClr val="tx1"/>
+              </a:solidFill>
+            </a:endParaRPr>
           </a:p>
         </p:txBody>
       </p:sp>
@@ -6904,6 +7141,850 @@
     <p:extLst>
       <p:ext uri="{BB962C8B-B14F-4D97-AF65-F5344CB8AC3E}">
         <p14:creationId xmlns:p14="http://schemas.microsoft.com/office/powerpoint/2010/main" val="1543770821"/>
+      </p:ext>
+    </p:extLst>
+  </p:cSld>
+  <p:clrMapOvr>
+    <a:masterClrMapping/>
+  </p:clrMapOvr>
+</p:sld>
+</file>
+
+<file path=ppt/slides/slide10.xml><?xml version="1.0" encoding="utf-8"?>
+<p:sld xmlns:a="http://schemas.openxmlformats.org/drawingml/2006/main" xmlns:r="http://schemas.openxmlformats.org/officeDocument/2006/relationships" xmlns:p="http://schemas.openxmlformats.org/presentationml/2006/main">
+  <p:cSld>
+    <p:spTree>
+      <p:nvGrpSpPr>
+        <p:cNvPr id="1" name=""/>
+        <p:cNvGrpSpPr/>
+        <p:nvPr/>
+      </p:nvGrpSpPr>
+      <p:grpSpPr>
+        <a:xfrm>
+          <a:off x="0" y="0"/>
+          <a:ext cx="0" cy="0"/>
+          <a:chOff x="0" y="0"/>
+          <a:chExt cx="0" cy="0"/>
+        </a:xfrm>
+      </p:grpSpPr>
+      <p:sp>
+        <p:nvSpPr>
+          <p:cNvPr id="2" name="Title 1">
+            <a:extLst>
+              <a:ext uri="{FF2B5EF4-FFF2-40B4-BE49-F238E27FC236}">
+                <a16:creationId xmlns:a16="http://schemas.microsoft.com/office/drawing/2014/main" id="{E38F5E3B-E68A-AB15-0E22-5D809E5F1BF8}"/>
+              </a:ext>
+            </a:extLst>
+          </p:cNvPr>
+          <p:cNvSpPr>
+            <a:spLocks noGrp="1"/>
+          </p:cNvSpPr>
+          <p:nvPr>
+            <p:ph type="title"/>
+          </p:nvPr>
+        </p:nvSpPr>
+        <p:spPr>
+          <a:xfrm>
+            <a:off x="56321" y="46037"/>
+            <a:ext cx="10515600" cy="1325563"/>
+          </a:xfrm>
+        </p:spPr>
+        <p:txBody>
+          <a:bodyPr/>
+          <a:lstStyle/>
+          <a:p>
+            <a:r>
+              <a:rPr lang="en-US" dirty="0"/>
+              <a:t>Qupls4: External Interrupt Handling</a:t>
+            </a:r>
+            <a:endParaRPr lang="en-CA" dirty="0"/>
+          </a:p>
+        </p:txBody>
+      </p:sp>
+      <p:sp>
+        <p:nvSpPr>
+          <p:cNvPr id="4" name="Rectangle 3">
+            <a:extLst>
+              <a:ext uri="{FF2B5EF4-FFF2-40B4-BE49-F238E27FC236}">
+                <a16:creationId xmlns:a16="http://schemas.microsoft.com/office/drawing/2014/main" id="{116FEDA4-419C-65B8-65D7-E475FE461BA2}"/>
+              </a:ext>
+            </a:extLst>
+          </p:cNvPr>
+          <p:cNvSpPr/>
+          <p:nvPr/>
+        </p:nvSpPr>
+        <p:spPr>
+          <a:xfrm>
+            <a:off x="5830956" y="2826025"/>
+            <a:ext cx="1616765" cy="1086679"/>
+          </a:xfrm>
+          <a:prstGeom prst="rect">
+            <a:avLst/>
+          </a:prstGeom>
+        </p:spPr>
+        <p:style>
+          <a:lnRef idx="2">
+            <a:schemeClr val="accent1">
+              <a:shade val="15000"/>
+            </a:schemeClr>
+          </a:lnRef>
+          <a:fillRef idx="1">
+            <a:schemeClr val="accent1"/>
+          </a:fillRef>
+          <a:effectRef idx="0">
+            <a:schemeClr val="accent1"/>
+          </a:effectRef>
+          <a:fontRef idx="minor">
+            <a:schemeClr val="lt1"/>
+          </a:fontRef>
+        </p:style>
+        <p:txBody>
+          <a:bodyPr rtlCol="0" anchor="ctr"/>
+          <a:lstStyle/>
+          <a:p>
+            <a:pPr algn="ctr"/>
+            <a:r>
+              <a:rPr lang="en-US" dirty="0"/>
+              <a:t>Deferred IRQ FIFO</a:t>
+            </a:r>
+            <a:endParaRPr lang="en-CA" dirty="0"/>
+          </a:p>
+        </p:txBody>
+      </p:sp>
+      <p:sp>
+        <p:nvSpPr>
+          <p:cNvPr id="5" name="Rectangle: Rounded Corners 4">
+            <a:extLst>
+              <a:ext uri="{FF2B5EF4-FFF2-40B4-BE49-F238E27FC236}">
+                <a16:creationId xmlns:a16="http://schemas.microsoft.com/office/drawing/2014/main" id="{C5010419-CD67-956C-950D-D3BA5119C10F}"/>
+              </a:ext>
+            </a:extLst>
+          </p:cNvPr>
+          <p:cNvSpPr/>
+          <p:nvPr/>
+        </p:nvSpPr>
+        <p:spPr>
+          <a:xfrm>
+            <a:off x="1298715" y="4572000"/>
+            <a:ext cx="6096000" cy="914400"/>
+          </a:xfrm>
+          <a:prstGeom prst="roundRect">
+            <a:avLst/>
+          </a:prstGeom>
+        </p:spPr>
+        <p:style>
+          <a:lnRef idx="2">
+            <a:schemeClr val="accent1">
+              <a:shade val="15000"/>
+            </a:schemeClr>
+          </a:lnRef>
+          <a:fillRef idx="1">
+            <a:schemeClr val="accent1"/>
+          </a:fillRef>
+          <a:effectRef idx="0">
+            <a:schemeClr val="accent1"/>
+          </a:effectRef>
+          <a:fontRef idx="minor">
+            <a:schemeClr val="lt1"/>
+          </a:fontRef>
+        </p:style>
+        <p:txBody>
+          <a:bodyPr rtlCol="0" anchor="ctr"/>
+          <a:lstStyle/>
+          <a:p>
+            <a:pPr algn="ctr"/>
+            <a:r>
+              <a:rPr lang="en-US" dirty="0"/>
+              <a:t>Processor Pipeline</a:t>
+            </a:r>
+            <a:endParaRPr lang="en-CA" dirty="0"/>
+          </a:p>
+        </p:txBody>
+      </p:sp>
+      <p:cxnSp>
+        <p:nvCxnSpPr>
+          <p:cNvPr id="7" name="Straight Arrow Connector 6">
+            <a:extLst>
+              <a:ext uri="{FF2B5EF4-FFF2-40B4-BE49-F238E27FC236}">
+                <a16:creationId xmlns:a16="http://schemas.microsoft.com/office/drawing/2014/main" id="{5C6CD796-10BE-A1CF-6E02-CCDB11422AB4}"/>
+              </a:ext>
+            </a:extLst>
+          </p:cNvPr>
+          <p:cNvCxnSpPr>
+            <a:cxnSpLocks/>
+            <a:endCxn id="4" idx="2"/>
+          </p:cNvCxnSpPr>
+          <p:nvPr/>
+        </p:nvCxnSpPr>
+        <p:spPr>
+          <a:xfrm flipV="1">
+            <a:off x="6639339" y="3912704"/>
+            <a:ext cx="0" cy="659296"/>
+          </a:xfrm>
+          <a:prstGeom prst="straightConnector1">
+            <a:avLst/>
+          </a:prstGeom>
+          <a:ln>
+            <a:tailEnd type="triangle"/>
+          </a:ln>
+        </p:spPr>
+        <p:style>
+          <a:lnRef idx="2">
+            <a:schemeClr val="accent1"/>
+          </a:lnRef>
+          <a:fillRef idx="0">
+            <a:schemeClr val="accent1"/>
+          </a:fillRef>
+          <a:effectRef idx="1">
+            <a:schemeClr val="accent1"/>
+          </a:effectRef>
+          <a:fontRef idx="minor">
+            <a:schemeClr val="tx1"/>
+          </a:fontRef>
+        </p:style>
+      </p:cxnSp>
+      <p:sp>
+        <p:nvSpPr>
+          <p:cNvPr id="9" name="TextBox 8">
+            <a:extLst>
+              <a:ext uri="{FF2B5EF4-FFF2-40B4-BE49-F238E27FC236}">
+                <a16:creationId xmlns:a16="http://schemas.microsoft.com/office/drawing/2014/main" id="{E655D3B0-FCC0-B109-CC01-C06AAB87CFED}"/>
+              </a:ext>
+            </a:extLst>
+          </p:cNvPr>
+          <p:cNvSpPr txBox="1"/>
+          <p:nvPr/>
+        </p:nvSpPr>
+        <p:spPr>
+          <a:xfrm>
+            <a:off x="6722982" y="3925669"/>
+            <a:ext cx="3430683" cy="646331"/>
+          </a:xfrm>
+          <a:prstGeom prst="rect">
+            <a:avLst/>
+          </a:prstGeom>
+          <a:noFill/>
+        </p:spPr>
+        <p:txBody>
+          <a:bodyPr wrap="none" rtlCol="0">
+            <a:spAutoFit/>
+          </a:bodyPr>
+          <a:lstStyle/>
+          <a:p>
+            <a:r>
+              <a:rPr lang="en-US" dirty="0"/>
+              <a:t>If IRQ disabled at time of commit</a:t>
+            </a:r>
+          </a:p>
+          <a:p>
+            <a:r>
+              <a:rPr lang="en-US" dirty="0"/>
+              <a:t>The IRQ is deferred by a FIFO</a:t>
+            </a:r>
+            <a:endParaRPr lang="en-CA" dirty="0"/>
+          </a:p>
+        </p:txBody>
+      </p:sp>
+      <p:sp>
+        <p:nvSpPr>
+          <p:cNvPr id="10" name="Rectangle 9">
+            <a:extLst>
+              <a:ext uri="{FF2B5EF4-FFF2-40B4-BE49-F238E27FC236}">
+                <a16:creationId xmlns:a16="http://schemas.microsoft.com/office/drawing/2014/main" id="{456480AD-8E3B-7AC1-13E9-76ACC1C822DC}"/>
+              </a:ext>
+            </a:extLst>
+          </p:cNvPr>
+          <p:cNvSpPr/>
+          <p:nvPr/>
+        </p:nvSpPr>
+        <p:spPr>
+          <a:xfrm>
+            <a:off x="1364974" y="2826025"/>
+            <a:ext cx="1557131" cy="1099644"/>
+          </a:xfrm>
+          <a:prstGeom prst="rect">
+            <a:avLst/>
+          </a:prstGeom>
+        </p:spPr>
+        <p:style>
+          <a:lnRef idx="2">
+            <a:schemeClr val="accent1">
+              <a:shade val="15000"/>
+            </a:schemeClr>
+          </a:lnRef>
+          <a:fillRef idx="1">
+            <a:schemeClr val="accent1"/>
+          </a:fillRef>
+          <a:effectRef idx="0">
+            <a:schemeClr val="accent1"/>
+          </a:effectRef>
+          <a:fontRef idx="minor">
+            <a:schemeClr val="lt1"/>
+          </a:fontRef>
+        </p:style>
+        <p:txBody>
+          <a:bodyPr rtlCol="0" anchor="ctr"/>
+          <a:lstStyle/>
+          <a:p>
+            <a:pPr algn="ctr"/>
+            <a:r>
+              <a:rPr lang="en-US" dirty="0"/>
+              <a:t>Branch Target Buffer Logic</a:t>
+            </a:r>
+            <a:endParaRPr lang="en-CA" dirty="0"/>
+          </a:p>
+        </p:txBody>
+      </p:sp>
+      <p:sp>
+        <p:nvSpPr>
+          <p:cNvPr id="11" name="Trapezoid 10">
+            <a:extLst>
+              <a:ext uri="{FF2B5EF4-FFF2-40B4-BE49-F238E27FC236}">
+                <a16:creationId xmlns:a16="http://schemas.microsoft.com/office/drawing/2014/main" id="{85CECB16-A6CF-539B-A783-13CE90523229}"/>
+              </a:ext>
+            </a:extLst>
+          </p:cNvPr>
+          <p:cNvSpPr/>
+          <p:nvPr/>
+        </p:nvSpPr>
+        <p:spPr>
+          <a:xfrm rot="16200000">
+            <a:off x="3868112" y="1928190"/>
+            <a:ext cx="1459263" cy="714094"/>
+          </a:xfrm>
+          <a:prstGeom prst="trapezoid">
+            <a:avLst/>
+          </a:prstGeom>
+        </p:spPr>
+        <p:style>
+          <a:lnRef idx="2">
+            <a:schemeClr val="accent1">
+              <a:shade val="15000"/>
+            </a:schemeClr>
+          </a:lnRef>
+          <a:fillRef idx="1">
+            <a:schemeClr val="accent1"/>
+          </a:fillRef>
+          <a:effectRef idx="0">
+            <a:schemeClr val="accent1"/>
+          </a:effectRef>
+          <a:fontRef idx="minor">
+            <a:schemeClr val="lt1"/>
+          </a:fontRef>
+        </p:style>
+        <p:txBody>
+          <a:bodyPr rtlCol="0" anchor="ctr"/>
+          <a:lstStyle/>
+          <a:p>
+            <a:pPr algn="ctr"/>
+            <a:r>
+              <a:rPr lang="en-US" dirty="0"/>
+              <a:t>Mux</a:t>
+            </a:r>
+            <a:endParaRPr lang="en-CA" dirty="0"/>
+          </a:p>
+        </p:txBody>
+      </p:sp>
+      <p:cxnSp>
+        <p:nvCxnSpPr>
+          <p:cNvPr id="13" name="Straight Arrow Connector 12">
+            <a:extLst>
+              <a:ext uri="{FF2B5EF4-FFF2-40B4-BE49-F238E27FC236}">
+                <a16:creationId xmlns:a16="http://schemas.microsoft.com/office/drawing/2014/main" id="{D078ED35-51CC-0EC1-20E1-498922476401}"/>
+              </a:ext>
+            </a:extLst>
+          </p:cNvPr>
+          <p:cNvCxnSpPr/>
+          <p:nvPr/>
+        </p:nvCxnSpPr>
+        <p:spPr>
+          <a:xfrm flipH="1">
+            <a:off x="4954791" y="1881808"/>
+            <a:ext cx="2618828" cy="0"/>
+          </a:xfrm>
+          <a:prstGeom prst="straightConnector1">
+            <a:avLst/>
+          </a:prstGeom>
+          <a:ln>
+            <a:tailEnd type="triangle"/>
+          </a:ln>
+        </p:spPr>
+        <p:style>
+          <a:lnRef idx="2">
+            <a:schemeClr val="accent1"/>
+          </a:lnRef>
+          <a:fillRef idx="0">
+            <a:schemeClr val="accent1"/>
+          </a:fillRef>
+          <a:effectRef idx="1">
+            <a:schemeClr val="accent1"/>
+          </a:effectRef>
+          <a:fontRef idx="minor">
+            <a:schemeClr val="tx1"/>
+          </a:fontRef>
+        </p:style>
+      </p:cxnSp>
+      <p:sp>
+        <p:nvSpPr>
+          <p:cNvPr id="14" name="TextBox 13">
+            <a:extLst>
+              <a:ext uri="{FF2B5EF4-FFF2-40B4-BE49-F238E27FC236}">
+                <a16:creationId xmlns:a16="http://schemas.microsoft.com/office/drawing/2014/main" id="{A30B7E47-1909-080F-CFE3-20CD55CF493F}"/>
+              </a:ext>
+            </a:extLst>
+          </p:cNvPr>
+          <p:cNvSpPr txBox="1"/>
+          <p:nvPr/>
+        </p:nvSpPr>
+        <p:spPr>
+          <a:xfrm>
+            <a:off x="5923257" y="1480269"/>
+            <a:ext cx="1520353" cy="369332"/>
+          </a:xfrm>
+          <a:prstGeom prst="rect">
+            <a:avLst/>
+          </a:prstGeom>
+          <a:noFill/>
+        </p:spPr>
+        <p:txBody>
+          <a:bodyPr wrap="none" rtlCol="0">
+            <a:spAutoFit/>
+          </a:bodyPr>
+          <a:lstStyle/>
+          <a:p>
+            <a:r>
+              <a:rPr lang="en-US" dirty="0"/>
+              <a:t>Incoming IRQ</a:t>
+            </a:r>
+            <a:endParaRPr lang="en-CA" dirty="0"/>
+          </a:p>
+        </p:txBody>
+      </p:sp>
+      <p:cxnSp>
+        <p:nvCxnSpPr>
+          <p:cNvPr id="16" name="Straight Connector 15">
+            <a:extLst>
+              <a:ext uri="{FF2B5EF4-FFF2-40B4-BE49-F238E27FC236}">
+                <a16:creationId xmlns:a16="http://schemas.microsoft.com/office/drawing/2014/main" id="{186809D4-873B-1191-EBC5-796D3D108735}"/>
+              </a:ext>
+            </a:extLst>
+          </p:cNvPr>
+          <p:cNvCxnSpPr>
+            <a:stCxn id="4" idx="0"/>
+          </p:cNvCxnSpPr>
+          <p:nvPr/>
+        </p:nvCxnSpPr>
+        <p:spPr>
+          <a:xfrm flipH="1" flipV="1">
+            <a:off x="6639338" y="2484782"/>
+            <a:ext cx="1" cy="341243"/>
+          </a:xfrm>
+          <a:prstGeom prst="line">
+            <a:avLst/>
+          </a:prstGeom>
+        </p:spPr>
+        <p:style>
+          <a:lnRef idx="2">
+            <a:schemeClr val="accent1"/>
+          </a:lnRef>
+          <a:fillRef idx="0">
+            <a:schemeClr val="accent1"/>
+          </a:fillRef>
+          <a:effectRef idx="1">
+            <a:schemeClr val="accent1"/>
+          </a:effectRef>
+          <a:fontRef idx="minor">
+            <a:schemeClr val="tx1"/>
+          </a:fontRef>
+        </p:style>
+      </p:cxnSp>
+      <p:cxnSp>
+        <p:nvCxnSpPr>
+          <p:cNvPr id="18" name="Straight Arrow Connector 17">
+            <a:extLst>
+              <a:ext uri="{FF2B5EF4-FFF2-40B4-BE49-F238E27FC236}">
+                <a16:creationId xmlns:a16="http://schemas.microsoft.com/office/drawing/2014/main" id="{B9E5FC91-E98C-901D-DE45-2F2DCFF5BCE5}"/>
+              </a:ext>
+            </a:extLst>
+          </p:cNvPr>
+          <p:cNvCxnSpPr/>
+          <p:nvPr/>
+        </p:nvCxnSpPr>
+        <p:spPr>
+          <a:xfrm flipH="1">
+            <a:off x="4954791" y="2491408"/>
+            <a:ext cx="1684547" cy="0"/>
+          </a:xfrm>
+          <a:prstGeom prst="straightConnector1">
+            <a:avLst/>
+          </a:prstGeom>
+          <a:ln>
+            <a:tailEnd type="triangle"/>
+          </a:ln>
+        </p:spPr>
+        <p:style>
+          <a:lnRef idx="2">
+            <a:schemeClr val="accent1"/>
+          </a:lnRef>
+          <a:fillRef idx="0">
+            <a:schemeClr val="accent1"/>
+          </a:fillRef>
+          <a:effectRef idx="1">
+            <a:schemeClr val="accent1"/>
+          </a:effectRef>
+          <a:fontRef idx="minor">
+            <a:schemeClr val="tx1"/>
+          </a:fontRef>
+        </p:style>
+      </p:cxnSp>
+      <p:cxnSp>
+        <p:nvCxnSpPr>
+          <p:cNvPr id="20" name="Straight Connector 19">
+            <a:extLst>
+              <a:ext uri="{FF2B5EF4-FFF2-40B4-BE49-F238E27FC236}">
+                <a16:creationId xmlns:a16="http://schemas.microsoft.com/office/drawing/2014/main" id="{968A5805-2C7C-B3EB-C685-4CE7B769FBAF}"/>
+              </a:ext>
+            </a:extLst>
+          </p:cNvPr>
+          <p:cNvCxnSpPr>
+            <a:stCxn id="11" idx="0"/>
+          </p:cNvCxnSpPr>
+          <p:nvPr/>
+        </p:nvCxnSpPr>
+        <p:spPr>
+          <a:xfrm flipH="1">
+            <a:off x="2143539" y="2285237"/>
+            <a:ext cx="2097158" cy="0"/>
+          </a:xfrm>
+          <a:prstGeom prst="line">
+            <a:avLst/>
+          </a:prstGeom>
+        </p:spPr>
+        <p:style>
+          <a:lnRef idx="2">
+            <a:schemeClr val="accent1"/>
+          </a:lnRef>
+          <a:fillRef idx="0">
+            <a:schemeClr val="accent1"/>
+          </a:fillRef>
+          <a:effectRef idx="1">
+            <a:schemeClr val="accent1"/>
+          </a:effectRef>
+          <a:fontRef idx="minor">
+            <a:schemeClr val="tx1"/>
+          </a:fontRef>
+        </p:style>
+      </p:cxnSp>
+      <p:cxnSp>
+        <p:nvCxnSpPr>
+          <p:cNvPr id="22" name="Straight Arrow Connector 21">
+            <a:extLst>
+              <a:ext uri="{FF2B5EF4-FFF2-40B4-BE49-F238E27FC236}">
+                <a16:creationId xmlns:a16="http://schemas.microsoft.com/office/drawing/2014/main" id="{1CA8EA33-B8E4-8DFD-7C3E-CDAA83ECA14A}"/>
+              </a:ext>
+            </a:extLst>
+          </p:cNvPr>
+          <p:cNvCxnSpPr>
+            <a:endCxn id="10" idx="0"/>
+          </p:cNvCxnSpPr>
+          <p:nvPr/>
+        </p:nvCxnSpPr>
+        <p:spPr>
+          <a:xfrm>
+            <a:off x="2143539" y="2285237"/>
+            <a:ext cx="1" cy="540788"/>
+          </a:xfrm>
+          <a:prstGeom prst="straightConnector1">
+            <a:avLst/>
+          </a:prstGeom>
+          <a:ln>
+            <a:tailEnd type="triangle"/>
+          </a:ln>
+        </p:spPr>
+        <p:style>
+          <a:lnRef idx="2">
+            <a:schemeClr val="accent1"/>
+          </a:lnRef>
+          <a:fillRef idx="0">
+            <a:schemeClr val="accent1"/>
+          </a:fillRef>
+          <a:effectRef idx="1">
+            <a:schemeClr val="accent1"/>
+          </a:effectRef>
+          <a:fontRef idx="minor">
+            <a:schemeClr val="tx1"/>
+          </a:fontRef>
+        </p:style>
+      </p:cxnSp>
+      <p:cxnSp>
+        <p:nvCxnSpPr>
+          <p:cNvPr id="24" name="Straight Arrow Connector 23">
+            <a:extLst>
+              <a:ext uri="{FF2B5EF4-FFF2-40B4-BE49-F238E27FC236}">
+                <a16:creationId xmlns:a16="http://schemas.microsoft.com/office/drawing/2014/main" id="{EC31ACF8-4EEA-92DA-780E-7AF7FEF522D9}"/>
+              </a:ext>
+            </a:extLst>
+          </p:cNvPr>
+          <p:cNvCxnSpPr>
+            <a:stCxn id="10" idx="2"/>
+          </p:cNvCxnSpPr>
+          <p:nvPr/>
+        </p:nvCxnSpPr>
+        <p:spPr>
+          <a:xfrm flipH="1">
+            <a:off x="2143539" y="3925669"/>
+            <a:ext cx="1" cy="646331"/>
+          </a:xfrm>
+          <a:prstGeom prst="straightConnector1">
+            <a:avLst/>
+          </a:prstGeom>
+          <a:ln>
+            <a:tailEnd type="triangle"/>
+          </a:ln>
+        </p:spPr>
+        <p:style>
+          <a:lnRef idx="2">
+            <a:schemeClr val="accent1"/>
+          </a:lnRef>
+          <a:fillRef idx="0">
+            <a:schemeClr val="accent1"/>
+          </a:fillRef>
+          <a:effectRef idx="1">
+            <a:schemeClr val="accent1"/>
+          </a:effectRef>
+          <a:fontRef idx="minor">
+            <a:schemeClr val="tx1"/>
+          </a:fontRef>
+        </p:style>
+      </p:cxnSp>
+      <p:sp>
+        <p:nvSpPr>
+          <p:cNvPr id="25" name="Rectangle 24">
+            <a:extLst>
+              <a:ext uri="{FF2B5EF4-FFF2-40B4-BE49-F238E27FC236}">
+                <a16:creationId xmlns:a16="http://schemas.microsoft.com/office/drawing/2014/main" id="{DF7175E0-6388-7331-5FEC-1976B7317D6C}"/>
+              </a:ext>
+            </a:extLst>
+          </p:cNvPr>
+          <p:cNvSpPr/>
+          <p:nvPr/>
+        </p:nvSpPr>
+        <p:spPr>
+          <a:xfrm>
+            <a:off x="4230757" y="3385169"/>
+            <a:ext cx="1099930" cy="914400"/>
+          </a:xfrm>
+          <a:prstGeom prst="rect">
+            <a:avLst/>
+          </a:prstGeom>
+        </p:spPr>
+        <p:style>
+          <a:lnRef idx="2">
+            <a:schemeClr val="accent1">
+              <a:shade val="15000"/>
+            </a:schemeClr>
+          </a:lnRef>
+          <a:fillRef idx="1">
+            <a:schemeClr val="accent1"/>
+          </a:fillRef>
+          <a:effectRef idx="0">
+            <a:schemeClr val="accent1"/>
+          </a:effectRef>
+          <a:fontRef idx="minor">
+            <a:schemeClr val="lt1"/>
+          </a:fontRef>
+        </p:style>
+        <p:txBody>
+          <a:bodyPr rtlCol="0" anchor="ctr"/>
+          <a:lstStyle/>
+          <a:p>
+            <a:pPr algn="ctr"/>
+            <a:r>
+              <a:rPr lang="en-US" dirty="0"/>
+              <a:t>Control Logic</a:t>
+            </a:r>
+            <a:endParaRPr lang="en-CA" dirty="0"/>
+          </a:p>
+        </p:txBody>
+      </p:sp>
+      <p:cxnSp>
+        <p:nvCxnSpPr>
+          <p:cNvPr id="27" name="Straight Arrow Connector 26">
+            <a:extLst>
+              <a:ext uri="{FF2B5EF4-FFF2-40B4-BE49-F238E27FC236}">
+                <a16:creationId xmlns:a16="http://schemas.microsoft.com/office/drawing/2014/main" id="{3A414627-F228-0F92-73D3-048581AEA4CF}"/>
+              </a:ext>
+            </a:extLst>
+          </p:cNvPr>
+          <p:cNvCxnSpPr>
+            <a:endCxn id="11" idx="1"/>
+          </p:cNvCxnSpPr>
+          <p:nvPr/>
+        </p:nvCxnSpPr>
+        <p:spPr>
+          <a:xfrm flipV="1">
+            <a:off x="4597743" y="2925607"/>
+            <a:ext cx="1" cy="459562"/>
+          </a:xfrm>
+          <a:prstGeom prst="straightConnector1">
+            <a:avLst/>
+          </a:prstGeom>
+          <a:ln>
+            <a:tailEnd type="triangle"/>
+          </a:ln>
+        </p:spPr>
+        <p:style>
+          <a:lnRef idx="2">
+            <a:schemeClr val="accent1"/>
+          </a:lnRef>
+          <a:fillRef idx="0">
+            <a:schemeClr val="accent1"/>
+          </a:fillRef>
+          <a:effectRef idx="1">
+            <a:schemeClr val="accent1"/>
+          </a:effectRef>
+          <a:fontRef idx="minor">
+            <a:schemeClr val="tx1"/>
+          </a:fontRef>
+        </p:style>
+      </p:cxnSp>
+      <p:cxnSp>
+        <p:nvCxnSpPr>
+          <p:cNvPr id="29" name="Straight Arrow Connector 28">
+            <a:extLst>
+              <a:ext uri="{FF2B5EF4-FFF2-40B4-BE49-F238E27FC236}">
+                <a16:creationId xmlns:a16="http://schemas.microsoft.com/office/drawing/2014/main" id="{E8D0C03C-C471-7203-BAB6-9884A0B72E2F}"/>
+              </a:ext>
+            </a:extLst>
+          </p:cNvPr>
+          <p:cNvCxnSpPr/>
+          <p:nvPr/>
+        </p:nvCxnSpPr>
+        <p:spPr>
+          <a:xfrm>
+            <a:off x="5330687" y="3631095"/>
+            <a:ext cx="466377" cy="0"/>
+          </a:xfrm>
+          <a:prstGeom prst="straightConnector1">
+            <a:avLst/>
+          </a:prstGeom>
+          <a:ln>
+            <a:tailEnd type="triangle"/>
+          </a:ln>
+        </p:spPr>
+        <p:style>
+          <a:lnRef idx="2">
+            <a:schemeClr val="accent1"/>
+          </a:lnRef>
+          <a:fillRef idx="0">
+            <a:schemeClr val="accent1"/>
+          </a:fillRef>
+          <a:effectRef idx="1">
+            <a:schemeClr val="accent1"/>
+          </a:effectRef>
+          <a:fontRef idx="minor">
+            <a:schemeClr val="tx1"/>
+          </a:fontRef>
+        </p:style>
+      </p:cxnSp>
+      <p:sp>
+        <p:nvSpPr>
+          <p:cNvPr id="30" name="TextBox 29">
+            <a:extLst>
+              <a:ext uri="{FF2B5EF4-FFF2-40B4-BE49-F238E27FC236}">
+                <a16:creationId xmlns:a16="http://schemas.microsoft.com/office/drawing/2014/main" id="{9A60AC4A-5929-3F4E-546B-BB12A20DAF12}"/>
+              </a:ext>
+            </a:extLst>
+          </p:cNvPr>
+          <p:cNvSpPr txBox="1"/>
+          <p:nvPr/>
+        </p:nvSpPr>
+        <p:spPr>
+          <a:xfrm>
+            <a:off x="170627" y="4097124"/>
+            <a:ext cx="1972912" cy="369332"/>
+          </a:xfrm>
+          <a:prstGeom prst="rect">
+            <a:avLst/>
+          </a:prstGeom>
+          <a:noFill/>
+        </p:spPr>
+        <p:txBody>
+          <a:bodyPr wrap="none" rtlCol="0">
+            <a:spAutoFit/>
+          </a:bodyPr>
+          <a:lstStyle/>
+          <a:p>
+            <a:r>
+              <a:rPr lang="en-US" dirty="0"/>
+              <a:t>Front-end: Next IP</a:t>
+            </a:r>
+            <a:endParaRPr lang="en-CA" dirty="0"/>
+          </a:p>
+        </p:txBody>
+      </p:sp>
+      <p:sp>
+        <p:nvSpPr>
+          <p:cNvPr id="32" name="TextBox 31">
+            <a:extLst>
+              <a:ext uri="{FF2B5EF4-FFF2-40B4-BE49-F238E27FC236}">
+                <a16:creationId xmlns:a16="http://schemas.microsoft.com/office/drawing/2014/main" id="{ACE449C6-1825-2CCE-61F7-4078C46A269D}"/>
+              </a:ext>
+            </a:extLst>
+          </p:cNvPr>
+          <p:cNvSpPr txBox="1"/>
+          <p:nvPr/>
+        </p:nvSpPr>
+        <p:spPr>
+          <a:xfrm>
+            <a:off x="7993573" y="1168882"/>
+            <a:ext cx="3678278" cy="2677656"/>
+          </a:xfrm>
+          <a:prstGeom prst="rect">
+            <a:avLst/>
+          </a:prstGeom>
+          <a:noFill/>
+        </p:spPr>
+        <p:txBody>
+          <a:bodyPr wrap="square" rtlCol="0">
+            <a:spAutoFit/>
+          </a:bodyPr>
+          <a:lstStyle/>
+          <a:p>
+            <a:r>
+              <a:rPr lang="en-US" sz="1400" dirty="0"/>
+              <a:t>The CPU chooses the deferred IRQ FIFO as the source of interrupts if there is any interrupt in the FIFO, otherwise the external interrupt feeds the branch-target buffer.</a:t>
+            </a:r>
+          </a:p>
+          <a:p>
+            <a:endParaRPr lang="en-US" sz="1400" dirty="0"/>
+          </a:p>
+          <a:p>
+            <a:r>
+              <a:rPr lang="en-US" sz="1400" dirty="0"/>
+              <a:t>The incoming interrupt acts like a branch and directly changes the IP causing immediate fetch of ISR instructions.</a:t>
+            </a:r>
+          </a:p>
+          <a:p>
+            <a:endParaRPr lang="en-US" sz="1400" dirty="0"/>
+          </a:p>
+          <a:p>
+            <a:r>
+              <a:rPr lang="en-US" sz="1400" dirty="0"/>
+              <a:t>However, if the IRQ should have been disabled, then it is recorded in the deferred FIFO and not </a:t>
+            </a:r>
+            <a:r>
+              <a:rPr lang="en-US" sz="1400"/>
+              <a:t>immediately processed.</a:t>
+            </a:r>
+            <a:endParaRPr lang="en-CA" sz="1400" dirty="0"/>
+          </a:p>
+        </p:txBody>
+      </p:sp>
+    </p:spTree>
+    <p:extLst>
+      <p:ext uri="{BB962C8B-B14F-4D97-AF65-F5344CB8AC3E}">
+        <p14:creationId xmlns:p14="http://schemas.microsoft.com/office/powerpoint/2010/main" val="1740265269"/>
       </p:ext>
     </p:extLst>
   </p:cSld>
@@ -7703,7 +8784,7 @@
         </p:nvSpPr>
         <p:spPr>
           <a:xfrm>
-            <a:off x="4524058" y="3083922"/>
+            <a:off x="4200293" y="3089302"/>
             <a:ext cx="583096" cy="300383"/>
           </a:xfrm>
           <a:prstGeom prst="rect">
@@ -7760,7 +8841,7 @@
         </p:nvSpPr>
         <p:spPr>
           <a:xfrm>
-            <a:off x="3863658" y="3083919"/>
+            <a:off x="3539893" y="3089299"/>
             <a:ext cx="583096" cy="300383"/>
           </a:xfrm>
           <a:prstGeom prst="rect">
@@ -7817,7 +8898,7 @@
         </p:nvSpPr>
         <p:spPr>
           <a:xfrm>
-            <a:off x="3203258" y="3083918"/>
+            <a:off x="2879493" y="3089298"/>
             <a:ext cx="583096" cy="300383"/>
           </a:xfrm>
           <a:prstGeom prst="rect">
@@ -7874,7 +8955,7 @@
         </p:nvSpPr>
         <p:spPr>
           <a:xfrm>
-            <a:off x="4505285" y="2766217"/>
+            <a:off x="4181520" y="2771597"/>
             <a:ext cx="620642" cy="300383"/>
           </a:xfrm>
           <a:prstGeom prst="downArrow">
@@ -7924,7 +9005,7 @@
         </p:nvSpPr>
         <p:spPr>
           <a:xfrm>
-            <a:off x="3844885" y="2775454"/>
+            <a:off x="3521120" y="2780834"/>
             <a:ext cx="620642" cy="300383"/>
           </a:xfrm>
           <a:prstGeom prst="downArrow">
@@ -7974,7 +9055,7 @@
         </p:nvSpPr>
         <p:spPr>
           <a:xfrm>
-            <a:off x="3184485" y="2773219"/>
+            <a:off x="2860720" y="2778599"/>
             <a:ext cx="620642" cy="300383"/>
           </a:xfrm>
           <a:prstGeom prst="downArrow">
@@ -8024,7 +9105,7 @@
         </p:nvSpPr>
         <p:spPr>
           <a:xfrm>
-            <a:off x="4517433" y="3470439"/>
+            <a:off x="4193668" y="3475819"/>
             <a:ext cx="620642" cy="480743"/>
           </a:xfrm>
           <a:prstGeom prst="rect">
@@ -8074,7 +9155,7 @@
         </p:nvSpPr>
         <p:spPr>
           <a:xfrm>
-            <a:off x="3863658" y="3470438"/>
+            <a:off x="3539893" y="3475818"/>
             <a:ext cx="620642" cy="480743"/>
           </a:xfrm>
           <a:prstGeom prst="rect">
@@ -8124,7 +9205,7 @@
         </p:nvSpPr>
         <p:spPr>
           <a:xfrm>
-            <a:off x="3201050" y="3470438"/>
+            <a:off x="2877285" y="3475818"/>
             <a:ext cx="620642" cy="480743"/>
           </a:xfrm>
           <a:prstGeom prst="rect">
@@ -8162,70 +9243,20 @@
       </p:sp>
       <p:sp>
         <p:nvSpPr>
-          <p:cNvPr id="20" name="Rectangle 19">
-            <a:extLst>
-              <a:ext uri="{FF2B5EF4-FFF2-40B4-BE49-F238E27FC236}">
-                <a16:creationId xmlns:a16="http://schemas.microsoft.com/office/drawing/2014/main" id="{34CB261E-026D-6907-AD30-CF0B591A724F}"/>
-              </a:ext>
-            </a:extLst>
-          </p:cNvPr>
-          <p:cNvSpPr/>
-          <p:nvPr/>
-        </p:nvSpPr>
-        <p:spPr>
-          <a:xfrm>
-            <a:off x="1870502" y="4251564"/>
-            <a:ext cx="6456281" cy="300383"/>
-          </a:xfrm>
-          <a:prstGeom prst="rect">
-            <a:avLst/>
-          </a:prstGeom>
-        </p:spPr>
-        <p:style>
-          <a:lnRef idx="2">
-            <a:schemeClr val="accent1">
-              <a:shade val="15000"/>
-            </a:schemeClr>
-          </a:lnRef>
-          <a:fillRef idx="1">
-            <a:schemeClr val="accent1"/>
-          </a:fillRef>
-          <a:effectRef idx="0">
-            <a:schemeClr val="accent1"/>
-          </a:effectRef>
-          <a:fontRef idx="minor">
-            <a:schemeClr val="lt1"/>
-          </a:fontRef>
-        </p:style>
-        <p:txBody>
-          <a:bodyPr rtlCol="0" anchor="ctr"/>
-          <a:lstStyle/>
-          <a:p>
-            <a:pPr algn="ctr"/>
-            <a:r>
-              <a:rPr lang="en-US" sz="1100" dirty="0"/>
-              <a:t>4x 2:1 Mux</a:t>
-            </a:r>
-            <a:endParaRPr lang="en-CA" sz="1100" dirty="0"/>
-          </a:p>
-        </p:txBody>
-      </p:sp>
-      <p:sp>
-        <p:nvSpPr>
-          <p:cNvPr id="21" name="Arrow: Down 20">
-            <a:extLst>
-              <a:ext uri="{FF2B5EF4-FFF2-40B4-BE49-F238E27FC236}">
-                <a16:creationId xmlns:a16="http://schemas.microsoft.com/office/drawing/2014/main" id="{C7AC94DC-C20E-D6B4-9F48-7D1A03BE529B}"/>
-              </a:ext>
-            </a:extLst>
-          </p:cNvPr>
-          <p:cNvSpPr/>
-          <p:nvPr/>
-        </p:nvSpPr>
-        <p:spPr>
-          <a:xfrm>
-            <a:off x="5523495" y="3936502"/>
-            <a:ext cx="620642" cy="300383"/>
+          <p:cNvPr id="25" name="Arrow: Down 24">
+            <a:extLst>
+              <a:ext uri="{FF2B5EF4-FFF2-40B4-BE49-F238E27FC236}">
+                <a16:creationId xmlns:a16="http://schemas.microsoft.com/office/drawing/2014/main" id="{B215621A-79D3-2B7B-FC60-D55C0FCEA00D}"/>
+              </a:ext>
+            </a:extLst>
+          </p:cNvPr>
+          <p:cNvSpPr/>
+          <p:nvPr/>
+        </p:nvSpPr>
+        <p:spPr>
+          <a:xfrm>
+            <a:off x="4181520" y="3956561"/>
+            <a:ext cx="632790" cy="913718"/>
           </a:xfrm>
           <a:prstGeom prst="downArrow">
             <a:avLst/>
@@ -8253,29 +9284,36 @@
           <a:p>
             <a:pPr algn="ctr"/>
             <a:r>
-              <a:rPr lang="en-US" sz="900" dirty="0"/>
-              <a:t>48</a:t>
-            </a:r>
-            <a:endParaRPr lang="en-CA" sz="900" dirty="0"/>
-          </a:p>
-        </p:txBody>
-      </p:sp>
-      <p:sp>
-        <p:nvSpPr>
-          <p:cNvPr id="22" name="Arrow: Down 21">
-            <a:extLst>
-              <a:ext uri="{FF2B5EF4-FFF2-40B4-BE49-F238E27FC236}">
-                <a16:creationId xmlns:a16="http://schemas.microsoft.com/office/drawing/2014/main" id="{E7410A97-68B3-BA68-1F2B-03A50AB57151}"/>
-              </a:ext>
-            </a:extLst>
-          </p:cNvPr>
-          <p:cNvSpPr/>
-          <p:nvPr/>
-        </p:nvSpPr>
-        <p:spPr>
-          <a:xfrm>
-            <a:off x="6177270" y="3936502"/>
-            <a:ext cx="620642" cy="300383"/>
+              <a:rPr lang="en-US" sz="600" dirty="0"/>
+              <a:t>48 + 240</a:t>
+            </a:r>
+          </a:p>
+          <a:p>
+            <a:pPr algn="ctr"/>
+            <a:r>
+              <a:rPr lang="en-US" sz="600" dirty="0"/>
+              <a:t>raw</a:t>
+            </a:r>
+            <a:endParaRPr lang="en-CA" sz="600" dirty="0"/>
+          </a:p>
+        </p:txBody>
+      </p:sp>
+      <p:sp>
+        <p:nvSpPr>
+          <p:cNvPr id="26" name="Arrow: Down 25">
+            <a:extLst>
+              <a:ext uri="{FF2B5EF4-FFF2-40B4-BE49-F238E27FC236}">
+                <a16:creationId xmlns:a16="http://schemas.microsoft.com/office/drawing/2014/main" id="{DBFAFD0E-DD28-429F-60D4-DE976D8D29A4}"/>
+              </a:ext>
+            </a:extLst>
+          </p:cNvPr>
+          <p:cNvSpPr/>
+          <p:nvPr/>
+        </p:nvSpPr>
+        <p:spPr>
+          <a:xfrm>
+            <a:off x="3539892" y="3960654"/>
+            <a:ext cx="620642" cy="903202"/>
           </a:xfrm>
           <a:prstGeom prst="downArrow">
             <a:avLst/>
@@ -8303,29 +9341,29 @@
           <a:p>
             <a:pPr algn="ctr"/>
             <a:r>
-              <a:rPr lang="en-US" sz="900" dirty="0"/>
-              <a:t>48</a:t>
-            </a:r>
-            <a:endParaRPr lang="en-CA" sz="900" dirty="0"/>
-          </a:p>
-        </p:txBody>
-      </p:sp>
-      <p:sp>
-        <p:nvSpPr>
-          <p:cNvPr id="23" name="Arrow: Down 22">
-            <a:extLst>
-              <a:ext uri="{FF2B5EF4-FFF2-40B4-BE49-F238E27FC236}">
-                <a16:creationId xmlns:a16="http://schemas.microsoft.com/office/drawing/2014/main" id="{443D22A6-B987-CA04-9B06-E76C61084009}"/>
-              </a:ext>
-            </a:extLst>
-          </p:cNvPr>
-          <p:cNvSpPr/>
-          <p:nvPr/>
-        </p:nvSpPr>
-        <p:spPr>
-          <a:xfrm>
-            <a:off x="6831046" y="3936502"/>
-            <a:ext cx="620642" cy="300383"/>
+              <a:rPr lang="en-US" sz="600" dirty="0"/>
+              <a:t>48 + 240 raw</a:t>
+            </a:r>
+            <a:endParaRPr lang="en-CA" sz="600" dirty="0"/>
+          </a:p>
+        </p:txBody>
+      </p:sp>
+      <p:sp>
+        <p:nvSpPr>
+          <p:cNvPr id="27" name="Arrow: Down 26">
+            <a:extLst>
+              <a:ext uri="{FF2B5EF4-FFF2-40B4-BE49-F238E27FC236}">
+                <a16:creationId xmlns:a16="http://schemas.microsoft.com/office/drawing/2014/main" id="{2B30CE28-37BB-4E0F-2446-CA1F48B6C715}"/>
+              </a:ext>
+            </a:extLst>
+          </p:cNvPr>
+          <p:cNvSpPr/>
+          <p:nvPr/>
+        </p:nvSpPr>
+        <p:spPr>
+          <a:xfrm>
+            <a:off x="2877285" y="3960654"/>
+            <a:ext cx="620642" cy="913718"/>
           </a:xfrm>
           <a:prstGeom prst="downArrow">
             <a:avLst/>
@@ -8353,169 +9391,19 @@
           <a:p>
             <a:pPr algn="ctr"/>
             <a:r>
-              <a:rPr lang="en-US" sz="900" dirty="0"/>
-              <a:t>48</a:t>
-            </a:r>
-            <a:endParaRPr lang="en-CA" sz="900" dirty="0"/>
-          </a:p>
-        </p:txBody>
-      </p:sp>
-      <p:sp>
-        <p:nvSpPr>
-          <p:cNvPr id="25" name="Arrow: Down 24">
-            <a:extLst>
-              <a:ext uri="{FF2B5EF4-FFF2-40B4-BE49-F238E27FC236}">
-                <a16:creationId xmlns:a16="http://schemas.microsoft.com/office/drawing/2014/main" id="{B215621A-79D3-2B7B-FC60-D55C0FCEA00D}"/>
-              </a:ext>
-            </a:extLst>
-          </p:cNvPr>
-          <p:cNvSpPr/>
-          <p:nvPr/>
-        </p:nvSpPr>
-        <p:spPr>
-          <a:xfrm>
-            <a:off x="4505285" y="3951181"/>
-            <a:ext cx="620642" cy="300383"/>
-          </a:xfrm>
-          <a:prstGeom prst="downArrow">
-            <a:avLst/>
-          </a:prstGeom>
-        </p:spPr>
-        <p:style>
-          <a:lnRef idx="2">
-            <a:schemeClr val="accent1">
-              <a:shade val="15000"/>
-            </a:schemeClr>
-          </a:lnRef>
-          <a:fillRef idx="1">
-            <a:schemeClr val="accent1"/>
-          </a:fillRef>
-          <a:effectRef idx="0">
-            <a:schemeClr val="accent1"/>
-          </a:effectRef>
-          <a:fontRef idx="minor">
-            <a:schemeClr val="lt1"/>
-          </a:fontRef>
-        </p:style>
-        <p:txBody>
-          <a:bodyPr rtlCol="0" anchor="ctr"/>
-          <a:lstStyle/>
-          <a:p>
-            <a:pPr algn="ctr"/>
-            <a:r>
-              <a:rPr lang="en-US" sz="900" dirty="0"/>
-              <a:t>48</a:t>
-            </a:r>
-            <a:endParaRPr lang="en-CA" sz="900" dirty="0"/>
-          </a:p>
-        </p:txBody>
-      </p:sp>
-      <p:sp>
-        <p:nvSpPr>
-          <p:cNvPr id="26" name="Arrow: Down 25">
-            <a:extLst>
-              <a:ext uri="{FF2B5EF4-FFF2-40B4-BE49-F238E27FC236}">
-                <a16:creationId xmlns:a16="http://schemas.microsoft.com/office/drawing/2014/main" id="{DBFAFD0E-DD28-429F-60D4-DE976D8D29A4}"/>
-              </a:ext>
-            </a:extLst>
-          </p:cNvPr>
-          <p:cNvSpPr/>
-          <p:nvPr/>
-        </p:nvSpPr>
-        <p:spPr>
-          <a:xfrm>
-            <a:off x="3863657" y="3955274"/>
-            <a:ext cx="620642" cy="300383"/>
-          </a:xfrm>
-          <a:prstGeom prst="downArrow">
-            <a:avLst/>
-          </a:prstGeom>
-        </p:spPr>
-        <p:style>
-          <a:lnRef idx="2">
-            <a:schemeClr val="accent1">
-              <a:shade val="15000"/>
-            </a:schemeClr>
-          </a:lnRef>
-          <a:fillRef idx="1">
-            <a:schemeClr val="accent1"/>
-          </a:fillRef>
-          <a:effectRef idx="0">
-            <a:schemeClr val="accent1"/>
-          </a:effectRef>
-          <a:fontRef idx="minor">
-            <a:schemeClr val="lt1"/>
-          </a:fontRef>
-        </p:style>
-        <p:txBody>
-          <a:bodyPr rtlCol="0" anchor="ctr"/>
-          <a:lstStyle/>
-          <a:p>
-            <a:pPr algn="ctr"/>
-            <a:r>
-              <a:rPr lang="en-US" sz="900" dirty="0"/>
-              <a:t>48</a:t>
-            </a:r>
-            <a:endParaRPr lang="en-CA" sz="900" dirty="0"/>
-          </a:p>
-        </p:txBody>
-      </p:sp>
-      <p:sp>
-        <p:nvSpPr>
-          <p:cNvPr id="27" name="Arrow: Down 26">
-            <a:extLst>
-              <a:ext uri="{FF2B5EF4-FFF2-40B4-BE49-F238E27FC236}">
-                <a16:creationId xmlns:a16="http://schemas.microsoft.com/office/drawing/2014/main" id="{2B30CE28-37BB-4E0F-2446-CA1F48B6C715}"/>
-              </a:ext>
-            </a:extLst>
-          </p:cNvPr>
-          <p:cNvSpPr/>
-          <p:nvPr/>
-        </p:nvSpPr>
-        <p:spPr>
-          <a:xfrm>
-            <a:off x="3201050" y="3955274"/>
-            <a:ext cx="620642" cy="300383"/>
-          </a:xfrm>
-          <a:prstGeom prst="downArrow">
-            <a:avLst/>
-          </a:prstGeom>
-        </p:spPr>
-        <p:style>
-          <a:lnRef idx="2">
-            <a:schemeClr val="accent1">
-              <a:shade val="15000"/>
-            </a:schemeClr>
-          </a:lnRef>
-          <a:fillRef idx="1">
-            <a:schemeClr val="accent1"/>
-          </a:fillRef>
-          <a:effectRef idx="0">
-            <a:schemeClr val="accent1"/>
-          </a:effectRef>
-          <a:fontRef idx="minor">
-            <a:schemeClr val="lt1"/>
-          </a:fontRef>
-        </p:style>
-        <p:txBody>
-          <a:bodyPr rtlCol="0" anchor="ctr"/>
-          <a:lstStyle/>
-          <a:p>
-            <a:pPr algn="ctr"/>
-            <a:r>
-              <a:rPr lang="en-US" sz="900" dirty="0"/>
-              <a:t>48</a:t>
-            </a:r>
-            <a:endParaRPr lang="en-CA" sz="900" dirty="0"/>
-          </a:p>
-        </p:txBody>
-      </p:sp>
-      <p:sp>
-        <p:nvSpPr>
-          <p:cNvPr id="29" name="TextBox 28">
-            <a:extLst>
-              <a:ext uri="{FF2B5EF4-FFF2-40B4-BE49-F238E27FC236}">
-                <a16:creationId xmlns:a16="http://schemas.microsoft.com/office/drawing/2014/main" id="{61A98C63-63B3-A1FF-5571-81171558DEEC}"/>
+              <a:rPr lang="en-US" sz="600" dirty="0"/>
+              <a:t>48 + 240 raw</a:t>
+            </a:r>
+            <a:endParaRPr lang="en-CA" sz="600" dirty="0"/>
+          </a:p>
+        </p:txBody>
+      </p:sp>
+      <p:sp>
+        <p:nvSpPr>
+          <p:cNvPr id="31" name="TextBox 30">
+            <a:extLst>
+              <a:ext uri="{FF2B5EF4-FFF2-40B4-BE49-F238E27FC236}">
+                <a16:creationId xmlns:a16="http://schemas.microsoft.com/office/drawing/2014/main" id="{CB10116E-5EA6-D599-32FD-6193DFFAC637}"/>
               </a:ext>
             </a:extLst>
           </p:cNvPr>
@@ -8524,8 +9412,8 @@
         </p:nvSpPr>
         <p:spPr>
           <a:xfrm>
-            <a:off x="5293125" y="3572309"/>
-            <a:ext cx="3075842" cy="276999"/>
+            <a:off x="33946" y="3581083"/>
+            <a:ext cx="1220014" cy="276999"/>
           </a:xfrm>
           <a:prstGeom prst="rect">
             <a:avLst/>
@@ -8540,7 +9428,7 @@
           <a:p>
             <a:r>
               <a:rPr lang="en-US" sz="1200" dirty="0"/>
-              <a:t>Four Instructions from micro-code machine</a:t>
+              <a:t>To next PC logic</a:t>
             </a:r>
             <a:endParaRPr lang="en-CA" sz="1200" dirty="0"/>
           </a:p>
@@ -8548,10 +9436,10 @@
       </p:sp>
       <p:sp>
         <p:nvSpPr>
-          <p:cNvPr id="31" name="TextBox 30">
-            <a:extLst>
-              <a:ext uri="{FF2B5EF4-FFF2-40B4-BE49-F238E27FC236}">
-                <a16:creationId xmlns:a16="http://schemas.microsoft.com/office/drawing/2014/main" id="{CB10116E-5EA6-D599-32FD-6193DFFAC637}"/>
+          <p:cNvPr id="37" name="TextBox 36">
+            <a:extLst>
+              <a:ext uri="{FF2B5EF4-FFF2-40B4-BE49-F238E27FC236}">
+                <a16:creationId xmlns:a16="http://schemas.microsoft.com/office/drawing/2014/main" id="{BFE648D1-A322-D6B7-E90B-0B7323D0D095}"/>
               </a:ext>
             </a:extLst>
           </p:cNvPr>
@@ -8560,8 +9448,8 @@
         </p:nvSpPr>
         <p:spPr>
           <a:xfrm>
-            <a:off x="33946" y="3581083"/>
-            <a:ext cx="1220014" cy="276999"/>
+            <a:off x="2438819" y="5319072"/>
+            <a:ext cx="3446072" cy="276999"/>
           </a:xfrm>
           <a:prstGeom prst="rect">
             <a:avLst/>
@@ -8576,7 +9464,7 @@
           <a:p>
             <a:r>
               <a:rPr lang="en-US" sz="1200" dirty="0"/>
-              <a:t>To next PC logic</a:t>
+              <a:t>Four Instructions plus cache line to decode stage</a:t>
             </a:r>
             <a:endParaRPr lang="en-CA" sz="1200" dirty="0"/>
           </a:p>
@@ -8584,210 +9472,10 @@
       </p:sp>
       <p:sp>
         <p:nvSpPr>
-          <p:cNvPr id="32" name="Arrow: Down 31">
-            <a:extLst>
-              <a:ext uri="{FF2B5EF4-FFF2-40B4-BE49-F238E27FC236}">
-                <a16:creationId xmlns:a16="http://schemas.microsoft.com/office/drawing/2014/main" id="{55ABA037-99DD-FB58-5BC7-38EFDB9FAED6}"/>
-              </a:ext>
-            </a:extLst>
-          </p:cNvPr>
-          <p:cNvSpPr/>
-          <p:nvPr/>
-        </p:nvSpPr>
-        <p:spPr>
-          <a:xfrm>
-            <a:off x="936693" y="4709598"/>
-            <a:ext cx="1943652" cy="366642"/>
-          </a:xfrm>
-          <a:prstGeom prst="downArrow">
-            <a:avLst/>
-          </a:prstGeom>
-        </p:spPr>
-        <p:style>
-          <a:lnRef idx="2">
-            <a:schemeClr val="accent1">
-              <a:shade val="15000"/>
-            </a:schemeClr>
-          </a:lnRef>
-          <a:fillRef idx="1">
-            <a:schemeClr val="accent1"/>
-          </a:fillRef>
-          <a:effectRef idx="0">
-            <a:schemeClr val="accent1"/>
-          </a:effectRef>
-          <a:fontRef idx="minor">
-            <a:schemeClr val="lt1"/>
-          </a:fontRef>
-        </p:style>
-        <p:txBody>
-          <a:bodyPr rtlCol="0" anchor="ctr"/>
-          <a:lstStyle/>
-          <a:p>
-            <a:pPr algn="ctr"/>
-            <a:r>
-              <a:rPr lang="en-US" sz="1100" dirty="0"/>
-              <a:t>Cache line in 512</a:t>
-            </a:r>
-            <a:endParaRPr lang="en-CA" sz="1100" dirty="0"/>
-          </a:p>
-        </p:txBody>
-      </p:sp>
-      <p:sp>
-        <p:nvSpPr>
-          <p:cNvPr id="34" name="Arrow: Down 33">
-            <a:extLst>
-              <a:ext uri="{FF2B5EF4-FFF2-40B4-BE49-F238E27FC236}">
-                <a16:creationId xmlns:a16="http://schemas.microsoft.com/office/drawing/2014/main" id="{437D6B38-9653-41ED-F752-4E7033A4349E}"/>
-              </a:ext>
-            </a:extLst>
-          </p:cNvPr>
-          <p:cNvSpPr/>
-          <p:nvPr/>
-        </p:nvSpPr>
-        <p:spPr>
-          <a:xfrm>
-            <a:off x="4515225" y="4539101"/>
-            <a:ext cx="620642" cy="533047"/>
-          </a:xfrm>
-          <a:prstGeom prst="downArrow">
-            <a:avLst/>
-          </a:prstGeom>
-        </p:spPr>
-        <p:style>
-          <a:lnRef idx="2">
-            <a:schemeClr val="accent1">
-              <a:shade val="15000"/>
-            </a:schemeClr>
-          </a:lnRef>
-          <a:fillRef idx="1">
-            <a:schemeClr val="accent1"/>
-          </a:fillRef>
-          <a:effectRef idx="0">
-            <a:schemeClr val="accent1"/>
-          </a:effectRef>
-          <a:fontRef idx="minor">
-            <a:schemeClr val="lt1"/>
-          </a:fontRef>
-        </p:style>
-        <p:txBody>
-          <a:bodyPr rtlCol="0" anchor="ctr"/>
-          <a:lstStyle/>
-          <a:p>
-            <a:pPr algn="ctr"/>
-            <a:r>
-              <a:rPr lang="en-US" sz="900" dirty="0"/>
-              <a:t>48</a:t>
-            </a:r>
-            <a:endParaRPr lang="en-CA" sz="900" dirty="0"/>
-          </a:p>
-        </p:txBody>
-      </p:sp>
-      <p:sp>
-        <p:nvSpPr>
-          <p:cNvPr id="35" name="Arrow: Down 34">
-            <a:extLst>
-              <a:ext uri="{FF2B5EF4-FFF2-40B4-BE49-F238E27FC236}">
-                <a16:creationId xmlns:a16="http://schemas.microsoft.com/office/drawing/2014/main" id="{FA20F7F4-E53F-C70E-F8DC-75A6C911A03F}"/>
-              </a:ext>
-            </a:extLst>
-          </p:cNvPr>
-          <p:cNvSpPr/>
-          <p:nvPr/>
-        </p:nvSpPr>
-        <p:spPr>
-          <a:xfrm>
-            <a:off x="5204340" y="4539101"/>
-            <a:ext cx="620642" cy="533048"/>
-          </a:xfrm>
-          <a:prstGeom prst="downArrow">
-            <a:avLst/>
-          </a:prstGeom>
-        </p:spPr>
-        <p:style>
-          <a:lnRef idx="2">
-            <a:schemeClr val="accent1">
-              <a:shade val="15000"/>
-            </a:schemeClr>
-          </a:lnRef>
-          <a:fillRef idx="1">
-            <a:schemeClr val="accent1"/>
-          </a:fillRef>
-          <a:effectRef idx="0">
-            <a:schemeClr val="accent1"/>
-          </a:effectRef>
-          <a:fontRef idx="minor">
-            <a:schemeClr val="lt1"/>
-          </a:fontRef>
-        </p:style>
-        <p:txBody>
-          <a:bodyPr rtlCol="0" anchor="ctr"/>
-          <a:lstStyle/>
-          <a:p>
-            <a:pPr algn="ctr"/>
-            <a:r>
-              <a:rPr lang="en-US" sz="900" dirty="0"/>
-              <a:t>48</a:t>
-            </a:r>
-            <a:endParaRPr lang="en-CA" sz="900" dirty="0"/>
-          </a:p>
-        </p:txBody>
-      </p:sp>
-      <p:sp>
-        <p:nvSpPr>
-          <p:cNvPr id="36" name="Arrow: Down 35">
-            <a:extLst>
-              <a:ext uri="{FF2B5EF4-FFF2-40B4-BE49-F238E27FC236}">
-                <a16:creationId xmlns:a16="http://schemas.microsoft.com/office/drawing/2014/main" id="{9D7EB854-DDE2-F90E-C656-ABA798196F6A}"/>
-              </a:ext>
-            </a:extLst>
-          </p:cNvPr>
-          <p:cNvSpPr/>
-          <p:nvPr/>
-        </p:nvSpPr>
-        <p:spPr>
-          <a:xfrm>
-            <a:off x="5866949" y="4539100"/>
-            <a:ext cx="620642" cy="533048"/>
-          </a:xfrm>
-          <a:prstGeom prst="downArrow">
-            <a:avLst/>
-          </a:prstGeom>
-        </p:spPr>
-        <p:style>
-          <a:lnRef idx="2">
-            <a:schemeClr val="accent1">
-              <a:shade val="15000"/>
-            </a:schemeClr>
-          </a:lnRef>
-          <a:fillRef idx="1">
-            <a:schemeClr val="accent1"/>
-          </a:fillRef>
-          <a:effectRef idx="0">
-            <a:schemeClr val="accent1"/>
-          </a:effectRef>
-          <a:fontRef idx="minor">
-            <a:schemeClr val="lt1"/>
-          </a:fontRef>
-        </p:style>
-        <p:txBody>
-          <a:bodyPr rtlCol="0" anchor="ctr"/>
-          <a:lstStyle/>
-          <a:p>
-            <a:pPr algn="ctr"/>
-            <a:r>
-              <a:rPr lang="en-US" sz="900" dirty="0"/>
-              <a:t>48</a:t>
-            </a:r>
-            <a:endParaRPr lang="en-CA" sz="900" dirty="0"/>
-          </a:p>
-        </p:txBody>
-      </p:sp>
-      <p:sp>
-        <p:nvSpPr>
-          <p:cNvPr id="37" name="TextBox 36">
-            <a:extLst>
-              <a:ext uri="{FF2B5EF4-FFF2-40B4-BE49-F238E27FC236}">
-                <a16:creationId xmlns:a16="http://schemas.microsoft.com/office/drawing/2014/main" id="{BFE648D1-A322-D6B7-E90B-0B7323D0D095}"/>
+          <p:cNvPr id="38" name="TextBox 37">
+            <a:extLst>
+              <a:ext uri="{FF2B5EF4-FFF2-40B4-BE49-F238E27FC236}">
+                <a16:creationId xmlns:a16="http://schemas.microsoft.com/office/drawing/2014/main" id="{15067C78-238E-0C37-463C-051DD16AD52D}"/>
               </a:ext>
             </a:extLst>
           </p:cNvPr>
@@ -8796,43 +9484,7 @@
         </p:nvSpPr>
         <p:spPr>
           <a:xfrm>
-            <a:off x="2438819" y="5319072"/>
-            <a:ext cx="3446072" cy="276999"/>
-          </a:xfrm>
-          <a:prstGeom prst="rect">
-            <a:avLst/>
-          </a:prstGeom>
-          <a:noFill/>
-        </p:spPr>
-        <p:txBody>
-          <a:bodyPr wrap="none" rtlCol="0">
-            <a:spAutoFit/>
-          </a:bodyPr>
-          <a:lstStyle/>
-          <a:p>
-            <a:r>
-              <a:rPr lang="en-US" sz="1200" dirty="0"/>
-              <a:t>Four Instructions plus cache line to decode stage</a:t>
-            </a:r>
-            <a:endParaRPr lang="en-CA" sz="1200" dirty="0"/>
-          </a:p>
-        </p:txBody>
-      </p:sp>
-      <p:sp>
-        <p:nvSpPr>
-          <p:cNvPr id="38" name="TextBox 37">
-            <a:extLst>
-              <a:ext uri="{FF2B5EF4-FFF2-40B4-BE49-F238E27FC236}">
-                <a16:creationId xmlns:a16="http://schemas.microsoft.com/office/drawing/2014/main" id="{15067C78-238E-0C37-463C-051DD16AD52D}"/>
-              </a:ext>
-            </a:extLst>
-          </p:cNvPr>
-          <p:cNvSpPr txBox="1"/>
-          <p:nvPr/>
-        </p:nvSpPr>
-        <p:spPr>
-          <a:xfrm>
-            <a:off x="6559826" y="1325563"/>
+            <a:off x="5884891" y="1404385"/>
             <a:ext cx="5215315" cy="1600438"/>
           </a:xfrm>
           <a:prstGeom prst="rect">
@@ -8882,7 +9534,7 @@
             </a:pPr>
             <a:r>
               <a:rPr lang="en-US" sz="1400" dirty="0"/>
-              <a:t>Micro-code instructions are multiplexed onto the output.</a:t>
+              <a:t>Both instructions and raw cache line data are passed to the decode stage.</a:t>
             </a:r>
           </a:p>
           <a:p>
@@ -8892,7 +9544,7 @@
             </a:pPr>
             <a:r>
               <a:rPr lang="en-US" sz="1400" dirty="0"/>
-              <a:t>Both instructions and cache line are passed to the decode stage.</a:t>
+              <a:t>Raw cache line data is to detect constant zones.</a:t>
             </a:r>
             <a:endParaRPr lang="en-CA" sz="1400" dirty="0"/>
           </a:p>
@@ -8907,13 +9559,15 @@
               </a:ext>
             </a:extLst>
           </p:cNvPr>
-          <p:cNvCxnSpPr/>
+          <p:cNvCxnSpPr>
+            <a:cxnSpLocks/>
+          </p:cNvCxnSpPr>
           <p:nvPr/>
         </p:nvCxnSpPr>
         <p:spPr>
           <a:xfrm>
-            <a:off x="784412" y="5072148"/>
-            <a:ext cx="8637494" cy="33252"/>
+            <a:off x="788407" y="4885925"/>
+            <a:ext cx="5833263" cy="7188"/>
           </a:xfrm>
           <a:prstGeom prst="line">
             <a:avLst/>
@@ -8953,7 +9607,7 @@
         </p:nvSpPr>
         <p:spPr>
           <a:xfrm>
-            <a:off x="7912206" y="4821190"/>
+            <a:off x="5381041" y="4608926"/>
             <a:ext cx="1297086" cy="276999"/>
           </a:xfrm>
           <a:prstGeom prst="rect">
@@ -9025,7 +9679,7 @@
         </p:nvSpPr>
         <p:spPr>
           <a:xfrm>
-            <a:off x="2524085" y="2773218"/>
+            <a:off x="2200320" y="2778598"/>
             <a:ext cx="620642" cy="300383"/>
           </a:xfrm>
           <a:prstGeom prst="downArrow">
@@ -9075,7 +9729,7 @@
         </p:nvSpPr>
         <p:spPr>
           <a:xfrm>
-            <a:off x="2561631" y="3084849"/>
+            <a:off x="2237866" y="3090229"/>
             <a:ext cx="583096" cy="300383"/>
           </a:xfrm>
           <a:prstGeom prst="rect">
@@ -9132,7 +9786,7 @@
         </p:nvSpPr>
         <p:spPr>
           <a:xfrm>
-            <a:off x="2535776" y="3444374"/>
+            <a:off x="2212011" y="3449754"/>
             <a:ext cx="620642" cy="480743"/>
           </a:xfrm>
           <a:prstGeom prst="rect">
@@ -9182,8 +9836,8 @@
         </p:nvSpPr>
         <p:spPr>
           <a:xfrm>
-            <a:off x="2517457" y="3944758"/>
-            <a:ext cx="620642" cy="300383"/>
+            <a:off x="2193692" y="3950138"/>
+            <a:ext cx="620642" cy="913718"/>
           </a:xfrm>
           <a:prstGeom prst="downArrow">
             <a:avLst/>
@@ -9211,110 +9865,10 @@
           <a:p>
             <a:pPr algn="ctr"/>
             <a:r>
-              <a:rPr lang="en-US" sz="900" dirty="0"/>
-              <a:t>48</a:t>
-            </a:r>
-            <a:endParaRPr lang="en-CA" sz="900" dirty="0"/>
-          </a:p>
-        </p:txBody>
-      </p:sp>
-      <p:sp>
-        <p:nvSpPr>
-          <p:cNvPr id="49" name="Arrow: Down 48">
-            <a:extLst>
-              <a:ext uri="{FF2B5EF4-FFF2-40B4-BE49-F238E27FC236}">
-                <a16:creationId xmlns:a16="http://schemas.microsoft.com/office/drawing/2014/main" id="{8F72AF73-055A-C2DB-ADE5-065C16F244C9}"/>
-              </a:ext>
-            </a:extLst>
-          </p:cNvPr>
-          <p:cNvSpPr/>
-          <p:nvPr/>
-        </p:nvSpPr>
-        <p:spPr>
-          <a:xfrm>
-            <a:off x="7484822" y="3936502"/>
-            <a:ext cx="620642" cy="300383"/>
-          </a:xfrm>
-          <a:prstGeom prst="downArrow">
-            <a:avLst/>
-          </a:prstGeom>
-        </p:spPr>
-        <p:style>
-          <a:lnRef idx="2">
-            <a:schemeClr val="accent1">
-              <a:shade val="15000"/>
-            </a:schemeClr>
-          </a:lnRef>
-          <a:fillRef idx="1">
-            <a:schemeClr val="accent1"/>
-          </a:fillRef>
-          <a:effectRef idx="0">
-            <a:schemeClr val="accent1"/>
-          </a:effectRef>
-          <a:fontRef idx="minor">
-            <a:schemeClr val="lt1"/>
-          </a:fontRef>
-        </p:style>
-        <p:txBody>
-          <a:bodyPr rtlCol="0" anchor="ctr"/>
-          <a:lstStyle/>
-          <a:p>
-            <a:pPr algn="ctr"/>
-            <a:r>
-              <a:rPr lang="en-US" sz="900" dirty="0"/>
-              <a:t>48</a:t>
-            </a:r>
-            <a:endParaRPr lang="en-CA" sz="900" dirty="0"/>
-          </a:p>
-        </p:txBody>
-      </p:sp>
-      <p:sp>
-        <p:nvSpPr>
-          <p:cNvPr id="51" name="Arrow: Down 50">
-            <a:extLst>
-              <a:ext uri="{FF2B5EF4-FFF2-40B4-BE49-F238E27FC236}">
-                <a16:creationId xmlns:a16="http://schemas.microsoft.com/office/drawing/2014/main" id="{58A3E361-97B1-71DC-C6DA-4EC9480C96CE}"/>
-              </a:ext>
-            </a:extLst>
-          </p:cNvPr>
-          <p:cNvSpPr/>
-          <p:nvPr/>
-        </p:nvSpPr>
-        <p:spPr>
-          <a:xfrm>
-            <a:off x="3871391" y="4539100"/>
-            <a:ext cx="620642" cy="533048"/>
-          </a:xfrm>
-          <a:prstGeom prst="downArrow">
-            <a:avLst/>
-          </a:prstGeom>
-        </p:spPr>
-        <p:style>
-          <a:lnRef idx="2">
-            <a:schemeClr val="accent1">
-              <a:shade val="15000"/>
-            </a:schemeClr>
-          </a:lnRef>
-          <a:fillRef idx="1">
-            <a:schemeClr val="accent1"/>
-          </a:fillRef>
-          <a:effectRef idx="0">
-            <a:schemeClr val="accent1"/>
-          </a:effectRef>
-          <a:fontRef idx="minor">
-            <a:schemeClr val="lt1"/>
-          </a:fontRef>
-        </p:style>
-        <p:txBody>
-          <a:bodyPr rtlCol="0" anchor="ctr"/>
-          <a:lstStyle/>
-          <a:p>
-            <a:pPr algn="ctr"/>
-            <a:r>
-              <a:rPr lang="en-US" sz="900" dirty="0"/>
-              <a:t>48</a:t>
-            </a:r>
-            <a:endParaRPr lang="en-CA" sz="900" dirty="0"/>
+              <a:rPr lang="en-US" sz="600" dirty="0"/>
+              <a:t>48 + 240 raw</a:t>
+            </a:r>
+            <a:endParaRPr lang="en-CA" sz="600" dirty="0"/>
           </a:p>
         </p:txBody>
       </p:sp>
